--- a/【阶段性汇报】/20180729/阶段性汇报_赖伟鉴_20180729.pptx
+++ b/【阶段性汇报】/20180729/阶段性汇报_赖伟鉴_20180729.pptx
@@ -5,24 +5,17 @@
     <p:sldMasterId id="2147483660" r:id="rId1"/>
   </p:sldMasterIdLst>
   <p:notesMasterIdLst>
-    <p:notesMasterId r:id="rId17"/>
+    <p:notesMasterId r:id="rId10"/>
   </p:notesMasterIdLst>
   <p:sldIdLst>
     <p:sldId id="357" r:id="rId2"/>
     <p:sldId id="413" r:id="rId3"/>
     <p:sldId id="425" r:id="rId4"/>
-    <p:sldId id="426" r:id="rId5"/>
-    <p:sldId id="427" r:id="rId6"/>
-    <p:sldId id="415" r:id="rId7"/>
-    <p:sldId id="418" r:id="rId8"/>
-    <p:sldId id="417" r:id="rId9"/>
-    <p:sldId id="419" r:id="rId10"/>
-    <p:sldId id="420" r:id="rId11"/>
-    <p:sldId id="421" r:id="rId12"/>
-    <p:sldId id="422" r:id="rId13"/>
-    <p:sldId id="423" r:id="rId14"/>
-    <p:sldId id="424" r:id="rId15"/>
-    <p:sldId id="266" r:id="rId16"/>
+    <p:sldId id="428" r:id="rId5"/>
+    <p:sldId id="426" r:id="rId6"/>
+    <p:sldId id="427" r:id="rId7"/>
+    <p:sldId id="429" r:id="rId8"/>
+    <p:sldId id="266" r:id="rId9"/>
   </p:sldIdLst>
   <p:sldSz cx="9144000" cy="6858000" type="screen4x3"/>
   <p:notesSz cx="6858000" cy="9144000"/>
@@ -223,7 +216,7 @@
             <a:fld id="{B446C8B3-07E5-47F8-B432-13779F77A583}" type="datetimeFigureOut">
               <a:rPr lang="zh-CN" altLang="en-US" smtClean="0"/>
               <a:pPr/>
-              <a:t>2018/7/28</a:t>
+              <a:t>2018/7/30</a:t>
             </a:fld>
             <a:endParaRPr lang="zh-CN" altLang="en-US"/>
           </a:p>
@@ -575,426 +568,6 @@
 </p:notes>
 </file>
 
-<file path=ppt/notesSlides/notesSlide10.xml><?xml version="1.0" encoding="utf-8"?>
-<p:notes xmlns:a="http://schemas.openxmlformats.org/drawingml/2006/main" xmlns:r="http://schemas.openxmlformats.org/officeDocument/2006/relationships" xmlns:p="http://schemas.openxmlformats.org/presentationml/2006/main">
-  <p:cSld>
-    <p:spTree>
-      <p:nvGrpSpPr>
-        <p:cNvPr id="1" name=""/>
-        <p:cNvGrpSpPr/>
-        <p:nvPr/>
-      </p:nvGrpSpPr>
-      <p:grpSpPr>
-        <a:xfrm>
-          <a:off x="0" y="0"/>
-          <a:ext cx="0" cy="0"/>
-          <a:chOff x="0" y="0"/>
-          <a:chExt cx="0" cy="0"/>
-        </a:xfrm>
-      </p:grpSpPr>
-      <p:sp>
-        <p:nvSpPr>
-          <p:cNvPr id="2" name="幻灯片图像占位符 1"/>
-          <p:cNvSpPr>
-            <a:spLocks noGrp="1" noRot="1" noChangeAspect="1"/>
-          </p:cNvSpPr>
-          <p:nvPr>
-            <p:ph type="sldImg"/>
-          </p:nvPr>
-        </p:nvSpPr>
-        <p:spPr/>
-      </p:sp>
-      <p:sp>
-        <p:nvSpPr>
-          <p:cNvPr id="3" name="备注占位符 2"/>
-          <p:cNvSpPr>
-            <a:spLocks noGrp="1"/>
-          </p:cNvSpPr>
-          <p:nvPr>
-            <p:ph type="body" idx="1"/>
-          </p:nvPr>
-        </p:nvSpPr>
-        <p:spPr/>
-        <p:txBody>
-          <a:bodyPr/>
-          <a:lstStyle/>
-          <a:p>
-            <a:endParaRPr lang="en-US" dirty="0"/>
-          </a:p>
-        </p:txBody>
-      </p:sp>
-      <p:sp>
-        <p:nvSpPr>
-          <p:cNvPr id="4" name="灯片编号占位符 3"/>
-          <p:cNvSpPr>
-            <a:spLocks noGrp="1"/>
-          </p:cNvSpPr>
-          <p:nvPr>
-            <p:ph type="sldNum" sz="quarter" idx="10"/>
-          </p:nvPr>
-        </p:nvSpPr>
-        <p:spPr/>
-        <p:txBody>
-          <a:bodyPr/>
-          <a:lstStyle/>
-          <a:p>
-            <a:fld id="{5AB83771-98C8-4CF2-A2CA-1E9728654814}" type="slidenum">
-              <a:rPr lang="zh-CN" altLang="en-US" smtClean="0"/>
-              <a:t>10</a:t>
-            </a:fld>
-            <a:endParaRPr lang="zh-CN" altLang="en-US"/>
-          </a:p>
-        </p:txBody>
-      </p:sp>
-    </p:spTree>
-    <p:extLst>
-      <p:ext uri="{BB962C8B-B14F-4D97-AF65-F5344CB8AC3E}">
-        <p14:creationId xmlns:p14="http://schemas.microsoft.com/office/powerpoint/2010/main" val="3034587766"/>
-      </p:ext>
-    </p:extLst>
-  </p:cSld>
-  <p:clrMapOvr>
-    <a:masterClrMapping/>
-  </p:clrMapOvr>
-</p:notes>
-</file>
-
-<file path=ppt/notesSlides/notesSlide11.xml><?xml version="1.0" encoding="utf-8"?>
-<p:notes xmlns:a="http://schemas.openxmlformats.org/drawingml/2006/main" xmlns:r="http://schemas.openxmlformats.org/officeDocument/2006/relationships" xmlns:p="http://schemas.openxmlformats.org/presentationml/2006/main">
-  <p:cSld>
-    <p:spTree>
-      <p:nvGrpSpPr>
-        <p:cNvPr id="1" name=""/>
-        <p:cNvGrpSpPr/>
-        <p:nvPr/>
-      </p:nvGrpSpPr>
-      <p:grpSpPr>
-        <a:xfrm>
-          <a:off x="0" y="0"/>
-          <a:ext cx="0" cy="0"/>
-          <a:chOff x="0" y="0"/>
-          <a:chExt cx="0" cy="0"/>
-        </a:xfrm>
-      </p:grpSpPr>
-      <p:sp>
-        <p:nvSpPr>
-          <p:cNvPr id="2" name="幻灯片图像占位符 1"/>
-          <p:cNvSpPr>
-            <a:spLocks noGrp="1" noRot="1" noChangeAspect="1"/>
-          </p:cNvSpPr>
-          <p:nvPr>
-            <p:ph type="sldImg"/>
-          </p:nvPr>
-        </p:nvSpPr>
-        <p:spPr/>
-      </p:sp>
-      <p:sp>
-        <p:nvSpPr>
-          <p:cNvPr id="3" name="备注占位符 2"/>
-          <p:cNvSpPr>
-            <a:spLocks noGrp="1"/>
-          </p:cNvSpPr>
-          <p:nvPr>
-            <p:ph type="body" idx="1"/>
-          </p:nvPr>
-        </p:nvSpPr>
-        <p:spPr/>
-        <p:txBody>
-          <a:bodyPr/>
-          <a:lstStyle/>
-          <a:p>
-            <a:endParaRPr lang="en-US" dirty="0"/>
-          </a:p>
-        </p:txBody>
-      </p:sp>
-      <p:sp>
-        <p:nvSpPr>
-          <p:cNvPr id="4" name="灯片编号占位符 3"/>
-          <p:cNvSpPr>
-            <a:spLocks noGrp="1"/>
-          </p:cNvSpPr>
-          <p:nvPr>
-            <p:ph type="sldNum" sz="quarter" idx="10"/>
-          </p:nvPr>
-        </p:nvSpPr>
-        <p:spPr/>
-        <p:txBody>
-          <a:bodyPr/>
-          <a:lstStyle/>
-          <a:p>
-            <a:fld id="{5AB83771-98C8-4CF2-A2CA-1E9728654814}" type="slidenum">
-              <a:rPr lang="zh-CN" altLang="en-US" smtClean="0"/>
-              <a:t>11</a:t>
-            </a:fld>
-            <a:endParaRPr lang="zh-CN" altLang="en-US"/>
-          </a:p>
-        </p:txBody>
-      </p:sp>
-    </p:spTree>
-    <p:extLst>
-      <p:ext uri="{BB962C8B-B14F-4D97-AF65-F5344CB8AC3E}">
-        <p14:creationId xmlns:p14="http://schemas.microsoft.com/office/powerpoint/2010/main" val="3906031721"/>
-      </p:ext>
-    </p:extLst>
-  </p:cSld>
-  <p:clrMapOvr>
-    <a:masterClrMapping/>
-  </p:clrMapOvr>
-</p:notes>
-</file>
-
-<file path=ppt/notesSlides/notesSlide12.xml><?xml version="1.0" encoding="utf-8"?>
-<p:notes xmlns:a="http://schemas.openxmlformats.org/drawingml/2006/main" xmlns:r="http://schemas.openxmlformats.org/officeDocument/2006/relationships" xmlns:p="http://schemas.openxmlformats.org/presentationml/2006/main">
-  <p:cSld>
-    <p:spTree>
-      <p:nvGrpSpPr>
-        <p:cNvPr id="1" name=""/>
-        <p:cNvGrpSpPr/>
-        <p:nvPr/>
-      </p:nvGrpSpPr>
-      <p:grpSpPr>
-        <a:xfrm>
-          <a:off x="0" y="0"/>
-          <a:ext cx="0" cy="0"/>
-          <a:chOff x="0" y="0"/>
-          <a:chExt cx="0" cy="0"/>
-        </a:xfrm>
-      </p:grpSpPr>
-      <p:sp>
-        <p:nvSpPr>
-          <p:cNvPr id="2" name="幻灯片图像占位符 1"/>
-          <p:cNvSpPr>
-            <a:spLocks noGrp="1" noRot="1" noChangeAspect="1"/>
-          </p:cNvSpPr>
-          <p:nvPr>
-            <p:ph type="sldImg"/>
-          </p:nvPr>
-        </p:nvSpPr>
-        <p:spPr/>
-      </p:sp>
-      <p:sp>
-        <p:nvSpPr>
-          <p:cNvPr id="3" name="备注占位符 2"/>
-          <p:cNvSpPr>
-            <a:spLocks noGrp="1"/>
-          </p:cNvSpPr>
-          <p:nvPr>
-            <p:ph type="body" idx="1"/>
-          </p:nvPr>
-        </p:nvSpPr>
-        <p:spPr/>
-        <p:txBody>
-          <a:bodyPr/>
-          <a:lstStyle/>
-          <a:p>
-            <a:endParaRPr lang="en-US" dirty="0"/>
-          </a:p>
-        </p:txBody>
-      </p:sp>
-      <p:sp>
-        <p:nvSpPr>
-          <p:cNvPr id="4" name="灯片编号占位符 3"/>
-          <p:cNvSpPr>
-            <a:spLocks noGrp="1"/>
-          </p:cNvSpPr>
-          <p:nvPr>
-            <p:ph type="sldNum" sz="quarter" idx="10"/>
-          </p:nvPr>
-        </p:nvSpPr>
-        <p:spPr/>
-        <p:txBody>
-          <a:bodyPr/>
-          <a:lstStyle/>
-          <a:p>
-            <a:fld id="{5AB83771-98C8-4CF2-A2CA-1E9728654814}" type="slidenum">
-              <a:rPr lang="zh-CN" altLang="en-US" smtClean="0"/>
-              <a:t>12</a:t>
-            </a:fld>
-            <a:endParaRPr lang="zh-CN" altLang="en-US"/>
-          </a:p>
-        </p:txBody>
-      </p:sp>
-    </p:spTree>
-    <p:extLst>
-      <p:ext uri="{BB962C8B-B14F-4D97-AF65-F5344CB8AC3E}">
-        <p14:creationId xmlns:p14="http://schemas.microsoft.com/office/powerpoint/2010/main" val="2249249174"/>
-      </p:ext>
-    </p:extLst>
-  </p:cSld>
-  <p:clrMapOvr>
-    <a:masterClrMapping/>
-  </p:clrMapOvr>
-</p:notes>
-</file>
-
-<file path=ppt/notesSlides/notesSlide13.xml><?xml version="1.0" encoding="utf-8"?>
-<p:notes xmlns:a="http://schemas.openxmlformats.org/drawingml/2006/main" xmlns:r="http://schemas.openxmlformats.org/officeDocument/2006/relationships" xmlns:p="http://schemas.openxmlformats.org/presentationml/2006/main">
-  <p:cSld>
-    <p:spTree>
-      <p:nvGrpSpPr>
-        <p:cNvPr id="1" name=""/>
-        <p:cNvGrpSpPr/>
-        <p:nvPr/>
-      </p:nvGrpSpPr>
-      <p:grpSpPr>
-        <a:xfrm>
-          <a:off x="0" y="0"/>
-          <a:ext cx="0" cy="0"/>
-          <a:chOff x="0" y="0"/>
-          <a:chExt cx="0" cy="0"/>
-        </a:xfrm>
-      </p:grpSpPr>
-      <p:sp>
-        <p:nvSpPr>
-          <p:cNvPr id="2" name="幻灯片图像占位符 1"/>
-          <p:cNvSpPr>
-            <a:spLocks noGrp="1" noRot="1" noChangeAspect="1"/>
-          </p:cNvSpPr>
-          <p:nvPr>
-            <p:ph type="sldImg"/>
-          </p:nvPr>
-        </p:nvSpPr>
-        <p:spPr/>
-      </p:sp>
-      <p:sp>
-        <p:nvSpPr>
-          <p:cNvPr id="3" name="备注占位符 2"/>
-          <p:cNvSpPr>
-            <a:spLocks noGrp="1"/>
-          </p:cNvSpPr>
-          <p:nvPr>
-            <p:ph type="body" idx="1"/>
-          </p:nvPr>
-        </p:nvSpPr>
-        <p:spPr/>
-        <p:txBody>
-          <a:bodyPr/>
-          <a:lstStyle/>
-          <a:p>
-            <a:endParaRPr lang="en-US" dirty="0"/>
-          </a:p>
-        </p:txBody>
-      </p:sp>
-      <p:sp>
-        <p:nvSpPr>
-          <p:cNvPr id="4" name="灯片编号占位符 3"/>
-          <p:cNvSpPr>
-            <a:spLocks noGrp="1"/>
-          </p:cNvSpPr>
-          <p:nvPr>
-            <p:ph type="sldNum" sz="quarter" idx="10"/>
-          </p:nvPr>
-        </p:nvSpPr>
-        <p:spPr/>
-        <p:txBody>
-          <a:bodyPr/>
-          <a:lstStyle/>
-          <a:p>
-            <a:fld id="{5AB83771-98C8-4CF2-A2CA-1E9728654814}" type="slidenum">
-              <a:rPr lang="zh-CN" altLang="en-US" smtClean="0"/>
-              <a:t>13</a:t>
-            </a:fld>
-            <a:endParaRPr lang="zh-CN" altLang="en-US"/>
-          </a:p>
-        </p:txBody>
-      </p:sp>
-    </p:spTree>
-    <p:extLst>
-      <p:ext uri="{BB962C8B-B14F-4D97-AF65-F5344CB8AC3E}">
-        <p14:creationId xmlns:p14="http://schemas.microsoft.com/office/powerpoint/2010/main" val="1288282614"/>
-      </p:ext>
-    </p:extLst>
-  </p:cSld>
-  <p:clrMapOvr>
-    <a:masterClrMapping/>
-  </p:clrMapOvr>
-</p:notes>
-</file>
-
-<file path=ppt/notesSlides/notesSlide14.xml><?xml version="1.0" encoding="utf-8"?>
-<p:notes xmlns:a="http://schemas.openxmlformats.org/drawingml/2006/main" xmlns:r="http://schemas.openxmlformats.org/officeDocument/2006/relationships" xmlns:p="http://schemas.openxmlformats.org/presentationml/2006/main">
-  <p:cSld>
-    <p:spTree>
-      <p:nvGrpSpPr>
-        <p:cNvPr id="1" name=""/>
-        <p:cNvGrpSpPr/>
-        <p:nvPr/>
-      </p:nvGrpSpPr>
-      <p:grpSpPr>
-        <a:xfrm>
-          <a:off x="0" y="0"/>
-          <a:ext cx="0" cy="0"/>
-          <a:chOff x="0" y="0"/>
-          <a:chExt cx="0" cy="0"/>
-        </a:xfrm>
-      </p:grpSpPr>
-      <p:sp>
-        <p:nvSpPr>
-          <p:cNvPr id="2" name="幻灯片图像占位符 1"/>
-          <p:cNvSpPr>
-            <a:spLocks noGrp="1" noRot="1" noChangeAspect="1"/>
-          </p:cNvSpPr>
-          <p:nvPr>
-            <p:ph type="sldImg"/>
-          </p:nvPr>
-        </p:nvSpPr>
-        <p:spPr/>
-      </p:sp>
-      <p:sp>
-        <p:nvSpPr>
-          <p:cNvPr id="3" name="备注占位符 2"/>
-          <p:cNvSpPr>
-            <a:spLocks noGrp="1"/>
-          </p:cNvSpPr>
-          <p:nvPr>
-            <p:ph type="body" idx="1"/>
-          </p:nvPr>
-        </p:nvSpPr>
-        <p:spPr/>
-        <p:txBody>
-          <a:bodyPr/>
-          <a:lstStyle/>
-          <a:p>
-            <a:endParaRPr lang="en-US" dirty="0"/>
-          </a:p>
-        </p:txBody>
-      </p:sp>
-      <p:sp>
-        <p:nvSpPr>
-          <p:cNvPr id="4" name="灯片编号占位符 3"/>
-          <p:cNvSpPr>
-            <a:spLocks noGrp="1"/>
-          </p:cNvSpPr>
-          <p:nvPr>
-            <p:ph type="sldNum" sz="quarter" idx="10"/>
-          </p:nvPr>
-        </p:nvSpPr>
-        <p:spPr/>
-        <p:txBody>
-          <a:bodyPr/>
-          <a:lstStyle/>
-          <a:p>
-            <a:fld id="{5AB83771-98C8-4CF2-A2CA-1E9728654814}" type="slidenum">
-              <a:rPr lang="zh-CN" altLang="en-US" smtClean="0"/>
-              <a:t>14</a:t>
-            </a:fld>
-            <a:endParaRPr lang="zh-CN" altLang="en-US"/>
-          </a:p>
-        </p:txBody>
-      </p:sp>
-    </p:spTree>
-    <p:extLst>
-      <p:ext uri="{BB962C8B-B14F-4D97-AF65-F5344CB8AC3E}">
-        <p14:creationId xmlns:p14="http://schemas.microsoft.com/office/powerpoint/2010/main" val="1600060042"/>
-      </p:ext>
-    </p:extLst>
-  </p:cSld>
-  <p:clrMapOvr>
-    <a:masterClrMapping/>
-  </p:clrMapOvr>
-</p:notes>
-</file>
-
 <file path=ppt/notesSlides/notesSlide2.xml><?xml version="1.0" encoding="utf-8"?>
 <p:notes xmlns:a="http://schemas.openxmlformats.org/drawingml/2006/main" xmlns:r="http://schemas.openxmlformats.org/officeDocument/2006/relationships" xmlns:p="http://schemas.openxmlformats.org/presentationml/2006/main">
   <p:cSld>
@@ -1237,7 +810,7 @@
     </p:spTree>
     <p:extLst>
       <p:ext uri="{BB962C8B-B14F-4D97-AF65-F5344CB8AC3E}">
-        <p14:creationId xmlns:p14="http://schemas.microsoft.com/office/powerpoint/2010/main" val="1253733652"/>
+        <p14:creationId xmlns:p14="http://schemas.microsoft.com/office/powerpoint/2010/main" val="3051685680"/>
       </p:ext>
     </p:extLst>
   </p:cSld>
@@ -1321,7 +894,7 @@
     </p:spTree>
     <p:extLst>
       <p:ext uri="{BB962C8B-B14F-4D97-AF65-F5344CB8AC3E}">
-        <p14:creationId xmlns:p14="http://schemas.microsoft.com/office/powerpoint/2010/main" val="1502246145"/>
+        <p14:creationId xmlns:p14="http://schemas.microsoft.com/office/powerpoint/2010/main" val="1253733652"/>
       </p:ext>
     </p:extLst>
   </p:cSld>
@@ -1405,7 +978,7 @@
     </p:spTree>
     <p:extLst>
       <p:ext uri="{BB962C8B-B14F-4D97-AF65-F5344CB8AC3E}">
-        <p14:creationId xmlns:p14="http://schemas.microsoft.com/office/powerpoint/2010/main" val="1018111504"/>
+        <p14:creationId xmlns:p14="http://schemas.microsoft.com/office/powerpoint/2010/main" val="1502246145"/>
       </p:ext>
     </p:extLst>
   </p:cSld>
@@ -1489,175 +1062,7 @@
     </p:spTree>
     <p:extLst>
       <p:ext uri="{BB962C8B-B14F-4D97-AF65-F5344CB8AC3E}">
-        <p14:creationId xmlns:p14="http://schemas.microsoft.com/office/powerpoint/2010/main" val="3599634908"/>
-      </p:ext>
-    </p:extLst>
-  </p:cSld>
-  <p:clrMapOvr>
-    <a:masterClrMapping/>
-  </p:clrMapOvr>
-</p:notes>
-</file>
-
-<file path=ppt/notesSlides/notesSlide8.xml><?xml version="1.0" encoding="utf-8"?>
-<p:notes xmlns:a="http://schemas.openxmlformats.org/drawingml/2006/main" xmlns:r="http://schemas.openxmlformats.org/officeDocument/2006/relationships" xmlns:p="http://schemas.openxmlformats.org/presentationml/2006/main">
-  <p:cSld>
-    <p:spTree>
-      <p:nvGrpSpPr>
-        <p:cNvPr id="1" name=""/>
-        <p:cNvGrpSpPr/>
-        <p:nvPr/>
-      </p:nvGrpSpPr>
-      <p:grpSpPr>
-        <a:xfrm>
-          <a:off x="0" y="0"/>
-          <a:ext cx="0" cy="0"/>
-          <a:chOff x="0" y="0"/>
-          <a:chExt cx="0" cy="0"/>
-        </a:xfrm>
-      </p:grpSpPr>
-      <p:sp>
-        <p:nvSpPr>
-          <p:cNvPr id="2" name="幻灯片图像占位符 1"/>
-          <p:cNvSpPr>
-            <a:spLocks noGrp="1" noRot="1" noChangeAspect="1"/>
-          </p:cNvSpPr>
-          <p:nvPr>
-            <p:ph type="sldImg"/>
-          </p:nvPr>
-        </p:nvSpPr>
-        <p:spPr/>
-      </p:sp>
-      <p:sp>
-        <p:nvSpPr>
-          <p:cNvPr id="3" name="备注占位符 2"/>
-          <p:cNvSpPr>
-            <a:spLocks noGrp="1"/>
-          </p:cNvSpPr>
-          <p:nvPr>
-            <p:ph type="body" idx="1"/>
-          </p:nvPr>
-        </p:nvSpPr>
-        <p:spPr/>
-        <p:txBody>
-          <a:bodyPr/>
-          <a:lstStyle/>
-          <a:p>
-            <a:endParaRPr lang="en-US" dirty="0"/>
-          </a:p>
-        </p:txBody>
-      </p:sp>
-      <p:sp>
-        <p:nvSpPr>
-          <p:cNvPr id="4" name="灯片编号占位符 3"/>
-          <p:cNvSpPr>
-            <a:spLocks noGrp="1"/>
-          </p:cNvSpPr>
-          <p:nvPr>
-            <p:ph type="sldNum" sz="quarter" idx="10"/>
-          </p:nvPr>
-        </p:nvSpPr>
-        <p:spPr/>
-        <p:txBody>
-          <a:bodyPr/>
-          <a:lstStyle/>
-          <a:p>
-            <a:fld id="{5AB83771-98C8-4CF2-A2CA-1E9728654814}" type="slidenum">
-              <a:rPr lang="zh-CN" altLang="en-US" smtClean="0"/>
-              <a:t>8</a:t>
-            </a:fld>
-            <a:endParaRPr lang="zh-CN" altLang="en-US"/>
-          </a:p>
-        </p:txBody>
-      </p:sp>
-    </p:spTree>
-    <p:extLst>
-      <p:ext uri="{BB962C8B-B14F-4D97-AF65-F5344CB8AC3E}">
-        <p14:creationId xmlns:p14="http://schemas.microsoft.com/office/powerpoint/2010/main" val="3513051147"/>
-      </p:ext>
-    </p:extLst>
-  </p:cSld>
-  <p:clrMapOvr>
-    <a:masterClrMapping/>
-  </p:clrMapOvr>
-</p:notes>
-</file>
-
-<file path=ppt/notesSlides/notesSlide9.xml><?xml version="1.0" encoding="utf-8"?>
-<p:notes xmlns:a="http://schemas.openxmlformats.org/drawingml/2006/main" xmlns:r="http://schemas.openxmlformats.org/officeDocument/2006/relationships" xmlns:p="http://schemas.openxmlformats.org/presentationml/2006/main">
-  <p:cSld>
-    <p:spTree>
-      <p:nvGrpSpPr>
-        <p:cNvPr id="1" name=""/>
-        <p:cNvGrpSpPr/>
-        <p:nvPr/>
-      </p:nvGrpSpPr>
-      <p:grpSpPr>
-        <a:xfrm>
-          <a:off x="0" y="0"/>
-          <a:ext cx="0" cy="0"/>
-          <a:chOff x="0" y="0"/>
-          <a:chExt cx="0" cy="0"/>
-        </a:xfrm>
-      </p:grpSpPr>
-      <p:sp>
-        <p:nvSpPr>
-          <p:cNvPr id="2" name="幻灯片图像占位符 1"/>
-          <p:cNvSpPr>
-            <a:spLocks noGrp="1" noRot="1" noChangeAspect="1"/>
-          </p:cNvSpPr>
-          <p:nvPr>
-            <p:ph type="sldImg"/>
-          </p:nvPr>
-        </p:nvSpPr>
-        <p:spPr/>
-      </p:sp>
-      <p:sp>
-        <p:nvSpPr>
-          <p:cNvPr id="3" name="备注占位符 2"/>
-          <p:cNvSpPr>
-            <a:spLocks noGrp="1"/>
-          </p:cNvSpPr>
-          <p:nvPr>
-            <p:ph type="body" idx="1"/>
-          </p:nvPr>
-        </p:nvSpPr>
-        <p:spPr/>
-        <p:txBody>
-          <a:bodyPr/>
-          <a:lstStyle/>
-          <a:p>
-            <a:endParaRPr lang="en-US" dirty="0"/>
-          </a:p>
-        </p:txBody>
-      </p:sp>
-      <p:sp>
-        <p:nvSpPr>
-          <p:cNvPr id="4" name="灯片编号占位符 3"/>
-          <p:cNvSpPr>
-            <a:spLocks noGrp="1"/>
-          </p:cNvSpPr>
-          <p:nvPr>
-            <p:ph type="sldNum" sz="quarter" idx="10"/>
-          </p:nvPr>
-        </p:nvSpPr>
-        <p:spPr/>
-        <p:txBody>
-          <a:bodyPr/>
-          <a:lstStyle/>
-          <a:p>
-            <a:fld id="{5AB83771-98C8-4CF2-A2CA-1E9728654814}" type="slidenum">
-              <a:rPr lang="zh-CN" altLang="en-US" smtClean="0"/>
-              <a:t>9</a:t>
-            </a:fld>
-            <a:endParaRPr lang="zh-CN" altLang="en-US"/>
-          </a:p>
-        </p:txBody>
-      </p:sp>
-    </p:spTree>
-    <p:extLst>
-      <p:ext uri="{BB962C8B-B14F-4D97-AF65-F5344CB8AC3E}">
-        <p14:creationId xmlns:p14="http://schemas.microsoft.com/office/powerpoint/2010/main" val="2063630018"/>
+        <p14:creationId xmlns:p14="http://schemas.microsoft.com/office/powerpoint/2010/main" val="2656050892"/>
       </p:ext>
     </p:extLst>
   </p:cSld>
@@ -1799,7 +1204,7 @@
             <a:fld id="{05E74CF1-FEDE-4305-BA5A-E279929D0518}" type="datetimeFigureOut">
               <a:rPr lang="zh-CN" altLang="en-US" smtClean="0"/>
               <a:pPr/>
-              <a:t>2018/7/28</a:t>
+              <a:t>2018/7/30</a:t>
             </a:fld>
             <a:endParaRPr lang="zh-CN" altLang="en-US"/>
           </a:p>
@@ -1971,7 +1376,7 @@
             <a:fld id="{05E74CF1-FEDE-4305-BA5A-E279929D0518}" type="datetimeFigureOut">
               <a:rPr lang="zh-CN" altLang="en-US" smtClean="0"/>
               <a:pPr/>
-              <a:t>2018/7/28</a:t>
+              <a:t>2018/7/30</a:t>
             </a:fld>
             <a:endParaRPr lang="zh-CN" altLang="en-US"/>
           </a:p>
@@ -2153,7 +1558,7 @@
             <a:fld id="{05E74CF1-FEDE-4305-BA5A-E279929D0518}" type="datetimeFigureOut">
               <a:rPr lang="zh-CN" altLang="en-US" smtClean="0"/>
               <a:pPr/>
-              <a:t>2018/7/28</a:t>
+              <a:t>2018/7/30</a:t>
             </a:fld>
             <a:endParaRPr lang="zh-CN" altLang="en-US"/>
           </a:p>
@@ -2325,7 +1730,7 @@
             <a:fld id="{05E74CF1-FEDE-4305-BA5A-E279929D0518}" type="datetimeFigureOut">
               <a:rPr lang="zh-CN" altLang="en-US" smtClean="0"/>
               <a:pPr/>
-              <a:t>2018/7/28</a:t>
+              <a:t>2018/7/30</a:t>
             </a:fld>
             <a:endParaRPr lang="zh-CN" altLang="en-US"/>
           </a:p>
@@ -2571,7 +1976,7 @@
             <a:fld id="{05E74CF1-FEDE-4305-BA5A-E279929D0518}" type="datetimeFigureOut">
               <a:rPr lang="zh-CN" altLang="en-US" smtClean="0"/>
               <a:pPr/>
-              <a:t>2018/7/28</a:t>
+              <a:t>2018/7/30</a:t>
             </a:fld>
             <a:endParaRPr lang="zh-CN" altLang="en-US"/>
           </a:p>
@@ -2805,7 +2210,7 @@
             <a:fld id="{05E74CF1-FEDE-4305-BA5A-E279929D0518}" type="datetimeFigureOut">
               <a:rPr lang="zh-CN" altLang="en-US" smtClean="0"/>
               <a:pPr/>
-              <a:t>2018/7/28</a:t>
+              <a:t>2018/7/30</a:t>
             </a:fld>
             <a:endParaRPr lang="zh-CN" altLang="en-US"/>
           </a:p>
@@ -3174,7 +2579,7 @@
             <a:fld id="{05E74CF1-FEDE-4305-BA5A-E279929D0518}" type="datetimeFigureOut">
               <a:rPr lang="zh-CN" altLang="en-US" smtClean="0"/>
               <a:pPr/>
-              <a:t>2018/7/28</a:t>
+              <a:t>2018/7/30</a:t>
             </a:fld>
             <a:endParaRPr lang="zh-CN" altLang="en-US"/>
           </a:p>
@@ -3294,7 +2699,7 @@
             <a:fld id="{05E74CF1-FEDE-4305-BA5A-E279929D0518}" type="datetimeFigureOut">
               <a:rPr lang="zh-CN" altLang="en-US" smtClean="0"/>
               <a:pPr/>
-              <a:t>2018/7/28</a:t>
+              <a:t>2018/7/30</a:t>
             </a:fld>
             <a:endParaRPr lang="zh-CN" altLang="en-US"/>
           </a:p>
@@ -3391,7 +2796,7 @@
             <a:fld id="{05E74CF1-FEDE-4305-BA5A-E279929D0518}" type="datetimeFigureOut">
               <a:rPr lang="zh-CN" altLang="en-US" smtClean="0"/>
               <a:pPr/>
-              <a:t>2018/7/28</a:t>
+              <a:t>2018/7/30</a:t>
             </a:fld>
             <a:endParaRPr lang="zh-CN" altLang="en-US"/>
           </a:p>
@@ -3670,7 +3075,7 @@
             <a:fld id="{05E74CF1-FEDE-4305-BA5A-E279929D0518}" type="datetimeFigureOut">
               <a:rPr lang="zh-CN" altLang="en-US" smtClean="0"/>
               <a:pPr/>
-              <a:t>2018/7/28</a:t>
+              <a:t>2018/7/30</a:t>
             </a:fld>
             <a:endParaRPr lang="zh-CN" altLang="en-US"/>
           </a:p>
@@ -3929,7 +3334,7 @@
             <a:fld id="{05E74CF1-FEDE-4305-BA5A-E279929D0518}" type="datetimeFigureOut">
               <a:rPr lang="zh-CN" altLang="en-US" smtClean="0"/>
               <a:pPr/>
-              <a:t>2018/7/28</a:t>
+              <a:t>2018/7/30</a:t>
             </a:fld>
             <a:endParaRPr lang="zh-CN" altLang="en-US"/>
           </a:p>
@@ -4144,7 +3549,7 @@
             <a:fld id="{05E74CF1-FEDE-4305-BA5A-E279929D0518}" type="datetimeFigureOut">
               <a:rPr lang="zh-CN" altLang="en-US" smtClean="0"/>
               <a:pPr/>
-              <a:t>2018/7/28</a:t>
+              <a:t>2018/7/30</a:t>
             </a:fld>
             <a:endParaRPr lang="zh-CN" altLang="en-US"/>
           </a:p>
@@ -5058,2978 +4463,6 @@
 </p:sld>
 </file>
 
-<file path=ppt/slides/slide10.xml><?xml version="1.0" encoding="utf-8"?>
-<p:sld xmlns:a="http://schemas.openxmlformats.org/drawingml/2006/main" xmlns:r="http://schemas.openxmlformats.org/officeDocument/2006/relationships" xmlns:p="http://schemas.openxmlformats.org/presentationml/2006/main">
-  <p:cSld>
-    <p:spTree>
-      <p:nvGrpSpPr>
-        <p:cNvPr id="1" name=""/>
-        <p:cNvGrpSpPr/>
-        <p:nvPr/>
-      </p:nvGrpSpPr>
-      <p:grpSpPr>
-        <a:xfrm>
-          <a:off x="0" y="0"/>
-          <a:ext cx="0" cy="0"/>
-          <a:chOff x="0" y="0"/>
-          <a:chExt cx="0" cy="0"/>
-        </a:xfrm>
-      </p:grpSpPr>
-      <p:pic>
-        <p:nvPicPr>
-          <p:cNvPr id="1030" name="Picture 6"/>
-          <p:cNvPicPr>
-            <a:picLocks noChangeAspect="1" noChangeArrowheads="1"/>
-          </p:cNvPicPr>
-          <p:nvPr/>
-        </p:nvPicPr>
-        <p:blipFill>
-          <a:blip r:embed="rId3">
-            <a:extLst>
-              <a:ext uri="{28A0092B-C50C-407E-A947-70E740481C1C}">
-                <a14:useLocalDpi xmlns:a14="http://schemas.microsoft.com/office/drawing/2010/main" val="0"/>
-              </a:ext>
-            </a:extLst>
-          </a:blip>
-          <a:srcRect/>
-          <a:stretch>
-            <a:fillRect/>
-          </a:stretch>
-        </p:blipFill>
-        <p:spPr bwMode="auto">
-          <a:xfrm>
-            <a:off x="0" y="0"/>
-            <a:ext cx="9144000" cy="685800"/>
-          </a:xfrm>
-          <a:prstGeom prst="rect">
-            <a:avLst/>
-          </a:prstGeom>
-          <a:noFill/>
-          <a:ln>
-            <a:noFill/>
-          </a:ln>
-          <a:effectLst/>
-          <a:extLst>
-            <a:ext uri="{909E8E84-426E-40DD-AFC4-6F175D3DCCD1}">
-              <a14:hiddenFill xmlns:a14="http://schemas.microsoft.com/office/drawing/2010/main">
-                <a:solidFill>
-                  <a:schemeClr val="accent1"/>
-                </a:solidFill>
-              </a14:hiddenFill>
-            </a:ext>
-            <a:ext uri="{91240B29-F687-4F45-9708-019B960494DF}">
-              <a14:hiddenLine xmlns:a14="http://schemas.microsoft.com/office/drawing/2010/main" w="9525">
-                <a:solidFill>
-                  <a:schemeClr val="tx1"/>
-                </a:solidFill>
-                <a:miter lim="800000"/>
-                <a:headEnd/>
-                <a:tailEnd/>
-              </a14:hiddenLine>
-            </a:ext>
-            <a:ext uri="{AF507438-7753-43E0-B8FC-AC1667EBCBE1}">
-              <a14:hiddenEffects xmlns:a14="http://schemas.microsoft.com/office/drawing/2010/main">
-                <a:effectLst>
-                  <a:outerShdw dist="35921" dir="2700000" algn="ctr" rotWithShape="0">
-                    <a:schemeClr val="bg2"/>
-                  </a:outerShdw>
-                </a:effectLst>
-              </a14:hiddenEffects>
-            </a:ext>
-          </a:extLst>
-        </p:spPr>
-      </p:pic>
-      <p:sp>
-        <p:nvSpPr>
-          <p:cNvPr id="2" name="TextBox 1"/>
-          <p:cNvSpPr txBox="1"/>
-          <p:nvPr/>
-        </p:nvSpPr>
-        <p:spPr>
-          <a:xfrm>
-            <a:off x="395535" y="142845"/>
-            <a:ext cx="8348415" cy="400110"/>
-          </a:xfrm>
-          <a:prstGeom prst="rect">
-            <a:avLst/>
-          </a:prstGeom>
-          <a:noFill/>
-        </p:spPr>
-        <p:txBody>
-          <a:bodyPr wrap="square" rtlCol="0">
-            <a:spAutoFit/>
-          </a:bodyPr>
-          <a:lstStyle/>
-          <a:p>
-            <a:r>
-              <a:rPr lang="zh-CN" altLang="en-US" sz="2000" b="1" dirty="0">
-                <a:solidFill>
-                  <a:srgbClr val="FFFFFF"/>
-                </a:solidFill>
-                <a:effectLst>
-                  <a:outerShdw blurRad="38100" dist="38100" dir="2700000" algn="tl">
-                    <a:srgbClr val="000000">
-                      <a:alpha val="43137"/>
-                    </a:srgbClr>
-                  </a:outerShdw>
-                </a:effectLst>
-                <a:latin typeface="微软雅黑" pitchFamily="34" charset="-122"/>
-                <a:ea typeface="微软雅黑" pitchFamily="34" charset="-122"/>
-              </a:rPr>
-              <a:t>讨论</a:t>
-            </a:r>
-          </a:p>
-        </p:txBody>
-      </p:sp>
-      <p:sp>
-        <p:nvSpPr>
-          <p:cNvPr id="7" name="矩形 6"/>
-          <p:cNvSpPr/>
-          <p:nvPr/>
-        </p:nvSpPr>
-        <p:spPr>
-          <a:xfrm>
-            <a:off x="0" y="6789944"/>
-            <a:ext cx="9144000" cy="68056"/>
-          </a:xfrm>
-          <a:prstGeom prst="rect">
-            <a:avLst/>
-          </a:prstGeom>
-          <a:solidFill>
-            <a:srgbClr val="415D7B"/>
-          </a:solidFill>
-          <a:ln>
-            <a:noFill/>
-          </a:ln>
-        </p:spPr>
-        <p:style>
-          <a:lnRef idx="2">
-            <a:schemeClr val="accent1">
-              <a:shade val="50000"/>
-            </a:schemeClr>
-          </a:lnRef>
-          <a:fillRef idx="1">
-            <a:schemeClr val="accent1"/>
-          </a:fillRef>
-          <a:effectRef idx="0">
-            <a:schemeClr val="accent1"/>
-          </a:effectRef>
-          <a:fontRef idx="minor">
-            <a:schemeClr val="lt1"/>
-          </a:fontRef>
-        </p:style>
-        <p:txBody>
-          <a:bodyPr rtlCol="0" anchor="ctr"/>
-          <a:lstStyle/>
-          <a:p>
-            <a:pPr algn="ctr"/>
-            <a:endParaRPr lang="zh-CN" altLang="en-US"/>
-          </a:p>
-        </p:txBody>
-      </p:sp>
-      <p:sp>
-        <p:nvSpPr>
-          <p:cNvPr id="3" name="灯片编号占位符 2"/>
-          <p:cNvSpPr>
-            <a:spLocks noGrp="1"/>
-          </p:cNvSpPr>
-          <p:nvPr>
-            <p:ph type="sldNum" sz="quarter" idx="12"/>
-          </p:nvPr>
-        </p:nvSpPr>
-        <p:spPr/>
-        <p:txBody>
-          <a:bodyPr/>
-          <a:lstStyle/>
-          <a:p>
-            <a:fld id="{0F003B9C-CE26-4D71-B59B-D3ECF06D57F0}" type="slidenum">
-              <a:rPr lang="zh-CN" altLang="en-US" smtClean="0"/>
-              <a:t>10</a:t>
-            </a:fld>
-            <a:endParaRPr lang="zh-CN" altLang="en-US"/>
-          </a:p>
-        </p:txBody>
-      </p:sp>
-      <p:sp>
-        <p:nvSpPr>
-          <p:cNvPr id="10" name="内容占位符 2">
-            <a:extLst>
-              <a:ext uri="{FF2B5EF4-FFF2-40B4-BE49-F238E27FC236}">
-                <a16:creationId xmlns:a16="http://schemas.microsoft.com/office/drawing/2014/main" id="{8CB8B315-5604-4D9F-8DD8-DF612DC9400A}"/>
-              </a:ext>
-            </a:extLst>
-          </p:cNvPr>
-          <p:cNvSpPr txBox="1">
-            <a:spLocks/>
-          </p:cNvSpPr>
-          <p:nvPr/>
-        </p:nvSpPr>
-        <p:spPr bwMode="auto">
-          <a:xfrm>
-            <a:off x="706389" y="1780291"/>
-            <a:ext cx="8037561" cy="3937310"/>
-          </a:xfrm>
-          <a:prstGeom prst="rect">
-            <a:avLst/>
-          </a:prstGeom>
-          <a:noFill/>
-          <a:ln w="9525">
-            <a:noFill/>
-            <a:miter lim="800000"/>
-            <a:headEnd/>
-            <a:tailEnd/>
-          </a:ln>
-        </p:spPr>
-        <p:txBody>
-          <a:bodyPr vert="horz" wrap="square" lIns="91440" tIns="45720" rIns="91440" bIns="45720" numCol="1" anchor="t" anchorCtr="0" compatLnSpc="1">
-            <a:prstTxWarp prst="textNoShape">
-              <a:avLst/>
-            </a:prstTxWarp>
-          </a:bodyPr>
-          <a:lstStyle>
-            <a:lvl1pPr algn="l" rtl="0" eaLnBrk="0" fontAlgn="base" hangingPunct="0">
-              <a:spcBef>
-                <a:spcPct val="20000"/>
-              </a:spcBef>
-              <a:spcAft>
-                <a:spcPct val="0"/>
-              </a:spcAft>
-              <a:buClr>
-                <a:srgbClr val="CC9900"/>
-              </a:buClr>
-              <a:buFont typeface="Wingdings" pitchFamily="2" charset="2"/>
-              <a:buChar char="p"/>
-              <a:defRPr sz="2000" b="0">
-                <a:solidFill>
-                  <a:srgbClr val="4A6784"/>
-                </a:solidFill>
-                <a:latin typeface="微软雅黑" pitchFamily="34" charset="-122"/>
-                <a:ea typeface="微软雅黑" pitchFamily="34" charset="-122"/>
-                <a:cs typeface="+mn-cs"/>
-              </a:defRPr>
-            </a:lvl1pPr>
-            <a:lvl2pPr marL="441325" indent="15875" algn="l" rtl="0" eaLnBrk="0" fontAlgn="base" hangingPunct="0">
-              <a:spcBef>
-                <a:spcPct val="20000"/>
-              </a:spcBef>
-              <a:spcAft>
-                <a:spcPct val="0"/>
-              </a:spcAft>
-              <a:buClr>
-                <a:srgbClr val="CC9900"/>
-              </a:buClr>
-              <a:buFont typeface="Wingdings" pitchFamily="2" charset="2"/>
-              <a:buChar char="Ø"/>
-              <a:defRPr b="0">
-                <a:solidFill>
-                  <a:schemeClr val="tx1"/>
-                </a:solidFill>
-                <a:latin typeface="微软雅黑" pitchFamily="34" charset="-122"/>
-                <a:ea typeface="微软雅黑" pitchFamily="34" charset="-122"/>
-              </a:defRPr>
-            </a:lvl2pPr>
-            <a:lvl3pPr marL="898525" indent="15875" algn="l" rtl="0" eaLnBrk="0" fontAlgn="base" hangingPunct="0">
-              <a:spcBef>
-                <a:spcPct val="20000"/>
-              </a:spcBef>
-              <a:spcAft>
-                <a:spcPct val="0"/>
-              </a:spcAft>
-              <a:buClr>
-                <a:srgbClr val="CC9900"/>
-              </a:buClr>
-              <a:buChar char="•"/>
-              <a:defRPr sz="1600">
-                <a:solidFill>
-                  <a:schemeClr val="tx1"/>
-                </a:solidFill>
-                <a:latin typeface="微软雅黑" pitchFamily="34" charset="-122"/>
-                <a:ea typeface="微软雅黑" pitchFamily="34" charset="-122"/>
-              </a:defRPr>
-            </a:lvl3pPr>
-            <a:lvl4pPr marL="1260475" algn="l" rtl="0" eaLnBrk="0" fontAlgn="base" hangingPunct="0">
-              <a:spcBef>
-                <a:spcPct val="20000"/>
-              </a:spcBef>
-              <a:spcAft>
-                <a:spcPct val="0"/>
-              </a:spcAft>
-              <a:buClr>
-                <a:srgbClr val="CC9900"/>
-              </a:buClr>
-              <a:buChar char="•"/>
-              <a:defRPr sz="1600">
-                <a:solidFill>
-                  <a:schemeClr val="tx1"/>
-                </a:solidFill>
-                <a:latin typeface="微软雅黑" pitchFamily="34" charset="-122"/>
-                <a:ea typeface="微软雅黑" pitchFamily="34" charset="-122"/>
-              </a:defRPr>
-            </a:lvl4pPr>
-            <a:lvl5pPr marL="1703388" algn="l" rtl="0" eaLnBrk="0" fontAlgn="base" hangingPunct="0">
-              <a:spcBef>
-                <a:spcPct val="20000"/>
-              </a:spcBef>
-              <a:spcAft>
-                <a:spcPct val="0"/>
-              </a:spcAft>
-              <a:buClr>
-                <a:srgbClr val="CC9900"/>
-              </a:buClr>
-              <a:buFont typeface="Arial" charset="0"/>
-              <a:buChar char="»"/>
-              <a:defRPr sz="1600">
-                <a:solidFill>
-                  <a:schemeClr val="tx1"/>
-                </a:solidFill>
-                <a:latin typeface="微软雅黑" pitchFamily="34" charset="-122"/>
-                <a:ea typeface="微软雅黑" pitchFamily="34" charset="-122"/>
-              </a:defRPr>
-            </a:lvl5pPr>
-            <a:lvl6pPr marL="2160588" algn="l" rtl="0" fontAlgn="base">
-              <a:spcBef>
-                <a:spcPct val="20000"/>
-              </a:spcBef>
-              <a:spcAft>
-                <a:spcPct val="0"/>
-              </a:spcAft>
-              <a:buClr>
-                <a:srgbClr val="CC9900"/>
-              </a:buClr>
-              <a:buFont typeface="Arial" charset="0"/>
-              <a:buChar char="»"/>
-              <a:defRPr>
-                <a:solidFill>
-                  <a:schemeClr val="tx1"/>
-                </a:solidFill>
-                <a:latin typeface="+mn-lt"/>
-                <a:ea typeface="+mn-ea"/>
-              </a:defRPr>
-            </a:lvl6pPr>
-            <a:lvl7pPr marL="2617788" algn="l" rtl="0" fontAlgn="base">
-              <a:spcBef>
-                <a:spcPct val="20000"/>
-              </a:spcBef>
-              <a:spcAft>
-                <a:spcPct val="0"/>
-              </a:spcAft>
-              <a:buClr>
-                <a:srgbClr val="CC9900"/>
-              </a:buClr>
-              <a:buFont typeface="Arial" charset="0"/>
-              <a:buChar char="»"/>
-              <a:defRPr>
-                <a:solidFill>
-                  <a:schemeClr val="tx1"/>
-                </a:solidFill>
-                <a:latin typeface="+mn-lt"/>
-                <a:ea typeface="+mn-ea"/>
-              </a:defRPr>
-            </a:lvl7pPr>
-            <a:lvl8pPr marL="3074988" algn="l" rtl="0" fontAlgn="base">
-              <a:spcBef>
-                <a:spcPct val="20000"/>
-              </a:spcBef>
-              <a:spcAft>
-                <a:spcPct val="0"/>
-              </a:spcAft>
-              <a:buClr>
-                <a:srgbClr val="CC9900"/>
-              </a:buClr>
-              <a:buFont typeface="Arial" charset="0"/>
-              <a:buChar char="»"/>
-              <a:defRPr>
-                <a:solidFill>
-                  <a:schemeClr val="tx1"/>
-                </a:solidFill>
-                <a:latin typeface="+mn-lt"/>
-                <a:ea typeface="+mn-ea"/>
-              </a:defRPr>
-            </a:lvl8pPr>
-            <a:lvl9pPr marL="3532188" algn="l" rtl="0" fontAlgn="base">
-              <a:spcBef>
-                <a:spcPct val="20000"/>
-              </a:spcBef>
-              <a:spcAft>
-                <a:spcPct val="0"/>
-              </a:spcAft>
-              <a:buClr>
-                <a:srgbClr val="CC9900"/>
-              </a:buClr>
-              <a:buFont typeface="Arial" charset="0"/>
-              <a:buChar char="»"/>
-              <a:defRPr>
-                <a:solidFill>
-                  <a:schemeClr val="tx1"/>
-                </a:solidFill>
-                <a:latin typeface="+mn-lt"/>
-                <a:ea typeface="+mn-ea"/>
-              </a:defRPr>
-            </a:lvl9pPr>
-          </a:lstStyle>
-          <a:p>
-            <a:pPr algn="just"/>
-            <a:r>
-              <a:rPr lang="en-US" altLang="zh-CN" kern="0" dirty="0"/>
-              <a:t> </a:t>
-            </a:r>
-            <a:r>
-              <a:rPr lang="zh-CN" altLang="en-US" kern="0" dirty="0"/>
-              <a:t>年龄划分可能还有待商榷</a:t>
-            </a:r>
-            <a:endParaRPr lang="en-US" altLang="zh-CN" kern="0" dirty="0"/>
-          </a:p>
-          <a:p>
-            <a:pPr algn="just"/>
-            <a:endParaRPr lang="en-US" altLang="zh-CN" kern="0" dirty="0"/>
-          </a:p>
-          <a:p>
-            <a:pPr algn="just"/>
-            <a:r>
-              <a:rPr lang="en-US" altLang="zh-CN" kern="0" dirty="0"/>
-              <a:t> </a:t>
-            </a:r>
-            <a:r>
-              <a:rPr lang="zh-CN" altLang="en-US" kern="0" dirty="0"/>
-              <a:t>事故发生模式的一些其他尝试（见下一页）</a:t>
-            </a:r>
-            <a:endParaRPr lang="en-US" altLang="zh-CN" kern="0" dirty="0"/>
-          </a:p>
-          <a:p>
-            <a:pPr algn="just"/>
-            <a:endParaRPr lang="en-US" altLang="zh-CN" kern="0" dirty="0"/>
-          </a:p>
-          <a:p>
-            <a:pPr algn="just"/>
-            <a:r>
-              <a:rPr lang="en-US" altLang="zh-CN" kern="0" dirty="0"/>
-              <a:t> </a:t>
-            </a:r>
-            <a:r>
-              <a:rPr lang="zh-CN" altLang="en-US" kern="0" dirty="0"/>
-              <a:t>由于不知道总人数，所以死亡率计算可能不够严谨</a:t>
-            </a:r>
-            <a:endParaRPr lang="en-US" altLang="zh-CN" kern="0" dirty="0"/>
-          </a:p>
-          <a:p>
-            <a:pPr algn="just"/>
-            <a:endParaRPr lang="en-US" altLang="zh-CN" kern="0" dirty="0"/>
-          </a:p>
-          <a:p>
-            <a:pPr algn="just"/>
-            <a:r>
-              <a:rPr lang="en-US" altLang="zh-CN" kern="0" dirty="0"/>
-              <a:t> </a:t>
-            </a:r>
-            <a:r>
-              <a:rPr lang="zh-CN" altLang="en-US" kern="0" dirty="0"/>
-              <a:t>不同的事故形态死亡率相差较大，所以有些圆形很大，有些很小，</a:t>
-            </a:r>
-            <a:endParaRPr lang="en-US" altLang="zh-CN" kern="0" dirty="0"/>
-          </a:p>
-          <a:p>
-            <a:pPr algn="just">
-              <a:buNone/>
-            </a:pPr>
-            <a:r>
-              <a:rPr lang="en-US" altLang="zh-CN" kern="0" dirty="0"/>
-              <a:t>    </a:t>
-            </a:r>
-            <a:r>
-              <a:rPr lang="zh-CN" altLang="en-US" kern="0" dirty="0"/>
-              <a:t>看起来没有廖源师姐那个那么舒服</a:t>
-            </a:r>
-          </a:p>
-        </p:txBody>
-      </p:sp>
-    </p:spTree>
-    <p:extLst>
-      <p:ext uri="{BB962C8B-B14F-4D97-AF65-F5344CB8AC3E}">
-        <p14:creationId xmlns:p14="http://schemas.microsoft.com/office/powerpoint/2010/main" val="1961419537"/>
-      </p:ext>
-    </p:extLst>
-  </p:cSld>
-  <p:clrMapOvr>
-    <a:masterClrMapping/>
-  </p:clrMapOvr>
-</p:sld>
-</file>
-
-<file path=ppt/slides/slide11.xml><?xml version="1.0" encoding="utf-8"?>
-<p:sld xmlns:a="http://schemas.openxmlformats.org/drawingml/2006/main" xmlns:r="http://schemas.openxmlformats.org/officeDocument/2006/relationships" xmlns:p="http://schemas.openxmlformats.org/presentationml/2006/main">
-  <p:cSld>
-    <p:spTree>
-      <p:nvGrpSpPr>
-        <p:cNvPr id="1" name=""/>
-        <p:cNvGrpSpPr/>
-        <p:nvPr/>
-      </p:nvGrpSpPr>
-      <p:grpSpPr>
-        <a:xfrm>
-          <a:off x="0" y="0"/>
-          <a:ext cx="0" cy="0"/>
-          <a:chOff x="0" y="0"/>
-          <a:chExt cx="0" cy="0"/>
-        </a:xfrm>
-      </p:grpSpPr>
-      <p:pic>
-        <p:nvPicPr>
-          <p:cNvPr id="1030" name="Picture 6"/>
-          <p:cNvPicPr>
-            <a:picLocks noChangeAspect="1" noChangeArrowheads="1"/>
-          </p:cNvPicPr>
-          <p:nvPr/>
-        </p:nvPicPr>
-        <p:blipFill>
-          <a:blip r:embed="rId3">
-            <a:extLst>
-              <a:ext uri="{28A0092B-C50C-407E-A947-70E740481C1C}">
-                <a14:useLocalDpi xmlns:a14="http://schemas.microsoft.com/office/drawing/2010/main" val="0"/>
-              </a:ext>
-            </a:extLst>
-          </a:blip>
-          <a:srcRect/>
-          <a:stretch>
-            <a:fillRect/>
-          </a:stretch>
-        </p:blipFill>
-        <p:spPr bwMode="auto">
-          <a:xfrm>
-            <a:off x="0" y="0"/>
-            <a:ext cx="9144000" cy="685800"/>
-          </a:xfrm>
-          <a:prstGeom prst="rect">
-            <a:avLst/>
-          </a:prstGeom>
-          <a:noFill/>
-          <a:ln>
-            <a:noFill/>
-          </a:ln>
-          <a:effectLst/>
-          <a:extLst>
-            <a:ext uri="{909E8E84-426E-40DD-AFC4-6F175D3DCCD1}">
-              <a14:hiddenFill xmlns:a14="http://schemas.microsoft.com/office/drawing/2010/main">
-                <a:solidFill>
-                  <a:schemeClr val="accent1"/>
-                </a:solidFill>
-              </a14:hiddenFill>
-            </a:ext>
-            <a:ext uri="{91240B29-F687-4F45-9708-019B960494DF}">
-              <a14:hiddenLine xmlns:a14="http://schemas.microsoft.com/office/drawing/2010/main" w="9525">
-                <a:solidFill>
-                  <a:schemeClr val="tx1"/>
-                </a:solidFill>
-                <a:miter lim="800000"/>
-                <a:headEnd/>
-                <a:tailEnd/>
-              </a14:hiddenLine>
-            </a:ext>
-            <a:ext uri="{AF507438-7753-43E0-B8FC-AC1667EBCBE1}">
-              <a14:hiddenEffects xmlns:a14="http://schemas.microsoft.com/office/drawing/2010/main">
-                <a:effectLst>
-                  <a:outerShdw dist="35921" dir="2700000" algn="ctr" rotWithShape="0">
-                    <a:schemeClr val="bg2"/>
-                  </a:outerShdw>
-                </a:effectLst>
-              </a14:hiddenEffects>
-            </a:ext>
-          </a:extLst>
-        </p:spPr>
-      </p:pic>
-      <p:sp>
-        <p:nvSpPr>
-          <p:cNvPr id="2" name="TextBox 1"/>
-          <p:cNvSpPr txBox="1"/>
-          <p:nvPr/>
-        </p:nvSpPr>
-        <p:spPr>
-          <a:xfrm>
-            <a:off x="395535" y="142845"/>
-            <a:ext cx="8348415" cy="400110"/>
-          </a:xfrm>
-          <a:prstGeom prst="rect">
-            <a:avLst/>
-          </a:prstGeom>
-          <a:noFill/>
-        </p:spPr>
-        <p:txBody>
-          <a:bodyPr wrap="square" rtlCol="0">
-            <a:spAutoFit/>
-          </a:bodyPr>
-          <a:lstStyle/>
-          <a:p>
-            <a:r>
-              <a:rPr lang="zh-CN" altLang="en-US" sz="2000" b="1" dirty="0">
-                <a:solidFill>
-                  <a:srgbClr val="FFFFFF"/>
-                </a:solidFill>
-                <a:effectLst>
-                  <a:outerShdw blurRad="38100" dist="38100" dir="2700000" algn="tl">
-                    <a:srgbClr val="000000">
-                      <a:alpha val="43137"/>
-                    </a:srgbClr>
-                  </a:outerShdw>
-                </a:effectLst>
-                <a:latin typeface="微软雅黑" pitchFamily="34" charset="-122"/>
-                <a:ea typeface="微软雅黑" pitchFamily="34" charset="-122"/>
-              </a:rPr>
-              <a:t>尝试一</a:t>
-            </a:r>
-          </a:p>
-        </p:txBody>
-      </p:sp>
-      <p:sp>
-        <p:nvSpPr>
-          <p:cNvPr id="7" name="矩形 6"/>
-          <p:cNvSpPr/>
-          <p:nvPr/>
-        </p:nvSpPr>
-        <p:spPr>
-          <a:xfrm>
-            <a:off x="0" y="6789944"/>
-            <a:ext cx="9144000" cy="68056"/>
-          </a:xfrm>
-          <a:prstGeom prst="rect">
-            <a:avLst/>
-          </a:prstGeom>
-          <a:solidFill>
-            <a:srgbClr val="415D7B"/>
-          </a:solidFill>
-          <a:ln>
-            <a:noFill/>
-          </a:ln>
-        </p:spPr>
-        <p:style>
-          <a:lnRef idx="2">
-            <a:schemeClr val="accent1">
-              <a:shade val="50000"/>
-            </a:schemeClr>
-          </a:lnRef>
-          <a:fillRef idx="1">
-            <a:schemeClr val="accent1"/>
-          </a:fillRef>
-          <a:effectRef idx="0">
-            <a:schemeClr val="accent1"/>
-          </a:effectRef>
-          <a:fontRef idx="minor">
-            <a:schemeClr val="lt1"/>
-          </a:fontRef>
-        </p:style>
-        <p:txBody>
-          <a:bodyPr rtlCol="0" anchor="ctr"/>
-          <a:lstStyle/>
-          <a:p>
-            <a:pPr algn="ctr"/>
-            <a:endParaRPr lang="zh-CN" altLang="en-US"/>
-          </a:p>
-        </p:txBody>
-      </p:sp>
-      <p:sp>
-        <p:nvSpPr>
-          <p:cNvPr id="3" name="灯片编号占位符 2"/>
-          <p:cNvSpPr>
-            <a:spLocks noGrp="1"/>
-          </p:cNvSpPr>
-          <p:nvPr>
-            <p:ph type="sldNum" sz="quarter" idx="12"/>
-          </p:nvPr>
-        </p:nvSpPr>
-        <p:spPr/>
-        <p:txBody>
-          <a:bodyPr/>
-          <a:lstStyle/>
-          <a:p>
-            <a:fld id="{0F003B9C-CE26-4D71-B59B-D3ECF06D57F0}" type="slidenum">
-              <a:rPr lang="zh-CN" altLang="en-US" smtClean="0"/>
-              <a:t>11</a:t>
-            </a:fld>
-            <a:endParaRPr lang="zh-CN" altLang="en-US"/>
-          </a:p>
-        </p:txBody>
-      </p:sp>
-      <p:pic>
-        <p:nvPicPr>
-          <p:cNvPr id="8" name="图片 7">
-            <a:extLst>
-              <a:ext uri="{FF2B5EF4-FFF2-40B4-BE49-F238E27FC236}">
-                <a16:creationId xmlns:a16="http://schemas.microsoft.com/office/drawing/2014/main" id="{B43695E9-A279-4C7B-8C0E-01E1B8BCC0BF}"/>
-              </a:ext>
-            </a:extLst>
-          </p:cNvPr>
-          <p:cNvPicPr>
-            <a:picLocks noChangeAspect="1"/>
-          </p:cNvPicPr>
-          <p:nvPr/>
-        </p:nvPicPr>
-        <p:blipFill>
-          <a:blip r:embed="rId4">
-            <a:extLst>
-              <a:ext uri="{28A0092B-C50C-407E-A947-70E740481C1C}">
-                <a14:useLocalDpi xmlns:a14="http://schemas.microsoft.com/office/drawing/2010/main" val="0"/>
-              </a:ext>
-            </a:extLst>
-          </a:blip>
-          <a:stretch>
-            <a:fillRect/>
-          </a:stretch>
-        </p:blipFill>
-        <p:spPr>
-          <a:xfrm>
-            <a:off x="0" y="2298273"/>
-            <a:ext cx="9144000" cy="4491672"/>
-          </a:xfrm>
-          <a:prstGeom prst="rect">
-            <a:avLst/>
-          </a:prstGeom>
-        </p:spPr>
-      </p:pic>
-      <p:sp>
-        <p:nvSpPr>
-          <p:cNvPr id="14" name="内容占位符 2">
-            <a:extLst>
-              <a:ext uri="{FF2B5EF4-FFF2-40B4-BE49-F238E27FC236}">
-                <a16:creationId xmlns:a16="http://schemas.microsoft.com/office/drawing/2014/main" id="{994E8B0B-7669-4001-A001-202F18896AFB}"/>
-              </a:ext>
-            </a:extLst>
-          </p:cNvPr>
-          <p:cNvSpPr txBox="1">
-            <a:spLocks/>
-          </p:cNvSpPr>
-          <p:nvPr/>
-        </p:nvSpPr>
-        <p:spPr bwMode="auto">
-          <a:xfrm>
-            <a:off x="706388" y="993218"/>
-            <a:ext cx="8037561" cy="1305054"/>
-          </a:xfrm>
-          <a:prstGeom prst="rect">
-            <a:avLst/>
-          </a:prstGeom>
-          <a:noFill/>
-          <a:ln w="9525">
-            <a:noFill/>
-            <a:miter lim="800000"/>
-            <a:headEnd/>
-            <a:tailEnd/>
-          </a:ln>
-        </p:spPr>
-        <p:txBody>
-          <a:bodyPr vert="horz" wrap="square" lIns="91440" tIns="45720" rIns="91440" bIns="45720" numCol="1" anchor="t" anchorCtr="0" compatLnSpc="1">
-            <a:prstTxWarp prst="textNoShape">
-              <a:avLst/>
-            </a:prstTxWarp>
-          </a:bodyPr>
-          <a:lstStyle>
-            <a:lvl1pPr algn="l" rtl="0" eaLnBrk="0" fontAlgn="base" hangingPunct="0">
-              <a:spcBef>
-                <a:spcPct val="20000"/>
-              </a:spcBef>
-              <a:spcAft>
-                <a:spcPct val="0"/>
-              </a:spcAft>
-              <a:buClr>
-                <a:srgbClr val="CC9900"/>
-              </a:buClr>
-              <a:buFont typeface="Wingdings" pitchFamily="2" charset="2"/>
-              <a:buChar char="p"/>
-              <a:defRPr sz="2000" b="0">
-                <a:solidFill>
-                  <a:srgbClr val="4A6784"/>
-                </a:solidFill>
-                <a:latin typeface="微软雅黑" pitchFamily="34" charset="-122"/>
-                <a:ea typeface="微软雅黑" pitchFamily="34" charset="-122"/>
-                <a:cs typeface="+mn-cs"/>
-              </a:defRPr>
-            </a:lvl1pPr>
-            <a:lvl2pPr marL="441325" indent="15875" algn="l" rtl="0" eaLnBrk="0" fontAlgn="base" hangingPunct="0">
-              <a:spcBef>
-                <a:spcPct val="20000"/>
-              </a:spcBef>
-              <a:spcAft>
-                <a:spcPct val="0"/>
-              </a:spcAft>
-              <a:buClr>
-                <a:srgbClr val="CC9900"/>
-              </a:buClr>
-              <a:buFont typeface="Wingdings" pitchFamily="2" charset="2"/>
-              <a:buChar char="Ø"/>
-              <a:defRPr b="0">
-                <a:solidFill>
-                  <a:schemeClr val="tx1"/>
-                </a:solidFill>
-                <a:latin typeface="微软雅黑" pitchFamily="34" charset="-122"/>
-                <a:ea typeface="微软雅黑" pitchFamily="34" charset="-122"/>
-              </a:defRPr>
-            </a:lvl2pPr>
-            <a:lvl3pPr marL="898525" indent="15875" algn="l" rtl="0" eaLnBrk="0" fontAlgn="base" hangingPunct="0">
-              <a:spcBef>
-                <a:spcPct val="20000"/>
-              </a:spcBef>
-              <a:spcAft>
-                <a:spcPct val="0"/>
-              </a:spcAft>
-              <a:buClr>
-                <a:srgbClr val="CC9900"/>
-              </a:buClr>
-              <a:buChar char="•"/>
-              <a:defRPr sz="1600">
-                <a:solidFill>
-                  <a:schemeClr val="tx1"/>
-                </a:solidFill>
-                <a:latin typeface="微软雅黑" pitchFamily="34" charset="-122"/>
-                <a:ea typeface="微软雅黑" pitchFamily="34" charset="-122"/>
-              </a:defRPr>
-            </a:lvl3pPr>
-            <a:lvl4pPr marL="1260475" algn="l" rtl="0" eaLnBrk="0" fontAlgn="base" hangingPunct="0">
-              <a:spcBef>
-                <a:spcPct val="20000"/>
-              </a:spcBef>
-              <a:spcAft>
-                <a:spcPct val="0"/>
-              </a:spcAft>
-              <a:buClr>
-                <a:srgbClr val="CC9900"/>
-              </a:buClr>
-              <a:buChar char="•"/>
-              <a:defRPr sz="1600">
-                <a:solidFill>
-                  <a:schemeClr val="tx1"/>
-                </a:solidFill>
-                <a:latin typeface="微软雅黑" pitchFamily="34" charset="-122"/>
-                <a:ea typeface="微软雅黑" pitchFamily="34" charset="-122"/>
-              </a:defRPr>
-            </a:lvl4pPr>
-            <a:lvl5pPr marL="1703388" algn="l" rtl="0" eaLnBrk="0" fontAlgn="base" hangingPunct="0">
-              <a:spcBef>
-                <a:spcPct val="20000"/>
-              </a:spcBef>
-              <a:spcAft>
-                <a:spcPct val="0"/>
-              </a:spcAft>
-              <a:buClr>
-                <a:srgbClr val="CC9900"/>
-              </a:buClr>
-              <a:buFont typeface="Arial" charset="0"/>
-              <a:buChar char="»"/>
-              <a:defRPr sz="1600">
-                <a:solidFill>
-                  <a:schemeClr val="tx1"/>
-                </a:solidFill>
-                <a:latin typeface="微软雅黑" pitchFamily="34" charset="-122"/>
-                <a:ea typeface="微软雅黑" pitchFamily="34" charset="-122"/>
-              </a:defRPr>
-            </a:lvl5pPr>
-            <a:lvl6pPr marL="2160588" algn="l" rtl="0" fontAlgn="base">
-              <a:spcBef>
-                <a:spcPct val="20000"/>
-              </a:spcBef>
-              <a:spcAft>
-                <a:spcPct val="0"/>
-              </a:spcAft>
-              <a:buClr>
-                <a:srgbClr val="CC9900"/>
-              </a:buClr>
-              <a:buFont typeface="Arial" charset="0"/>
-              <a:buChar char="»"/>
-              <a:defRPr>
-                <a:solidFill>
-                  <a:schemeClr val="tx1"/>
-                </a:solidFill>
-                <a:latin typeface="+mn-lt"/>
-                <a:ea typeface="+mn-ea"/>
-              </a:defRPr>
-            </a:lvl6pPr>
-            <a:lvl7pPr marL="2617788" algn="l" rtl="0" fontAlgn="base">
-              <a:spcBef>
-                <a:spcPct val="20000"/>
-              </a:spcBef>
-              <a:spcAft>
-                <a:spcPct val="0"/>
-              </a:spcAft>
-              <a:buClr>
-                <a:srgbClr val="CC9900"/>
-              </a:buClr>
-              <a:buFont typeface="Arial" charset="0"/>
-              <a:buChar char="»"/>
-              <a:defRPr>
-                <a:solidFill>
-                  <a:schemeClr val="tx1"/>
-                </a:solidFill>
-                <a:latin typeface="+mn-lt"/>
-                <a:ea typeface="+mn-ea"/>
-              </a:defRPr>
-            </a:lvl7pPr>
-            <a:lvl8pPr marL="3074988" algn="l" rtl="0" fontAlgn="base">
-              <a:spcBef>
-                <a:spcPct val="20000"/>
-              </a:spcBef>
-              <a:spcAft>
-                <a:spcPct val="0"/>
-              </a:spcAft>
-              <a:buClr>
-                <a:srgbClr val="CC9900"/>
-              </a:buClr>
-              <a:buFont typeface="Arial" charset="0"/>
-              <a:buChar char="»"/>
-              <a:defRPr>
-                <a:solidFill>
-                  <a:schemeClr val="tx1"/>
-                </a:solidFill>
-                <a:latin typeface="+mn-lt"/>
-                <a:ea typeface="+mn-ea"/>
-              </a:defRPr>
-            </a:lvl8pPr>
-            <a:lvl9pPr marL="3532188" algn="l" rtl="0" fontAlgn="base">
-              <a:spcBef>
-                <a:spcPct val="20000"/>
-              </a:spcBef>
-              <a:spcAft>
-                <a:spcPct val="0"/>
-              </a:spcAft>
-              <a:buClr>
-                <a:srgbClr val="CC9900"/>
-              </a:buClr>
-              <a:buFont typeface="Arial" charset="0"/>
-              <a:buChar char="»"/>
-              <a:defRPr>
-                <a:solidFill>
-                  <a:schemeClr val="tx1"/>
-                </a:solidFill>
-                <a:latin typeface="+mn-lt"/>
-                <a:ea typeface="+mn-ea"/>
-              </a:defRPr>
-            </a:lvl9pPr>
-          </a:lstStyle>
-          <a:p>
-            <a:pPr algn="just"/>
-            <a:r>
-              <a:rPr lang="en-US" altLang="zh-CN" kern="0" dirty="0"/>
-              <a:t> </a:t>
-            </a:r>
-            <a:r>
-              <a:rPr lang="zh-CN" altLang="en-US" kern="0" dirty="0"/>
-              <a:t>将死亡率和事故率调换</a:t>
-            </a:r>
-            <a:endParaRPr lang="en-US" altLang="zh-CN" kern="0" dirty="0"/>
-          </a:p>
-          <a:p>
-            <a:pPr algn="just"/>
-            <a:r>
-              <a:rPr lang="en-US" altLang="zh-CN" kern="0" dirty="0"/>
-              <a:t> </a:t>
-            </a:r>
-            <a:r>
-              <a:rPr lang="zh-CN" altLang="en-US" kern="0" dirty="0"/>
-              <a:t>纵坐标 </a:t>
-            </a:r>
-            <a:r>
-              <a:rPr lang="en-US" altLang="zh-CN" kern="0" dirty="0"/>
-              <a:t>——</a:t>
-            </a:r>
-            <a:r>
-              <a:rPr lang="zh-CN" altLang="en-US" kern="0" dirty="0">
-                <a:solidFill>
-                  <a:srgbClr val="C00000"/>
-                </a:solidFill>
-              </a:rPr>
-              <a:t>死亡率</a:t>
-            </a:r>
-            <a:r>
-              <a:rPr lang="zh-CN" altLang="en-US" kern="0" dirty="0"/>
-              <a:t> </a:t>
-            </a:r>
-            <a:r>
-              <a:rPr lang="en-US" altLang="zh-CN" kern="0" dirty="0"/>
-              <a:t>【</a:t>
-            </a:r>
-            <a:r>
-              <a:rPr lang="zh-CN" altLang="en-US" kern="0" dirty="0"/>
-              <a:t>死亡人数 </a:t>
-            </a:r>
-            <a:r>
-              <a:rPr lang="en-US" altLang="zh-CN" kern="0" dirty="0"/>
-              <a:t>/ </a:t>
-            </a:r>
-            <a:r>
-              <a:rPr lang="zh-CN" altLang="en-US" kern="0" dirty="0"/>
-              <a:t>（死亡人数</a:t>
-            </a:r>
-            <a:r>
-              <a:rPr lang="en-US" altLang="zh-CN" kern="0" dirty="0"/>
-              <a:t>+</a:t>
-            </a:r>
-            <a:r>
-              <a:rPr lang="zh-CN" altLang="en-US" kern="0" dirty="0"/>
-              <a:t>受伤人数）</a:t>
-            </a:r>
-            <a:r>
-              <a:rPr lang="en-US" altLang="zh-CN" kern="0" dirty="0"/>
-              <a:t>】</a:t>
-            </a:r>
-          </a:p>
-          <a:p>
-            <a:pPr algn="just"/>
-            <a:r>
-              <a:rPr lang="zh-CN" altLang="en-US" kern="0" dirty="0"/>
-              <a:t> 圆形大小 </a:t>
-            </a:r>
-            <a:r>
-              <a:rPr lang="en-US" altLang="zh-CN" kern="0" dirty="0"/>
-              <a:t>——</a:t>
-            </a:r>
-            <a:r>
-              <a:rPr lang="zh-CN" altLang="en-US" kern="0" dirty="0">
-                <a:solidFill>
-                  <a:srgbClr val="C00000"/>
-                </a:solidFill>
-              </a:rPr>
-              <a:t>事故率</a:t>
-            </a:r>
-            <a:r>
-              <a:rPr lang="zh-CN" altLang="en-US" kern="0" dirty="0"/>
-              <a:t> </a:t>
-            </a:r>
-            <a:r>
-              <a:rPr lang="en-US" altLang="zh-CN" kern="0" dirty="0"/>
-              <a:t>【</a:t>
-            </a:r>
-            <a:r>
-              <a:rPr lang="zh-CN" altLang="en-US" kern="0" dirty="0"/>
-              <a:t>该种事故形数量 </a:t>
-            </a:r>
-            <a:r>
-              <a:rPr lang="en-US" altLang="zh-CN" kern="0" dirty="0"/>
-              <a:t>/ </a:t>
-            </a:r>
-            <a:r>
-              <a:rPr lang="zh-CN" altLang="en-US" kern="0" dirty="0"/>
-              <a:t>总事故数量</a:t>
-            </a:r>
-            <a:r>
-              <a:rPr lang="en-US" altLang="zh-CN" kern="0" dirty="0"/>
-              <a:t>】</a:t>
-            </a:r>
-            <a:endParaRPr lang="zh-CN" altLang="en-US" kern="0" dirty="0"/>
-          </a:p>
-        </p:txBody>
-      </p:sp>
-    </p:spTree>
-    <p:extLst>
-      <p:ext uri="{BB962C8B-B14F-4D97-AF65-F5344CB8AC3E}">
-        <p14:creationId xmlns:p14="http://schemas.microsoft.com/office/powerpoint/2010/main" val="2099297671"/>
-      </p:ext>
-    </p:extLst>
-  </p:cSld>
-  <p:clrMapOvr>
-    <a:masterClrMapping/>
-  </p:clrMapOvr>
-</p:sld>
-</file>
-
-<file path=ppt/slides/slide12.xml><?xml version="1.0" encoding="utf-8"?>
-<p:sld xmlns:a="http://schemas.openxmlformats.org/drawingml/2006/main" xmlns:r="http://schemas.openxmlformats.org/officeDocument/2006/relationships" xmlns:p="http://schemas.openxmlformats.org/presentationml/2006/main">
-  <p:cSld>
-    <p:spTree>
-      <p:nvGrpSpPr>
-        <p:cNvPr id="1" name=""/>
-        <p:cNvGrpSpPr/>
-        <p:nvPr/>
-      </p:nvGrpSpPr>
-      <p:grpSpPr>
-        <a:xfrm>
-          <a:off x="0" y="0"/>
-          <a:ext cx="0" cy="0"/>
-          <a:chOff x="0" y="0"/>
-          <a:chExt cx="0" cy="0"/>
-        </a:xfrm>
-      </p:grpSpPr>
-      <p:pic>
-        <p:nvPicPr>
-          <p:cNvPr id="1030" name="Picture 6"/>
-          <p:cNvPicPr>
-            <a:picLocks noChangeAspect="1" noChangeArrowheads="1"/>
-          </p:cNvPicPr>
-          <p:nvPr/>
-        </p:nvPicPr>
-        <p:blipFill>
-          <a:blip r:embed="rId3">
-            <a:extLst>
-              <a:ext uri="{28A0092B-C50C-407E-A947-70E740481C1C}">
-                <a14:useLocalDpi xmlns:a14="http://schemas.microsoft.com/office/drawing/2010/main" val="0"/>
-              </a:ext>
-            </a:extLst>
-          </a:blip>
-          <a:srcRect/>
-          <a:stretch>
-            <a:fillRect/>
-          </a:stretch>
-        </p:blipFill>
-        <p:spPr bwMode="auto">
-          <a:xfrm>
-            <a:off x="0" y="0"/>
-            <a:ext cx="9144000" cy="685800"/>
-          </a:xfrm>
-          <a:prstGeom prst="rect">
-            <a:avLst/>
-          </a:prstGeom>
-          <a:noFill/>
-          <a:ln>
-            <a:noFill/>
-          </a:ln>
-          <a:effectLst/>
-          <a:extLst>
-            <a:ext uri="{909E8E84-426E-40DD-AFC4-6F175D3DCCD1}">
-              <a14:hiddenFill xmlns:a14="http://schemas.microsoft.com/office/drawing/2010/main">
-                <a:solidFill>
-                  <a:schemeClr val="accent1"/>
-                </a:solidFill>
-              </a14:hiddenFill>
-            </a:ext>
-            <a:ext uri="{91240B29-F687-4F45-9708-019B960494DF}">
-              <a14:hiddenLine xmlns:a14="http://schemas.microsoft.com/office/drawing/2010/main" w="9525">
-                <a:solidFill>
-                  <a:schemeClr val="tx1"/>
-                </a:solidFill>
-                <a:miter lim="800000"/>
-                <a:headEnd/>
-                <a:tailEnd/>
-              </a14:hiddenLine>
-            </a:ext>
-            <a:ext uri="{AF507438-7753-43E0-B8FC-AC1667EBCBE1}">
-              <a14:hiddenEffects xmlns:a14="http://schemas.microsoft.com/office/drawing/2010/main">
-                <a:effectLst>
-                  <a:outerShdw dist="35921" dir="2700000" algn="ctr" rotWithShape="0">
-                    <a:schemeClr val="bg2"/>
-                  </a:outerShdw>
-                </a:effectLst>
-              </a14:hiddenEffects>
-            </a:ext>
-          </a:extLst>
-        </p:spPr>
-      </p:pic>
-      <p:sp>
-        <p:nvSpPr>
-          <p:cNvPr id="2" name="TextBox 1"/>
-          <p:cNvSpPr txBox="1"/>
-          <p:nvPr/>
-        </p:nvSpPr>
-        <p:spPr>
-          <a:xfrm>
-            <a:off x="395535" y="142845"/>
-            <a:ext cx="8348415" cy="400110"/>
-          </a:xfrm>
-          <a:prstGeom prst="rect">
-            <a:avLst/>
-          </a:prstGeom>
-          <a:noFill/>
-        </p:spPr>
-        <p:txBody>
-          <a:bodyPr wrap="square" rtlCol="0">
-            <a:spAutoFit/>
-          </a:bodyPr>
-          <a:lstStyle/>
-          <a:p>
-            <a:r>
-              <a:rPr lang="zh-CN" altLang="en-US" sz="2000" b="1" dirty="0">
-                <a:solidFill>
-                  <a:srgbClr val="FFFFFF"/>
-                </a:solidFill>
-                <a:effectLst>
-                  <a:outerShdw blurRad="38100" dist="38100" dir="2700000" algn="tl">
-                    <a:srgbClr val="000000">
-                      <a:alpha val="43137"/>
-                    </a:srgbClr>
-                  </a:outerShdw>
-                </a:effectLst>
-                <a:latin typeface="微软雅黑" pitchFamily="34" charset="-122"/>
-                <a:ea typeface="微软雅黑" pitchFamily="34" charset="-122"/>
-              </a:rPr>
-              <a:t>尝试一</a:t>
-            </a:r>
-          </a:p>
-        </p:txBody>
-      </p:sp>
-      <p:sp>
-        <p:nvSpPr>
-          <p:cNvPr id="7" name="矩形 6"/>
-          <p:cNvSpPr/>
-          <p:nvPr/>
-        </p:nvSpPr>
-        <p:spPr>
-          <a:xfrm>
-            <a:off x="0" y="6789944"/>
-            <a:ext cx="9144000" cy="68056"/>
-          </a:xfrm>
-          <a:prstGeom prst="rect">
-            <a:avLst/>
-          </a:prstGeom>
-          <a:solidFill>
-            <a:srgbClr val="415D7B"/>
-          </a:solidFill>
-          <a:ln>
-            <a:noFill/>
-          </a:ln>
-        </p:spPr>
-        <p:style>
-          <a:lnRef idx="2">
-            <a:schemeClr val="accent1">
-              <a:shade val="50000"/>
-            </a:schemeClr>
-          </a:lnRef>
-          <a:fillRef idx="1">
-            <a:schemeClr val="accent1"/>
-          </a:fillRef>
-          <a:effectRef idx="0">
-            <a:schemeClr val="accent1"/>
-          </a:effectRef>
-          <a:fontRef idx="minor">
-            <a:schemeClr val="lt1"/>
-          </a:fontRef>
-        </p:style>
-        <p:txBody>
-          <a:bodyPr rtlCol="0" anchor="ctr"/>
-          <a:lstStyle/>
-          <a:p>
-            <a:pPr algn="ctr"/>
-            <a:endParaRPr lang="zh-CN" altLang="en-US"/>
-          </a:p>
-        </p:txBody>
-      </p:sp>
-      <p:sp>
-        <p:nvSpPr>
-          <p:cNvPr id="3" name="灯片编号占位符 2"/>
-          <p:cNvSpPr>
-            <a:spLocks noGrp="1"/>
-          </p:cNvSpPr>
-          <p:nvPr>
-            <p:ph type="sldNum" sz="quarter" idx="12"/>
-          </p:nvPr>
-        </p:nvSpPr>
-        <p:spPr/>
-        <p:txBody>
-          <a:bodyPr/>
-          <a:lstStyle/>
-          <a:p>
-            <a:fld id="{0F003B9C-CE26-4D71-B59B-D3ECF06D57F0}" type="slidenum">
-              <a:rPr lang="zh-CN" altLang="en-US" smtClean="0"/>
-              <a:t>12</a:t>
-            </a:fld>
-            <a:endParaRPr lang="zh-CN" altLang="en-US"/>
-          </a:p>
-        </p:txBody>
-      </p:sp>
-      <p:pic>
-        <p:nvPicPr>
-          <p:cNvPr id="8" name="图片 7">
-            <a:extLst>
-              <a:ext uri="{FF2B5EF4-FFF2-40B4-BE49-F238E27FC236}">
-                <a16:creationId xmlns:a16="http://schemas.microsoft.com/office/drawing/2014/main" id="{DFB6076F-A448-4E78-929D-9FD44B0D68FA}"/>
-              </a:ext>
-            </a:extLst>
-          </p:cNvPr>
-          <p:cNvPicPr>
-            <a:picLocks noChangeAspect="1"/>
-          </p:cNvPicPr>
-          <p:nvPr/>
-        </p:nvPicPr>
-        <p:blipFill>
-          <a:blip r:embed="rId4">
-            <a:extLst>
-              <a:ext uri="{28A0092B-C50C-407E-A947-70E740481C1C}">
-                <a14:useLocalDpi xmlns:a14="http://schemas.microsoft.com/office/drawing/2010/main" val="0"/>
-              </a:ext>
-            </a:extLst>
-          </a:blip>
-          <a:stretch>
-            <a:fillRect/>
-          </a:stretch>
-        </p:blipFill>
-        <p:spPr>
-          <a:xfrm>
-            <a:off x="0" y="2262616"/>
-            <a:ext cx="9146892" cy="4493094"/>
-          </a:xfrm>
-          <a:prstGeom prst="rect">
-            <a:avLst/>
-          </a:prstGeom>
-        </p:spPr>
-      </p:pic>
-      <p:sp>
-        <p:nvSpPr>
-          <p:cNvPr id="9" name="内容占位符 2">
-            <a:extLst>
-              <a:ext uri="{FF2B5EF4-FFF2-40B4-BE49-F238E27FC236}">
-                <a16:creationId xmlns:a16="http://schemas.microsoft.com/office/drawing/2014/main" id="{07280FD0-C1CC-4A8F-A672-61C53729CC40}"/>
-              </a:ext>
-            </a:extLst>
-          </p:cNvPr>
-          <p:cNvSpPr txBox="1">
-            <a:spLocks/>
-          </p:cNvSpPr>
-          <p:nvPr/>
-        </p:nvSpPr>
-        <p:spPr bwMode="auto">
-          <a:xfrm>
-            <a:off x="706389" y="1317615"/>
-            <a:ext cx="8037561" cy="1305054"/>
-          </a:xfrm>
-          <a:prstGeom prst="rect">
-            <a:avLst/>
-          </a:prstGeom>
-          <a:noFill/>
-          <a:ln w="9525">
-            <a:noFill/>
-            <a:miter lim="800000"/>
-            <a:headEnd/>
-            <a:tailEnd/>
-          </a:ln>
-        </p:spPr>
-        <p:txBody>
-          <a:bodyPr vert="horz" wrap="square" lIns="91440" tIns="45720" rIns="91440" bIns="45720" numCol="1" anchor="t" anchorCtr="0" compatLnSpc="1">
-            <a:prstTxWarp prst="textNoShape">
-              <a:avLst/>
-            </a:prstTxWarp>
-          </a:bodyPr>
-          <a:lstStyle>
-            <a:lvl1pPr algn="l" rtl="0" eaLnBrk="0" fontAlgn="base" hangingPunct="0">
-              <a:spcBef>
-                <a:spcPct val="20000"/>
-              </a:spcBef>
-              <a:spcAft>
-                <a:spcPct val="0"/>
-              </a:spcAft>
-              <a:buClr>
-                <a:srgbClr val="CC9900"/>
-              </a:buClr>
-              <a:buFont typeface="Wingdings" pitchFamily="2" charset="2"/>
-              <a:buChar char="p"/>
-              <a:defRPr sz="2000" b="0">
-                <a:solidFill>
-                  <a:srgbClr val="4A6784"/>
-                </a:solidFill>
-                <a:latin typeface="微软雅黑" pitchFamily="34" charset="-122"/>
-                <a:ea typeface="微软雅黑" pitchFamily="34" charset="-122"/>
-                <a:cs typeface="+mn-cs"/>
-              </a:defRPr>
-            </a:lvl1pPr>
-            <a:lvl2pPr marL="441325" indent="15875" algn="l" rtl="0" eaLnBrk="0" fontAlgn="base" hangingPunct="0">
-              <a:spcBef>
-                <a:spcPct val="20000"/>
-              </a:spcBef>
-              <a:spcAft>
-                <a:spcPct val="0"/>
-              </a:spcAft>
-              <a:buClr>
-                <a:srgbClr val="CC9900"/>
-              </a:buClr>
-              <a:buFont typeface="Wingdings" pitchFamily="2" charset="2"/>
-              <a:buChar char="Ø"/>
-              <a:defRPr b="0">
-                <a:solidFill>
-                  <a:schemeClr val="tx1"/>
-                </a:solidFill>
-                <a:latin typeface="微软雅黑" pitchFamily="34" charset="-122"/>
-                <a:ea typeface="微软雅黑" pitchFamily="34" charset="-122"/>
-              </a:defRPr>
-            </a:lvl2pPr>
-            <a:lvl3pPr marL="898525" indent="15875" algn="l" rtl="0" eaLnBrk="0" fontAlgn="base" hangingPunct="0">
-              <a:spcBef>
-                <a:spcPct val="20000"/>
-              </a:spcBef>
-              <a:spcAft>
-                <a:spcPct val="0"/>
-              </a:spcAft>
-              <a:buClr>
-                <a:srgbClr val="CC9900"/>
-              </a:buClr>
-              <a:buChar char="•"/>
-              <a:defRPr sz="1600">
-                <a:solidFill>
-                  <a:schemeClr val="tx1"/>
-                </a:solidFill>
-                <a:latin typeface="微软雅黑" pitchFamily="34" charset="-122"/>
-                <a:ea typeface="微软雅黑" pitchFamily="34" charset="-122"/>
-              </a:defRPr>
-            </a:lvl3pPr>
-            <a:lvl4pPr marL="1260475" algn="l" rtl="0" eaLnBrk="0" fontAlgn="base" hangingPunct="0">
-              <a:spcBef>
-                <a:spcPct val="20000"/>
-              </a:spcBef>
-              <a:spcAft>
-                <a:spcPct val="0"/>
-              </a:spcAft>
-              <a:buClr>
-                <a:srgbClr val="CC9900"/>
-              </a:buClr>
-              <a:buChar char="•"/>
-              <a:defRPr sz="1600">
-                <a:solidFill>
-                  <a:schemeClr val="tx1"/>
-                </a:solidFill>
-                <a:latin typeface="微软雅黑" pitchFamily="34" charset="-122"/>
-                <a:ea typeface="微软雅黑" pitchFamily="34" charset="-122"/>
-              </a:defRPr>
-            </a:lvl4pPr>
-            <a:lvl5pPr marL="1703388" algn="l" rtl="0" eaLnBrk="0" fontAlgn="base" hangingPunct="0">
-              <a:spcBef>
-                <a:spcPct val="20000"/>
-              </a:spcBef>
-              <a:spcAft>
-                <a:spcPct val="0"/>
-              </a:spcAft>
-              <a:buClr>
-                <a:srgbClr val="CC9900"/>
-              </a:buClr>
-              <a:buFont typeface="Arial" charset="0"/>
-              <a:buChar char="»"/>
-              <a:defRPr sz="1600">
-                <a:solidFill>
-                  <a:schemeClr val="tx1"/>
-                </a:solidFill>
-                <a:latin typeface="微软雅黑" pitchFamily="34" charset="-122"/>
-                <a:ea typeface="微软雅黑" pitchFamily="34" charset="-122"/>
-              </a:defRPr>
-            </a:lvl5pPr>
-            <a:lvl6pPr marL="2160588" algn="l" rtl="0" fontAlgn="base">
-              <a:spcBef>
-                <a:spcPct val="20000"/>
-              </a:spcBef>
-              <a:spcAft>
-                <a:spcPct val="0"/>
-              </a:spcAft>
-              <a:buClr>
-                <a:srgbClr val="CC9900"/>
-              </a:buClr>
-              <a:buFont typeface="Arial" charset="0"/>
-              <a:buChar char="»"/>
-              <a:defRPr>
-                <a:solidFill>
-                  <a:schemeClr val="tx1"/>
-                </a:solidFill>
-                <a:latin typeface="+mn-lt"/>
-                <a:ea typeface="+mn-ea"/>
-              </a:defRPr>
-            </a:lvl6pPr>
-            <a:lvl7pPr marL="2617788" algn="l" rtl="0" fontAlgn="base">
-              <a:spcBef>
-                <a:spcPct val="20000"/>
-              </a:spcBef>
-              <a:spcAft>
-                <a:spcPct val="0"/>
-              </a:spcAft>
-              <a:buClr>
-                <a:srgbClr val="CC9900"/>
-              </a:buClr>
-              <a:buFont typeface="Arial" charset="0"/>
-              <a:buChar char="»"/>
-              <a:defRPr>
-                <a:solidFill>
-                  <a:schemeClr val="tx1"/>
-                </a:solidFill>
-                <a:latin typeface="+mn-lt"/>
-                <a:ea typeface="+mn-ea"/>
-              </a:defRPr>
-            </a:lvl7pPr>
-            <a:lvl8pPr marL="3074988" algn="l" rtl="0" fontAlgn="base">
-              <a:spcBef>
-                <a:spcPct val="20000"/>
-              </a:spcBef>
-              <a:spcAft>
-                <a:spcPct val="0"/>
-              </a:spcAft>
-              <a:buClr>
-                <a:srgbClr val="CC9900"/>
-              </a:buClr>
-              <a:buFont typeface="Arial" charset="0"/>
-              <a:buChar char="»"/>
-              <a:defRPr>
-                <a:solidFill>
-                  <a:schemeClr val="tx1"/>
-                </a:solidFill>
-                <a:latin typeface="+mn-lt"/>
-                <a:ea typeface="+mn-ea"/>
-              </a:defRPr>
-            </a:lvl8pPr>
-            <a:lvl9pPr marL="3532188" algn="l" rtl="0" fontAlgn="base">
-              <a:spcBef>
-                <a:spcPct val="20000"/>
-              </a:spcBef>
-              <a:spcAft>
-                <a:spcPct val="0"/>
-              </a:spcAft>
-              <a:buClr>
-                <a:srgbClr val="CC9900"/>
-              </a:buClr>
-              <a:buFont typeface="Arial" charset="0"/>
-              <a:buChar char="»"/>
-              <a:defRPr>
-                <a:solidFill>
-                  <a:schemeClr val="tx1"/>
-                </a:solidFill>
-                <a:latin typeface="+mn-lt"/>
-                <a:ea typeface="+mn-ea"/>
-              </a:defRPr>
-            </a:lvl9pPr>
-          </a:lstStyle>
-          <a:p>
-            <a:pPr algn="just"/>
-            <a:r>
-              <a:rPr lang="en-US" altLang="zh-CN" kern="0" dirty="0"/>
-              <a:t> </a:t>
-            </a:r>
-            <a:r>
-              <a:rPr lang="zh-CN" altLang="en-US" kern="0" dirty="0"/>
-              <a:t>雨天</a:t>
-            </a:r>
-            <a:endParaRPr lang="en-US" altLang="zh-CN" kern="0" dirty="0"/>
-          </a:p>
-        </p:txBody>
-      </p:sp>
-    </p:spTree>
-    <p:extLst>
-      <p:ext uri="{BB962C8B-B14F-4D97-AF65-F5344CB8AC3E}">
-        <p14:creationId xmlns:p14="http://schemas.microsoft.com/office/powerpoint/2010/main" val="2177448213"/>
-      </p:ext>
-    </p:extLst>
-  </p:cSld>
-  <p:clrMapOvr>
-    <a:masterClrMapping/>
-  </p:clrMapOvr>
-</p:sld>
-</file>
-
-<file path=ppt/slides/slide13.xml><?xml version="1.0" encoding="utf-8"?>
-<p:sld xmlns:a="http://schemas.openxmlformats.org/drawingml/2006/main" xmlns:r="http://schemas.openxmlformats.org/officeDocument/2006/relationships" xmlns:p="http://schemas.openxmlformats.org/presentationml/2006/main">
-  <p:cSld>
-    <p:spTree>
-      <p:nvGrpSpPr>
-        <p:cNvPr id="1" name=""/>
-        <p:cNvGrpSpPr/>
-        <p:nvPr/>
-      </p:nvGrpSpPr>
-      <p:grpSpPr>
-        <a:xfrm>
-          <a:off x="0" y="0"/>
-          <a:ext cx="0" cy="0"/>
-          <a:chOff x="0" y="0"/>
-          <a:chExt cx="0" cy="0"/>
-        </a:xfrm>
-      </p:grpSpPr>
-      <p:pic>
-        <p:nvPicPr>
-          <p:cNvPr id="1030" name="Picture 6"/>
-          <p:cNvPicPr>
-            <a:picLocks noChangeAspect="1" noChangeArrowheads="1"/>
-          </p:cNvPicPr>
-          <p:nvPr/>
-        </p:nvPicPr>
-        <p:blipFill>
-          <a:blip r:embed="rId3">
-            <a:extLst>
-              <a:ext uri="{28A0092B-C50C-407E-A947-70E740481C1C}">
-                <a14:useLocalDpi xmlns:a14="http://schemas.microsoft.com/office/drawing/2010/main" val="0"/>
-              </a:ext>
-            </a:extLst>
-          </a:blip>
-          <a:srcRect/>
-          <a:stretch>
-            <a:fillRect/>
-          </a:stretch>
-        </p:blipFill>
-        <p:spPr bwMode="auto">
-          <a:xfrm>
-            <a:off x="0" y="0"/>
-            <a:ext cx="9144000" cy="685800"/>
-          </a:xfrm>
-          <a:prstGeom prst="rect">
-            <a:avLst/>
-          </a:prstGeom>
-          <a:noFill/>
-          <a:ln>
-            <a:noFill/>
-          </a:ln>
-          <a:effectLst/>
-          <a:extLst>
-            <a:ext uri="{909E8E84-426E-40DD-AFC4-6F175D3DCCD1}">
-              <a14:hiddenFill xmlns:a14="http://schemas.microsoft.com/office/drawing/2010/main">
-                <a:solidFill>
-                  <a:schemeClr val="accent1"/>
-                </a:solidFill>
-              </a14:hiddenFill>
-            </a:ext>
-            <a:ext uri="{91240B29-F687-4F45-9708-019B960494DF}">
-              <a14:hiddenLine xmlns:a14="http://schemas.microsoft.com/office/drawing/2010/main" w="9525">
-                <a:solidFill>
-                  <a:schemeClr val="tx1"/>
-                </a:solidFill>
-                <a:miter lim="800000"/>
-                <a:headEnd/>
-                <a:tailEnd/>
-              </a14:hiddenLine>
-            </a:ext>
-            <a:ext uri="{AF507438-7753-43E0-B8FC-AC1667EBCBE1}">
-              <a14:hiddenEffects xmlns:a14="http://schemas.microsoft.com/office/drawing/2010/main">
-                <a:effectLst>
-                  <a:outerShdw dist="35921" dir="2700000" algn="ctr" rotWithShape="0">
-                    <a:schemeClr val="bg2"/>
-                  </a:outerShdw>
-                </a:effectLst>
-              </a14:hiddenEffects>
-            </a:ext>
-          </a:extLst>
-        </p:spPr>
-      </p:pic>
-      <p:sp>
-        <p:nvSpPr>
-          <p:cNvPr id="2" name="TextBox 1"/>
-          <p:cNvSpPr txBox="1"/>
-          <p:nvPr/>
-        </p:nvSpPr>
-        <p:spPr>
-          <a:xfrm>
-            <a:off x="395535" y="142845"/>
-            <a:ext cx="8348415" cy="400110"/>
-          </a:xfrm>
-          <a:prstGeom prst="rect">
-            <a:avLst/>
-          </a:prstGeom>
-          <a:noFill/>
-        </p:spPr>
-        <p:txBody>
-          <a:bodyPr wrap="square" rtlCol="0">
-            <a:spAutoFit/>
-          </a:bodyPr>
-          <a:lstStyle/>
-          <a:p>
-            <a:r>
-              <a:rPr lang="zh-CN" altLang="en-US" sz="2000" b="1" dirty="0">
-                <a:solidFill>
-                  <a:srgbClr val="FFFFFF"/>
-                </a:solidFill>
-                <a:effectLst>
-                  <a:outerShdw blurRad="38100" dist="38100" dir="2700000" algn="tl">
-                    <a:srgbClr val="000000">
-                      <a:alpha val="43137"/>
-                    </a:srgbClr>
-                  </a:outerShdw>
-                </a:effectLst>
-                <a:latin typeface="微软雅黑" pitchFamily="34" charset="-122"/>
-                <a:ea typeface="微软雅黑" pitchFamily="34" charset="-122"/>
-              </a:rPr>
-              <a:t>尝试二</a:t>
-            </a:r>
-          </a:p>
-        </p:txBody>
-      </p:sp>
-      <p:sp>
-        <p:nvSpPr>
-          <p:cNvPr id="7" name="矩形 6"/>
-          <p:cNvSpPr/>
-          <p:nvPr/>
-        </p:nvSpPr>
-        <p:spPr>
-          <a:xfrm>
-            <a:off x="0" y="6789944"/>
-            <a:ext cx="9144000" cy="68056"/>
-          </a:xfrm>
-          <a:prstGeom prst="rect">
-            <a:avLst/>
-          </a:prstGeom>
-          <a:solidFill>
-            <a:srgbClr val="415D7B"/>
-          </a:solidFill>
-          <a:ln>
-            <a:noFill/>
-          </a:ln>
-        </p:spPr>
-        <p:style>
-          <a:lnRef idx="2">
-            <a:schemeClr val="accent1">
-              <a:shade val="50000"/>
-            </a:schemeClr>
-          </a:lnRef>
-          <a:fillRef idx="1">
-            <a:schemeClr val="accent1"/>
-          </a:fillRef>
-          <a:effectRef idx="0">
-            <a:schemeClr val="accent1"/>
-          </a:effectRef>
-          <a:fontRef idx="minor">
-            <a:schemeClr val="lt1"/>
-          </a:fontRef>
-        </p:style>
-        <p:txBody>
-          <a:bodyPr rtlCol="0" anchor="ctr"/>
-          <a:lstStyle/>
-          <a:p>
-            <a:pPr algn="ctr"/>
-            <a:endParaRPr lang="zh-CN" altLang="en-US"/>
-          </a:p>
-        </p:txBody>
-      </p:sp>
-      <p:sp>
-        <p:nvSpPr>
-          <p:cNvPr id="3" name="灯片编号占位符 2"/>
-          <p:cNvSpPr>
-            <a:spLocks noGrp="1"/>
-          </p:cNvSpPr>
-          <p:nvPr>
-            <p:ph type="sldNum" sz="quarter" idx="12"/>
-          </p:nvPr>
-        </p:nvSpPr>
-        <p:spPr>
-          <a:xfrm>
-            <a:off x="6457950" y="6356351"/>
-            <a:ext cx="2057400" cy="365125"/>
-          </a:xfrm>
-        </p:spPr>
-        <p:txBody>
-          <a:bodyPr/>
-          <a:lstStyle/>
-          <a:p>
-            <a:fld id="{0F003B9C-CE26-4D71-B59B-D3ECF06D57F0}" type="slidenum">
-              <a:rPr lang="zh-CN" altLang="en-US" smtClean="0"/>
-              <a:t>13</a:t>
-            </a:fld>
-            <a:endParaRPr lang="zh-CN" altLang="en-US"/>
-          </a:p>
-        </p:txBody>
-      </p:sp>
-      <p:sp>
-        <p:nvSpPr>
-          <p:cNvPr id="14" name="内容占位符 2">
-            <a:extLst>
-              <a:ext uri="{FF2B5EF4-FFF2-40B4-BE49-F238E27FC236}">
-                <a16:creationId xmlns:a16="http://schemas.microsoft.com/office/drawing/2014/main" id="{994E8B0B-7669-4001-A001-202F18896AFB}"/>
-              </a:ext>
-            </a:extLst>
-          </p:cNvPr>
-          <p:cNvSpPr txBox="1">
-            <a:spLocks/>
-          </p:cNvSpPr>
-          <p:nvPr/>
-        </p:nvSpPr>
-        <p:spPr bwMode="auto">
-          <a:xfrm>
-            <a:off x="706388" y="993218"/>
-            <a:ext cx="8037561" cy="1305054"/>
-          </a:xfrm>
-          <a:prstGeom prst="rect">
-            <a:avLst/>
-          </a:prstGeom>
-          <a:noFill/>
-          <a:ln w="9525">
-            <a:noFill/>
-            <a:miter lim="800000"/>
-            <a:headEnd/>
-            <a:tailEnd/>
-          </a:ln>
-        </p:spPr>
-        <p:txBody>
-          <a:bodyPr vert="horz" wrap="square" lIns="91440" tIns="45720" rIns="91440" bIns="45720" numCol="1" anchor="t" anchorCtr="0" compatLnSpc="1">
-            <a:prstTxWarp prst="textNoShape">
-              <a:avLst/>
-            </a:prstTxWarp>
-          </a:bodyPr>
-          <a:lstStyle>
-            <a:lvl1pPr algn="l" rtl="0" eaLnBrk="0" fontAlgn="base" hangingPunct="0">
-              <a:spcBef>
-                <a:spcPct val="20000"/>
-              </a:spcBef>
-              <a:spcAft>
-                <a:spcPct val="0"/>
-              </a:spcAft>
-              <a:buClr>
-                <a:srgbClr val="CC9900"/>
-              </a:buClr>
-              <a:buFont typeface="Wingdings" pitchFamily="2" charset="2"/>
-              <a:buChar char="p"/>
-              <a:defRPr sz="2000" b="0">
-                <a:solidFill>
-                  <a:srgbClr val="4A6784"/>
-                </a:solidFill>
-                <a:latin typeface="微软雅黑" pitchFamily="34" charset="-122"/>
-                <a:ea typeface="微软雅黑" pitchFamily="34" charset="-122"/>
-                <a:cs typeface="+mn-cs"/>
-              </a:defRPr>
-            </a:lvl1pPr>
-            <a:lvl2pPr marL="441325" indent="15875" algn="l" rtl="0" eaLnBrk="0" fontAlgn="base" hangingPunct="0">
-              <a:spcBef>
-                <a:spcPct val="20000"/>
-              </a:spcBef>
-              <a:spcAft>
-                <a:spcPct val="0"/>
-              </a:spcAft>
-              <a:buClr>
-                <a:srgbClr val="CC9900"/>
-              </a:buClr>
-              <a:buFont typeface="Wingdings" pitchFamily="2" charset="2"/>
-              <a:buChar char="Ø"/>
-              <a:defRPr b="0">
-                <a:solidFill>
-                  <a:schemeClr val="tx1"/>
-                </a:solidFill>
-                <a:latin typeface="微软雅黑" pitchFamily="34" charset="-122"/>
-                <a:ea typeface="微软雅黑" pitchFamily="34" charset="-122"/>
-              </a:defRPr>
-            </a:lvl2pPr>
-            <a:lvl3pPr marL="898525" indent="15875" algn="l" rtl="0" eaLnBrk="0" fontAlgn="base" hangingPunct="0">
-              <a:spcBef>
-                <a:spcPct val="20000"/>
-              </a:spcBef>
-              <a:spcAft>
-                <a:spcPct val="0"/>
-              </a:spcAft>
-              <a:buClr>
-                <a:srgbClr val="CC9900"/>
-              </a:buClr>
-              <a:buChar char="•"/>
-              <a:defRPr sz="1600">
-                <a:solidFill>
-                  <a:schemeClr val="tx1"/>
-                </a:solidFill>
-                <a:latin typeface="微软雅黑" pitchFamily="34" charset="-122"/>
-                <a:ea typeface="微软雅黑" pitchFamily="34" charset="-122"/>
-              </a:defRPr>
-            </a:lvl3pPr>
-            <a:lvl4pPr marL="1260475" algn="l" rtl="0" eaLnBrk="0" fontAlgn="base" hangingPunct="0">
-              <a:spcBef>
-                <a:spcPct val="20000"/>
-              </a:spcBef>
-              <a:spcAft>
-                <a:spcPct val="0"/>
-              </a:spcAft>
-              <a:buClr>
-                <a:srgbClr val="CC9900"/>
-              </a:buClr>
-              <a:buChar char="•"/>
-              <a:defRPr sz="1600">
-                <a:solidFill>
-                  <a:schemeClr val="tx1"/>
-                </a:solidFill>
-                <a:latin typeface="微软雅黑" pitchFamily="34" charset="-122"/>
-                <a:ea typeface="微软雅黑" pitchFamily="34" charset="-122"/>
-              </a:defRPr>
-            </a:lvl4pPr>
-            <a:lvl5pPr marL="1703388" algn="l" rtl="0" eaLnBrk="0" fontAlgn="base" hangingPunct="0">
-              <a:spcBef>
-                <a:spcPct val="20000"/>
-              </a:spcBef>
-              <a:spcAft>
-                <a:spcPct val="0"/>
-              </a:spcAft>
-              <a:buClr>
-                <a:srgbClr val="CC9900"/>
-              </a:buClr>
-              <a:buFont typeface="Arial" charset="0"/>
-              <a:buChar char="»"/>
-              <a:defRPr sz="1600">
-                <a:solidFill>
-                  <a:schemeClr val="tx1"/>
-                </a:solidFill>
-                <a:latin typeface="微软雅黑" pitchFamily="34" charset="-122"/>
-                <a:ea typeface="微软雅黑" pitchFamily="34" charset="-122"/>
-              </a:defRPr>
-            </a:lvl5pPr>
-            <a:lvl6pPr marL="2160588" algn="l" rtl="0" fontAlgn="base">
-              <a:spcBef>
-                <a:spcPct val="20000"/>
-              </a:spcBef>
-              <a:spcAft>
-                <a:spcPct val="0"/>
-              </a:spcAft>
-              <a:buClr>
-                <a:srgbClr val="CC9900"/>
-              </a:buClr>
-              <a:buFont typeface="Arial" charset="0"/>
-              <a:buChar char="»"/>
-              <a:defRPr>
-                <a:solidFill>
-                  <a:schemeClr val="tx1"/>
-                </a:solidFill>
-                <a:latin typeface="+mn-lt"/>
-                <a:ea typeface="+mn-ea"/>
-              </a:defRPr>
-            </a:lvl6pPr>
-            <a:lvl7pPr marL="2617788" algn="l" rtl="0" fontAlgn="base">
-              <a:spcBef>
-                <a:spcPct val="20000"/>
-              </a:spcBef>
-              <a:spcAft>
-                <a:spcPct val="0"/>
-              </a:spcAft>
-              <a:buClr>
-                <a:srgbClr val="CC9900"/>
-              </a:buClr>
-              <a:buFont typeface="Arial" charset="0"/>
-              <a:buChar char="»"/>
-              <a:defRPr>
-                <a:solidFill>
-                  <a:schemeClr val="tx1"/>
-                </a:solidFill>
-                <a:latin typeface="+mn-lt"/>
-                <a:ea typeface="+mn-ea"/>
-              </a:defRPr>
-            </a:lvl7pPr>
-            <a:lvl8pPr marL="3074988" algn="l" rtl="0" fontAlgn="base">
-              <a:spcBef>
-                <a:spcPct val="20000"/>
-              </a:spcBef>
-              <a:spcAft>
-                <a:spcPct val="0"/>
-              </a:spcAft>
-              <a:buClr>
-                <a:srgbClr val="CC9900"/>
-              </a:buClr>
-              <a:buFont typeface="Arial" charset="0"/>
-              <a:buChar char="»"/>
-              <a:defRPr>
-                <a:solidFill>
-                  <a:schemeClr val="tx1"/>
-                </a:solidFill>
-                <a:latin typeface="+mn-lt"/>
-                <a:ea typeface="+mn-ea"/>
-              </a:defRPr>
-            </a:lvl8pPr>
-            <a:lvl9pPr marL="3532188" algn="l" rtl="0" fontAlgn="base">
-              <a:spcBef>
-                <a:spcPct val="20000"/>
-              </a:spcBef>
-              <a:spcAft>
-                <a:spcPct val="0"/>
-              </a:spcAft>
-              <a:buClr>
-                <a:srgbClr val="CC9900"/>
-              </a:buClr>
-              <a:buFont typeface="Arial" charset="0"/>
-              <a:buChar char="»"/>
-              <a:defRPr>
-                <a:solidFill>
-                  <a:schemeClr val="tx1"/>
-                </a:solidFill>
-                <a:latin typeface="+mn-lt"/>
-                <a:ea typeface="+mn-ea"/>
-              </a:defRPr>
-            </a:lvl9pPr>
-          </a:lstStyle>
-          <a:p>
-            <a:pPr algn="just"/>
-            <a:r>
-              <a:rPr lang="en-US" altLang="zh-CN" kern="0" dirty="0"/>
-              <a:t> </a:t>
-            </a:r>
-            <a:r>
-              <a:rPr lang="zh-CN" altLang="en-US" kern="0" dirty="0"/>
-              <a:t>只显示部分关键数据 （例如事故率高、死亡率高）</a:t>
-            </a:r>
-            <a:endParaRPr lang="en-US" altLang="zh-CN" kern="0" dirty="0"/>
-          </a:p>
-          <a:p>
-            <a:pPr algn="just"/>
-            <a:r>
-              <a:rPr lang="en-US" altLang="zh-CN" kern="0" dirty="0"/>
-              <a:t> </a:t>
-            </a:r>
-            <a:r>
-              <a:rPr lang="zh-CN" altLang="en-US" kern="0" dirty="0"/>
-              <a:t>采用对数坐标轴</a:t>
-            </a:r>
-            <a:endParaRPr lang="en-US" altLang="zh-CN" kern="0" dirty="0"/>
-          </a:p>
-        </p:txBody>
-      </p:sp>
-      <p:sp>
-        <p:nvSpPr>
-          <p:cNvPr id="12" name="矩形 11">
-            <a:extLst>
-              <a:ext uri="{FF2B5EF4-FFF2-40B4-BE49-F238E27FC236}">
-                <a16:creationId xmlns:a16="http://schemas.microsoft.com/office/drawing/2014/main" id="{14A8456D-2CAD-48F5-ACC5-809FDDA960F0}"/>
-              </a:ext>
-            </a:extLst>
-          </p:cNvPr>
-          <p:cNvSpPr/>
-          <p:nvPr/>
-        </p:nvSpPr>
-        <p:spPr>
-          <a:xfrm>
-            <a:off x="6383400" y="4679270"/>
-            <a:ext cx="2651495" cy="1323439"/>
-          </a:xfrm>
-          <a:prstGeom prst="rect">
-            <a:avLst/>
-          </a:prstGeom>
-        </p:spPr>
-        <p:txBody>
-          <a:bodyPr wrap="none">
-            <a:spAutoFit/>
-          </a:bodyPr>
-          <a:lstStyle/>
-          <a:p>
-            <a:r>
-              <a:rPr lang="en-US" altLang="zh-CN" sz="1600" dirty="0"/>
-              <a:t>CSV</a:t>
-            </a:r>
-            <a:r>
-              <a:rPr lang="zh-CN" altLang="en-US" sz="1600" dirty="0"/>
-              <a:t>：Collision </a:t>
-            </a:r>
-            <a:r>
-              <a:rPr lang="en-US" altLang="zh-CN" sz="1600" dirty="0"/>
-              <a:t>S</a:t>
-            </a:r>
-            <a:r>
-              <a:rPr lang="zh-CN" altLang="en-US" sz="1600" dirty="0"/>
-              <a:t>ports </a:t>
-            </a:r>
-            <a:r>
-              <a:rPr lang="en-US" altLang="zh-CN" sz="1600" dirty="0"/>
-              <a:t>V</a:t>
-            </a:r>
-            <a:r>
-              <a:rPr lang="zh-CN" altLang="en-US" sz="1600" dirty="0"/>
-              <a:t>ehicle</a:t>
-            </a:r>
-            <a:endParaRPr lang="en-US" altLang="zh-CN" sz="1600" dirty="0"/>
-          </a:p>
-          <a:p>
-            <a:r>
-              <a:rPr lang="en-US" altLang="zh-CN" sz="1600" dirty="0"/>
-              <a:t>SV</a:t>
-            </a:r>
-            <a:r>
-              <a:rPr lang="zh-CN" altLang="en-US" sz="1600" dirty="0"/>
-              <a:t>：</a:t>
-            </a:r>
-            <a:r>
-              <a:rPr lang="en-US" altLang="zh-CN" sz="1600" dirty="0"/>
-              <a:t>Stationary Vehicle</a:t>
-            </a:r>
-          </a:p>
-          <a:p>
-            <a:r>
-              <a:rPr lang="en-US" altLang="zh-CN" sz="1600" dirty="0"/>
-              <a:t>OVA</a:t>
-            </a:r>
-            <a:r>
-              <a:rPr lang="zh-CN" altLang="en-US" sz="1600" dirty="0"/>
-              <a:t>：</a:t>
-            </a:r>
-            <a:r>
-              <a:rPr lang="en-US" altLang="zh-CN" sz="1600" dirty="0"/>
-              <a:t>Other Vehicle Accident</a:t>
-            </a:r>
-          </a:p>
-          <a:p>
-            <a:r>
-              <a:rPr lang="en-US" altLang="zh-CN" sz="1600" dirty="0"/>
-              <a:t>SP</a:t>
-            </a:r>
-            <a:r>
-              <a:rPr lang="zh-CN" altLang="en-US" sz="1600" dirty="0"/>
-              <a:t>：</a:t>
-            </a:r>
-            <a:r>
-              <a:rPr lang="en-US" altLang="zh-CN" sz="1600" dirty="0"/>
-              <a:t>Scratching Pedestrians</a:t>
-            </a:r>
-          </a:p>
-          <a:p>
-            <a:r>
-              <a:rPr lang="en-US" altLang="zh-CN" sz="1600" dirty="0"/>
-              <a:t>HF</a:t>
-            </a:r>
-            <a:r>
-              <a:rPr lang="zh-CN" altLang="en-US" sz="1600" dirty="0"/>
-              <a:t>：</a:t>
-            </a:r>
-            <a:r>
-              <a:rPr lang="en-US" altLang="zh-CN" sz="1600" dirty="0"/>
-              <a:t>Hit the Fixture</a:t>
-            </a:r>
-            <a:endParaRPr lang="zh-CN" altLang="en-US" sz="1600" dirty="0"/>
-          </a:p>
-        </p:txBody>
-      </p:sp>
-      <p:pic>
-        <p:nvPicPr>
-          <p:cNvPr id="17" name="图片 16">
-            <a:extLst>
-              <a:ext uri="{FF2B5EF4-FFF2-40B4-BE49-F238E27FC236}">
-                <a16:creationId xmlns:a16="http://schemas.microsoft.com/office/drawing/2014/main" id="{FC5E8CD9-F8A5-4CFF-92A3-C863D88335A5}"/>
-              </a:ext>
-            </a:extLst>
-          </p:cNvPr>
-          <p:cNvPicPr>
-            <a:picLocks noChangeAspect="1"/>
-          </p:cNvPicPr>
-          <p:nvPr/>
-        </p:nvPicPr>
-        <p:blipFill>
-          <a:blip r:embed="rId4">
-            <a:extLst>
-              <a:ext uri="{28A0092B-C50C-407E-A947-70E740481C1C}">
-                <a14:useLocalDpi xmlns:a14="http://schemas.microsoft.com/office/drawing/2010/main" val="0"/>
-              </a:ext>
-            </a:extLst>
-          </a:blip>
-          <a:stretch>
-            <a:fillRect/>
-          </a:stretch>
-        </p:blipFill>
-        <p:spPr>
-          <a:xfrm>
-            <a:off x="395535" y="2043010"/>
-            <a:ext cx="5911273" cy="4433455"/>
-          </a:xfrm>
-          <a:prstGeom prst="rect">
-            <a:avLst/>
-          </a:prstGeom>
-        </p:spPr>
-      </p:pic>
-    </p:spTree>
-    <p:extLst>
-      <p:ext uri="{BB962C8B-B14F-4D97-AF65-F5344CB8AC3E}">
-        <p14:creationId xmlns:p14="http://schemas.microsoft.com/office/powerpoint/2010/main" val="1676939790"/>
-      </p:ext>
-    </p:extLst>
-  </p:cSld>
-  <p:clrMapOvr>
-    <a:masterClrMapping/>
-  </p:clrMapOvr>
-</p:sld>
-</file>
-
-<file path=ppt/slides/slide14.xml><?xml version="1.0" encoding="utf-8"?>
-<p:sld xmlns:a="http://schemas.openxmlformats.org/drawingml/2006/main" xmlns:r="http://schemas.openxmlformats.org/officeDocument/2006/relationships" xmlns:p="http://schemas.openxmlformats.org/presentationml/2006/main">
-  <p:cSld>
-    <p:spTree>
-      <p:nvGrpSpPr>
-        <p:cNvPr id="1" name=""/>
-        <p:cNvGrpSpPr/>
-        <p:nvPr/>
-      </p:nvGrpSpPr>
-      <p:grpSpPr>
-        <a:xfrm>
-          <a:off x="0" y="0"/>
-          <a:ext cx="0" cy="0"/>
-          <a:chOff x="0" y="0"/>
-          <a:chExt cx="0" cy="0"/>
-        </a:xfrm>
-      </p:grpSpPr>
-      <p:pic>
-        <p:nvPicPr>
-          <p:cNvPr id="1030" name="Picture 6"/>
-          <p:cNvPicPr>
-            <a:picLocks noChangeAspect="1" noChangeArrowheads="1"/>
-          </p:cNvPicPr>
-          <p:nvPr/>
-        </p:nvPicPr>
-        <p:blipFill>
-          <a:blip r:embed="rId3">
-            <a:extLst>
-              <a:ext uri="{28A0092B-C50C-407E-A947-70E740481C1C}">
-                <a14:useLocalDpi xmlns:a14="http://schemas.microsoft.com/office/drawing/2010/main" val="0"/>
-              </a:ext>
-            </a:extLst>
-          </a:blip>
-          <a:srcRect/>
-          <a:stretch>
-            <a:fillRect/>
-          </a:stretch>
-        </p:blipFill>
-        <p:spPr bwMode="auto">
-          <a:xfrm>
-            <a:off x="0" y="0"/>
-            <a:ext cx="9144000" cy="685800"/>
-          </a:xfrm>
-          <a:prstGeom prst="rect">
-            <a:avLst/>
-          </a:prstGeom>
-          <a:noFill/>
-          <a:ln>
-            <a:noFill/>
-          </a:ln>
-          <a:effectLst/>
-          <a:extLst>
-            <a:ext uri="{909E8E84-426E-40DD-AFC4-6F175D3DCCD1}">
-              <a14:hiddenFill xmlns:a14="http://schemas.microsoft.com/office/drawing/2010/main">
-                <a:solidFill>
-                  <a:schemeClr val="accent1"/>
-                </a:solidFill>
-              </a14:hiddenFill>
-            </a:ext>
-            <a:ext uri="{91240B29-F687-4F45-9708-019B960494DF}">
-              <a14:hiddenLine xmlns:a14="http://schemas.microsoft.com/office/drawing/2010/main" w="9525">
-                <a:solidFill>
-                  <a:schemeClr val="tx1"/>
-                </a:solidFill>
-                <a:miter lim="800000"/>
-                <a:headEnd/>
-                <a:tailEnd/>
-              </a14:hiddenLine>
-            </a:ext>
-            <a:ext uri="{AF507438-7753-43E0-B8FC-AC1667EBCBE1}">
-              <a14:hiddenEffects xmlns:a14="http://schemas.microsoft.com/office/drawing/2010/main">
-                <a:effectLst>
-                  <a:outerShdw dist="35921" dir="2700000" algn="ctr" rotWithShape="0">
-                    <a:schemeClr val="bg2"/>
-                  </a:outerShdw>
-                </a:effectLst>
-              </a14:hiddenEffects>
-            </a:ext>
-          </a:extLst>
-        </p:spPr>
-      </p:pic>
-      <p:sp>
-        <p:nvSpPr>
-          <p:cNvPr id="2" name="TextBox 1"/>
-          <p:cNvSpPr txBox="1"/>
-          <p:nvPr/>
-        </p:nvSpPr>
-        <p:spPr>
-          <a:xfrm>
-            <a:off x="395535" y="142845"/>
-            <a:ext cx="8348415" cy="400110"/>
-          </a:xfrm>
-          <a:prstGeom prst="rect">
-            <a:avLst/>
-          </a:prstGeom>
-          <a:noFill/>
-        </p:spPr>
-        <p:txBody>
-          <a:bodyPr wrap="square" rtlCol="0">
-            <a:spAutoFit/>
-          </a:bodyPr>
-          <a:lstStyle/>
-          <a:p>
-            <a:r>
-              <a:rPr lang="zh-CN" altLang="en-US" sz="2000" b="1" dirty="0">
-                <a:solidFill>
-                  <a:srgbClr val="FFFFFF"/>
-                </a:solidFill>
-                <a:effectLst>
-                  <a:outerShdw blurRad="38100" dist="38100" dir="2700000" algn="tl">
-                    <a:srgbClr val="000000">
-                      <a:alpha val="43137"/>
-                    </a:srgbClr>
-                  </a:outerShdw>
-                </a:effectLst>
-                <a:latin typeface="微软雅黑" pitchFamily="34" charset="-122"/>
-                <a:ea typeface="微软雅黑" pitchFamily="34" charset="-122"/>
-              </a:rPr>
-              <a:t>尝试二</a:t>
-            </a:r>
-          </a:p>
-        </p:txBody>
-      </p:sp>
-      <p:sp>
-        <p:nvSpPr>
-          <p:cNvPr id="7" name="矩形 6"/>
-          <p:cNvSpPr/>
-          <p:nvPr/>
-        </p:nvSpPr>
-        <p:spPr>
-          <a:xfrm>
-            <a:off x="0" y="6789944"/>
-            <a:ext cx="9144000" cy="68056"/>
-          </a:xfrm>
-          <a:prstGeom prst="rect">
-            <a:avLst/>
-          </a:prstGeom>
-          <a:solidFill>
-            <a:srgbClr val="415D7B"/>
-          </a:solidFill>
-          <a:ln>
-            <a:noFill/>
-          </a:ln>
-        </p:spPr>
-        <p:style>
-          <a:lnRef idx="2">
-            <a:schemeClr val="accent1">
-              <a:shade val="50000"/>
-            </a:schemeClr>
-          </a:lnRef>
-          <a:fillRef idx="1">
-            <a:schemeClr val="accent1"/>
-          </a:fillRef>
-          <a:effectRef idx="0">
-            <a:schemeClr val="accent1"/>
-          </a:effectRef>
-          <a:fontRef idx="minor">
-            <a:schemeClr val="lt1"/>
-          </a:fontRef>
-        </p:style>
-        <p:txBody>
-          <a:bodyPr rtlCol="0" anchor="ctr"/>
-          <a:lstStyle/>
-          <a:p>
-            <a:pPr algn="ctr"/>
-            <a:endParaRPr lang="zh-CN" altLang="en-US"/>
-          </a:p>
-        </p:txBody>
-      </p:sp>
-      <p:sp>
-        <p:nvSpPr>
-          <p:cNvPr id="3" name="灯片编号占位符 2"/>
-          <p:cNvSpPr>
-            <a:spLocks noGrp="1"/>
-          </p:cNvSpPr>
-          <p:nvPr>
-            <p:ph type="sldNum" sz="quarter" idx="12"/>
-          </p:nvPr>
-        </p:nvSpPr>
-        <p:spPr/>
-        <p:txBody>
-          <a:bodyPr/>
-          <a:lstStyle/>
-          <a:p>
-            <a:fld id="{0F003B9C-CE26-4D71-B59B-D3ECF06D57F0}" type="slidenum">
-              <a:rPr lang="zh-CN" altLang="en-US" smtClean="0"/>
-              <a:t>14</a:t>
-            </a:fld>
-            <a:endParaRPr lang="zh-CN" altLang="en-US"/>
-          </a:p>
-        </p:txBody>
-      </p:sp>
-      <p:sp>
-        <p:nvSpPr>
-          <p:cNvPr id="9" name="内容占位符 2">
-            <a:extLst>
-              <a:ext uri="{FF2B5EF4-FFF2-40B4-BE49-F238E27FC236}">
-                <a16:creationId xmlns:a16="http://schemas.microsoft.com/office/drawing/2014/main" id="{07280FD0-C1CC-4A8F-A672-61C53729CC40}"/>
-              </a:ext>
-            </a:extLst>
-          </p:cNvPr>
-          <p:cNvSpPr txBox="1">
-            <a:spLocks/>
-          </p:cNvSpPr>
-          <p:nvPr/>
-        </p:nvSpPr>
-        <p:spPr bwMode="auto">
-          <a:xfrm>
-            <a:off x="706389" y="1317615"/>
-            <a:ext cx="8037561" cy="1305054"/>
-          </a:xfrm>
-          <a:prstGeom prst="rect">
-            <a:avLst/>
-          </a:prstGeom>
-          <a:noFill/>
-          <a:ln w="9525">
-            <a:noFill/>
-            <a:miter lim="800000"/>
-            <a:headEnd/>
-            <a:tailEnd/>
-          </a:ln>
-        </p:spPr>
-        <p:txBody>
-          <a:bodyPr vert="horz" wrap="square" lIns="91440" tIns="45720" rIns="91440" bIns="45720" numCol="1" anchor="t" anchorCtr="0" compatLnSpc="1">
-            <a:prstTxWarp prst="textNoShape">
-              <a:avLst/>
-            </a:prstTxWarp>
-          </a:bodyPr>
-          <a:lstStyle>
-            <a:lvl1pPr algn="l" rtl="0" eaLnBrk="0" fontAlgn="base" hangingPunct="0">
-              <a:spcBef>
-                <a:spcPct val="20000"/>
-              </a:spcBef>
-              <a:spcAft>
-                <a:spcPct val="0"/>
-              </a:spcAft>
-              <a:buClr>
-                <a:srgbClr val="CC9900"/>
-              </a:buClr>
-              <a:buFont typeface="Wingdings" pitchFamily="2" charset="2"/>
-              <a:buChar char="p"/>
-              <a:defRPr sz="2000" b="0">
-                <a:solidFill>
-                  <a:srgbClr val="4A6784"/>
-                </a:solidFill>
-                <a:latin typeface="微软雅黑" pitchFamily="34" charset="-122"/>
-                <a:ea typeface="微软雅黑" pitchFamily="34" charset="-122"/>
-                <a:cs typeface="+mn-cs"/>
-              </a:defRPr>
-            </a:lvl1pPr>
-            <a:lvl2pPr marL="441325" indent="15875" algn="l" rtl="0" eaLnBrk="0" fontAlgn="base" hangingPunct="0">
-              <a:spcBef>
-                <a:spcPct val="20000"/>
-              </a:spcBef>
-              <a:spcAft>
-                <a:spcPct val="0"/>
-              </a:spcAft>
-              <a:buClr>
-                <a:srgbClr val="CC9900"/>
-              </a:buClr>
-              <a:buFont typeface="Wingdings" pitchFamily="2" charset="2"/>
-              <a:buChar char="Ø"/>
-              <a:defRPr b="0">
-                <a:solidFill>
-                  <a:schemeClr val="tx1"/>
-                </a:solidFill>
-                <a:latin typeface="微软雅黑" pitchFamily="34" charset="-122"/>
-                <a:ea typeface="微软雅黑" pitchFamily="34" charset="-122"/>
-              </a:defRPr>
-            </a:lvl2pPr>
-            <a:lvl3pPr marL="898525" indent="15875" algn="l" rtl="0" eaLnBrk="0" fontAlgn="base" hangingPunct="0">
-              <a:spcBef>
-                <a:spcPct val="20000"/>
-              </a:spcBef>
-              <a:spcAft>
-                <a:spcPct val="0"/>
-              </a:spcAft>
-              <a:buClr>
-                <a:srgbClr val="CC9900"/>
-              </a:buClr>
-              <a:buChar char="•"/>
-              <a:defRPr sz="1600">
-                <a:solidFill>
-                  <a:schemeClr val="tx1"/>
-                </a:solidFill>
-                <a:latin typeface="微软雅黑" pitchFamily="34" charset="-122"/>
-                <a:ea typeface="微软雅黑" pitchFamily="34" charset="-122"/>
-              </a:defRPr>
-            </a:lvl3pPr>
-            <a:lvl4pPr marL="1260475" algn="l" rtl="0" eaLnBrk="0" fontAlgn="base" hangingPunct="0">
-              <a:spcBef>
-                <a:spcPct val="20000"/>
-              </a:spcBef>
-              <a:spcAft>
-                <a:spcPct val="0"/>
-              </a:spcAft>
-              <a:buClr>
-                <a:srgbClr val="CC9900"/>
-              </a:buClr>
-              <a:buChar char="•"/>
-              <a:defRPr sz="1600">
-                <a:solidFill>
-                  <a:schemeClr val="tx1"/>
-                </a:solidFill>
-                <a:latin typeface="微软雅黑" pitchFamily="34" charset="-122"/>
-                <a:ea typeface="微软雅黑" pitchFamily="34" charset="-122"/>
-              </a:defRPr>
-            </a:lvl4pPr>
-            <a:lvl5pPr marL="1703388" algn="l" rtl="0" eaLnBrk="0" fontAlgn="base" hangingPunct="0">
-              <a:spcBef>
-                <a:spcPct val="20000"/>
-              </a:spcBef>
-              <a:spcAft>
-                <a:spcPct val="0"/>
-              </a:spcAft>
-              <a:buClr>
-                <a:srgbClr val="CC9900"/>
-              </a:buClr>
-              <a:buFont typeface="Arial" charset="0"/>
-              <a:buChar char="»"/>
-              <a:defRPr sz="1600">
-                <a:solidFill>
-                  <a:schemeClr val="tx1"/>
-                </a:solidFill>
-                <a:latin typeface="微软雅黑" pitchFamily="34" charset="-122"/>
-                <a:ea typeface="微软雅黑" pitchFamily="34" charset="-122"/>
-              </a:defRPr>
-            </a:lvl5pPr>
-            <a:lvl6pPr marL="2160588" algn="l" rtl="0" fontAlgn="base">
-              <a:spcBef>
-                <a:spcPct val="20000"/>
-              </a:spcBef>
-              <a:spcAft>
-                <a:spcPct val="0"/>
-              </a:spcAft>
-              <a:buClr>
-                <a:srgbClr val="CC9900"/>
-              </a:buClr>
-              <a:buFont typeface="Arial" charset="0"/>
-              <a:buChar char="»"/>
-              <a:defRPr>
-                <a:solidFill>
-                  <a:schemeClr val="tx1"/>
-                </a:solidFill>
-                <a:latin typeface="+mn-lt"/>
-                <a:ea typeface="+mn-ea"/>
-              </a:defRPr>
-            </a:lvl6pPr>
-            <a:lvl7pPr marL="2617788" algn="l" rtl="0" fontAlgn="base">
-              <a:spcBef>
-                <a:spcPct val="20000"/>
-              </a:spcBef>
-              <a:spcAft>
-                <a:spcPct val="0"/>
-              </a:spcAft>
-              <a:buClr>
-                <a:srgbClr val="CC9900"/>
-              </a:buClr>
-              <a:buFont typeface="Arial" charset="0"/>
-              <a:buChar char="»"/>
-              <a:defRPr>
-                <a:solidFill>
-                  <a:schemeClr val="tx1"/>
-                </a:solidFill>
-                <a:latin typeface="+mn-lt"/>
-                <a:ea typeface="+mn-ea"/>
-              </a:defRPr>
-            </a:lvl7pPr>
-            <a:lvl8pPr marL="3074988" algn="l" rtl="0" fontAlgn="base">
-              <a:spcBef>
-                <a:spcPct val="20000"/>
-              </a:spcBef>
-              <a:spcAft>
-                <a:spcPct val="0"/>
-              </a:spcAft>
-              <a:buClr>
-                <a:srgbClr val="CC9900"/>
-              </a:buClr>
-              <a:buFont typeface="Arial" charset="0"/>
-              <a:buChar char="»"/>
-              <a:defRPr>
-                <a:solidFill>
-                  <a:schemeClr val="tx1"/>
-                </a:solidFill>
-                <a:latin typeface="+mn-lt"/>
-                <a:ea typeface="+mn-ea"/>
-              </a:defRPr>
-            </a:lvl8pPr>
-            <a:lvl9pPr marL="3532188" algn="l" rtl="0" fontAlgn="base">
-              <a:spcBef>
-                <a:spcPct val="20000"/>
-              </a:spcBef>
-              <a:spcAft>
-                <a:spcPct val="0"/>
-              </a:spcAft>
-              <a:buClr>
-                <a:srgbClr val="CC9900"/>
-              </a:buClr>
-              <a:buFont typeface="Arial" charset="0"/>
-              <a:buChar char="»"/>
-              <a:defRPr>
-                <a:solidFill>
-                  <a:schemeClr val="tx1"/>
-                </a:solidFill>
-                <a:latin typeface="+mn-lt"/>
-                <a:ea typeface="+mn-ea"/>
-              </a:defRPr>
-            </a:lvl9pPr>
-          </a:lstStyle>
-          <a:p>
-            <a:pPr algn="just"/>
-            <a:r>
-              <a:rPr lang="en-US" altLang="zh-CN" kern="0" dirty="0"/>
-              <a:t> </a:t>
-            </a:r>
-            <a:r>
-              <a:rPr lang="zh-CN" altLang="en-US" kern="0" dirty="0"/>
-              <a:t>雨天</a:t>
-            </a:r>
-            <a:endParaRPr lang="en-US" altLang="zh-CN" kern="0" dirty="0"/>
-          </a:p>
-        </p:txBody>
-      </p:sp>
-      <p:sp>
-        <p:nvSpPr>
-          <p:cNvPr id="13" name="矩形 12">
-            <a:extLst>
-              <a:ext uri="{FF2B5EF4-FFF2-40B4-BE49-F238E27FC236}">
-                <a16:creationId xmlns:a16="http://schemas.microsoft.com/office/drawing/2014/main" id="{CE459B86-A0CE-406C-BE26-5B05F50962CC}"/>
-              </a:ext>
-            </a:extLst>
-          </p:cNvPr>
-          <p:cNvSpPr/>
-          <p:nvPr/>
-        </p:nvSpPr>
-        <p:spPr>
-          <a:xfrm>
-            <a:off x="6383400" y="4679270"/>
-            <a:ext cx="2651495" cy="1323439"/>
-          </a:xfrm>
-          <a:prstGeom prst="rect">
-            <a:avLst/>
-          </a:prstGeom>
-        </p:spPr>
-        <p:txBody>
-          <a:bodyPr wrap="none">
-            <a:spAutoFit/>
-          </a:bodyPr>
-          <a:lstStyle/>
-          <a:p>
-            <a:r>
-              <a:rPr lang="en-US" altLang="zh-CN" sz="1600" dirty="0"/>
-              <a:t>CSV</a:t>
-            </a:r>
-            <a:r>
-              <a:rPr lang="zh-CN" altLang="en-US" sz="1600" dirty="0"/>
-              <a:t>：Collision </a:t>
-            </a:r>
-            <a:r>
-              <a:rPr lang="en-US" altLang="zh-CN" sz="1600" dirty="0"/>
-              <a:t>S</a:t>
-            </a:r>
-            <a:r>
-              <a:rPr lang="zh-CN" altLang="en-US" sz="1600" dirty="0"/>
-              <a:t>ports </a:t>
-            </a:r>
-            <a:r>
-              <a:rPr lang="en-US" altLang="zh-CN" sz="1600" dirty="0"/>
-              <a:t>V</a:t>
-            </a:r>
-            <a:r>
-              <a:rPr lang="zh-CN" altLang="en-US" sz="1600" dirty="0"/>
-              <a:t>ehicle</a:t>
-            </a:r>
-            <a:endParaRPr lang="en-US" altLang="zh-CN" sz="1600" dirty="0"/>
-          </a:p>
-          <a:p>
-            <a:r>
-              <a:rPr lang="en-US" altLang="zh-CN" sz="1600" dirty="0"/>
-              <a:t>SV</a:t>
-            </a:r>
-            <a:r>
-              <a:rPr lang="zh-CN" altLang="en-US" sz="1600" dirty="0"/>
-              <a:t>：</a:t>
-            </a:r>
-            <a:r>
-              <a:rPr lang="en-US" altLang="zh-CN" sz="1600" dirty="0"/>
-              <a:t>Stationary Vehicle</a:t>
-            </a:r>
-          </a:p>
-          <a:p>
-            <a:r>
-              <a:rPr lang="en-US" altLang="zh-CN" sz="1600" dirty="0"/>
-              <a:t>OVA</a:t>
-            </a:r>
-            <a:r>
-              <a:rPr lang="zh-CN" altLang="en-US" sz="1600" dirty="0"/>
-              <a:t>：</a:t>
-            </a:r>
-            <a:r>
-              <a:rPr lang="en-US" altLang="zh-CN" sz="1600" dirty="0"/>
-              <a:t>Other Vehicle Accident</a:t>
-            </a:r>
-          </a:p>
-          <a:p>
-            <a:r>
-              <a:rPr lang="en-US" altLang="zh-CN" sz="1600" dirty="0"/>
-              <a:t>SP</a:t>
-            </a:r>
-            <a:r>
-              <a:rPr lang="zh-CN" altLang="en-US" sz="1600" dirty="0"/>
-              <a:t>：</a:t>
-            </a:r>
-            <a:r>
-              <a:rPr lang="en-US" altLang="zh-CN" sz="1600" dirty="0"/>
-              <a:t>Scratching Pedestrians</a:t>
-            </a:r>
-          </a:p>
-          <a:p>
-            <a:r>
-              <a:rPr lang="en-US" altLang="zh-CN" sz="1600" dirty="0"/>
-              <a:t>RP</a:t>
-            </a:r>
-            <a:r>
-              <a:rPr lang="zh-CN" altLang="en-US" sz="1600" dirty="0"/>
-              <a:t>：</a:t>
-            </a:r>
-            <a:r>
-              <a:rPr lang="en-US" altLang="zh-CN" sz="1600" dirty="0"/>
-              <a:t>Rolling Pedestrians</a:t>
-            </a:r>
-            <a:endParaRPr lang="zh-CN" altLang="en-US" sz="1600" dirty="0"/>
-          </a:p>
-        </p:txBody>
-      </p:sp>
-      <p:pic>
-        <p:nvPicPr>
-          <p:cNvPr id="16" name="图片 15" descr="图片包含 文字&#10;&#10;已生成高可信度的说明">
-            <a:extLst>
-              <a:ext uri="{FF2B5EF4-FFF2-40B4-BE49-F238E27FC236}">
-                <a16:creationId xmlns:a16="http://schemas.microsoft.com/office/drawing/2014/main" id="{8A8F4A48-C8D4-4CD3-9B96-D4774ADF6C30}"/>
-              </a:ext>
-            </a:extLst>
-          </p:cNvPr>
-          <p:cNvPicPr>
-            <a:picLocks noChangeAspect="1"/>
-          </p:cNvPicPr>
-          <p:nvPr/>
-        </p:nvPicPr>
-        <p:blipFill>
-          <a:blip r:embed="rId4">
-            <a:extLst>
-              <a:ext uri="{28A0092B-C50C-407E-A947-70E740481C1C}">
-                <a14:useLocalDpi xmlns:a14="http://schemas.microsoft.com/office/drawing/2010/main" val="0"/>
-              </a:ext>
-            </a:extLst>
-          </a:blip>
-          <a:stretch>
-            <a:fillRect/>
-          </a:stretch>
-        </p:blipFill>
-        <p:spPr>
-          <a:xfrm>
-            <a:off x="396000" y="2044800"/>
-            <a:ext cx="5911273" cy="4433455"/>
-          </a:xfrm>
-          <a:prstGeom prst="rect">
-            <a:avLst/>
-          </a:prstGeom>
-        </p:spPr>
-      </p:pic>
-    </p:spTree>
-    <p:extLst>
-      <p:ext uri="{BB962C8B-B14F-4D97-AF65-F5344CB8AC3E}">
-        <p14:creationId xmlns:p14="http://schemas.microsoft.com/office/powerpoint/2010/main" val="2972824439"/>
-      </p:ext>
-    </p:extLst>
-  </p:cSld>
-  <p:clrMapOvr>
-    <a:masterClrMapping/>
-  </p:clrMapOvr>
-</p:sld>
-</file>
-
-<file path=ppt/slides/slide15.xml><?xml version="1.0" encoding="utf-8"?>
-<p:sld xmlns:a="http://schemas.openxmlformats.org/drawingml/2006/main" xmlns:r="http://schemas.openxmlformats.org/officeDocument/2006/relationships" xmlns:p="http://schemas.openxmlformats.org/presentationml/2006/main">
-  <p:cSld>
-    <p:spTree>
-      <p:nvGrpSpPr>
-        <p:cNvPr id="1" name=""/>
-        <p:cNvGrpSpPr/>
-        <p:nvPr/>
-      </p:nvGrpSpPr>
-      <p:grpSpPr>
-        <a:xfrm>
-          <a:off x="0" y="0"/>
-          <a:ext cx="0" cy="0"/>
-          <a:chOff x="0" y="0"/>
-          <a:chExt cx="0" cy="0"/>
-        </a:xfrm>
-      </p:grpSpPr>
-      <p:pic>
-        <p:nvPicPr>
-          <p:cNvPr id="4" name="图片 3"/>
-          <p:cNvPicPr>
-            <a:picLocks noChangeAspect="1"/>
-          </p:cNvPicPr>
-          <p:nvPr/>
-        </p:nvPicPr>
-        <p:blipFill>
-          <a:blip r:embed="rId2" cstate="print">
-            <a:extLst>
-              <a:ext uri="{28A0092B-C50C-407E-A947-70E740481C1C}">
-                <a14:useLocalDpi xmlns:a14="http://schemas.microsoft.com/office/drawing/2010/main" val="0"/>
-              </a:ext>
-            </a:extLst>
-          </a:blip>
-          <a:stretch>
-            <a:fillRect/>
-          </a:stretch>
-        </p:blipFill>
-        <p:spPr>
-          <a:xfrm>
-            <a:off x="-1" y="-1"/>
-            <a:ext cx="9144887" cy="5143999"/>
-          </a:xfrm>
-          <a:prstGeom prst="rect">
-            <a:avLst/>
-          </a:prstGeom>
-        </p:spPr>
-      </p:pic>
-      <p:sp>
-        <p:nvSpPr>
-          <p:cNvPr id="24" name="矩形 23"/>
-          <p:cNvSpPr/>
-          <p:nvPr/>
-        </p:nvSpPr>
-        <p:spPr>
-          <a:xfrm>
-            <a:off x="1331" y="5184351"/>
-            <a:ext cx="9143556" cy="1674000"/>
-          </a:xfrm>
-          <a:prstGeom prst="rect">
-            <a:avLst/>
-          </a:prstGeom>
-          <a:solidFill>
-            <a:srgbClr val="A3A3A3"/>
-          </a:solidFill>
-          <a:ln>
-            <a:noFill/>
-          </a:ln>
-        </p:spPr>
-        <p:style>
-          <a:lnRef idx="2">
-            <a:schemeClr val="accent1">
-              <a:shade val="50000"/>
-            </a:schemeClr>
-          </a:lnRef>
-          <a:fillRef idx="1">
-            <a:schemeClr val="accent1"/>
-          </a:fillRef>
-          <a:effectRef idx="0">
-            <a:schemeClr val="accent1"/>
-          </a:effectRef>
-          <a:fontRef idx="minor">
-            <a:schemeClr val="lt1"/>
-          </a:fontRef>
-        </p:style>
-        <p:txBody>
-          <a:bodyPr rtlCol="0" anchor="ctr"/>
-          <a:lstStyle/>
-          <a:p>
-            <a:pPr algn="ctr"/>
-            <a:endParaRPr lang="zh-CN" altLang="en-US"/>
-          </a:p>
-        </p:txBody>
-      </p:sp>
-      <p:sp>
-        <p:nvSpPr>
-          <p:cNvPr id="19" name="矩形 18"/>
-          <p:cNvSpPr/>
-          <p:nvPr/>
-        </p:nvSpPr>
-        <p:spPr>
-          <a:xfrm>
-            <a:off x="1331" y="0"/>
-            <a:ext cx="9143556" cy="5143998"/>
-          </a:xfrm>
-          <a:prstGeom prst="rect">
-            <a:avLst/>
-          </a:prstGeom>
-          <a:gradFill>
-            <a:gsLst>
-              <a:gs pos="0">
-                <a:srgbClr val="405F7C">
-                  <a:alpha val="85000"/>
-                </a:srgbClr>
-              </a:gs>
-              <a:gs pos="50000">
-                <a:srgbClr val="4A698C">
-                  <a:alpha val="95000"/>
-                </a:srgbClr>
-              </a:gs>
-              <a:gs pos="100000">
-                <a:srgbClr val="415D7B">
-                  <a:alpha val="95000"/>
-                </a:srgbClr>
-              </a:gs>
-            </a:gsLst>
-            <a:lin ang="5400000" scaled="0"/>
-          </a:gradFill>
-          <a:ln>
-            <a:noFill/>
-          </a:ln>
-        </p:spPr>
-        <p:style>
-          <a:lnRef idx="2">
-            <a:schemeClr val="accent1">
-              <a:shade val="50000"/>
-            </a:schemeClr>
-          </a:lnRef>
-          <a:fillRef idx="1">
-            <a:schemeClr val="accent1"/>
-          </a:fillRef>
-          <a:effectRef idx="0">
-            <a:schemeClr val="accent1"/>
-          </a:effectRef>
-          <a:fontRef idx="minor">
-            <a:schemeClr val="lt1"/>
-          </a:fontRef>
-        </p:style>
-        <p:txBody>
-          <a:bodyPr rtlCol="0" anchor="ctr"/>
-          <a:lstStyle/>
-          <a:p>
-            <a:pPr algn="ctr"/>
-            <a:endParaRPr lang="zh-CN" altLang="en-US"/>
-          </a:p>
-        </p:txBody>
-      </p:sp>
-      <p:sp>
-        <p:nvSpPr>
-          <p:cNvPr id="20" name="TextBox 19"/>
-          <p:cNvSpPr txBox="1"/>
-          <p:nvPr/>
-        </p:nvSpPr>
-        <p:spPr>
-          <a:xfrm>
-            <a:off x="3707904" y="2492896"/>
-            <a:ext cx="4392454" cy="707886"/>
-          </a:xfrm>
-          <a:prstGeom prst="rect">
-            <a:avLst/>
-          </a:prstGeom>
-          <a:noFill/>
-        </p:spPr>
-        <p:txBody>
-          <a:bodyPr wrap="square" rtlCol="0">
-            <a:spAutoFit/>
-          </a:bodyPr>
-          <a:lstStyle/>
-          <a:p>
-            <a:pPr algn="r"/>
-            <a:r>
-              <a:rPr lang="zh-CN" altLang="en-US" sz="4000" b="1" dirty="0">
-                <a:solidFill>
-                  <a:srgbClr val="FFFFFF"/>
-                </a:solidFill>
-                <a:effectLst>
-                  <a:outerShdw blurRad="38100" dist="38100" dir="2700000" algn="tl">
-                    <a:srgbClr val="000000">
-                      <a:alpha val="43137"/>
-                    </a:srgbClr>
-                  </a:outerShdw>
-                </a:effectLst>
-                <a:latin typeface="Arial Unicode MS" pitchFamily="34" charset="-122"/>
-                <a:ea typeface="Arial Unicode MS" pitchFamily="34" charset="-122"/>
-                <a:cs typeface="Arial Unicode MS" pitchFamily="34" charset="-122"/>
-              </a:rPr>
-              <a:t>谢谢</a:t>
-            </a:r>
-            <a:r>
-              <a:rPr lang="en-US" altLang="zh-CN" sz="4000" b="1" dirty="0">
-                <a:solidFill>
-                  <a:srgbClr val="FFFFFF"/>
-                </a:solidFill>
-                <a:effectLst>
-                  <a:outerShdw blurRad="38100" dist="38100" dir="2700000" algn="tl">
-                    <a:srgbClr val="000000">
-                      <a:alpha val="43137"/>
-                    </a:srgbClr>
-                  </a:outerShdw>
-                </a:effectLst>
-                <a:latin typeface="Arial Unicode MS" pitchFamily="34" charset="-122"/>
-                <a:ea typeface="Arial Unicode MS" pitchFamily="34" charset="-122"/>
-                <a:cs typeface="Arial Unicode MS" pitchFamily="34" charset="-122"/>
-              </a:rPr>
-              <a:t>!</a:t>
-            </a:r>
-            <a:endParaRPr lang="zh-CN" altLang="en-US" sz="4000" b="1" dirty="0">
-              <a:solidFill>
-                <a:srgbClr val="FFFFFF"/>
-              </a:solidFill>
-              <a:effectLst>
-                <a:outerShdw blurRad="38100" dist="38100" dir="2700000" algn="tl">
-                  <a:srgbClr val="000000">
-                    <a:alpha val="43137"/>
-                  </a:srgbClr>
-                </a:outerShdw>
-              </a:effectLst>
-              <a:latin typeface="Arial Unicode MS" pitchFamily="34" charset="-122"/>
-              <a:ea typeface="Arial Unicode MS" pitchFamily="34" charset="-122"/>
-              <a:cs typeface="Arial Unicode MS" pitchFamily="34" charset="-122"/>
-            </a:endParaRPr>
-          </a:p>
-        </p:txBody>
-      </p:sp>
-    </p:spTree>
-    <p:extLst>
-      <p:ext uri="{BB962C8B-B14F-4D97-AF65-F5344CB8AC3E}">
-        <p14:creationId xmlns:p14="http://schemas.microsoft.com/office/powerpoint/2010/main" val="2580374432"/>
-      </p:ext>
-    </p:extLst>
-  </p:cSld>
-  <p:clrMapOvr>
-    <a:masterClrMapping/>
-  </p:clrMapOvr>
-  <p:transition advTm="5508"/>
-</p:sld>
-</file>
-
 <file path=ppt/slides/slide2.xml><?xml version="1.0" encoding="utf-8"?>
 <p:sld xmlns:a="http://schemas.openxmlformats.org/drawingml/2006/main" xmlns:r="http://schemas.openxmlformats.org/officeDocument/2006/relationships" xmlns:p="http://schemas.openxmlformats.org/presentationml/2006/main">
   <p:cSld>
@@ -8232,8 +4665,8 @@
         </p:nvSpPr>
         <p:spPr bwMode="auto">
           <a:xfrm>
-            <a:off x="1630141" y="1715161"/>
-            <a:ext cx="5751561" cy="3427677"/>
+            <a:off x="1547014" y="1350036"/>
+            <a:ext cx="5751561" cy="4572722"/>
           </a:xfrm>
           <a:prstGeom prst="rect">
             <a:avLst/>
@@ -8435,10 +4868,6 @@
           </a:lstStyle>
           <a:p>
             <a:pPr algn="just"/>
-            <a:endParaRPr lang="en-US" altLang="zh-CN" kern="0" dirty="0"/>
-          </a:p>
-          <a:p>
-            <a:pPr algn="just"/>
             <a:r>
               <a:rPr lang="zh-CN" altLang="en-US" kern="0" dirty="0"/>
               <a:t> 影响最大的事故形态</a:t>
@@ -8453,7 +4882,7 @@
             <a:pPr algn="just"/>
             <a:r>
               <a:rPr lang="zh-CN" altLang="en-US" kern="0" dirty="0"/>
-              <a:t>散点图</a:t>
+              <a:t> 散点图</a:t>
             </a:r>
             <a:endParaRPr lang="en-US" altLang="zh-CN" kern="0" dirty="0"/>
           </a:p>
@@ -8480,8 +4909,46 @@
           <a:p>
             <a:pPr algn="just"/>
             <a:r>
+              <a:rPr lang="en-US" altLang="zh-CN" kern="0" dirty="0"/>
+              <a:t> </a:t>
+            </a:r>
+            <a:r>
               <a:rPr lang="zh-CN" altLang="en-US" kern="0" dirty="0"/>
-              <a:t> 调和曲线</a:t>
+              <a:t>调和曲线</a:t>
+            </a:r>
+            <a:endParaRPr lang="en-US" altLang="zh-CN" kern="0" dirty="0"/>
+          </a:p>
+          <a:p>
+            <a:pPr algn="just"/>
+            <a:endParaRPr lang="en-US" altLang="zh-CN" kern="0" dirty="0"/>
+          </a:p>
+          <a:p>
+            <a:pPr algn="just"/>
+            <a:r>
+              <a:rPr lang="en-US" altLang="zh-CN" kern="0" dirty="0"/>
+              <a:t> </a:t>
+            </a:r>
+            <a:r>
+              <a:rPr lang="zh-CN" altLang="en-US" kern="0" dirty="0"/>
+              <a:t>交互效应</a:t>
+            </a:r>
+            <a:endParaRPr lang="en-US" altLang="zh-CN" kern="0" dirty="0"/>
+          </a:p>
+          <a:p>
+            <a:pPr algn="just">
+              <a:buNone/>
+            </a:pPr>
+            <a:endParaRPr lang="en-US" altLang="zh-CN" kern="0" dirty="0"/>
+          </a:p>
+          <a:p>
+            <a:pPr algn="just"/>
+            <a:r>
+              <a:rPr lang="en-US" altLang="zh-CN" kern="0" dirty="0"/>
+              <a:t> Logistic</a:t>
+            </a:r>
+            <a:r>
+              <a:rPr lang="zh-CN" altLang="en-US" kern="0" dirty="0"/>
+              <a:t>回归</a:t>
             </a:r>
             <a:endParaRPr lang="en-US" altLang="zh-CN" kern="0" dirty="0"/>
           </a:p>
@@ -8629,7 +5096,7 @@
                 <a:latin typeface="微软雅黑" pitchFamily="34" charset="-122"/>
                 <a:ea typeface="微软雅黑" pitchFamily="34" charset="-122"/>
               </a:rPr>
-              <a:t>散点图</a:t>
+              <a:t>影响最大的事故形态</a:t>
             </a:r>
           </a:p>
         </p:txBody>
@@ -8713,7 +5180,7 @@
         </p:nvSpPr>
         <p:spPr bwMode="auto">
           <a:xfrm>
-            <a:off x="395535" y="828645"/>
+            <a:off x="776881" y="945023"/>
             <a:ext cx="7967069" cy="4124186"/>
           </a:xfrm>
           <a:prstGeom prst="rect">
@@ -8932,23 +5399,7 @@
             </a:r>
             <a:r>
               <a:rPr lang="zh-CN" altLang="en-US" kern="0" dirty="0"/>
-              <a:t>相对死亡率 </a:t>
-            </a:r>
-            <a:r>
-              <a:rPr lang="en-US" altLang="zh-CN" kern="0" dirty="0"/>
-              <a:t>= </a:t>
-            </a:r>
-            <a:r>
-              <a:rPr lang="zh-CN" altLang="en-US" kern="0" dirty="0"/>
-              <a:t>死亡</a:t>
-            </a:r>
-            <a:r>
-              <a:rPr lang="en-US" altLang="zh-CN" kern="0" dirty="0"/>
-              <a:t>/</a:t>
-            </a:r>
-            <a:r>
-              <a:rPr lang="zh-CN" altLang="en-US" kern="0" dirty="0"/>
-              <a:t>受伤</a:t>
+              <a:t>死亡人数</a:t>
             </a:r>
             <a:endParaRPr lang="en-US" altLang="zh-CN" kern="0" dirty="0"/>
           </a:p>
@@ -8964,103 +5415,7 @@
             </a:r>
             <a:r>
               <a:rPr lang="zh-CN" altLang="en-US" kern="0" dirty="0"/>
-              <a:t>死亡率 </a:t>
-            </a:r>
-            <a:r>
-              <a:rPr lang="en-US" altLang="zh-CN" kern="0" dirty="0"/>
-              <a:t>= </a:t>
-            </a:r>
-            <a:r>
-              <a:rPr lang="zh-CN" altLang="en-US" kern="0" dirty="0"/>
-              <a:t>死亡</a:t>
-            </a:r>
-            <a:r>
-              <a:rPr lang="en-US" altLang="zh-CN" kern="0" dirty="0"/>
-              <a:t>/</a:t>
-            </a:r>
-            <a:r>
-              <a:rPr lang="zh-CN" altLang="en-US" kern="0" dirty="0"/>
-              <a:t>（死亡</a:t>
-            </a:r>
-            <a:r>
-              <a:rPr lang="en-US" altLang="zh-CN" kern="0" dirty="0"/>
-              <a:t>+</a:t>
-            </a:r>
-            <a:r>
-              <a:rPr lang="zh-CN" altLang="en-US" kern="0" dirty="0"/>
-              <a:t>受伤）</a:t>
-            </a:r>
-            <a:endParaRPr lang="en-US" altLang="zh-CN" kern="0" dirty="0"/>
-          </a:p>
-          <a:p>
-            <a:pPr algn="just"/>
-            <a:endParaRPr lang="en-US" altLang="zh-CN" kern="0" dirty="0"/>
-          </a:p>
-          <a:p>
-            <a:pPr algn="just"/>
-            <a:r>
-              <a:rPr lang="zh-CN" altLang="en-US" kern="0" dirty="0"/>
-              <a:t> 死亡个数</a:t>
-            </a:r>
-            <a:endParaRPr lang="en-US" altLang="zh-CN" kern="0" dirty="0"/>
-          </a:p>
-          <a:p>
-            <a:pPr algn="just">
-              <a:buNone/>
-            </a:pPr>
-            <a:endParaRPr lang="en-US" altLang="zh-CN" kern="0" dirty="0"/>
-          </a:p>
-          <a:p>
-            <a:pPr algn="just"/>
-            <a:r>
-              <a:rPr lang="zh-CN" altLang="en-US" kern="0" dirty="0"/>
-              <a:t> 雨天事故率</a:t>
-            </a:r>
-            <a:r>
-              <a:rPr lang="en-US" altLang="zh-CN" kern="0" dirty="0"/>
-              <a:t>/</a:t>
-            </a:r>
-            <a:r>
-              <a:rPr lang="zh-CN" altLang="en-US" kern="0" dirty="0"/>
-              <a:t>晴天事故率、雨天死亡人数</a:t>
-            </a:r>
-            <a:r>
-              <a:rPr lang="en-US" altLang="zh-CN" kern="0" dirty="0"/>
-              <a:t>/</a:t>
-            </a:r>
-            <a:r>
-              <a:rPr lang="zh-CN" altLang="en-US" kern="0" dirty="0"/>
-              <a:t>晴天死亡人数</a:t>
-            </a:r>
-            <a:endParaRPr lang="en-US" altLang="zh-CN" kern="0" dirty="0"/>
-          </a:p>
-          <a:p>
-            <a:pPr algn="just">
-              <a:buNone/>
-            </a:pPr>
-            <a:r>
-              <a:rPr lang="en-US" altLang="zh-CN" kern="0" dirty="0"/>
-              <a:t>	Old</a:t>
-            </a:r>
-            <a:r>
-              <a:rPr lang="zh-CN" altLang="en-US" kern="0" dirty="0"/>
-              <a:t>死亡率</a:t>
-            </a:r>
-            <a:r>
-              <a:rPr lang="en-US" altLang="zh-CN" kern="0" dirty="0"/>
-              <a:t>0</a:t>
-            </a:r>
-            <a:r>
-              <a:rPr lang="zh-CN" altLang="en-US" kern="0" dirty="0"/>
-              <a:t>，用</a:t>
-            </a:r>
-            <a:r>
-              <a:rPr lang="en-US" altLang="zh-CN" kern="0" dirty="0"/>
-              <a:t>x</a:t>
-            </a:r>
-            <a:r>
-              <a:rPr lang="zh-CN" altLang="en-US" kern="0" dirty="0"/>
-              <a:t>代替</a:t>
+              <a:t>受伤人数</a:t>
             </a:r>
             <a:endParaRPr lang="en-US" altLang="zh-CN" kern="0" dirty="0"/>
           </a:p>
@@ -9201,7 +5556,7 @@
                 <a:latin typeface="微软雅黑" pitchFamily="34" charset="-122"/>
                 <a:ea typeface="微软雅黑" pitchFamily="34" charset="-122"/>
               </a:rPr>
-              <a:t>相关性分析</a:t>
+              <a:t>散点图</a:t>
             </a:r>
           </a:p>
         </p:txBody>
@@ -9497,6 +5852,86 @@
             <a:endParaRPr lang="en-US" altLang="zh-CN" kern="0" dirty="0"/>
           </a:p>
           <a:p>
+            <a:pPr algn="just"/>
+            <a:r>
+              <a:rPr lang="en-US" altLang="zh-CN" kern="0" dirty="0"/>
+              <a:t> </a:t>
+            </a:r>
+            <a:r>
+              <a:rPr lang="zh-CN" altLang="en-US" kern="0" dirty="0"/>
+              <a:t>相对死亡率 </a:t>
+            </a:r>
+            <a:r>
+              <a:rPr lang="en-US" altLang="zh-CN" kern="0" dirty="0"/>
+              <a:t>= </a:t>
+            </a:r>
+            <a:r>
+              <a:rPr lang="zh-CN" altLang="en-US" kern="0" dirty="0"/>
+              <a:t>死亡</a:t>
+            </a:r>
+            <a:r>
+              <a:rPr lang="en-US" altLang="zh-CN" kern="0" dirty="0"/>
+              <a:t>/</a:t>
+            </a:r>
+            <a:r>
+              <a:rPr lang="zh-CN" altLang="en-US" kern="0" dirty="0"/>
+              <a:t>受伤</a:t>
+            </a:r>
+            <a:endParaRPr lang="en-US" altLang="zh-CN" kern="0" dirty="0"/>
+          </a:p>
+          <a:p>
+            <a:pPr algn="just"/>
+            <a:endParaRPr lang="en-US" altLang="zh-CN" kern="0" dirty="0"/>
+          </a:p>
+          <a:p>
+            <a:pPr algn="just"/>
+            <a:r>
+              <a:rPr lang="en-US" altLang="zh-CN" kern="0" dirty="0"/>
+              <a:t> </a:t>
+            </a:r>
+            <a:r>
+              <a:rPr lang="zh-CN" altLang="en-US" kern="0" dirty="0"/>
+              <a:t>死亡率 </a:t>
+            </a:r>
+            <a:r>
+              <a:rPr lang="en-US" altLang="zh-CN" kern="0" dirty="0"/>
+              <a:t>= </a:t>
+            </a:r>
+            <a:r>
+              <a:rPr lang="zh-CN" altLang="en-US" kern="0" dirty="0"/>
+              <a:t>死亡</a:t>
+            </a:r>
+            <a:r>
+              <a:rPr lang="en-US" altLang="zh-CN" kern="0" dirty="0"/>
+              <a:t>/</a:t>
+            </a:r>
+            <a:r>
+              <a:rPr lang="zh-CN" altLang="en-US" kern="0" dirty="0"/>
+              <a:t>（死亡</a:t>
+            </a:r>
+            <a:r>
+              <a:rPr lang="en-US" altLang="zh-CN" kern="0" dirty="0"/>
+              <a:t>+</a:t>
+            </a:r>
+            <a:r>
+              <a:rPr lang="zh-CN" altLang="en-US" kern="0" dirty="0"/>
+              <a:t>受伤）</a:t>
+            </a:r>
+            <a:endParaRPr lang="en-US" altLang="zh-CN" kern="0" dirty="0"/>
+          </a:p>
+          <a:p>
+            <a:pPr algn="just"/>
+            <a:endParaRPr lang="en-US" altLang="zh-CN" kern="0" dirty="0"/>
+          </a:p>
+          <a:p>
+            <a:pPr algn="just"/>
+            <a:r>
+              <a:rPr lang="zh-CN" altLang="en-US" kern="0" dirty="0"/>
+              <a:t> 死亡个数</a:t>
+            </a:r>
+            <a:endParaRPr lang="en-US" altLang="zh-CN" kern="0" dirty="0"/>
+          </a:p>
+          <a:p>
             <a:pPr algn="just">
               <a:buNone/>
             </a:pPr>
@@ -9506,43 +5941,7 @@
             <a:pPr algn="just"/>
             <a:r>
               <a:rPr lang="zh-CN" altLang="en-US" kern="0" dirty="0"/>
-              <a:t> 死亡个数</a:t>
-            </a:r>
-            <a:endParaRPr lang="en-US" altLang="zh-CN" kern="0" dirty="0"/>
-          </a:p>
-          <a:p>
-            <a:pPr algn="just"/>
-            <a:endParaRPr lang="en-US" altLang="zh-CN" kern="0" dirty="0"/>
-          </a:p>
-          <a:p>
-            <a:pPr algn="just"/>
-            <a:r>
-              <a:rPr lang="en-US" altLang="zh-CN" kern="0" dirty="0"/>
-              <a:t> </a:t>
-            </a:r>
-            <a:r>
-              <a:rPr lang="zh-CN" altLang="en-US" kern="0" dirty="0"/>
-              <a:t>受伤个数</a:t>
-            </a:r>
-            <a:endParaRPr lang="en-US" altLang="zh-CN" kern="0" dirty="0"/>
-          </a:p>
-          <a:p>
-            <a:pPr algn="just"/>
-            <a:endParaRPr lang="en-US" altLang="zh-CN" kern="0" dirty="0"/>
-          </a:p>
-          <a:p>
-            <a:pPr algn="just"/>
-            <a:r>
-              <a:rPr lang="zh-CN" altLang="en-US" kern="0" dirty="0"/>
-              <a:t> 死亡率 </a:t>
-            </a:r>
-            <a:r>
-              <a:rPr lang="en-US" altLang="zh-CN" kern="0" dirty="0"/>
-              <a:t>= </a:t>
-            </a:r>
-            <a:r>
-              <a:rPr lang="zh-CN" altLang="en-US" kern="0" dirty="0"/>
-              <a:t>死亡</a:t>
+              <a:t> 雨天事故率</a:t>
             </a:r>
             <a:r>
               <a:rPr lang="en-US" altLang="zh-CN" kern="0" dirty="0"/>
@@ -9550,146 +5949,50 @@
             </a:r>
             <a:r>
               <a:rPr lang="zh-CN" altLang="en-US" kern="0" dirty="0"/>
-              <a:t>（死亡</a:t>
+              <a:t>晴天事故率、雨天死亡人数</a:t>
             </a:r>
             <a:r>
               <a:rPr lang="en-US" altLang="zh-CN" kern="0" dirty="0"/>
-              <a:t>+</a:t>
+              <a:t>/</a:t>
             </a:r>
             <a:r>
               <a:rPr lang="zh-CN" altLang="en-US" kern="0" dirty="0"/>
-              <a:t>受伤） （</a:t>
-            </a:r>
-            <a:r>
-              <a:rPr lang="en-US" altLang="zh-CN" kern="0" dirty="0"/>
-              <a:t>NAN</a:t>
-            </a:r>
-            <a:r>
-              <a:rPr lang="zh-CN" altLang="en-US" kern="0" dirty="0"/>
-              <a:t>按</a:t>
-            </a:r>
-            <a:r>
-              <a:rPr lang="en-US" altLang="zh-CN" kern="0" dirty="0"/>
-              <a:t>0</a:t>
-            </a:r>
-            <a:r>
-              <a:rPr lang="zh-CN" altLang="en-US" kern="0" dirty="0"/>
-              <a:t>处理）</a:t>
-            </a:r>
-            <a:endParaRPr lang="en-US" altLang="zh-CN" kern="0" dirty="0"/>
-          </a:p>
-          <a:p>
-            <a:pPr algn="just"/>
+              <a:t>晴天死亡人数</a:t>
+            </a:r>
             <a:endParaRPr lang="en-US" altLang="zh-CN" kern="0" dirty="0"/>
           </a:p>
           <a:p>
             <a:pPr algn="just">
               <a:buNone/>
             </a:pPr>
+            <a:r>
+              <a:rPr lang="en-US" altLang="zh-CN" kern="0" dirty="0"/>
+              <a:t>	Old</a:t>
+            </a:r>
+            <a:r>
+              <a:rPr lang="zh-CN" altLang="en-US" kern="0" dirty="0"/>
+              <a:t>死亡率</a:t>
+            </a:r>
+            <a:r>
+              <a:rPr lang="en-US" altLang="zh-CN" kern="0" dirty="0"/>
+              <a:t>0</a:t>
+            </a:r>
+            <a:r>
+              <a:rPr lang="zh-CN" altLang="en-US" kern="0" dirty="0"/>
+              <a:t>，用</a:t>
+            </a:r>
+            <a:r>
+              <a:rPr lang="en-US" altLang="zh-CN" kern="0" dirty="0"/>
+              <a:t>x</a:t>
+            </a:r>
+            <a:r>
+              <a:rPr lang="zh-CN" altLang="en-US" kern="0" dirty="0"/>
+              <a:t>代替</a:t>
+            </a:r>
             <a:endParaRPr lang="en-US" altLang="zh-CN" kern="0" dirty="0"/>
           </a:p>
           <a:p>
             <a:pPr algn="just"/>
-            <a:r>
-              <a:rPr lang="zh-CN" altLang="en-US" kern="0" dirty="0"/>
-              <a:t>相对死亡率 </a:t>
-            </a:r>
-            <a:r>
-              <a:rPr lang="en-US" altLang="zh-CN" kern="0" dirty="0"/>
-              <a:t>= </a:t>
-            </a:r>
-            <a:r>
-              <a:rPr lang="zh-CN" altLang="en-US" kern="0" dirty="0"/>
-              <a:t>死亡</a:t>
-            </a:r>
-            <a:r>
-              <a:rPr lang="en-US" altLang="zh-CN" kern="0" dirty="0"/>
-              <a:t>/</a:t>
-            </a:r>
-            <a:r>
-              <a:rPr lang="zh-CN" altLang="en-US" kern="0" dirty="0"/>
-              <a:t>受伤</a:t>
-            </a:r>
-            <a:r>
-              <a:rPr lang="en-US" altLang="zh-CN" kern="0" dirty="0"/>
-              <a:t>——</a:t>
-            </a:r>
-            <a:r>
-              <a:rPr lang="zh-CN" altLang="en-US" kern="0" dirty="0"/>
-              <a:t>不可 会出现</a:t>
-            </a:r>
-            <a:r>
-              <a:rPr lang="en-US" altLang="zh-CN" kern="0" dirty="0"/>
-              <a:t>inf</a:t>
-            </a:r>
-            <a:r>
-              <a:rPr lang="zh-CN" altLang="en-US" kern="0" dirty="0"/>
-              <a:t>（</a:t>
-            </a:r>
-            <a:r>
-              <a:rPr lang="en-US" altLang="zh-CN" kern="0" dirty="0"/>
-              <a:t>1/0</a:t>
-            </a:r>
-            <a:r>
-              <a:rPr lang="zh-CN" altLang="en-US" kern="0" dirty="0"/>
-              <a:t>）和</a:t>
-            </a:r>
-            <a:r>
-              <a:rPr lang="en-US" altLang="zh-CN" kern="0" dirty="0"/>
-              <a:t>nan</a:t>
-            </a:r>
-            <a:r>
-              <a:rPr lang="zh-CN" altLang="en-US" kern="0" dirty="0"/>
-              <a:t>（</a:t>
-            </a:r>
-            <a:r>
-              <a:rPr lang="en-US" altLang="zh-CN" kern="0" dirty="0"/>
-              <a:t>0/0</a:t>
-            </a:r>
-            <a:r>
-              <a:rPr lang="zh-CN" altLang="en-US" kern="0" dirty="0"/>
-              <a:t>）</a:t>
-            </a:r>
-            <a:endParaRPr lang="en-US" altLang="zh-CN" kern="0" dirty="0"/>
-          </a:p>
-          <a:p>
-            <a:pPr algn="just">
-              <a:buNone/>
-            </a:pPr>
-            <a:endParaRPr lang="en-US" altLang="zh-CN" kern="0" dirty="0"/>
-          </a:p>
-          <a:p>
-            <a:pPr algn="just"/>
-            <a:r>
-              <a:rPr lang="zh-CN" altLang="en-US" kern="0" dirty="0"/>
-              <a:t> 雨天事故率</a:t>
-            </a:r>
-            <a:r>
-              <a:rPr lang="en-US" altLang="zh-CN" kern="0" dirty="0"/>
-              <a:t>/</a:t>
-            </a:r>
-            <a:r>
-              <a:rPr lang="zh-CN" altLang="en-US" kern="0" dirty="0"/>
-              <a:t>晴天事故率、雨天死亡人数</a:t>
-            </a:r>
-            <a:r>
-              <a:rPr lang="en-US" altLang="zh-CN" kern="0" dirty="0"/>
-              <a:t>/</a:t>
-            </a:r>
-            <a:r>
-              <a:rPr lang="zh-CN" altLang="en-US" kern="0" dirty="0"/>
-              <a:t>晴天死亡人数</a:t>
-            </a:r>
-            <a:endParaRPr lang="en-US" altLang="zh-CN" kern="0" dirty="0"/>
-          </a:p>
-          <a:p>
-            <a:pPr algn="just">
-              <a:buNone/>
-            </a:pPr>
-            <a:r>
-              <a:rPr lang="zh-CN" altLang="en-US" kern="0" dirty="0"/>
-              <a:t>不可，无法比较</a:t>
-            </a:r>
             <a:endParaRPr lang="en-US" altLang="zh-CN" kern="0" dirty="0"/>
           </a:p>
         </p:txBody>
@@ -9697,7 +6000,7 @@
     </p:spTree>
     <p:extLst>
       <p:ext uri="{BB962C8B-B14F-4D97-AF65-F5344CB8AC3E}">
-        <p14:creationId xmlns:p14="http://schemas.microsoft.com/office/powerpoint/2010/main" val="913857606"/>
+        <p14:creationId xmlns:p14="http://schemas.microsoft.com/office/powerpoint/2010/main" val="3183030561"/>
       </p:ext>
     </p:extLst>
   </p:cSld>
@@ -9825,7 +6128,7 @@
                 <a:latin typeface="微软雅黑" pitchFamily="34" charset="-122"/>
                 <a:ea typeface="微软雅黑" pitchFamily="34" charset="-122"/>
               </a:rPr>
-              <a:t>调和曲线</a:t>
+              <a:t>相关性分析</a:t>
             </a:r>
           </a:p>
         </p:txBody>
@@ -10121,86 +6424,6 @@
             <a:endParaRPr lang="en-US" altLang="zh-CN" kern="0" dirty="0"/>
           </a:p>
           <a:p>
-            <a:pPr algn="just"/>
-            <a:r>
-              <a:rPr lang="en-US" altLang="zh-CN" kern="0" dirty="0"/>
-              <a:t> </a:t>
-            </a:r>
-            <a:r>
-              <a:rPr lang="zh-CN" altLang="en-US" kern="0" dirty="0"/>
-              <a:t>相对死亡率 </a:t>
-            </a:r>
-            <a:r>
-              <a:rPr lang="en-US" altLang="zh-CN" kern="0" dirty="0"/>
-              <a:t>= </a:t>
-            </a:r>
-            <a:r>
-              <a:rPr lang="zh-CN" altLang="en-US" kern="0" dirty="0"/>
-              <a:t>死亡</a:t>
-            </a:r>
-            <a:r>
-              <a:rPr lang="en-US" altLang="zh-CN" kern="0" dirty="0"/>
-              <a:t>/</a:t>
-            </a:r>
-            <a:r>
-              <a:rPr lang="zh-CN" altLang="en-US" kern="0" dirty="0"/>
-              <a:t>受伤</a:t>
-            </a:r>
-            <a:endParaRPr lang="en-US" altLang="zh-CN" kern="0" dirty="0"/>
-          </a:p>
-          <a:p>
-            <a:pPr algn="just"/>
-            <a:endParaRPr lang="en-US" altLang="zh-CN" kern="0" dirty="0"/>
-          </a:p>
-          <a:p>
-            <a:pPr algn="just"/>
-            <a:r>
-              <a:rPr lang="en-US" altLang="zh-CN" kern="0" dirty="0"/>
-              <a:t> </a:t>
-            </a:r>
-            <a:r>
-              <a:rPr lang="zh-CN" altLang="en-US" kern="0" dirty="0"/>
-              <a:t>死亡率 </a:t>
-            </a:r>
-            <a:r>
-              <a:rPr lang="en-US" altLang="zh-CN" kern="0" dirty="0"/>
-              <a:t>= </a:t>
-            </a:r>
-            <a:r>
-              <a:rPr lang="zh-CN" altLang="en-US" kern="0" dirty="0"/>
-              <a:t>死亡</a:t>
-            </a:r>
-            <a:r>
-              <a:rPr lang="en-US" altLang="zh-CN" kern="0" dirty="0"/>
-              <a:t>/</a:t>
-            </a:r>
-            <a:r>
-              <a:rPr lang="zh-CN" altLang="en-US" kern="0" dirty="0"/>
-              <a:t>（死亡</a:t>
-            </a:r>
-            <a:r>
-              <a:rPr lang="en-US" altLang="zh-CN" kern="0" dirty="0"/>
-              <a:t>+</a:t>
-            </a:r>
-            <a:r>
-              <a:rPr lang="zh-CN" altLang="en-US" kern="0" dirty="0"/>
-              <a:t>受伤）</a:t>
-            </a:r>
-            <a:endParaRPr lang="en-US" altLang="zh-CN" kern="0" dirty="0"/>
-          </a:p>
-          <a:p>
-            <a:pPr algn="just"/>
-            <a:endParaRPr lang="en-US" altLang="zh-CN" kern="0" dirty="0"/>
-          </a:p>
-          <a:p>
-            <a:pPr algn="just"/>
-            <a:r>
-              <a:rPr lang="zh-CN" altLang="en-US" kern="0" dirty="0"/>
-              <a:t> 死亡个数</a:t>
-            </a:r>
-            <a:endParaRPr lang="en-US" altLang="zh-CN" kern="0" dirty="0"/>
-          </a:p>
-          <a:p>
             <a:pPr algn="just">
               <a:buNone/>
             </a:pPr>
@@ -10210,7 +6433,43 @@
             <a:pPr algn="just"/>
             <a:r>
               <a:rPr lang="zh-CN" altLang="en-US" kern="0" dirty="0"/>
-              <a:t> 雨天事故率</a:t>
+              <a:t> 死亡个数</a:t>
+            </a:r>
+            <a:endParaRPr lang="en-US" altLang="zh-CN" kern="0" dirty="0"/>
+          </a:p>
+          <a:p>
+            <a:pPr algn="just"/>
+            <a:endParaRPr lang="en-US" altLang="zh-CN" kern="0" dirty="0"/>
+          </a:p>
+          <a:p>
+            <a:pPr algn="just"/>
+            <a:r>
+              <a:rPr lang="en-US" altLang="zh-CN" kern="0" dirty="0"/>
+              <a:t> </a:t>
+            </a:r>
+            <a:r>
+              <a:rPr lang="zh-CN" altLang="en-US" kern="0" dirty="0"/>
+              <a:t>受伤个数</a:t>
+            </a:r>
+            <a:endParaRPr lang="en-US" altLang="zh-CN" kern="0" dirty="0"/>
+          </a:p>
+          <a:p>
+            <a:pPr algn="just"/>
+            <a:endParaRPr lang="en-US" altLang="zh-CN" kern="0" dirty="0"/>
+          </a:p>
+          <a:p>
+            <a:pPr algn="just"/>
+            <a:r>
+              <a:rPr lang="zh-CN" altLang="en-US" kern="0" dirty="0"/>
+              <a:t> 死亡率 </a:t>
+            </a:r>
+            <a:r>
+              <a:rPr lang="en-US" altLang="zh-CN" kern="0" dirty="0"/>
+              <a:t>= </a:t>
+            </a:r>
+            <a:r>
+              <a:rPr lang="zh-CN" altLang="en-US" kern="0" dirty="0"/>
+              <a:t>死亡</a:t>
             </a:r>
             <a:r>
               <a:rPr lang="en-US" altLang="zh-CN" kern="0" dirty="0"/>
@@ -10218,50 +6477,146 @@
             </a:r>
             <a:r>
               <a:rPr lang="zh-CN" altLang="en-US" kern="0" dirty="0"/>
-              <a:t>晴天事故率、雨天死亡人数</a:t>
+              <a:t>（死亡</a:t>
             </a:r>
             <a:r>
               <a:rPr lang="en-US" altLang="zh-CN" kern="0" dirty="0"/>
-              <a:t>/</a:t>
+              <a:t>+</a:t>
             </a:r>
             <a:r>
               <a:rPr lang="zh-CN" altLang="en-US" kern="0" dirty="0"/>
-              <a:t>晴天死亡人数</a:t>
-            </a:r>
+              <a:t>受伤） （</a:t>
+            </a:r>
+            <a:r>
+              <a:rPr lang="en-US" altLang="zh-CN" kern="0" dirty="0"/>
+              <a:t>NAN</a:t>
+            </a:r>
+            <a:r>
+              <a:rPr lang="zh-CN" altLang="en-US" kern="0" dirty="0"/>
+              <a:t>按</a:t>
+            </a:r>
+            <a:r>
+              <a:rPr lang="en-US" altLang="zh-CN" kern="0" dirty="0"/>
+              <a:t>0</a:t>
+            </a:r>
+            <a:r>
+              <a:rPr lang="zh-CN" altLang="en-US" kern="0" dirty="0"/>
+              <a:t>处理）</a:t>
+            </a:r>
+            <a:endParaRPr lang="en-US" altLang="zh-CN" kern="0" dirty="0"/>
+          </a:p>
+          <a:p>
+            <a:pPr algn="just"/>
             <a:endParaRPr lang="en-US" altLang="zh-CN" kern="0" dirty="0"/>
           </a:p>
           <a:p>
             <a:pPr algn="just">
               <a:buNone/>
             </a:pPr>
+            <a:endParaRPr lang="en-US" altLang="zh-CN" kern="0" dirty="0"/>
+          </a:p>
+          <a:p>
+            <a:pPr algn="just"/>
+            <a:r>
+              <a:rPr lang="zh-CN" altLang="en-US" kern="0" dirty="0"/>
+              <a:t>相对死亡率 </a:t>
+            </a:r>
             <a:r>
               <a:rPr lang="en-US" altLang="zh-CN" kern="0" dirty="0"/>
-              <a:t>	Old</a:t>
+              <a:t>= </a:t>
             </a:r>
             <a:r>
               <a:rPr lang="zh-CN" altLang="en-US" kern="0" dirty="0"/>
-              <a:t>死亡率</a:t>
+              <a:t>死亡</a:t>
             </a:r>
             <a:r>
               <a:rPr lang="en-US" altLang="zh-CN" kern="0" dirty="0"/>
-              <a:t>0</a:t>
+              <a:t>/</a:t>
             </a:r>
             <a:r>
               <a:rPr lang="zh-CN" altLang="en-US" kern="0" dirty="0"/>
-              <a:t>，用</a:t>
+              <a:t>受伤</a:t>
             </a:r>
             <a:r>
               <a:rPr lang="en-US" altLang="zh-CN" kern="0" dirty="0"/>
-              <a:t>x</a:t>
+              <a:t>——</a:t>
             </a:r>
             <a:r>
               <a:rPr lang="zh-CN" altLang="en-US" kern="0" dirty="0"/>
-              <a:t>代替</a:t>
+              <a:t>不可 会出现</a:t>
+            </a:r>
+            <a:r>
+              <a:rPr lang="en-US" altLang="zh-CN" kern="0" dirty="0"/>
+              <a:t>inf</a:t>
+            </a:r>
+            <a:r>
+              <a:rPr lang="zh-CN" altLang="en-US" kern="0" dirty="0"/>
+              <a:t>（</a:t>
+            </a:r>
+            <a:r>
+              <a:rPr lang="en-US" altLang="zh-CN" kern="0" dirty="0"/>
+              <a:t>1/0</a:t>
+            </a:r>
+            <a:r>
+              <a:rPr lang="zh-CN" altLang="en-US" kern="0" dirty="0"/>
+              <a:t>）和</a:t>
+            </a:r>
+            <a:r>
+              <a:rPr lang="en-US" altLang="zh-CN" kern="0" dirty="0"/>
+              <a:t>nan</a:t>
+            </a:r>
+            <a:r>
+              <a:rPr lang="zh-CN" altLang="en-US" kern="0" dirty="0"/>
+              <a:t>（</a:t>
+            </a:r>
+            <a:r>
+              <a:rPr lang="en-US" altLang="zh-CN" kern="0" dirty="0"/>
+              <a:t>0/0</a:t>
+            </a:r>
+            <a:r>
+              <a:rPr lang="zh-CN" altLang="en-US" kern="0" dirty="0"/>
+              <a:t>）</a:t>
             </a:r>
             <a:endParaRPr lang="en-US" altLang="zh-CN" kern="0" dirty="0"/>
           </a:p>
           <a:p>
+            <a:pPr algn="just">
+              <a:buNone/>
+            </a:pPr>
+            <a:endParaRPr lang="en-US" altLang="zh-CN" kern="0" dirty="0"/>
+          </a:p>
+          <a:p>
             <a:pPr algn="just"/>
+            <a:r>
+              <a:rPr lang="zh-CN" altLang="en-US" kern="0" dirty="0"/>
+              <a:t> 雨天事故率</a:t>
+            </a:r>
+            <a:r>
+              <a:rPr lang="en-US" altLang="zh-CN" kern="0" dirty="0"/>
+              <a:t>/</a:t>
+            </a:r>
+            <a:r>
+              <a:rPr lang="zh-CN" altLang="en-US" kern="0" dirty="0"/>
+              <a:t>晴天事故率、雨天死亡人数</a:t>
+            </a:r>
+            <a:r>
+              <a:rPr lang="en-US" altLang="zh-CN" kern="0" dirty="0"/>
+              <a:t>/</a:t>
+            </a:r>
+            <a:r>
+              <a:rPr lang="zh-CN" altLang="en-US" kern="0" dirty="0"/>
+              <a:t>晴天死亡人数</a:t>
+            </a:r>
+            <a:endParaRPr lang="en-US" altLang="zh-CN" kern="0" dirty="0"/>
+          </a:p>
+          <a:p>
+            <a:pPr algn="just">
+              <a:buNone/>
+            </a:pPr>
+            <a:r>
+              <a:rPr lang="zh-CN" altLang="en-US" kern="0" dirty="0"/>
+              <a:t>不可，无法比较</a:t>
+            </a:r>
             <a:endParaRPr lang="en-US" altLang="zh-CN" kern="0" dirty="0"/>
           </a:p>
         </p:txBody>
@@ -10269,7 +6624,7 @@
     </p:spTree>
     <p:extLst>
       <p:ext uri="{BB962C8B-B14F-4D97-AF65-F5344CB8AC3E}">
-        <p14:creationId xmlns:p14="http://schemas.microsoft.com/office/powerpoint/2010/main" val="1193446715"/>
+        <p14:creationId xmlns:p14="http://schemas.microsoft.com/office/powerpoint/2010/main" val="913857606"/>
       </p:ext>
     </p:extLst>
   </p:cSld>
@@ -10397,7 +6752,7 @@
                 <a:latin typeface="微软雅黑" pitchFamily="34" charset="-122"/>
                 <a:ea typeface="微软雅黑" pitchFamily="34" charset="-122"/>
               </a:rPr>
-              <a:t>数据总览</a:t>
+              <a:t>调和曲线</a:t>
             </a:r>
           </a:p>
         </p:txBody>
@@ -10458,12 +6813,7 @@
             <p:ph type="sldNum" sz="quarter" idx="12"/>
           </p:nvPr>
         </p:nvSpPr>
-        <p:spPr>
-          <a:xfrm>
-            <a:off x="6457950" y="6356351"/>
-            <a:ext cx="2057400" cy="365125"/>
-          </a:xfrm>
-        </p:spPr>
+        <p:spPr/>
         <p:txBody>
           <a:bodyPr/>
           <a:lstStyle/>
@@ -10476,583 +6826,9 @@
           </a:p>
         </p:txBody>
       </p:sp>
-      <p:graphicFrame>
-        <p:nvGraphicFramePr>
-          <p:cNvPr id="6" name="表格 5">
-            <a:extLst>
-              <a:ext uri="{FF2B5EF4-FFF2-40B4-BE49-F238E27FC236}">
-                <a16:creationId xmlns:a16="http://schemas.microsoft.com/office/drawing/2014/main" id="{A63013F4-23CE-4FF7-B561-865DDA86FBBE}"/>
-              </a:ext>
-            </a:extLst>
-          </p:cNvPr>
-          <p:cNvGraphicFramePr>
-            <a:graphicFrameLocks noGrp="1"/>
-          </p:cNvGraphicFramePr>
-          <p:nvPr>
-            <p:extLst>
-              <p:ext uri="{D42A27DB-BD31-4B8C-83A1-F6EECF244321}">
-                <p14:modId xmlns:p14="http://schemas.microsoft.com/office/powerpoint/2010/main" val="1532133076"/>
-              </p:ext>
-            </p:extLst>
-          </p:nvPr>
-        </p:nvGraphicFramePr>
-        <p:xfrm>
-          <a:off x="445265" y="4800452"/>
-          <a:ext cx="8248953" cy="1178867"/>
-        </p:xfrm>
-        <a:graphic>
-          <a:graphicData uri="http://schemas.openxmlformats.org/drawingml/2006/table">
-            <a:tbl>
-              <a:tblPr firstRow="1" firstCol="1" bandRow="1">
-                <a:tableStyleId>{0E3FDE45-AF77-4B5C-9715-49D594BDF05E}</a:tableStyleId>
-              </a:tblPr>
-              <a:tblGrid>
-                <a:gridCol w="2013617">
-                  <a:extLst>
-                    <a:ext uri="{9D8B030D-6E8A-4147-A177-3AD203B41FA5}">
-                      <a16:colId xmlns:a16="http://schemas.microsoft.com/office/drawing/2014/main" val="3495561096"/>
-                    </a:ext>
-                  </a:extLst>
-                </a:gridCol>
-                <a:gridCol w="2013617">
-                  <a:extLst>
-                    <a:ext uri="{9D8B030D-6E8A-4147-A177-3AD203B41FA5}">
-                      <a16:colId xmlns:a16="http://schemas.microsoft.com/office/drawing/2014/main" val="4069551475"/>
-                    </a:ext>
-                  </a:extLst>
-                </a:gridCol>
-                <a:gridCol w="2298197">
-                  <a:extLst>
-                    <a:ext uri="{9D8B030D-6E8A-4147-A177-3AD203B41FA5}">
-                      <a16:colId xmlns:a16="http://schemas.microsoft.com/office/drawing/2014/main" val="335946120"/>
-                    </a:ext>
-                  </a:extLst>
-                </a:gridCol>
-                <a:gridCol w="1923522">
-                  <a:extLst>
-                    <a:ext uri="{9D8B030D-6E8A-4147-A177-3AD203B41FA5}">
-                      <a16:colId xmlns:a16="http://schemas.microsoft.com/office/drawing/2014/main" val="3775383265"/>
-                    </a:ext>
-                  </a:extLst>
-                </a:gridCol>
-              </a:tblGrid>
-              <a:tr h="274592">
-                <a:tc>
-                  <a:txBody>
-                    <a:bodyPr/>
-                    <a:lstStyle/>
-                    <a:p>
-                      <a:pPr algn="ctr">
-                        <a:lnSpc>
-                          <a:spcPct val="150000"/>
-                        </a:lnSpc>
-                        <a:spcAft>
-                          <a:spcPts val="0"/>
-                        </a:spcAft>
-                        <a:buNone/>
-                      </a:pPr>
-                      <a:endParaRPr lang="zh-CN" altLang="en-US" sz="1800" b="0" kern="100" dirty="0">
-                        <a:solidFill>
-                          <a:schemeClr val="tx1"/>
-                        </a:solidFill>
-                        <a:effectLst/>
-                        <a:latin typeface="Times New Roman" panose="02020603050405020304" pitchFamily="18" charset="0"/>
-                        <a:ea typeface="微软雅黑" panose="020B0503020204020204" pitchFamily="34" charset="-122"/>
-                        <a:cs typeface="Times New Roman" panose="02020603050405020304" pitchFamily="18" charset="0"/>
-                      </a:endParaRPr>
-                    </a:p>
-                  </a:txBody>
-                  <a:tcPr marL="134794" marR="134794" marT="0" marB="0" anchor="ctr">
-                    <a:lnB w="12700" cmpd="sng">
-                      <a:noFill/>
-                    </a:lnB>
-                  </a:tcPr>
-                </a:tc>
-                <a:tc>
-                  <a:txBody>
-                    <a:bodyPr/>
-                    <a:lstStyle/>
-                    <a:p>
-                      <a:pPr algn="ctr">
-                        <a:lnSpc>
-                          <a:spcPct val="150000"/>
-                        </a:lnSpc>
-                        <a:spcAft>
-                          <a:spcPts val="0"/>
-                        </a:spcAft>
-                        <a:buNone/>
-                      </a:pPr>
-                      <a:r>
-                        <a:rPr lang="zh-CN" altLang="en-US" sz="1800" b="0" kern="100" dirty="0">
-                          <a:solidFill>
-                            <a:schemeClr val="tx1"/>
-                          </a:solidFill>
-                          <a:effectLst/>
-                          <a:latin typeface="Times New Roman" panose="02020603050405020304" pitchFamily="18" charset="0"/>
-                          <a:ea typeface="微软雅黑" panose="020B0503020204020204" pitchFamily="34" charset="-122"/>
-                          <a:cs typeface="Times New Roman" panose="02020603050405020304" pitchFamily="18" charset="0"/>
-                        </a:rPr>
-                        <a:t>     青年组</a:t>
-                      </a:r>
-                    </a:p>
-                  </a:txBody>
-                  <a:tcPr marL="134794" marR="134794" marT="0" marB="0" anchor="ctr">
-                    <a:lnB w="12700" cmpd="sng">
-                      <a:noFill/>
-                    </a:lnB>
-                  </a:tcPr>
-                </a:tc>
-                <a:tc>
-                  <a:txBody>
-                    <a:bodyPr/>
-                    <a:lstStyle/>
-                    <a:p>
-                      <a:pPr marL="0" marR="0" lvl="0" indent="0" algn="ctr" defTabSz="914400" rtl="0" eaLnBrk="1" fontAlgn="auto" latinLnBrk="0" hangingPunct="1">
-                        <a:lnSpc>
-                          <a:spcPct val="150000"/>
-                        </a:lnSpc>
-                        <a:spcBef>
-                          <a:spcPts val="0"/>
-                        </a:spcBef>
-                        <a:spcAft>
-                          <a:spcPts val="0"/>
-                        </a:spcAft>
-                        <a:buClrTx/>
-                        <a:buSzTx/>
-                        <a:buFontTx/>
-                        <a:buNone/>
-                        <a:tabLst/>
-                        <a:defRPr/>
-                      </a:pPr>
-                      <a:r>
-                        <a:rPr lang="zh-CN" altLang="en-US" sz="1800" b="0" kern="100" dirty="0">
-                          <a:solidFill>
-                            <a:schemeClr val="tx1"/>
-                          </a:solidFill>
-                          <a:effectLst/>
-                          <a:latin typeface="Times New Roman" panose="02020603050405020304" pitchFamily="18" charset="0"/>
-                          <a:ea typeface="微软雅黑" panose="020B0503020204020204" pitchFamily="34" charset="-122"/>
-                          <a:cs typeface="Times New Roman" panose="02020603050405020304" pitchFamily="18" charset="0"/>
-                        </a:rPr>
-                        <a:t>中年组</a:t>
-                      </a:r>
-                    </a:p>
-                  </a:txBody>
-                  <a:tcPr marL="90351" marR="90351" marT="45175" marB="45175" anchor="ctr">
-                    <a:lnB w="12700" cmpd="sng">
-                      <a:noFill/>
-                    </a:lnB>
-                  </a:tcPr>
-                </a:tc>
-                <a:tc>
-                  <a:txBody>
-                    <a:bodyPr/>
-                    <a:lstStyle/>
-                    <a:p>
-                      <a:pPr algn="ctr"/>
-                      <a:r>
-                        <a:rPr lang="zh-CN" altLang="en-US" sz="1800" b="0" kern="100" dirty="0">
-                          <a:solidFill>
-                            <a:schemeClr val="tx1"/>
-                          </a:solidFill>
-                          <a:effectLst/>
-                          <a:latin typeface="Times New Roman" panose="02020603050405020304" pitchFamily="18" charset="0"/>
-                          <a:ea typeface="微软雅黑" panose="020B0503020204020204" pitchFamily="34" charset="-122"/>
-                          <a:cs typeface="Times New Roman" panose="02020603050405020304" pitchFamily="18" charset="0"/>
-                        </a:rPr>
-                        <a:t>老年组</a:t>
-                      </a:r>
-                    </a:p>
-                  </a:txBody>
-                  <a:tcPr marL="90351" marR="90351" marT="45175" marB="45175" anchor="ctr">
-                    <a:lnB w="12700" cmpd="sng">
-                      <a:noFill/>
-                    </a:lnB>
-                  </a:tcPr>
-                </a:tc>
-                <a:extLst>
-                  <a:ext uri="{0D108BD9-81ED-4DB2-BD59-A6C34878D82A}">
-                    <a16:rowId xmlns:a16="http://schemas.microsoft.com/office/drawing/2014/main" val="3707991657"/>
-                  </a:ext>
-                </a:extLst>
-              </a:tr>
-              <a:tr h="271052">
-                <a:tc>
-                  <a:txBody>
-                    <a:bodyPr/>
-                    <a:lstStyle/>
-                    <a:p>
-                      <a:pPr marL="0" marR="0" lvl="0" indent="266700" algn="ctr" defTabSz="914400" rtl="0" eaLnBrk="1" fontAlgn="auto" latinLnBrk="0" hangingPunct="1">
-                        <a:lnSpc>
-                          <a:spcPct val="150000"/>
-                        </a:lnSpc>
-                        <a:spcBef>
-                          <a:spcPts val="0"/>
-                        </a:spcBef>
-                        <a:spcAft>
-                          <a:spcPts val="0"/>
-                        </a:spcAft>
-                        <a:buClrTx/>
-                        <a:buSzTx/>
-                        <a:buFontTx/>
-                        <a:buNone/>
-                        <a:tabLst/>
-                        <a:defRPr/>
-                      </a:pPr>
-                      <a:r>
-                        <a:rPr lang="zh-CN" altLang="en-US" sz="1800" b="0" kern="100" dirty="0">
-                          <a:effectLst/>
-                          <a:latin typeface="Times New Roman" panose="02020603050405020304" pitchFamily="18" charset="0"/>
-                          <a:ea typeface="微软雅黑" panose="020B0503020204020204" pitchFamily="34" charset="-122"/>
-                          <a:cs typeface="Times New Roman" panose="02020603050405020304" pitchFamily="18" charset="0"/>
-                        </a:rPr>
-                        <a:t>晴天</a:t>
-                      </a:r>
-                    </a:p>
-                  </a:txBody>
-                  <a:tcPr marL="134794" marR="134794" marT="0" marB="0" anchor="ctr">
-                    <a:lnT w="12700" cap="flat" cmpd="sng" algn="ctr">
-                      <a:noFill/>
-                      <a:prstDash val="solid"/>
-                      <a:round/>
-                      <a:headEnd type="none" w="med" len="med"/>
-                      <a:tailEnd type="none" w="med" len="med"/>
-                    </a:lnT>
-                  </a:tcPr>
-                </a:tc>
-                <a:tc>
-                  <a:txBody>
-                    <a:bodyPr/>
-                    <a:lstStyle/>
-                    <a:p>
-                      <a:pPr marL="0" marR="0" lvl="0" indent="266700" algn="ctr" defTabSz="914400" rtl="0" eaLnBrk="1" fontAlgn="auto" latinLnBrk="0" hangingPunct="1">
-                        <a:lnSpc>
-                          <a:spcPct val="150000"/>
-                        </a:lnSpc>
-                        <a:spcBef>
-                          <a:spcPts val="0"/>
-                        </a:spcBef>
-                        <a:spcAft>
-                          <a:spcPts val="0"/>
-                        </a:spcAft>
-                        <a:buClrTx/>
-                        <a:buSzTx/>
-                        <a:buFontTx/>
-                        <a:buNone/>
-                        <a:tabLst/>
-                        <a:defRPr/>
-                      </a:pPr>
-                      <a:r>
-                        <a:rPr lang="en-US" altLang="zh-CN" sz="1800" b="0" kern="100" dirty="0">
-                          <a:effectLst/>
-                          <a:latin typeface="Times New Roman" panose="02020603050405020304" pitchFamily="18" charset="0"/>
-                          <a:ea typeface="微软雅黑" panose="020B0503020204020204" pitchFamily="34" charset="-122"/>
-                          <a:cs typeface="Times New Roman" panose="02020603050405020304" pitchFamily="18" charset="0"/>
-                        </a:rPr>
-                        <a:t>64275</a:t>
-                      </a:r>
-                      <a:endParaRPr lang="zh-CN" altLang="en-US" sz="1800" b="0" kern="100" dirty="0">
-                        <a:effectLst/>
-                        <a:latin typeface="Times New Roman" panose="02020603050405020304" pitchFamily="18" charset="0"/>
-                        <a:ea typeface="微软雅黑" panose="020B0503020204020204" pitchFamily="34" charset="-122"/>
-                        <a:cs typeface="Times New Roman" panose="02020603050405020304" pitchFamily="18" charset="0"/>
-                      </a:endParaRPr>
-                    </a:p>
-                  </a:txBody>
-                  <a:tcPr marL="134794" marR="134794" marT="0" marB="0" anchor="ctr">
-                    <a:lnT w="12700" cap="flat" cmpd="sng" algn="ctr">
-                      <a:noFill/>
-                      <a:prstDash val="solid"/>
-                      <a:round/>
-                      <a:headEnd type="none" w="med" len="med"/>
-                      <a:tailEnd type="none" w="med" len="med"/>
-                    </a:lnT>
-                  </a:tcPr>
-                </a:tc>
-                <a:tc>
-                  <a:txBody>
-                    <a:bodyPr/>
-                    <a:lstStyle/>
-                    <a:p>
-                      <a:pPr algn="ctr">
-                        <a:lnSpc>
-                          <a:spcPct val="150000"/>
-                        </a:lnSpc>
-                      </a:pPr>
-                      <a:r>
-                        <a:rPr lang="en-US" altLang="zh-CN" sz="1800" kern="100" dirty="0">
-                          <a:effectLst/>
-                          <a:latin typeface="Times New Roman" panose="02020603050405020304" pitchFamily="18" charset="0"/>
-                          <a:ea typeface="微软雅黑" panose="020B0503020204020204" pitchFamily="34" charset="-122"/>
-                          <a:cs typeface="Times New Roman" panose="02020603050405020304" pitchFamily="18" charset="0"/>
-                          <a:sym typeface="+mn-ea"/>
-                        </a:rPr>
-                        <a:t>51629</a:t>
-                      </a:r>
-                      <a:endParaRPr lang="zh-CN" altLang="en-US" sz="1800" dirty="0">
-                        <a:latin typeface="Times New Roman" panose="02020603050405020304" pitchFamily="18" charset="0"/>
-                        <a:ea typeface="微软雅黑" panose="020B0503020204020204" pitchFamily="34" charset="-122"/>
-                        <a:cs typeface="Times New Roman" panose="02020603050405020304" pitchFamily="18" charset="0"/>
-                      </a:endParaRPr>
-                    </a:p>
-                  </a:txBody>
-                  <a:tcPr marL="134794" marR="134794" marT="0" marB="0" anchor="ctr">
-                    <a:lnT w="12700" cap="flat" cmpd="sng" algn="ctr">
-                      <a:noFill/>
-                      <a:prstDash val="solid"/>
-                      <a:round/>
-                      <a:headEnd type="none" w="med" len="med"/>
-                      <a:tailEnd type="none" w="med" len="med"/>
-                    </a:lnT>
-                  </a:tcPr>
-                </a:tc>
-                <a:tc>
-                  <a:txBody>
-                    <a:bodyPr/>
-                    <a:lstStyle/>
-                    <a:p>
-                      <a:pPr indent="266700" algn="ctr">
-                        <a:lnSpc>
-                          <a:spcPct val="150000"/>
-                        </a:lnSpc>
-                        <a:spcAft>
-                          <a:spcPts val="0"/>
-                        </a:spcAft>
-                      </a:pPr>
-                      <a:r>
-                        <a:rPr lang="en-US" altLang="zh-CN" sz="1800" b="0" kern="100" dirty="0">
-                          <a:effectLst/>
-                          <a:latin typeface="Times New Roman" panose="02020603050405020304" pitchFamily="18" charset="0"/>
-                          <a:ea typeface="微软雅黑" panose="020B0503020204020204" pitchFamily="34" charset="-122"/>
-                          <a:cs typeface="Times New Roman" panose="02020603050405020304" pitchFamily="18" charset="0"/>
-                          <a:sym typeface="+mn-ea"/>
-                        </a:rPr>
-                        <a:t>4073</a:t>
-                      </a:r>
-                    </a:p>
-                  </a:txBody>
-                  <a:tcPr marL="134794" marR="134794" marT="0" marB="0" anchor="ctr">
-                    <a:lnT w="12700" cap="flat" cmpd="sng" algn="ctr">
-                      <a:noFill/>
-                      <a:prstDash val="solid"/>
-                      <a:round/>
-                      <a:headEnd type="none" w="med" len="med"/>
-                      <a:tailEnd type="none" w="med" len="med"/>
-                    </a:lnT>
-                  </a:tcPr>
-                </a:tc>
-                <a:extLst>
-                  <a:ext uri="{0D108BD9-81ED-4DB2-BD59-A6C34878D82A}">
-                    <a16:rowId xmlns:a16="http://schemas.microsoft.com/office/drawing/2014/main" val="3228810528"/>
-                  </a:ext>
-                </a:extLst>
-              </a:tr>
-              <a:tr h="271052">
-                <a:tc>
-                  <a:txBody>
-                    <a:bodyPr/>
-                    <a:lstStyle/>
-                    <a:p>
-                      <a:pPr marL="0" marR="0" lvl="0" indent="266700" algn="ctr" defTabSz="914400" rtl="0" eaLnBrk="1" fontAlgn="auto" latinLnBrk="0" hangingPunct="1">
-                        <a:lnSpc>
-                          <a:spcPct val="150000"/>
-                        </a:lnSpc>
-                        <a:spcBef>
-                          <a:spcPts val="0"/>
-                        </a:spcBef>
-                        <a:spcAft>
-                          <a:spcPts val="0"/>
-                        </a:spcAft>
-                        <a:buClrTx/>
-                        <a:buSzTx/>
-                        <a:buFontTx/>
-                        <a:buNone/>
-                        <a:tabLst/>
-                        <a:defRPr/>
-                      </a:pPr>
-                      <a:r>
-                        <a:rPr lang="zh-CN" altLang="en-US" sz="1800" b="0" kern="100" dirty="0">
-                          <a:effectLst/>
-                          <a:latin typeface="Times New Roman" panose="02020603050405020304" pitchFamily="18" charset="0"/>
-                          <a:ea typeface="微软雅黑" panose="020B0503020204020204" pitchFamily="34" charset="-122"/>
-                          <a:cs typeface="Times New Roman" panose="02020603050405020304" pitchFamily="18" charset="0"/>
-                        </a:rPr>
-                        <a:t>雨天</a:t>
-                      </a:r>
-                    </a:p>
-                  </a:txBody>
-                  <a:tcPr marL="134794" marR="134794" marT="0" marB="0" anchor="ctr"/>
-                </a:tc>
-                <a:tc>
-                  <a:txBody>
-                    <a:bodyPr/>
-                    <a:lstStyle/>
-                    <a:p>
-                      <a:pPr marL="0" marR="0" lvl="0" indent="266700" algn="ctr" defTabSz="914400" rtl="0" eaLnBrk="1" fontAlgn="auto" latinLnBrk="0" hangingPunct="1">
-                        <a:lnSpc>
-                          <a:spcPct val="150000"/>
-                        </a:lnSpc>
-                        <a:spcBef>
-                          <a:spcPts val="0"/>
-                        </a:spcBef>
-                        <a:spcAft>
-                          <a:spcPts val="0"/>
-                        </a:spcAft>
-                        <a:buClrTx/>
-                        <a:buSzTx/>
-                        <a:buFontTx/>
-                        <a:buNone/>
-                        <a:tabLst/>
-                        <a:defRPr/>
-                      </a:pPr>
-                      <a:r>
-                        <a:rPr lang="en-US" altLang="zh-CN" sz="1800" b="0" kern="100" dirty="0">
-                          <a:effectLst/>
-                          <a:latin typeface="Times New Roman" panose="02020603050405020304" pitchFamily="18" charset="0"/>
-                          <a:ea typeface="微软雅黑" panose="020B0503020204020204" pitchFamily="34" charset="-122"/>
-                          <a:cs typeface="Times New Roman" panose="02020603050405020304" pitchFamily="18" charset="0"/>
-                        </a:rPr>
-                        <a:t>50130</a:t>
-                      </a:r>
-                      <a:endParaRPr lang="zh-CN" altLang="en-US" sz="1800" b="0" kern="100" dirty="0">
-                        <a:effectLst/>
-                        <a:latin typeface="Times New Roman" panose="02020603050405020304" pitchFamily="18" charset="0"/>
-                        <a:ea typeface="微软雅黑" panose="020B0503020204020204" pitchFamily="34" charset="-122"/>
-                        <a:cs typeface="Times New Roman" panose="02020603050405020304" pitchFamily="18" charset="0"/>
-                      </a:endParaRPr>
-                    </a:p>
-                  </a:txBody>
-                  <a:tcPr marL="134794" marR="134794" marT="0" marB="0" anchor="ctr"/>
-                </a:tc>
-                <a:tc>
-                  <a:txBody>
-                    <a:bodyPr/>
-                    <a:lstStyle/>
-                    <a:p>
-                      <a:pPr algn="ctr">
-                        <a:lnSpc>
-                          <a:spcPct val="150000"/>
-                        </a:lnSpc>
-                      </a:pPr>
-                      <a:r>
-                        <a:rPr lang="en-US" altLang="zh-CN" sz="1800" b="0" kern="100" dirty="0">
-                          <a:effectLst/>
-                          <a:latin typeface="Times New Roman" panose="02020603050405020304" pitchFamily="18" charset="0"/>
-                          <a:ea typeface="微软雅黑" panose="020B0503020204020204" pitchFamily="34" charset="-122"/>
-                          <a:cs typeface="Times New Roman" panose="02020603050405020304" pitchFamily="18" charset="0"/>
-                          <a:sym typeface="+mn-ea"/>
-                        </a:rPr>
-                        <a:t>39172</a:t>
-                      </a:r>
-                      <a:endParaRPr lang="zh-CN" altLang="en-US" sz="1800" dirty="0">
-                        <a:latin typeface="Times New Roman" panose="02020603050405020304" pitchFamily="18" charset="0"/>
-                        <a:ea typeface="微软雅黑" panose="020B0503020204020204" pitchFamily="34" charset="-122"/>
-                        <a:cs typeface="Times New Roman" panose="02020603050405020304" pitchFamily="18" charset="0"/>
-                      </a:endParaRPr>
-                    </a:p>
-                  </a:txBody>
-                  <a:tcPr marL="134794" marR="134794" marT="0" marB="0" anchor="ctr"/>
-                </a:tc>
-                <a:tc>
-                  <a:txBody>
-                    <a:bodyPr/>
-                    <a:lstStyle/>
-                    <a:p>
-                      <a:pPr indent="266700" algn="ctr">
-                        <a:lnSpc>
-                          <a:spcPct val="150000"/>
-                        </a:lnSpc>
-                        <a:spcAft>
-                          <a:spcPts val="0"/>
-                        </a:spcAft>
-                      </a:pPr>
-                      <a:r>
-                        <a:rPr lang="en-US" altLang="zh-CN" sz="1800" b="0" kern="100" dirty="0">
-                          <a:effectLst/>
-                          <a:latin typeface="Times New Roman" panose="02020603050405020304" pitchFamily="18" charset="0"/>
-                          <a:ea typeface="微软雅黑" panose="020B0503020204020204" pitchFamily="34" charset="-122"/>
-                          <a:cs typeface="Times New Roman" panose="02020603050405020304" pitchFamily="18" charset="0"/>
-                          <a:sym typeface="+mn-ea"/>
-                        </a:rPr>
-                        <a:t>2918</a:t>
-                      </a:r>
-                    </a:p>
-                  </a:txBody>
-                  <a:tcPr marL="134794" marR="134794" marT="0" marB="0" anchor="ctr"/>
-                </a:tc>
-                <a:extLst>
-                  <a:ext uri="{0D108BD9-81ED-4DB2-BD59-A6C34878D82A}">
-                    <a16:rowId xmlns:a16="http://schemas.microsoft.com/office/drawing/2014/main" val="1825916559"/>
-                  </a:ext>
-                </a:extLst>
-              </a:tr>
-            </a:tbl>
-          </a:graphicData>
-        </a:graphic>
-      </p:graphicFrame>
-      <p:sp>
-        <p:nvSpPr>
-          <p:cNvPr id="8" name="矩形 7">
-            <a:extLst>
-              <a:ext uri="{FF2B5EF4-FFF2-40B4-BE49-F238E27FC236}">
-                <a16:creationId xmlns:a16="http://schemas.microsoft.com/office/drawing/2014/main" id="{DECAF0AA-667A-4C94-8D02-5A9494266124}"/>
-              </a:ext>
-            </a:extLst>
-          </p:cNvPr>
-          <p:cNvSpPr/>
-          <p:nvPr/>
-        </p:nvSpPr>
-        <p:spPr>
-          <a:xfrm>
-            <a:off x="946728" y="6245313"/>
-            <a:ext cx="3478645" cy="338554"/>
-          </a:xfrm>
-          <a:prstGeom prst="rect">
-            <a:avLst/>
-          </a:prstGeom>
-        </p:spPr>
-        <p:txBody>
-          <a:bodyPr wrap="none">
-            <a:spAutoFit/>
-          </a:bodyPr>
-          <a:lstStyle/>
-          <a:p>
-            <a:r>
-              <a:rPr lang="en-US" altLang="zh-CN" sz="1600" dirty="0"/>
-              <a:t>【</a:t>
-            </a:r>
-            <a:r>
-              <a:rPr lang="zh-CN" altLang="en-US" sz="1600" dirty="0"/>
-              <a:t>注</a:t>
-            </a:r>
-            <a:r>
-              <a:rPr lang="en-US" altLang="zh-CN" sz="1600" dirty="0"/>
-              <a:t>】</a:t>
-            </a:r>
-            <a:r>
-              <a:rPr lang="zh-CN" altLang="en-US" sz="1600" dirty="0"/>
-              <a:t>具体数据可以看 </a:t>
-            </a:r>
-            <a:r>
-              <a:rPr lang="en-US" altLang="zh-CN" sz="1600" dirty="0"/>
-              <a:t>Data.xlsx </a:t>
-            </a:r>
-            <a:r>
-              <a:rPr lang="zh-CN" altLang="en-US" sz="1600" dirty="0"/>
-              <a:t>文件</a:t>
-            </a:r>
-          </a:p>
-        </p:txBody>
-      </p:sp>
-      <p:sp>
-        <p:nvSpPr>
-          <p:cNvPr id="11" name="内容占位符 2">
-            <a:extLst>
-              <a:ext uri="{FF2B5EF4-FFF2-40B4-BE49-F238E27FC236}">
-                <a16:creationId xmlns:a16="http://schemas.microsoft.com/office/drawing/2014/main" id="{1FDE5143-9049-4F69-AFA1-DF33060E3149}"/>
-              </a:ext>
-            </a:extLst>
-          </p:cNvPr>
+      <p:sp>
+        <p:nvSpPr>
+          <p:cNvPr id="70" name="内容占位符 2"/>
           <p:cNvSpPr txBox="1">
             <a:spLocks/>
           </p:cNvSpPr>
@@ -11060,8 +6836,8 @@
         </p:nvSpPr>
         <p:spPr bwMode="auto">
           <a:xfrm>
-            <a:off x="395533" y="3898853"/>
-            <a:ext cx="2481017" cy="861185"/>
+            <a:off x="395535" y="828645"/>
+            <a:ext cx="7967069" cy="4124186"/>
           </a:xfrm>
           <a:prstGeom prst="rect">
             <a:avLst/>
@@ -11269,230 +7045,36 @@
           </a:p>
           <a:p>
             <a:pPr algn="just"/>
+            <a:endParaRPr lang="en-US" altLang="zh-CN" kern="0" dirty="0"/>
+          </a:p>
+          <a:p>
+            <a:pPr algn="just"/>
+            <a:r>
+              <a:rPr lang="en-US" altLang="zh-CN" kern="0" dirty="0"/>
+              <a:t> </a:t>
+            </a:r>
             <a:r>
               <a:rPr lang="zh-CN" altLang="en-US" kern="0" dirty="0"/>
-              <a:t> 样本量分布情况</a:t>
-            </a:r>
-          </a:p>
-        </p:txBody>
-      </p:sp>
-      <p:sp>
-        <p:nvSpPr>
-          <p:cNvPr id="12" name="内容占位符 2">
-            <a:extLst>
-              <a:ext uri="{FF2B5EF4-FFF2-40B4-BE49-F238E27FC236}">
-                <a16:creationId xmlns:a16="http://schemas.microsoft.com/office/drawing/2014/main" id="{150C7EE4-AECE-4220-8655-370108BCCC3E}"/>
-              </a:ext>
-            </a:extLst>
-          </p:cNvPr>
-          <p:cNvSpPr txBox="1">
-            <a:spLocks/>
-          </p:cNvSpPr>
-          <p:nvPr/>
-        </p:nvSpPr>
-        <p:spPr bwMode="auto">
-          <a:xfrm>
-            <a:off x="395532" y="653242"/>
-            <a:ext cx="5751561" cy="997635"/>
-          </a:xfrm>
-          <a:prstGeom prst="rect">
-            <a:avLst/>
-          </a:prstGeom>
-          <a:noFill/>
-          <a:ln w="9525">
-            <a:noFill/>
-            <a:miter lim="800000"/>
-            <a:headEnd/>
-            <a:tailEnd/>
-          </a:ln>
-        </p:spPr>
-        <p:txBody>
-          <a:bodyPr vert="horz" wrap="square" lIns="91440" tIns="45720" rIns="91440" bIns="45720" numCol="1" anchor="t" anchorCtr="0" compatLnSpc="1">
-            <a:prstTxWarp prst="textNoShape">
-              <a:avLst/>
-            </a:prstTxWarp>
-          </a:bodyPr>
-          <a:lstStyle>
-            <a:lvl1pPr algn="l" rtl="0" eaLnBrk="0" fontAlgn="base" hangingPunct="0">
-              <a:spcBef>
-                <a:spcPct val="20000"/>
-              </a:spcBef>
-              <a:spcAft>
-                <a:spcPct val="0"/>
-              </a:spcAft>
-              <a:buClr>
-                <a:srgbClr val="CC9900"/>
-              </a:buClr>
-              <a:buFont typeface="Wingdings" pitchFamily="2" charset="2"/>
-              <a:buChar char="p"/>
-              <a:defRPr sz="2000" b="0">
-                <a:solidFill>
-                  <a:srgbClr val="4A6784"/>
-                </a:solidFill>
-                <a:latin typeface="微软雅黑" pitchFamily="34" charset="-122"/>
-                <a:ea typeface="微软雅黑" pitchFamily="34" charset="-122"/>
-                <a:cs typeface="+mn-cs"/>
-              </a:defRPr>
-            </a:lvl1pPr>
-            <a:lvl2pPr marL="441325" indent="15875" algn="l" rtl="0" eaLnBrk="0" fontAlgn="base" hangingPunct="0">
-              <a:spcBef>
-                <a:spcPct val="20000"/>
-              </a:spcBef>
-              <a:spcAft>
-                <a:spcPct val="0"/>
-              </a:spcAft>
-              <a:buClr>
-                <a:srgbClr val="CC9900"/>
-              </a:buClr>
-              <a:buFont typeface="Wingdings" pitchFamily="2" charset="2"/>
-              <a:buChar char="Ø"/>
-              <a:defRPr b="0">
-                <a:solidFill>
-                  <a:schemeClr val="tx1"/>
-                </a:solidFill>
-                <a:latin typeface="微软雅黑" pitchFamily="34" charset="-122"/>
-                <a:ea typeface="微软雅黑" pitchFamily="34" charset="-122"/>
-              </a:defRPr>
-            </a:lvl2pPr>
-            <a:lvl3pPr marL="898525" indent="15875" algn="l" rtl="0" eaLnBrk="0" fontAlgn="base" hangingPunct="0">
-              <a:spcBef>
-                <a:spcPct val="20000"/>
-              </a:spcBef>
-              <a:spcAft>
-                <a:spcPct val="0"/>
-              </a:spcAft>
-              <a:buClr>
-                <a:srgbClr val="CC9900"/>
-              </a:buClr>
-              <a:buChar char="•"/>
-              <a:defRPr sz="1600">
-                <a:solidFill>
-                  <a:schemeClr val="tx1"/>
-                </a:solidFill>
-                <a:latin typeface="微软雅黑" pitchFamily="34" charset="-122"/>
-                <a:ea typeface="微软雅黑" pitchFamily="34" charset="-122"/>
-              </a:defRPr>
-            </a:lvl3pPr>
-            <a:lvl4pPr marL="1260475" algn="l" rtl="0" eaLnBrk="0" fontAlgn="base" hangingPunct="0">
-              <a:spcBef>
-                <a:spcPct val="20000"/>
-              </a:spcBef>
-              <a:spcAft>
-                <a:spcPct val="0"/>
-              </a:spcAft>
-              <a:buClr>
-                <a:srgbClr val="CC9900"/>
-              </a:buClr>
-              <a:buChar char="•"/>
-              <a:defRPr sz="1600">
-                <a:solidFill>
-                  <a:schemeClr val="tx1"/>
-                </a:solidFill>
-                <a:latin typeface="微软雅黑" pitchFamily="34" charset="-122"/>
-                <a:ea typeface="微软雅黑" pitchFamily="34" charset="-122"/>
-              </a:defRPr>
-            </a:lvl4pPr>
-            <a:lvl5pPr marL="1703388" algn="l" rtl="0" eaLnBrk="0" fontAlgn="base" hangingPunct="0">
-              <a:spcBef>
-                <a:spcPct val="20000"/>
-              </a:spcBef>
-              <a:spcAft>
-                <a:spcPct val="0"/>
-              </a:spcAft>
-              <a:buClr>
-                <a:srgbClr val="CC9900"/>
-              </a:buClr>
-              <a:buFont typeface="Arial" charset="0"/>
-              <a:buChar char="»"/>
-              <a:defRPr sz="1600">
-                <a:solidFill>
-                  <a:schemeClr val="tx1"/>
-                </a:solidFill>
-                <a:latin typeface="微软雅黑" pitchFamily="34" charset="-122"/>
-                <a:ea typeface="微软雅黑" pitchFamily="34" charset="-122"/>
-              </a:defRPr>
-            </a:lvl5pPr>
-            <a:lvl6pPr marL="2160588" algn="l" rtl="0" fontAlgn="base">
-              <a:spcBef>
-                <a:spcPct val="20000"/>
-              </a:spcBef>
-              <a:spcAft>
-                <a:spcPct val="0"/>
-              </a:spcAft>
-              <a:buClr>
-                <a:srgbClr val="CC9900"/>
-              </a:buClr>
-              <a:buFont typeface="Arial" charset="0"/>
-              <a:buChar char="»"/>
-              <a:defRPr>
-                <a:solidFill>
-                  <a:schemeClr val="tx1"/>
-                </a:solidFill>
-                <a:latin typeface="+mn-lt"/>
-                <a:ea typeface="+mn-ea"/>
-              </a:defRPr>
-            </a:lvl6pPr>
-            <a:lvl7pPr marL="2617788" algn="l" rtl="0" fontAlgn="base">
-              <a:spcBef>
-                <a:spcPct val="20000"/>
-              </a:spcBef>
-              <a:spcAft>
-                <a:spcPct val="0"/>
-              </a:spcAft>
-              <a:buClr>
-                <a:srgbClr val="CC9900"/>
-              </a:buClr>
-              <a:buFont typeface="Arial" charset="0"/>
-              <a:buChar char="»"/>
-              <a:defRPr>
-                <a:solidFill>
-                  <a:schemeClr val="tx1"/>
-                </a:solidFill>
-                <a:latin typeface="+mn-lt"/>
-                <a:ea typeface="+mn-ea"/>
-              </a:defRPr>
-            </a:lvl7pPr>
-            <a:lvl8pPr marL="3074988" algn="l" rtl="0" fontAlgn="base">
-              <a:spcBef>
-                <a:spcPct val="20000"/>
-              </a:spcBef>
-              <a:spcAft>
-                <a:spcPct val="0"/>
-              </a:spcAft>
-              <a:buClr>
-                <a:srgbClr val="CC9900"/>
-              </a:buClr>
-              <a:buFont typeface="Arial" charset="0"/>
-              <a:buChar char="»"/>
-              <a:defRPr>
-                <a:solidFill>
-                  <a:schemeClr val="tx1"/>
-                </a:solidFill>
-                <a:latin typeface="+mn-lt"/>
-                <a:ea typeface="+mn-ea"/>
-              </a:defRPr>
-            </a:lvl8pPr>
-            <a:lvl9pPr marL="3532188" algn="l" rtl="0" fontAlgn="base">
-              <a:spcBef>
-                <a:spcPct val="20000"/>
-              </a:spcBef>
-              <a:spcAft>
-                <a:spcPct val="0"/>
-              </a:spcAft>
-              <a:buClr>
-                <a:srgbClr val="CC9900"/>
-              </a:buClr>
-              <a:buFont typeface="Arial" charset="0"/>
-              <a:buChar char="»"/>
-              <a:defRPr>
-                <a:solidFill>
-                  <a:schemeClr val="tx1"/>
-                </a:solidFill>
-                <a:latin typeface="+mn-lt"/>
-                <a:ea typeface="+mn-ea"/>
-              </a:defRPr>
-            </a:lvl9pPr>
-          </a:lstStyle>
+              <a:t>相对死亡率 </a:t>
+            </a:r>
+            <a:r>
+              <a:rPr lang="en-US" altLang="zh-CN" kern="0" dirty="0"/>
+              <a:t>= </a:t>
+            </a:r>
+            <a:r>
+              <a:rPr lang="zh-CN" altLang="en-US" kern="0" dirty="0"/>
+              <a:t>死亡</a:t>
+            </a:r>
+            <a:r>
+              <a:rPr lang="en-US" altLang="zh-CN" kern="0" dirty="0"/>
+              <a:t>/</a:t>
+            </a:r>
+            <a:r>
+              <a:rPr lang="zh-CN" altLang="en-US" kern="0" dirty="0"/>
+              <a:t>受伤</a:t>
+            </a:r>
+            <a:endParaRPr lang="en-US" altLang="zh-CN" kern="0" dirty="0"/>
+          </a:p>
           <a:p>
             <a:pPr algn="just"/>
             <a:endParaRPr lang="en-US" altLang="zh-CN" kern="0" dirty="0"/>
@@ -11500,396 +7082,39 @@
           <a:p>
             <a:pPr algn="just"/>
             <a:r>
+              <a:rPr lang="en-US" altLang="zh-CN" kern="0" dirty="0"/>
+              <a:t> </a:t>
+            </a:r>
+            <a:r>
               <a:rPr lang="zh-CN" altLang="en-US" kern="0" dirty="0"/>
-              <a:t> 年龄组划分</a:t>
-            </a:r>
-          </a:p>
-        </p:txBody>
-      </p:sp>
-      <p:sp>
-        <p:nvSpPr>
-          <p:cNvPr id="13" name="文本框 12">
-            <a:extLst>
-              <a:ext uri="{FF2B5EF4-FFF2-40B4-BE49-F238E27FC236}">
-                <a16:creationId xmlns:a16="http://schemas.microsoft.com/office/drawing/2014/main" id="{0C74E3B6-B63F-44B3-99B0-A443F61A47CB}"/>
-              </a:ext>
-            </a:extLst>
-          </p:cNvPr>
-          <p:cNvSpPr txBox="1"/>
-          <p:nvPr/>
-        </p:nvSpPr>
-        <p:spPr>
-          <a:xfrm>
-            <a:off x="876445" y="1512272"/>
-            <a:ext cx="8267555" cy="926023"/>
-          </a:xfrm>
-          <a:prstGeom prst="rect">
-            <a:avLst/>
-          </a:prstGeom>
-          <a:noFill/>
-        </p:spPr>
-        <p:txBody>
-          <a:bodyPr wrap="square" rtlCol="0">
-            <a:spAutoFit/>
-          </a:bodyPr>
-          <a:lstStyle/>
-          <a:p>
-            <a:pPr marL="285750" indent="-285750">
-              <a:lnSpc>
-                <a:spcPct val="150000"/>
-              </a:lnSpc>
-              <a:buClr>
-                <a:schemeClr val="accent1"/>
-              </a:buClr>
-              <a:buFont typeface="Wingdings" panose="05000000000000000000" pitchFamily="2" charset="2"/>
-              <a:buChar char="l"/>
-            </a:pPr>
-            <a:r>
-              <a:rPr lang="zh-CN" altLang="en-US" dirty="0">
-                <a:latin typeface="微软雅黑" panose="020B0503020204020204" pitchFamily="34" charset="-122"/>
-                <a:ea typeface="微软雅黑" panose="020B0503020204020204" pitchFamily="34" charset="-122"/>
-              </a:rPr>
-              <a:t>年龄组：青年组 </a:t>
-            </a:r>
-            <a:r>
-              <a:rPr lang="en-US" altLang="zh-CN" dirty="0">
-                <a:latin typeface="微软雅黑" panose="020B0503020204020204" pitchFamily="34" charset="-122"/>
-                <a:ea typeface="微软雅黑" panose="020B0503020204020204" pitchFamily="34" charset="-122"/>
-              </a:rPr>
-              <a:t>[18</a:t>
-            </a:r>
-            <a:r>
-              <a:rPr lang="zh-CN" altLang="en-US" dirty="0">
-                <a:latin typeface="微软雅黑" panose="020B0503020204020204" pitchFamily="34" charset="-122"/>
-                <a:ea typeface="微软雅黑" panose="020B0503020204020204" pitchFamily="34" charset="-122"/>
-              </a:rPr>
-              <a:t>，</a:t>
-            </a:r>
-            <a:r>
-              <a:rPr lang="en-US" altLang="zh-CN" dirty="0">
-                <a:latin typeface="微软雅黑" panose="020B0503020204020204" pitchFamily="34" charset="-122"/>
-                <a:ea typeface="微软雅黑" panose="020B0503020204020204" pitchFamily="34" charset="-122"/>
-              </a:rPr>
-              <a:t>30]</a:t>
-            </a:r>
-            <a:r>
-              <a:rPr lang="zh-CN" altLang="en-US" dirty="0">
-                <a:latin typeface="微软雅黑" panose="020B0503020204020204" pitchFamily="34" charset="-122"/>
-                <a:ea typeface="微软雅黑" panose="020B0503020204020204" pitchFamily="34" charset="-122"/>
-              </a:rPr>
-              <a:t>、中年组 </a:t>
-            </a:r>
-            <a:r>
-              <a:rPr lang="en-US" altLang="zh-CN" dirty="0">
-                <a:latin typeface="微软雅黑" panose="020B0503020204020204" pitchFamily="34" charset="-122"/>
-                <a:ea typeface="微软雅黑" panose="020B0503020204020204" pitchFamily="34" charset="-122"/>
-              </a:rPr>
-              <a:t>[40</a:t>
-            </a:r>
-            <a:r>
-              <a:rPr lang="zh-CN" altLang="en-US" dirty="0">
-                <a:latin typeface="微软雅黑" panose="020B0503020204020204" pitchFamily="34" charset="-122"/>
-                <a:ea typeface="微软雅黑" panose="020B0503020204020204" pitchFamily="34" charset="-122"/>
-              </a:rPr>
-              <a:t>，</a:t>
-            </a:r>
-            <a:r>
-              <a:rPr lang="en-US" altLang="zh-CN" dirty="0">
-                <a:latin typeface="微软雅黑" panose="020B0503020204020204" pitchFamily="34" charset="-122"/>
-                <a:ea typeface="微软雅黑" panose="020B0503020204020204" pitchFamily="34" charset="-122"/>
-              </a:rPr>
-              <a:t>50]</a:t>
-            </a:r>
-            <a:r>
-              <a:rPr lang="zh-CN" altLang="en-US" dirty="0">
-                <a:latin typeface="微软雅黑" panose="020B0503020204020204" pitchFamily="34" charset="-122"/>
-                <a:ea typeface="微软雅黑" panose="020B0503020204020204" pitchFamily="34" charset="-122"/>
-              </a:rPr>
-              <a:t>、老年组</a:t>
-            </a:r>
-            <a:r>
-              <a:rPr lang="en-US" altLang="zh-CN" dirty="0">
-                <a:latin typeface="微软雅黑" panose="020B0503020204020204" pitchFamily="34" charset="-122"/>
-                <a:ea typeface="微软雅黑" panose="020B0503020204020204" pitchFamily="34" charset="-122"/>
-              </a:rPr>
-              <a:t> [60</a:t>
-            </a:r>
-            <a:r>
-              <a:rPr lang="zh-CN" altLang="en-US" dirty="0">
-                <a:latin typeface="微软雅黑" panose="020B0503020204020204" pitchFamily="34" charset="-122"/>
-                <a:ea typeface="微软雅黑" panose="020B0503020204020204" pitchFamily="34" charset="-122"/>
-              </a:rPr>
-              <a:t>，</a:t>
-            </a:r>
-            <a:r>
-              <a:rPr lang="en-US" altLang="zh-CN" dirty="0">
-                <a:latin typeface="微软雅黑" panose="020B0503020204020204" pitchFamily="34" charset="-122"/>
-                <a:ea typeface="微软雅黑" panose="020B0503020204020204" pitchFamily="34" charset="-122"/>
-              </a:rPr>
+              <a:t>死亡率 </a:t>
+            </a:r>
+            <a:r>
+              <a:rPr lang="en-US" altLang="zh-CN" kern="0" dirty="0"/>
+              <a:t>= </a:t>
+            </a:r>
+            <a:r>
+              <a:rPr lang="zh-CN" altLang="en-US" kern="0" dirty="0"/>
+              <a:t>死亡</a:t>
+            </a:r>
+            <a:r>
+              <a:rPr lang="en-US" altLang="zh-CN" kern="0" dirty="0"/>
+              <a:t>/</a:t>
+            </a:r>
+            <a:r>
+              <a:rPr lang="zh-CN" altLang="en-US" kern="0" dirty="0"/>
+              <a:t>（死亡</a:t>
+            </a:r>
+            <a:r>
+              <a:rPr lang="en-US" altLang="zh-CN" kern="0" dirty="0"/>
               <a:t>+</a:t>
             </a:r>
             <a:r>
-              <a:rPr lang="zh-CN" altLang="en-US" dirty="0">
-                <a:latin typeface="微软雅黑" panose="020B0503020204020204" pitchFamily="34" charset="-122"/>
-                <a:ea typeface="微软雅黑" panose="020B0503020204020204" pitchFamily="34" charset="-122"/>
-              </a:rPr>
-              <a:t>∞）</a:t>
-            </a:r>
-            <a:endParaRPr lang="en-US" altLang="zh-CN" dirty="0">
-              <a:latin typeface="微软雅黑" panose="020B0503020204020204" pitchFamily="34" charset="-122"/>
-              <a:ea typeface="微软雅黑" panose="020B0503020204020204" pitchFamily="34" charset="-122"/>
-            </a:endParaRPr>
-          </a:p>
-          <a:p>
-            <a:pPr>
-              <a:lnSpc>
-                <a:spcPct val="200000"/>
-              </a:lnSpc>
-              <a:buClr>
-                <a:schemeClr val="accent1"/>
-              </a:buClr>
-            </a:pPr>
-            <a:r>
-              <a:rPr lang="en-US" altLang="zh-CN" sz="1600" dirty="0">
-                <a:latin typeface="微软雅黑" panose="020B0503020204020204" pitchFamily="34" charset="-122"/>
-                <a:ea typeface="微软雅黑" panose="020B0503020204020204" pitchFamily="34" charset="-122"/>
-              </a:rPr>
-              <a:t>【</a:t>
-            </a:r>
-            <a:r>
-              <a:rPr lang="zh-CN" altLang="en-US" sz="1600" dirty="0">
-                <a:latin typeface="微软雅黑" panose="020B0503020204020204" pitchFamily="34" charset="-122"/>
-                <a:ea typeface="微软雅黑" panose="020B0503020204020204" pitchFamily="34" charset="-122"/>
-              </a:rPr>
-              <a:t>划分依据参考朱方平师兄的“驾驶员年龄段与事故发生倾向性关系分析研究”</a:t>
-            </a:r>
-            <a:r>
-              <a:rPr lang="en-US" altLang="zh-CN" sz="1600" dirty="0">
-                <a:latin typeface="微软雅黑" panose="020B0503020204020204" pitchFamily="34" charset="-122"/>
-                <a:ea typeface="微软雅黑" panose="020B0503020204020204" pitchFamily="34" charset="-122"/>
-              </a:rPr>
-              <a:t>】</a:t>
-            </a:r>
-          </a:p>
-        </p:txBody>
-      </p:sp>
-      <p:sp>
-        <p:nvSpPr>
-          <p:cNvPr id="14" name="内容占位符 2">
-            <a:extLst>
-              <a:ext uri="{FF2B5EF4-FFF2-40B4-BE49-F238E27FC236}">
-                <a16:creationId xmlns:a16="http://schemas.microsoft.com/office/drawing/2014/main" id="{F70CFA13-78E0-445A-984B-61D2B5AD72D9}"/>
-              </a:ext>
-            </a:extLst>
-          </p:cNvPr>
-          <p:cNvSpPr txBox="1">
-            <a:spLocks/>
-          </p:cNvSpPr>
-          <p:nvPr/>
-        </p:nvSpPr>
-        <p:spPr bwMode="auto">
-          <a:xfrm>
-            <a:off x="395533" y="2338787"/>
-            <a:ext cx="5751561" cy="997635"/>
-          </a:xfrm>
-          <a:prstGeom prst="rect">
-            <a:avLst/>
-          </a:prstGeom>
-          <a:noFill/>
-          <a:ln w="9525">
-            <a:noFill/>
-            <a:miter lim="800000"/>
-            <a:headEnd/>
-            <a:tailEnd/>
-          </a:ln>
-        </p:spPr>
-        <p:txBody>
-          <a:bodyPr vert="horz" wrap="square" lIns="91440" tIns="45720" rIns="91440" bIns="45720" numCol="1" anchor="t" anchorCtr="0" compatLnSpc="1">
-            <a:prstTxWarp prst="textNoShape">
-              <a:avLst/>
-            </a:prstTxWarp>
-          </a:bodyPr>
-          <a:lstStyle>
-            <a:lvl1pPr algn="l" rtl="0" eaLnBrk="0" fontAlgn="base" hangingPunct="0">
-              <a:spcBef>
-                <a:spcPct val="20000"/>
-              </a:spcBef>
-              <a:spcAft>
-                <a:spcPct val="0"/>
-              </a:spcAft>
-              <a:buClr>
-                <a:srgbClr val="CC9900"/>
-              </a:buClr>
-              <a:buFont typeface="Wingdings" pitchFamily="2" charset="2"/>
-              <a:buChar char="p"/>
-              <a:defRPr sz="2000" b="0">
-                <a:solidFill>
-                  <a:srgbClr val="4A6784"/>
-                </a:solidFill>
-                <a:latin typeface="微软雅黑" pitchFamily="34" charset="-122"/>
-                <a:ea typeface="微软雅黑" pitchFamily="34" charset="-122"/>
-                <a:cs typeface="+mn-cs"/>
-              </a:defRPr>
-            </a:lvl1pPr>
-            <a:lvl2pPr marL="441325" indent="15875" algn="l" rtl="0" eaLnBrk="0" fontAlgn="base" hangingPunct="0">
-              <a:spcBef>
-                <a:spcPct val="20000"/>
-              </a:spcBef>
-              <a:spcAft>
-                <a:spcPct val="0"/>
-              </a:spcAft>
-              <a:buClr>
-                <a:srgbClr val="CC9900"/>
-              </a:buClr>
-              <a:buFont typeface="Wingdings" pitchFamily="2" charset="2"/>
-              <a:buChar char="Ø"/>
-              <a:defRPr b="0">
-                <a:solidFill>
-                  <a:schemeClr val="tx1"/>
-                </a:solidFill>
-                <a:latin typeface="微软雅黑" pitchFamily="34" charset="-122"/>
-                <a:ea typeface="微软雅黑" pitchFamily="34" charset="-122"/>
-              </a:defRPr>
-            </a:lvl2pPr>
-            <a:lvl3pPr marL="898525" indent="15875" algn="l" rtl="0" eaLnBrk="0" fontAlgn="base" hangingPunct="0">
-              <a:spcBef>
-                <a:spcPct val="20000"/>
-              </a:spcBef>
-              <a:spcAft>
-                <a:spcPct val="0"/>
-              </a:spcAft>
-              <a:buClr>
-                <a:srgbClr val="CC9900"/>
-              </a:buClr>
-              <a:buChar char="•"/>
-              <a:defRPr sz="1600">
-                <a:solidFill>
-                  <a:schemeClr val="tx1"/>
-                </a:solidFill>
-                <a:latin typeface="微软雅黑" pitchFamily="34" charset="-122"/>
-                <a:ea typeface="微软雅黑" pitchFamily="34" charset="-122"/>
-              </a:defRPr>
-            </a:lvl3pPr>
-            <a:lvl4pPr marL="1260475" algn="l" rtl="0" eaLnBrk="0" fontAlgn="base" hangingPunct="0">
-              <a:spcBef>
-                <a:spcPct val="20000"/>
-              </a:spcBef>
-              <a:spcAft>
-                <a:spcPct val="0"/>
-              </a:spcAft>
-              <a:buClr>
-                <a:srgbClr val="CC9900"/>
-              </a:buClr>
-              <a:buChar char="•"/>
-              <a:defRPr sz="1600">
-                <a:solidFill>
-                  <a:schemeClr val="tx1"/>
-                </a:solidFill>
-                <a:latin typeface="微软雅黑" pitchFamily="34" charset="-122"/>
-                <a:ea typeface="微软雅黑" pitchFamily="34" charset="-122"/>
-              </a:defRPr>
-            </a:lvl4pPr>
-            <a:lvl5pPr marL="1703388" algn="l" rtl="0" eaLnBrk="0" fontAlgn="base" hangingPunct="0">
-              <a:spcBef>
-                <a:spcPct val="20000"/>
-              </a:spcBef>
-              <a:spcAft>
-                <a:spcPct val="0"/>
-              </a:spcAft>
-              <a:buClr>
-                <a:srgbClr val="CC9900"/>
-              </a:buClr>
-              <a:buFont typeface="Arial" charset="0"/>
-              <a:buChar char="»"/>
-              <a:defRPr sz="1600">
-                <a:solidFill>
-                  <a:schemeClr val="tx1"/>
-                </a:solidFill>
-                <a:latin typeface="微软雅黑" pitchFamily="34" charset="-122"/>
-                <a:ea typeface="微软雅黑" pitchFamily="34" charset="-122"/>
-              </a:defRPr>
-            </a:lvl5pPr>
-            <a:lvl6pPr marL="2160588" algn="l" rtl="0" fontAlgn="base">
-              <a:spcBef>
-                <a:spcPct val="20000"/>
-              </a:spcBef>
-              <a:spcAft>
-                <a:spcPct val="0"/>
-              </a:spcAft>
-              <a:buClr>
-                <a:srgbClr val="CC9900"/>
-              </a:buClr>
-              <a:buFont typeface="Arial" charset="0"/>
-              <a:buChar char="»"/>
-              <a:defRPr>
-                <a:solidFill>
-                  <a:schemeClr val="tx1"/>
-                </a:solidFill>
-                <a:latin typeface="+mn-lt"/>
-                <a:ea typeface="+mn-ea"/>
-              </a:defRPr>
-            </a:lvl6pPr>
-            <a:lvl7pPr marL="2617788" algn="l" rtl="0" fontAlgn="base">
-              <a:spcBef>
-                <a:spcPct val="20000"/>
-              </a:spcBef>
-              <a:spcAft>
-                <a:spcPct val="0"/>
-              </a:spcAft>
-              <a:buClr>
-                <a:srgbClr val="CC9900"/>
-              </a:buClr>
-              <a:buFont typeface="Arial" charset="0"/>
-              <a:buChar char="»"/>
-              <a:defRPr>
-                <a:solidFill>
-                  <a:schemeClr val="tx1"/>
-                </a:solidFill>
-                <a:latin typeface="+mn-lt"/>
-                <a:ea typeface="+mn-ea"/>
-              </a:defRPr>
-            </a:lvl7pPr>
-            <a:lvl8pPr marL="3074988" algn="l" rtl="0" fontAlgn="base">
-              <a:spcBef>
-                <a:spcPct val="20000"/>
-              </a:spcBef>
-              <a:spcAft>
-                <a:spcPct val="0"/>
-              </a:spcAft>
-              <a:buClr>
-                <a:srgbClr val="CC9900"/>
-              </a:buClr>
-              <a:buFont typeface="Arial" charset="0"/>
-              <a:buChar char="»"/>
-              <a:defRPr>
-                <a:solidFill>
-                  <a:schemeClr val="tx1"/>
-                </a:solidFill>
-                <a:latin typeface="+mn-lt"/>
-                <a:ea typeface="+mn-ea"/>
-              </a:defRPr>
-            </a:lvl8pPr>
-            <a:lvl9pPr marL="3532188" algn="l" rtl="0" fontAlgn="base">
-              <a:spcBef>
-                <a:spcPct val="20000"/>
-              </a:spcBef>
-              <a:spcAft>
-                <a:spcPct val="0"/>
-              </a:spcAft>
-              <a:buClr>
-                <a:srgbClr val="CC9900"/>
-              </a:buClr>
-              <a:buFont typeface="Arial" charset="0"/>
-              <a:buChar char="»"/>
-              <a:defRPr>
-                <a:solidFill>
-                  <a:schemeClr val="tx1"/>
-                </a:solidFill>
-                <a:latin typeface="+mn-lt"/>
-                <a:ea typeface="+mn-ea"/>
-              </a:defRPr>
-            </a:lvl9pPr>
-          </a:lstStyle>
+              <a:rPr lang="zh-CN" altLang="en-US" kern="0" dirty="0"/>
+              <a:t>受伤）</a:t>
+            </a:r>
+            <a:endParaRPr lang="en-US" altLang="zh-CN" kern="0" dirty="0"/>
+          </a:p>
           <a:p>
             <a:pPr algn="just"/>
             <a:endParaRPr lang="en-US" altLang="zh-CN" kern="0" dirty="0"/>
@@ -11898,88 +7123,80 @@
             <a:pPr algn="just"/>
             <a:r>
               <a:rPr lang="zh-CN" altLang="en-US" kern="0" dirty="0"/>
-              <a:t> 天气划分</a:t>
-            </a:r>
-          </a:p>
-        </p:txBody>
-      </p:sp>
-      <p:sp>
-        <p:nvSpPr>
-          <p:cNvPr id="15" name="文本框 14">
-            <a:extLst>
-              <a:ext uri="{FF2B5EF4-FFF2-40B4-BE49-F238E27FC236}">
-                <a16:creationId xmlns:a16="http://schemas.microsoft.com/office/drawing/2014/main" id="{365F2905-B10F-4BA2-AC40-9EEA40BA001E}"/>
-              </a:ext>
-            </a:extLst>
-          </p:cNvPr>
-          <p:cNvSpPr txBox="1"/>
-          <p:nvPr/>
-        </p:nvSpPr>
-        <p:spPr>
-          <a:xfrm>
-            <a:off x="876445" y="3240229"/>
-            <a:ext cx="7791305" cy="833690"/>
-          </a:xfrm>
-          <a:prstGeom prst="rect">
-            <a:avLst/>
-          </a:prstGeom>
-          <a:noFill/>
-        </p:spPr>
-        <p:txBody>
-          <a:bodyPr wrap="square" rtlCol="0">
-            <a:spAutoFit/>
-          </a:bodyPr>
-          <a:lstStyle/>
-          <a:p>
-            <a:pPr marL="285750" indent="-285750">
-              <a:lnSpc>
-                <a:spcPct val="150000"/>
-              </a:lnSpc>
-              <a:buClr>
-                <a:schemeClr val="accent1"/>
-              </a:buClr>
-              <a:buFont typeface="Wingdings" panose="05000000000000000000" pitchFamily="2" charset="2"/>
-              <a:buChar char="l"/>
+              <a:t> 死亡个数</a:t>
+            </a:r>
+            <a:endParaRPr lang="en-US" altLang="zh-CN" kern="0" dirty="0"/>
+          </a:p>
+          <a:p>
+            <a:pPr algn="just">
+              <a:buNone/>
             </a:pPr>
-            <a:r>
-              <a:rPr lang="zh-CN" altLang="en-US" dirty="0">
-                <a:latin typeface="微软雅黑" panose="020B0503020204020204" pitchFamily="34" charset="-122"/>
-                <a:ea typeface="微软雅黑" panose="020B0503020204020204" pitchFamily="34" charset="-122"/>
-              </a:rPr>
-              <a:t>出现“雨”字的天气均算作“雨天”，其余天气为晴天</a:t>
-            </a:r>
-            <a:endParaRPr lang="en-US" altLang="zh-CN" dirty="0">
-              <a:latin typeface="微软雅黑" panose="020B0503020204020204" pitchFamily="34" charset="-122"/>
-              <a:ea typeface="微软雅黑" panose="020B0503020204020204" pitchFamily="34" charset="-122"/>
-            </a:endParaRPr>
-          </a:p>
-          <a:p>
-            <a:pPr>
-              <a:lnSpc>
-                <a:spcPct val="150000"/>
-              </a:lnSpc>
-              <a:buClr>
-                <a:schemeClr val="accent1"/>
-              </a:buClr>
+            <a:endParaRPr lang="en-US" altLang="zh-CN" kern="0" dirty="0"/>
+          </a:p>
+          <a:p>
+            <a:pPr algn="just"/>
+            <a:r>
+              <a:rPr lang="zh-CN" altLang="en-US" kern="0" dirty="0"/>
+              <a:t> 雨天事故率</a:t>
+            </a:r>
+            <a:r>
+              <a:rPr lang="en-US" altLang="zh-CN" kern="0" dirty="0"/>
+              <a:t>/</a:t>
+            </a:r>
+            <a:r>
+              <a:rPr lang="zh-CN" altLang="en-US" kern="0" dirty="0"/>
+              <a:t>晴天事故率、雨天死亡人数</a:t>
+            </a:r>
+            <a:r>
+              <a:rPr lang="en-US" altLang="zh-CN" kern="0" dirty="0"/>
+              <a:t>/</a:t>
+            </a:r>
+            <a:r>
+              <a:rPr lang="zh-CN" altLang="en-US" kern="0" dirty="0"/>
+              <a:t>晴天死亡人数</a:t>
+            </a:r>
+            <a:endParaRPr lang="en-US" altLang="zh-CN" kern="0" dirty="0"/>
+          </a:p>
+          <a:p>
+            <a:pPr algn="just">
+              <a:buNone/>
             </a:pPr>
             <a:r>
-              <a:rPr lang="zh-CN" altLang="en-US" sz="1600" dirty="0">
-                <a:latin typeface="微软雅黑" panose="020B0503020204020204" pitchFamily="34" charset="-122"/>
-                <a:ea typeface="微软雅黑" panose="020B0503020204020204" pitchFamily="34" charset="-122"/>
-              </a:rPr>
-              <a:t>   （例如阴天也为晴天的一种）</a:t>
-            </a:r>
-            <a:endParaRPr lang="en-US" altLang="zh-CN" sz="1600" dirty="0">
-              <a:latin typeface="微软雅黑" panose="020B0503020204020204" pitchFamily="34" charset="-122"/>
-              <a:ea typeface="微软雅黑" panose="020B0503020204020204" pitchFamily="34" charset="-122"/>
-            </a:endParaRPr>
+              <a:rPr lang="en-US" altLang="zh-CN" kern="0" dirty="0"/>
+              <a:t>	Old</a:t>
+            </a:r>
+            <a:r>
+              <a:rPr lang="zh-CN" altLang="en-US" kern="0" dirty="0"/>
+              <a:t>死亡率</a:t>
+            </a:r>
+            <a:r>
+              <a:rPr lang="en-US" altLang="zh-CN" kern="0" dirty="0"/>
+              <a:t>0</a:t>
+            </a:r>
+            <a:r>
+              <a:rPr lang="zh-CN" altLang="en-US" kern="0" dirty="0"/>
+              <a:t>，用</a:t>
+            </a:r>
+            <a:r>
+              <a:rPr lang="en-US" altLang="zh-CN" kern="0" dirty="0"/>
+              <a:t>x</a:t>
+            </a:r>
+            <a:r>
+              <a:rPr lang="zh-CN" altLang="en-US" kern="0" dirty="0"/>
+              <a:t>代替</a:t>
+            </a:r>
+            <a:endParaRPr lang="en-US" altLang="zh-CN" kern="0" dirty="0"/>
+          </a:p>
+          <a:p>
+            <a:pPr algn="just"/>
+            <a:endParaRPr lang="en-US" altLang="zh-CN" kern="0" dirty="0"/>
           </a:p>
         </p:txBody>
       </p:sp>
     </p:spTree>
     <p:extLst>
       <p:ext uri="{BB962C8B-B14F-4D97-AF65-F5344CB8AC3E}">
-        <p14:creationId xmlns:p14="http://schemas.microsoft.com/office/powerpoint/2010/main" val="2672531002"/>
+        <p14:creationId xmlns:p14="http://schemas.microsoft.com/office/powerpoint/2010/main" val="1193446715"/>
       </p:ext>
     </p:extLst>
   </p:cSld>
@@ -12093,7 +7310,7 @@
           <a:lstStyle/>
           <a:p>
             <a:r>
-              <a:rPr lang="zh-CN" altLang="en-US" sz="2000" b="1" dirty="0">
+              <a:rPr lang="zh-CN" altLang="en-US" sz="2000" b="1">
                 <a:solidFill>
                   <a:srgbClr val="FFFFFF"/>
                 </a:solidFill>
@@ -12107,8 +7324,22 @@
                 <a:latin typeface="微软雅黑" pitchFamily="34" charset="-122"/>
                 <a:ea typeface="微软雅黑" pitchFamily="34" charset="-122"/>
               </a:rPr>
-              <a:t>不同年龄段事故发生的模式（晴天）</a:t>
-            </a:r>
+              <a:t>交互效应</a:t>
+            </a:r>
+            <a:endParaRPr lang="zh-CN" altLang="en-US" sz="2000" b="1" dirty="0">
+              <a:solidFill>
+                <a:srgbClr val="FFFFFF"/>
+              </a:solidFill>
+              <a:effectLst>
+                <a:outerShdw blurRad="38100" dist="38100" dir="2700000" algn="tl">
+                  <a:srgbClr val="000000">
+                    <a:alpha val="43137"/>
+                  </a:srgbClr>
+                </a:outerShdw>
+              </a:effectLst>
+              <a:latin typeface="微软雅黑" pitchFamily="34" charset="-122"/>
+              <a:ea typeface="微软雅黑" pitchFamily="34" charset="-122"/>
+            </a:endParaRPr>
           </a:p>
         </p:txBody>
       </p:sp>
@@ -12181,51 +7412,9 @@
           </a:p>
         </p:txBody>
       </p:sp>
-      <p:pic>
-        <p:nvPicPr>
-          <p:cNvPr id="5" name="图片 4">
-            <a:extLst>
-              <a:ext uri="{FF2B5EF4-FFF2-40B4-BE49-F238E27FC236}">
-                <a16:creationId xmlns:a16="http://schemas.microsoft.com/office/drawing/2014/main" id="{0A32CB67-3E43-4F54-A871-02C60855A83C}"/>
-              </a:ext>
-            </a:extLst>
-          </p:cNvPr>
-          <p:cNvPicPr>
-            <a:picLocks noChangeAspect="1"/>
-          </p:cNvPicPr>
-          <p:nvPr/>
-        </p:nvPicPr>
-        <p:blipFill>
-          <a:blip r:embed="rId4">
-            <a:extLst>
-              <a:ext uri="{28A0092B-C50C-407E-A947-70E740481C1C}">
-                <a14:useLocalDpi xmlns:a14="http://schemas.microsoft.com/office/drawing/2010/main" val="0"/>
-              </a:ext>
-            </a:extLst>
-          </a:blip>
-          <a:stretch>
-            <a:fillRect/>
-          </a:stretch>
-        </p:blipFill>
-        <p:spPr>
-          <a:xfrm>
-            <a:off x="-2258" y="2223483"/>
-            <a:ext cx="9144000" cy="4491672"/>
-          </a:xfrm>
-          <a:prstGeom prst="rect">
-            <a:avLst/>
-          </a:prstGeom>
-        </p:spPr>
-      </p:pic>
-      <p:sp>
-        <p:nvSpPr>
-          <p:cNvPr id="8" name="内容占位符 2">
-            <a:extLst>
-              <a:ext uri="{FF2B5EF4-FFF2-40B4-BE49-F238E27FC236}">
-                <a16:creationId xmlns:a16="http://schemas.microsoft.com/office/drawing/2014/main" id="{BB63C870-5C7B-4A8F-8FE3-47C0388FC6C2}"/>
-              </a:ext>
-            </a:extLst>
-          </p:cNvPr>
+      <p:sp>
+        <p:nvSpPr>
+          <p:cNvPr id="70" name="内容占位符 2"/>
           <p:cNvSpPr txBox="1">
             <a:spLocks/>
           </p:cNvSpPr>
@@ -12233,8 +7422,8 @@
         </p:nvSpPr>
         <p:spPr bwMode="auto">
           <a:xfrm>
-            <a:off x="706388" y="993218"/>
-            <a:ext cx="8037561" cy="1305054"/>
+            <a:off x="395535" y="828645"/>
+            <a:ext cx="7967069" cy="4124186"/>
           </a:xfrm>
           <a:prstGeom prst="rect">
             <a:avLst/>
@@ -12435,6 +7624,16 @@
             </a:lvl9pPr>
           </a:lstStyle>
           <a:p>
+            <a:pPr algn="just">
+              <a:buNone/>
+            </a:pPr>
+            <a:endParaRPr lang="en-US" altLang="zh-CN" kern="0" dirty="0"/>
+          </a:p>
+          <a:p>
+            <a:pPr algn="just"/>
+            <a:endParaRPr lang="en-US" altLang="zh-CN" kern="0" dirty="0"/>
+          </a:p>
+          <a:p>
             <a:pPr algn="just"/>
             <a:r>
               <a:rPr lang="en-US" altLang="zh-CN" kern="0" dirty="0"/>
@@ -12442,16 +7641,28 @@
             </a:r>
             <a:r>
               <a:rPr lang="zh-CN" altLang="en-US" kern="0" dirty="0"/>
-              <a:t>横坐标 </a:t>
+              <a:t>相对死亡率 </a:t>
             </a:r>
             <a:r>
               <a:rPr lang="en-US" altLang="zh-CN" kern="0" dirty="0"/>
-              <a:t>—— </a:t>
+              <a:t>= </a:t>
             </a:r>
             <a:r>
               <a:rPr lang="zh-CN" altLang="en-US" kern="0" dirty="0"/>
-              <a:t>不同的事故形态编号 </a:t>
-            </a:r>
+              <a:t>死亡</a:t>
+            </a:r>
+            <a:r>
+              <a:rPr lang="en-US" altLang="zh-CN" kern="0" dirty="0"/>
+              <a:t>/</a:t>
+            </a:r>
+            <a:r>
+              <a:rPr lang="zh-CN" altLang="en-US" kern="0" dirty="0"/>
+              <a:t>受伤</a:t>
+            </a:r>
+            <a:endParaRPr lang="en-US" altLang="zh-CN" kern="0" dirty="0"/>
+          </a:p>
+          <a:p>
+            <a:pPr algn="just"/>
             <a:endParaRPr lang="en-US" altLang="zh-CN" kern="0" dirty="0"/>
           </a:p>
           <a:p>
@@ -12462,66 +7673,23 @@
             </a:r>
             <a:r>
               <a:rPr lang="zh-CN" altLang="en-US" kern="0" dirty="0"/>
-              <a:t>纵坐标 </a:t>
+              <a:t>死亡率 </a:t>
             </a:r>
             <a:r>
               <a:rPr lang="en-US" altLang="zh-CN" kern="0" dirty="0"/>
-              <a:t>—— </a:t>
+              <a:t>= </a:t>
             </a:r>
             <a:r>
               <a:rPr lang="zh-CN" altLang="en-US" kern="0" dirty="0"/>
-              <a:t>事故率 </a:t>
+              <a:t>死亡</a:t>
             </a:r>
             <a:r>
               <a:rPr lang="en-US" altLang="zh-CN" kern="0" dirty="0"/>
-              <a:t>【</a:t>
+              <a:t>/</a:t>
             </a:r>
             <a:r>
               <a:rPr lang="zh-CN" altLang="en-US" kern="0" dirty="0"/>
-              <a:t>该种事故形数量 </a:t>
-            </a:r>
-            <a:r>
-              <a:rPr lang="en-US" altLang="zh-CN" kern="0" dirty="0"/>
-              <a:t>/ </a:t>
-            </a:r>
-            <a:r>
-              <a:rPr lang="zh-CN" altLang="en-US" kern="0" dirty="0"/>
-              <a:t>总事故数量</a:t>
-            </a:r>
-            <a:r>
-              <a:rPr lang="en-US" altLang="zh-CN" kern="0" dirty="0"/>
-              <a:t>】</a:t>
-            </a:r>
-          </a:p>
-          <a:p>
-            <a:pPr algn="just"/>
-            <a:r>
-              <a:rPr lang="zh-CN" altLang="en-US" kern="0" dirty="0"/>
-              <a:t> 圆形大小 </a:t>
-            </a:r>
-            <a:r>
-              <a:rPr lang="en-US" altLang="zh-CN" kern="0" dirty="0"/>
-              <a:t>—— </a:t>
-            </a:r>
-            <a:r>
-              <a:rPr lang="zh-CN" altLang="en-US" kern="0" dirty="0"/>
-              <a:t>死亡率 </a:t>
-            </a:r>
-            <a:r>
-              <a:rPr lang="en-US" altLang="zh-CN" kern="0" dirty="0"/>
-              <a:t>【</a:t>
-            </a:r>
-            <a:r>
-              <a:rPr lang="zh-CN" altLang="en-US" kern="0" dirty="0"/>
-              <a:t>死亡人数 </a:t>
-            </a:r>
-            <a:r>
-              <a:rPr lang="en-US" altLang="zh-CN" kern="0" dirty="0"/>
-              <a:t>/ </a:t>
-            </a:r>
-            <a:r>
-              <a:rPr lang="zh-CN" altLang="en-US" kern="0" dirty="0"/>
-              <a:t>（死亡人数</a:t>
+              <a:t>（死亡</a:t>
             </a:r>
             <a:r>
               <a:rPr lang="en-US" altLang="zh-CN" kern="0" dirty="0"/>
@@ -12529,20 +7697,92 @@
             </a:r>
             <a:r>
               <a:rPr lang="zh-CN" altLang="en-US" kern="0" dirty="0"/>
-              <a:t>受伤人数）</a:t>
+              <a:t>受伤）</a:t>
+            </a:r>
+            <a:endParaRPr lang="en-US" altLang="zh-CN" kern="0" dirty="0"/>
+          </a:p>
+          <a:p>
+            <a:pPr algn="just"/>
+            <a:endParaRPr lang="en-US" altLang="zh-CN" kern="0" dirty="0"/>
+          </a:p>
+          <a:p>
+            <a:pPr algn="just"/>
+            <a:r>
+              <a:rPr lang="zh-CN" altLang="en-US" kern="0" dirty="0"/>
+              <a:t> 死亡个数</a:t>
+            </a:r>
+            <a:endParaRPr lang="en-US" altLang="zh-CN" kern="0" dirty="0"/>
+          </a:p>
+          <a:p>
+            <a:pPr algn="just">
+              <a:buNone/>
+            </a:pPr>
+            <a:endParaRPr lang="en-US" altLang="zh-CN" kern="0" dirty="0"/>
+          </a:p>
+          <a:p>
+            <a:pPr algn="just"/>
+            <a:r>
+              <a:rPr lang="zh-CN" altLang="en-US" kern="0" dirty="0"/>
+              <a:t> 雨天事故率</a:t>
             </a:r>
             <a:r>
               <a:rPr lang="en-US" altLang="zh-CN" kern="0" dirty="0"/>
-              <a:t>】</a:t>
-            </a:r>
-            <a:endParaRPr lang="zh-CN" altLang="en-US" kern="0" dirty="0"/>
+              <a:t>/</a:t>
+            </a:r>
+            <a:r>
+              <a:rPr lang="zh-CN" altLang="en-US" kern="0" dirty="0"/>
+              <a:t>晴天事故率、雨天死亡人数</a:t>
+            </a:r>
+            <a:r>
+              <a:rPr lang="en-US" altLang="zh-CN" kern="0" dirty="0"/>
+              <a:t>/</a:t>
+            </a:r>
+            <a:r>
+              <a:rPr lang="zh-CN" altLang="en-US" kern="0" dirty="0"/>
+              <a:t>晴天死亡人数</a:t>
+            </a:r>
+            <a:endParaRPr lang="en-US" altLang="zh-CN" kern="0" dirty="0"/>
+          </a:p>
+          <a:p>
+            <a:pPr algn="just">
+              <a:buNone/>
+            </a:pPr>
+            <a:r>
+              <a:rPr lang="en-US" altLang="zh-CN" kern="0" dirty="0"/>
+              <a:t>	Old</a:t>
+            </a:r>
+            <a:r>
+              <a:rPr lang="zh-CN" altLang="en-US" kern="0" dirty="0"/>
+              <a:t>死亡率</a:t>
+            </a:r>
+            <a:r>
+              <a:rPr lang="en-US" altLang="zh-CN" kern="0" dirty="0"/>
+              <a:t>0</a:t>
+            </a:r>
+            <a:r>
+              <a:rPr lang="zh-CN" altLang="en-US" kern="0" dirty="0"/>
+              <a:t>，用</a:t>
+            </a:r>
+            <a:r>
+              <a:rPr lang="en-US" altLang="zh-CN" kern="0" dirty="0"/>
+              <a:t>x</a:t>
+            </a:r>
+            <a:r>
+              <a:rPr lang="zh-CN" altLang="en-US" kern="0" dirty="0"/>
+              <a:t>代替</a:t>
+            </a:r>
+            <a:endParaRPr lang="en-US" altLang="zh-CN" kern="0" dirty="0"/>
+          </a:p>
+          <a:p>
+            <a:pPr algn="just"/>
+            <a:endParaRPr lang="en-US" altLang="zh-CN" kern="0" dirty="0"/>
           </a:p>
         </p:txBody>
       </p:sp>
     </p:spTree>
     <p:extLst>
       <p:ext uri="{BB962C8B-B14F-4D97-AF65-F5344CB8AC3E}">
-        <p14:creationId xmlns:p14="http://schemas.microsoft.com/office/powerpoint/2010/main" val="2214478987"/>
+        <p14:creationId xmlns:p14="http://schemas.microsoft.com/office/powerpoint/2010/main" val="2688428930"/>
       </p:ext>
     </p:extLst>
   </p:cSld>
@@ -12571,126 +7811,50 @@
       </p:grpSpPr>
       <p:pic>
         <p:nvPicPr>
-          <p:cNvPr id="1030" name="Picture 6"/>
+          <p:cNvPr id="4" name="图片 3"/>
           <p:cNvPicPr>
-            <a:picLocks noChangeAspect="1" noChangeArrowheads="1"/>
+            <a:picLocks noChangeAspect="1"/>
           </p:cNvPicPr>
           <p:nvPr/>
         </p:nvPicPr>
         <p:blipFill>
-          <a:blip r:embed="rId3">
+          <a:blip r:embed="rId2" cstate="print">
             <a:extLst>
               <a:ext uri="{28A0092B-C50C-407E-A947-70E740481C1C}">
                 <a14:useLocalDpi xmlns:a14="http://schemas.microsoft.com/office/drawing/2010/main" val="0"/>
               </a:ext>
             </a:extLst>
           </a:blip>
-          <a:srcRect/>
           <a:stretch>
             <a:fillRect/>
           </a:stretch>
         </p:blipFill>
-        <p:spPr bwMode="auto">
+        <p:spPr>
           <a:xfrm>
-            <a:off x="0" y="0"/>
-            <a:ext cx="9144000" cy="685800"/>
+            <a:off x="-1" y="-1"/>
+            <a:ext cx="9144887" cy="5143999"/>
           </a:xfrm>
           <a:prstGeom prst="rect">
             <a:avLst/>
           </a:prstGeom>
-          <a:noFill/>
-          <a:ln>
-            <a:noFill/>
-          </a:ln>
-          <a:effectLst/>
-          <a:extLst>
-            <a:ext uri="{909E8E84-426E-40DD-AFC4-6F175D3DCCD1}">
-              <a14:hiddenFill xmlns:a14="http://schemas.microsoft.com/office/drawing/2010/main">
-                <a:solidFill>
-                  <a:schemeClr val="accent1"/>
-                </a:solidFill>
-              </a14:hiddenFill>
-            </a:ext>
-            <a:ext uri="{91240B29-F687-4F45-9708-019B960494DF}">
-              <a14:hiddenLine xmlns:a14="http://schemas.microsoft.com/office/drawing/2010/main" w="9525">
-                <a:solidFill>
-                  <a:schemeClr val="tx1"/>
-                </a:solidFill>
-                <a:miter lim="800000"/>
-                <a:headEnd/>
-                <a:tailEnd/>
-              </a14:hiddenLine>
-            </a:ext>
-            <a:ext uri="{AF507438-7753-43E0-B8FC-AC1667EBCBE1}">
-              <a14:hiddenEffects xmlns:a14="http://schemas.microsoft.com/office/drawing/2010/main">
-                <a:effectLst>
-                  <a:outerShdw dist="35921" dir="2700000" algn="ctr" rotWithShape="0">
-                    <a:schemeClr val="bg2"/>
-                  </a:outerShdw>
-                </a:effectLst>
-              </a14:hiddenEffects>
-            </a:ext>
-          </a:extLst>
         </p:spPr>
       </p:pic>
       <p:sp>
         <p:nvSpPr>
-          <p:cNvPr id="2" name="TextBox 1"/>
-          <p:cNvSpPr txBox="1"/>
+          <p:cNvPr id="24" name="矩形 23"/>
+          <p:cNvSpPr/>
           <p:nvPr/>
         </p:nvSpPr>
         <p:spPr>
           <a:xfrm>
-            <a:off x="395535" y="142845"/>
-            <a:ext cx="8348415" cy="400110"/>
-          </a:xfrm>
-          <a:prstGeom prst="rect">
-            <a:avLst/>
-          </a:prstGeom>
-          <a:noFill/>
-        </p:spPr>
-        <p:txBody>
-          <a:bodyPr wrap="square" rtlCol="0">
-            <a:spAutoFit/>
-          </a:bodyPr>
-          <a:lstStyle/>
-          <a:p>
-            <a:r>
-              <a:rPr lang="zh-CN" altLang="en-US" sz="2000" b="1" dirty="0">
-                <a:solidFill>
-                  <a:srgbClr val="FFFFFF"/>
-                </a:solidFill>
-                <a:effectLst>
-                  <a:outerShdw blurRad="38100" dist="38100" dir="2700000" algn="tl">
-                    <a:srgbClr val="000000">
-                      <a:alpha val="43137"/>
-                    </a:srgbClr>
-                  </a:outerShdw>
-                </a:effectLst>
-                <a:latin typeface="微软雅黑" pitchFamily="34" charset="-122"/>
-                <a:ea typeface="微软雅黑" pitchFamily="34" charset="-122"/>
-              </a:rPr>
-              <a:t>不同年龄段事故发生的模式（雨天）</a:t>
-            </a:r>
-          </a:p>
-        </p:txBody>
-      </p:sp>
-      <p:sp>
-        <p:nvSpPr>
-          <p:cNvPr id="7" name="矩形 6"/>
-          <p:cNvSpPr/>
-          <p:nvPr/>
-        </p:nvSpPr>
-        <p:spPr>
-          <a:xfrm>
-            <a:off x="0" y="6789944"/>
-            <a:ext cx="9144000" cy="68056"/>
+            <a:off x="1331" y="5184351"/>
+            <a:ext cx="9143556" cy="1674000"/>
           </a:xfrm>
           <a:prstGeom prst="rect">
             <a:avLst/>
           </a:prstGeom>
           <a:solidFill>
-            <a:srgbClr val="415D7B"/>
+            <a:srgbClr val="A3A3A3"/>
           </a:solidFill>
           <a:ln>
             <a:noFill/>
@@ -12723,510 +7887,38 @@
       </p:sp>
       <p:sp>
         <p:nvSpPr>
-          <p:cNvPr id="3" name="灯片编号占位符 2"/>
-          <p:cNvSpPr>
-            <a:spLocks noGrp="1"/>
-          </p:cNvSpPr>
-          <p:nvPr>
-            <p:ph type="sldNum" sz="quarter" idx="12"/>
-          </p:nvPr>
-        </p:nvSpPr>
-        <p:spPr/>
-        <p:txBody>
-          <a:bodyPr/>
-          <a:lstStyle/>
-          <a:p>
-            <a:fld id="{0F003B9C-CE26-4D71-B59B-D3ECF06D57F0}" type="slidenum">
-              <a:rPr lang="zh-CN" altLang="en-US" smtClean="0"/>
-              <a:t>8</a:t>
-            </a:fld>
-            <a:endParaRPr lang="zh-CN" altLang="en-US"/>
-          </a:p>
-        </p:txBody>
-      </p:sp>
-      <p:pic>
-        <p:nvPicPr>
-          <p:cNvPr id="6" name="图片 5">
-            <a:extLst>
-              <a:ext uri="{FF2B5EF4-FFF2-40B4-BE49-F238E27FC236}">
-                <a16:creationId xmlns:a16="http://schemas.microsoft.com/office/drawing/2014/main" id="{EC6BE2FD-5C54-463A-80B7-BF238A4B1728}"/>
-              </a:ext>
-            </a:extLst>
-          </p:cNvPr>
-          <p:cNvPicPr>
-            <a:picLocks noChangeAspect="1"/>
-          </p:cNvPicPr>
+          <p:cNvPr id="19" name="矩形 18"/>
+          <p:cNvSpPr/>
           <p:nvPr/>
-        </p:nvPicPr>
-        <p:blipFill>
-          <a:blip r:embed="rId4">
-            <a:extLst>
-              <a:ext uri="{28A0092B-C50C-407E-A947-70E740481C1C}">
-                <a14:useLocalDpi xmlns:a14="http://schemas.microsoft.com/office/drawing/2010/main" val="0"/>
-              </a:ext>
-            </a:extLst>
-          </a:blip>
-          <a:stretch>
-            <a:fillRect/>
-          </a:stretch>
-        </p:blipFill>
+        </p:nvSpPr>
         <p:spPr>
           <a:xfrm>
-            <a:off x="-2258" y="2264038"/>
-            <a:ext cx="9144000" cy="4491672"/>
+            <a:off x="1331" y="0"/>
+            <a:ext cx="9143556" cy="5143998"/>
           </a:xfrm>
           <a:prstGeom prst="rect">
             <a:avLst/>
           </a:prstGeom>
-        </p:spPr>
-      </p:pic>
-      <p:sp>
-        <p:nvSpPr>
-          <p:cNvPr id="9" name="内容占位符 2">
-            <a:extLst>
-              <a:ext uri="{FF2B5EF4-FFF2-40B4-BE49-F238E27FC236}">
-                <a16:creationId xmlns:a16="http://schemas.microsoft.com/office/drawing/2014/main" id="{7B65543C-6D25-4DB4-8FB3-D8DC9AB45FC0}"/>
-              </a:ext>
-            </a:extLst>
-          </p:cNvPr>
-          <p:cNvSpPr txBox="1">
-            <a:spLocks/>
-          </p:cNvSpPr>
-          <p:nvPr/>
-        </p:nvSpPr>
-        <p:spPr bwMode="auto">
-          <a:xfrm>
-            <a:off x="706389" y="992234"/>
-            <a:ext cx="8037561" cy="1305054"/>
-          </a:xfrm>
-          <a:prstGeom prst="rect">
-            <a:avLst/>
-          </a:prstGeom>
-          <a:noFill/>
-          <a:ln w="9525">
-            <a:noFill/>
-            <a:miter lim="800000"/>
-            <a:headEnd/>
-            <a:tailEnd/>
-          </a:ln>
-        </p:spPr>
-        <p:txBody>
-          <a:bodyPr vert="horz" wrap="square" lIns="91440" tIns="45720" rIns="91440" bIns="45720" numCol="1" anchor="t" anchorCtr="0" compatLnSpc="1">
-            <a:prstTxWarp prst="textNoShape">
-              <a:avLst/>
-            </a:prstTxWarp>
-          </a:bodyPr>
-          <a:lstStyle>
-            <a:lvl1pPr algn="l" rtl="0" eaLnBrk="0" fontAlgn="base" hangingPunct="0">
-              <a:spcBef>
-                <a:spcPct val="20000"/>
-              </a:spcBef>
-              <a:spcAft>
-                <a:spcPct val="0"/>
-              </a:spcAft>
-              <a:buClr>
-                <a:srgbClr val="CC9900"/>
-              </a:buClr>
-              <a:buFont typeface="Wingdings" pitchFamily="2" charset="2"/>
-              <a:buChar char="p"/>
-              <a:defRPr sz="2000" b="0">
-                <a:solidFill>
-                  <a:srgbClr val="4A6784"/>
-                </a:solidFill>
-                <a:latin typeface="微软雅黑" pitchFamily="34" charset="-122"/>
-                <a:ea typeface="微软雅黑" pitchFamily="34" charset="-122"/>
-                <a:cs typeface="+mn-cs"/>
-              </a:defRPr>
-            </a:lvl1pPr>
-            <a:lvl2pPr marL="441325" indent="15875" algn="l" rtl="0" eaLnBrk="0" fontAlgn="base" hangingPunct="0">
-              <a:spcBef>
-                <a:spcPct val="20000"/>
-              </a:spcBef>
-              <a:spcAft>
-                <a:spcPct val="0"/>
-              </a:spcAft>
-              <a:buClr>
-                <a:srgbClr val="CC9900"/>
-              </a:buClr>
-              <a:buFont typeface="Wingdings" pitchFamily="2" charset="2"/>
-              <a:buChar char="Ø"/>
-              <a:defRPr b="0">
-                <a:solidFill>
-                  <a:schemeClr val="tx1"/>
-                </a:solidFill>
-                <a:latin typeface="微软雅黑" pitchFamily="34" charset="-122"/>
-                <a:ea typeface="微软雅黑" pitchFamily="34" charset="-122"/>
-              </a:defRPr>
-            </a:lvl2pPr>
-            <a:lvl3pPr marL="898525" indent="15875" algn="l" rtl="0" eaLnBrk="0" fontAlgn="base" hangingPunct="0">
-              <a:spcBef>
-                <a:spcPct val="20000"/>
-              </a:spcBef>
-              <a:spcAft>
-                <a:spcPct val="0"/>
-              </a:spcAft>
-              <a:buClr>
-                <a:srgbClr val="CC9900"/>
-              </a:buClr>
-              <a:buChar char="•"/>
-              <a:defRPr sz="1600">
-                <a:solidFill>
-                  <a:schemeClr val="tx1"/>
-                </a:solidFill>
-                <a:latin typeface="微软雅黑" pitchFamily="34" charset="-122"/>
-                <a:ea typeface="微软雅黑" pitchFamily="34" charset="-122"/>
-              </a:defRPr>
-            </a:lvl3pPr>
-            <a:lvl4pPr marL="1260475" algn="l" rtl="0" eaLnBrk="0" fontAlgn="base" hangingPunct="0">
-              <a:spcBef>
-                <a:spcPct val="20000"/>
-              </a:spcBef>
-              <a:spcAft>
-                <a:spcPct val="0"/>
-              </a:spcAft>
-              <a:buClr>
-                <a:srgbClr val="CC9900"/>
-              </a:buClr>
-              <a:buChar char="•"/>
-              <a:defRPr sz="1600">
-                <a:solidFill>
-                  <a:schemeClr val="tx1"/>
-                </a:solidFill>
-                <a:latin typeface="微软雅黑" pitchFamily="34" charset="-122"/>
-                <a:ea typeface="微软雅黑" pitchFamily="34" charset="-122"/>
-              </a:defRPr>
-            </a:lvl4pPr>
-            <a:lvl5pPr marL="1703388" algn="l" rtl="0" eaLnBrk="0" fontAlgn="base" hangingPunct="0">
-              <a:spcBef>
-                <a:spcPct val="20000"/>
-              </a:spcBef>
-              <a:spcAft>
-                <a:spcPct val="0"/>
-              </a:spcAft>
-              <a:buClr>
-                <a:srgbClr val="CC9900"/>
-              </a:buClr>
-              <a:buFont typeface="Arial" charset="0"/>
-              <a:buChar char="»"/>
-              <a:defRPr sz="1600">
-                <a:solidFill>
-                  <a:schemeClr val="tx1"/>
-                </a:solidFill>
-                <a:latin typeface="微软雅黑" pitchFamily="34" charset="-122"/>
-                <a:ea typeface="微软雅黑" pitchFamily="34" charset="-122"/>
-              </a:defRPr>
-            </a:lvl5pPr>
-            <a:lvl6pPr marL="2160588" algn="l" rtl="0" fontAlgn="base">
-              <a:spcBef>
-                <a:spcPct val="20000"/>
-              </a:spcBef>
-              <a:spcAft>
-                <a:spcPct val="0"/>
-              </a:spcAft>
-              <a:buClr>
-                <a:srgbClr val="CC9900"/>
-              </a:buClr>
-              <a:buFont typeface="Arial" charset="0"/>
-              <a:buChar char="»"/>
-              <a:defRPr>
-                <a:solidFill>
-                  <a:schemeClr val="tx1"/>
-                </a:solidFill>
-                <a:latin typeface="+mn-lt"/>
-                <a:ea typeface="+mn-ea"/>
-              </a:defRPr>
-            </a:lvl6pPr>
-            <a:lvl7pPr marL="2617788" algn="l" rtl="0" fontAlgn="base">
-              <a:spcBef>
-                <a:spcPct val="20000"/>
-              </a:spcBef>
-              <a:spcAft>
-                <a:spcPct val="0"/>
-              </a:spcAft>
-              <a:buClr>
-                <a:srgbClr val="CC9900"/>
-              </a:buClr>
-              <a:buFont typeface="Arial" charset="0"/>
-              <a:buChar char="»"/>
-              <a:defRPr>
-                <a:solidFill>
-                  <a:schemeClr val="tx1"/>
-                </a:solidFill>
-                <a:latin typeface="+mn-lt"/>
-                <a:ea typeface="+mn-ea"/>
-              </a:defRPr>
-            </a:lvl7pPr>
-            <a:lvl8pPr marL="3074988" algn="l" rtl="0" fontAlgn="base">
-              <a:spcBef>
-                <a:spcPct val="20000"/>
-              </a:spcBef>
-              <a:spcAft>
-                <a:spcPct val="0"/>
-              </a:spcAft>
-              <a:buClr>
-                <a:srgbClr val="CC9900"/>
-              </a:buClr>
-              <a:buFont typeface="Arial" charset="0"/>
-              <a:buChar char="»"/>
-              <a:defRPr>
-                <a:solidFill>
-                  <a:schemeClr val="tx1"/>
-                </a:solidFill>
-                <a:latin typeface="+mn-lt"/>
-                <a:ea typeface="+mn-ea"/>
-              </a:defRPr>
-            </a:lvl8pPr>
-            <a:lvl9pPr marL="3532188" algn="l" rtl="0" fontAlgn="base">
-              <a:spcBef>
-                <a:spcPct val="20000"/>
-              </a:spcBef>
-              <a:spcAft>
-                <a:spcPct val="0"/>
-              </a:spcAft>
-              <a:buClr>
-                <a:srgbClr val="CC9900"/>
-              </a:buClr>
-              <a:buFont typeface="Arial" charset="0"/>
-              <a:buChar char="»"/>
-              <a:defRPr>
-                <a:solidFill>
-                  <a:schemeClr val="tx1"/>
-                </a:solidFill>
-                <a:latin typeface="+mn-lt"/>
-                <a:ea typeface="+mn-ea"/>
-              </a:defRPr>
-            </a:lvl9pPr>
-          </a:lstStyle>
-          <a:p>
-            <a:pPr algn="just"/>
-            <a:r>
-              <a:rPr lang="en-US" altLang="zh-CN" kern="0" dirty="0"/>
-              <a:t> </a:t>
-            </a:r>
-            <a:r>
-              <a:rPr lang="zh-CN" altLang="en-US" kern="0" dirty="0"/>
-              <a:t>青年组和中年组的出现的事故形态种类相同，均为</a:t>
-            </a:r>
-            <a:r>
-              <a:rPr lang="en-US" altLang="zh-CN" kern="0" dirty="0">
-                <a:solidFill>
-                  <a:srgbClr val="C00000"/>
-                </a:solidFill>
-              </a:rPr>
-              <a:t>22</a:t>
-            </a:r>
-            <a:r>
-              <a:rPr lang="zh-CN" altLang="en-US" kern="0" dirty="0"/>
-              <a:t>种</a:t>
-            </a:r>
-            <a:endParaRPr lang="en-US" altLang="zh-CN" kern="0" dirty="0"/>
-          </a:p>
-          <a:p>
-            <a:pPr algn="just"/>
-            <a:r>
-              <a:rPr lang="zh-CN" altLang="en-US" kern="0" dirty="0"/>
-              <a:t> 老年人在晴天时，有</a:t>
-            </a:r>
-            <a:r>
-              <a:rPr lang="en-US" altLang="zh-CN" kern="0" dirty="0">
-                <a:solidFill>
-                  <a:srgbClr val="C00000"/>
-                </a:solidFill>
-              </a:rPr>
-              <a:t>17</a:t>
-            </a:r>
-            <a:r>
-              <a:rPr lang="zh-CN" altLang="en-US" kern="0" dirty="0"/>
-              <a:t>种，在雨天时，有</a:t>
-            </a:r>
-            <a:r>
-              <a:rPr lang="en-US" altLang="zh-CN" kern="0" dirty="0">
-                <a:solidFill>
-                  <a:srgbClr val="C00000"/>
-                </a:solidFill>
-              </a:rPr>
-              <a:t>15</a:t>
-            </a:r>
-            <a:r>
-              <a:rPr lang="zh-CN" altLang="en-US" kern="0" dirty="0"/>
-              <a:t>种</a:t>
-            </a:r>
-            <a:endParaRPr lang="en-US" altLang="zh-CN" kern="0" dirty="0"/>
-          </a:p>
-          <a:p>
-            <a:pPr algn="just"/>
-            <a:r>
-              <a:rPr lang="en-US" altLang="zh-CN" kern="0" dirty="0"/>
-              <a:t> </a:t>
-            </a:r>
-            <a:r>
-              <a:rPr lang="zh-CN" altLang="en-US" kern="0" dirty="0"/>
-              <a:t>部分死亡率为</a:t>
-            </a:r>
-            <a:r>
-              <a:rPr lang="en-US" altLang="zh-CN" kern="0" dirty="0"/>
-              <a:t>0</a:t>
-            </a:r>
-            <a:r>
-              <a:rPr lang="zh-CN" altLang="en-US" kern="0" dirty="0"/>
-              <a:t>，故有些轴上没有显示圆形</a:t>
-            </a:r>
-          </a:p>
-        </p:txBody>
-      </p:sp>
-    </p:spTree>
-    <p:extLst>
-      <p:ext uri="{BB962C8B-B14F-4D97-AF65-F5344CB8AC3E}">
-        <p14:creationId xmlns:p14="http://schemas.microsoft.com/office/powerpoint/2010/main" val="2730852216"/>
-      </p:ext>
-    </p:extLst>
-  </p:cSld>
-  <p:clrMapOvr>
-    <a:masterClrMapping/>
-  </p:clrMapOvr>
-</p:sld>
-</file>
-
-<file path=ppt/slides/slide9.xml><?xml version="1.0" encoding="utf-8"?>
-<p:sld xmlns:a="http://schemas.openxmlformats.org/drawingml/2006/main" xmlns:r="http://schemas.openxmlformats.org/officeDocument/2006/relationships" xmlns:p="http://schemas.openxmlformats.org/presentationml/2006/main">
-  <p:cSld>
-    <p:spTree>
-      <p:nvGrpSpPr>
-        <p:cNvPr id="1" name=""/>
-        <p:cNvGrpSpPr/>
-        <p:nvPr/>
-      </p:nvGrpSpPr>
-      <p:grpSpPr>
-        <a:xfrm>
-          <a:off x="0" y="0"/>
-          <a:ext cx="0" cy="0"/>
-          <a:chOff x="0" y="0"/>
-          <a:chExt cx="0" cy="0"/>
-        </a:xfrm>
-      </p:grpSpPr>
-      <p:pic>
-        <p:nvPicPr>
-          <p:cNvPr id="1030" name="Picture 6"/>
-          <p:cNvPicPr>
-            <a:picLocks noChangeAspect="1" noChangeArrowheads="1"/>
-          </p:cNvPicPr>
-          <p:nvPr/>
-        </p:nvPicPr>
-        <p:blipFill>
-          <a:blip r:embed="rId3">
-            <a:extLst>
-              <a:ext uri="{28A0092B-C50C-407E-A947-70E740481C1C}">
-                <a14:useLocalDpi xmlns:a14="http://schemas.microsoft.com/office/drawing/2010/main" val="0"/>
-              </a:ext>
-            </a:extLst>
-          </a:blip>
-          <a:srcRect/>
-          <a:stretch>
-            <a:fillRect/>
-          </a:stretch>
-        </p:blipFill>
-        <p:spPr bwMode="auto">
-          <a:xfrm>
-            <a:off x="0" y="0"/>
-            <a:ext cx="9144000" cy="685800"/>
-          </a:xfrm>
-          <a:prstGeom prst="rect">
-            <a:avLst/>
-          </a:prstGeom>
-          <a:noFill/>
-          <a:ln>
-            <a:noFill/>
-          </a:ln>
-          <a:effectLst/>
-          <a:extLst>
-            <a:ext uri="{909E8E84-426E-40DD-AFC4-6F175D3DCCD1}">
-              <a14:hiddenFill xmlns:a14="http://schemas.microsoft.com/office/drawing/2010/main">
-                <a:solidFill>
-                  <a:schemeClr val="accent1"/>
-                </a:solidFill>
-              </a14:hiddenFill>
-            </a:ext>
-            <a:ext uri="{91240B29-F687-4F45-9708-019B960494DF}">
-              <a14:hiddenLine xmlns:a14="http://schemas.microsoft.com/office/drawing/2010/main" w="9525">
-                <a:solidFill>
-                  <a:schemeClr val="tx1"/>
-                </a:solidFill>
-                <a:miter lim="800000"/>
-                <a:headEnd/>
-                <a:tailEnd/>
-              </a14:hiddenLine>
-            </a:ext>
-            <a:ext uri="{AF507438-7753-43E0-B8FC-AC1667EBCBE1}">
-              <a14:hiddenEffects xmlns:a14="http://schemas.microsoft.com/office/drawing/2010/main">
-                <a:effectLst>
-                  <a:outerShdw dist="35921" dir="2700000" algn="ctr" rotWithShape="0">
-                    <a:schemeClr val="bg2"/>
-                  </a:outerShdw>
-                </a:effectLst>
-              </a14:hiddenEffects>
-            </a:ext>
-          </a:extLst>
-        </p:spPr>
-      </p:pic>
-      <p:sp>
-        <p:nvSpPr>
-          <p:cNvPr id="2" name="TextBox 1"/>
-          <p:cNvSpPr txBox="1"/>
-          <p:nvPr/>
-        </p:nvSpPr>
-        <p:spPr>
-          <a:xfrm>
-            <a:off x="395535" y="142845"/>
-            <a:ext cx="8348415" cy="400110"/>
-          </a:xfrm>
-          <a:prstGeom prst="rect">
-            <a:avLst/>
-          </a:prstGeom>
-          <a:noFill/>
-        </p:spPr>
-        <p:txBody>
-          <a:bodyPr wrap="square" rtlCol="0">
-            <a:spAutoFit/>
-          </a:bodyPr>
-          <a:lstStyle/>
-          <a:p>
-            <a:r>
-              <a:rPr lang="zh-CN" altLang="en-US" sz="2000" b="1" dirty="0">
-                <a:solidFill>
-                  <a:srgbClr val="FFFFFF"/>
-                </a:solidFill>
-                <a:effectLst>
-                  <a:outerShdw blurRad="38100" dist="38100" dir="2700000" algn="tl">
-                    <a:srgbClr val="000000">
-                      <a:alpha val="43137"/>
-                    </a:srgbClr>
-                  </a:outerShdw>
-                </a:effectLst>
-                <a:latin typeface="微软雅黑" pitchFamily="34" charset="-122"/>
-                <a:ea typeface="微软雅黑" pitchFamily="34" charset="-122"/>
-              </a:rPr>
-              <a:t>相关性分析 ＆ 调和曲线</a:t>
-            </a:r>
-          </a:p>
-        </p:txBody>
-      </p:sp>
-      <p:sp>
-        <p:nvSpPr>
-          <p:cNvPr id="7" name="矩形 6"/>
-          <p:cNvSpPr/>
-          <p:nvPr/>
-        </p:nvSpPr>
-        <p:spPr>
-          <a:xfrm>
-            <a:off x="0" y="6789944"/>
-            <a:ext cx="9144000" cy="68056"/>
-          </a:xfrm>
-          <a:prstGeom prst="rect">
-            <a:avLst/>
-          </a:prstGeom>
-          <a:solidFill>
-            <a:srgbClr val="415D7B"/>
-          </a:solidFill>
+          <a:gradFill>
+            <a:gsLst>
+              <a:gs pos="0">
+                <a:srgbClr val="405F7C">
+                  <a:alpha val="85000"/>
+                </a:srgbClr>
+              </a:gs>
+              <a:gs pos="50000">
+                <a:srgbClr val="4A698C">
+                  <a:alpha val="95000"/>
+                </a:srgbClr>
+              </a:gs>
+              <a:gs pos="100000">
+                <a:srgbClr val="415D7B">
+                  <a:alpha val="95000"/>
+                </a:srgbClr>
+              </a:gs>
+            </a:gsLst>
+            <a:lin ang="5400000" scaled="0"/>
+          </a:gradFill>
           <a:ln>
             <a:noFill/>
           </a:ln>
@@ -13258,505 +7950,92 @@
       </p:sp>
       <p:sp>
         <p:nvSpPr>
-          <p:cNvPr id="3" name="灯片编号占位符 2"/>
-          <p:cNvSpPr>
-            <a:spLocks noGrp="1"/>
-          </p:cNvSpPr>
-          <p:nvPr>
-            <p:ph type="sldNum" sz="quarter" idx="12"/>
-          </p:nvPr>
-        </p:nvSpPr>
-        <p:spPr/>
-        <p:txBody>
-          <a:bodyPr/>
-          <a:lstStyle/>
-          <a:p>
-            <a:fld id="{0F003B9C-CE26-4D71-B59B-D3ECF06D57F0}" type="slidenum">
-              <a:rPr lang="zh-CN" altLang="en-US" smtClean="0"/>
-              <a:t>9</a:t>
-            </a:fld>
-            <a:endParaRPr lang="zh-CN" altLang="en-US"/>
-          </a:p>
-        </p:txBody>
-      </p:sp>
-      <p:sp>
-        <p:nvSpPr>
-          <p:cNvPr id="10" name="内容占位符 2">
-            <a:extLst>
-              <a:ext uri="{FF2B5EF4-FFF2-40B4-BE49-F238E27FC236}">
-                <a16:creationId xmlns:a16="http://schemas.microsoft.com/office/drawing/2014/main" id="{8CB8B315-5604-4D9F-8DD8-DF612DC9400A}"/>
-              </a:ext>
-            </a:extLst>
-          </p:cNvPr>
-          <p:cNvSpPr txBox="1">
-            <a:spLocks/>
-          </p:cNvSpPr>
+          <p:cNvPr id="20" name="TextBox 19"/>
+          <p:cNvSpPr txBox="1"/>
           <p:nvPr/>
         </p:nvSpPr>
-        <p:spPr bwMode="auto">
+        <p:spPr>
           <a:xfrm>
-            <a:off x="628650" y="1257265"/>
-            <a:ext cx="8037561" cy="5099086"/>
+            <a:off x="3707904" y="2492896"/>
+            <a:ext cx="4392454" cy="707886"/>
           </a:xfrm>
           <a:prstGeom prst="rect">
             <a:avLst/>
           </a:prstGeom>
           <a:noFill/>
-          <a:ln w="9525">
-            <a:noFill/>
-            <a:miter lim="800000"/>
-            <a:headEnd/>
-            <a:tailEnd/>
-          </a:ln>
         </p:spPr>
         <p:txBody>
-          <a:bodyPr vert="horz" wrap="square" lIns="91440" tIns="45720" rIns="91440" bIns="45720" numCol="1" anchor="t" anchorCtr="0" compatLnSpc="1">
-            <a:prstTxWarp prst="textNoShape">
-              <a:avLst/>
-            </a:prstTxWarp>
+          <a:bodyPr wrap="square" rtlCol="0">
+            <a:spAutoFit/>
           </a:bodyPr>
-          <a:lstStyle>
-            <a:lvl1pPr algn="l" rtl="0" eaLnBrk="0" fontAlgn="base" hangingPunct="0">
-              <a:spcBef>
-                <a:spcPct val="20000"/>
-              </a:spcBef>
-              <a:spcAft>
-                <a:spcPct val="0"/>
-              </a:spcAft>
-              <a:buClr>
-                <a:srgbClr val="CC9900"/>
-              </a:buClr>
-              <a:buFont typeface="Wingdings" pitchFamily="2" charset="2"/>
-              <a:buChar char="p"/>
-              <a:defRPr sz="2000" b="0">
-                <a:solidFill>
-                  <a:srgbClr val="4A6784"/>
-                </a:solidFill>
-                <a:latin typeface="微软雅黑" pitchFamily="34" charset="-122"/>
-                <a:ea typeface="微软雅黑" pitchFamily="34" charset="-122"/>
-                <a:cs typeface="+mn-cs"/>
-              </a:defRPr>
-            </a:lvl1pPr>
-            <a:lvl2pPr marL="441325" indent="15875" algn="l" rtl="0" eaLnBrk="0" fontAlgn="base" hangingPunct="0">
-              <a:spcBef>
-                <a:spcPct val="20000"/>
-              </a:spcBef>
-              <a:spcAft>
-                <a:spcPct val="0"/>
-              </a:spcAft>
-              <a:buClr>
-                <a:srgbClr val="CC9900"/>
-              </a:buClr>
-              <a:buFont typeface="Wingdings" pitchFamily="2" charset="2"/>
-              <a:buChar char="Ø"/>
-              <a:defRPr b="0">
-                <a:solidFill>
-                  <a:schemeClr val="tx1"/>
-                </a:solidFill>
-                <a:latin typeface="微软雅黑" pitchFamily="34" charset="-122"/>
-                <a:ea typeface="微软雅黑" pitchFamily="34" charset="-122"/>
-              </a:defRPr>
-            </a:lvl2pPr>
-            <a:lvl3pPr marL="898525" indent="15875" algn="l" rtl="0" eaLnBrk="0" fontAlgn="base" hangingPunct="0">
-              <a:spcBef>
-                <a:spcPct val="20000"/>
-              </a:spcBef>
-              <a:spcAft>
-                <a:spcPct val="0"/>
-              </a:spcAft>
-              <a:buClr>
-                <a:srgbClr val="CC9900"/>
-              </a:buClr>
-              <a:buChar char="•"/>
-              <a:defRPr sz="1600">
-                <a:solidFill>
-                  <a:schemeClr val="tx1"/>
-                </a:solidFill>
-                <a:latin typeface="微软雅黑" pitchFamily="34" charset="-122"/>
-                <a:ea typeface="微软雅黑" pitchFamily="34" charset="-122"/>
-              </a:defRPr>
-            </a:lvl3pPr>
-            <a:lvl4pPr marL="1260475" algn="l" rtl="0" eaLnBrk="0" fontAlgn="base" hangingPunct="0">
-              <a:spcBef>
-                <a:spcPct val="20000"/>
-              </a:spcBef>
-              <a:spcAft>
-                <a:spcPct val="0"/>
-              </a:spcAft>
-              <a:buClr>
-                <a:srgbClr val="CC9900"/>
-              </a:buClr>
-              <a:buChar char="•"/>
-              <a:defRPr sz="1600">
-                <a:solidFill>
-                  <a:schemeClr val="tx1"/>
-                </a:solidFill>
-                <a:latin typeface="微软雅黑" pitchFamily="34" charset="-122"/>
-                <a:ea typeface="微软雅黑" pitchFamily="34" charset="-122"/>
-              </a:defRPr>
-            </a:lvl4pPr>
-            <a:lvl5pPr marL="1703388" algn="l" rtl="0" eaLnBrk="0" fontAlgn="base" hangingPunct="0">
-              <a:spcBef>
-                <a:spcPct val="20000"/>
-              </a:spcBef>
-              <a:spcAft>
-                <a:spcPct val="0"/>
-              </a:spcAft>
-              <a:buClr>
-                <a:srgbClr val="CC9900"/>
-              </a:buClr>
-              <a:buFont typeface="Arial" charset="0"/>
-              <a:buChar char="»"/>
-              <a:defRPr sz="1600">
-                <a:solidFill>
-                  <a:schemeClr val="tx1"/>
-                </a:solidFill>
-                <a:latin typeface="微软雅黑" pitchFamily="34" charset="-122"/>
-                <a:ea typeface="微软雅黑" pitchFamily="34" charset="-122"/>
-              </a:defRPr>
-            </a:lvl5pPr>
-            <a:lvl6pPr marL="2160588" algn="l" rtl="0" fontAlgn="base">
-              <a:spcBef>
-                <a:spcPct val="20000"/>
-              </a:spcBef>
-              <a:spcAft>
-                <a:spcPct val="0"/>
-              </a:spcAft>
-              <a:buClr>
-                <a:srgbClr val="CC9900"/>
-              </a:buClr>
-              <a:buFont typeface="Arial" charset="0"/>
-              <a:buChar char="»"/>
-              <a:defRPr>
-                <a:solidFill>
-                  <a:schemeClr val="tx1"/>
-                </a:solidFill>
-                <a:latin typeface="+mn-lt"/>
-                <a:ea typeface="+mn-ea"/>
-              </a:defRPr>
-            </a:lvl6pPr>
-            <a:lvl7pPr marL="2617788" algn="l" rtl="0" fontAlgn="base">
-              <a:spcBef>
-                <a:spcPct val="20000"/>
-              </a:spcBef>
-              <a:spcAft>
-                <a:spcPct val="0"/>
-              </a:spcAft>
-              <a:buClr>
-                <a:srgbClr val="CC9900"/>
-              </a:buClr>
-              <a:buFont typeface="Arial" charset="0"/>
-              <a:buChar char="»"/>
-              <a:defRPr>
-                <a:solidFill>
-                  <a:schemeClr val="tx1"/>
-                </a:solidFill>
-                <a:latin typeface="+mn-lt"/>
-                <a:ea typeface="+mn-ea"/>
-              </a:defRPr>
-            </a:lvl7pPr>
-            <a:lvl8pPr marL="3074988" algn="l" rtl="0" fontAlgn="base">
-              <a:spcBef>
-                <a:spcPct val="20000"/>
-              </a:spcBef>
-              <a:spcAft>
-                <a:spcPct val="0"/>
-              </a:spcAft>
-              <a:buClr>
-                <a:srgbClr val="CC9900"/>
-              </a:buClr>
-              <a:buFont typeface="Arial" charset="0"/>
-              <a:buChar char="»"/>
-              <a:defRPr>
-                <a:solidFill>
-                  <a:schemeClr val="tx1"/>
-                </a:solidFill>
-                <a:latin typeface="+mn-lt"/>
-                <a:ea typeface="+mn-ea"/>
-              </a:defRPr>
-            </a:lvl8pPr>
-            <a:lvl9pPr marL="3532188" algn="l" rtl="0" fontAlgn="base">
-              <a:spcBef>
-                <a:spcPct val="20000"/>
-              </a:spcBef>
-              <a:spcAft>
-                <a:spcPct val="0"/>
-              </a:spcAft>
-              <a:buClr>
-                <a:srgbClr val="CC9900"/>
-              </a:buClr>
-              <a:buFont typeface="Arial" charset="0"/>
-              <a:buChar char="»"/>
-              <a:defRPr>
-                <a:solidFill>
-                  <a:schemeClr val="tx1"/>
-                </a:solidFill>
-                <a:latin typeface="+mn-lt"/>
-                <a:ea typeface="+mn-ea"/>
-              </a:defRPr>
-            </a:lvl9pPr>
-          </a:lstStyle>
-          <a:p>
-            <a:pPr algn="just"/>
-            <a:r>
-              <a:rPr lang="en-US" altLang="zh-CN" kern="0" dirty="0"/>
-              <a:t>  </a:t>
-            </a:r>
-            <a:r>
-              <a:rPr lang="zh-CN" altLang="en-US" kern="0" dirty="0"/>
-              <a:t>廖源师姐的论文里，</a:t>
-            </a:r>
-            <a:r>
-              <a:rPr lang="en-US" altLang="zh-CN" kern="0" dirty="0"/>
-              <a:t>8</a:t>
-            </a:r>
-            <a:r>
-              <a:rPr lang="zh-CN" altLang="en-US" kern="0" dirty="0"/>
-              <a:t>个测量指标作为特征，因此</a:t>
-            </a:r>
-            <a:r>
-              <a:rPr lang="zh-CN" altLang="en-US" kern="0" dirty="0">
-                <a:solidFill>
-                  <a:srgbClr val="C00000"/>
-                </a:solidFill>
+          <a:lstStyle/>
+          <a:p>
+            <a:pPr algn="r"/>
+            <a:r>
+              <a:rPr lang="zh-CN" altLang="en-US" sz="4000" b="1" dirty="0">
+                <a:solidFill>
+                  <a:srgbClr val="FFFFFF"/>
+                </a:solidFill>
+                <a:effectLst>
+                  <a:outerShdw blurRad="38100" dist="38100" dir="2700000" algn="tl">
+                    <a:srgbClr val="000000">
+                      <a:alpha val="43137"/>
+                    </a:srgbClr>
+                  </a:outerShdw>
+                </a:effectLst>
+                <a:latin typeface="Arial Unicode MS" pitchFamily="34" charset="-122"/>
+                <a:ea typeface="Arial Unicode MS" pitchFamily="34" charset="-122"/>
+                <a:cs typeface="Arial Unicode MS" pitchFamily="34" charset="-122"/>
               </a:rPr>
-              <a:t>每一个样本都有关于</a:t>
-            </a:r>
-            <a:r>
-              <a:rPr lang="en-US" altLang="zh-CN" kern="0" dirty="0">
-                <a:solidFill>
-                  <a:srgbClr val="C00000"/>
-                </a:solidFill>
+              <a:t>谢谢</a:t>
+            </a:r>
+            <a:r>
+              <a:rPr lang="en-US" altLang="zh-CN" sz="4000" b="1" dirty="0">
+                <a:solidFill>
+                  <a:srgbClr val="FFFFFF"/>
+                </a:solidFill>
+                <a:effectLst>
+                  <a:outerShdw blurRad="38100" dist="38100" dir="2700000" algn="tl">
+                    <a:srgbClr val="000000">
+                      <a:alpha val="43137"/>
+                    </a:srgbClr>
+                  </a:outerShdw>
+                </a:effectLst>
+                <a:latin typeface="Arial Unicode MS" pitchFamily="34" charset="-122"/>
+                <a:ea typeface="Arial Unicode MS" pitchFamily="34" charset="-122"/>
+                <a:cs typeface="Arial Unicode MS" pitchFamily="34" charset="-122"/>
               </a:rPr>
-              <a:t>8</a:t>
-            </a:r>
-            <a:r>
-              <a:rPr lang="zh-CN" altLang="en-US" kern="0" dirty="0">
-                <a:solidFill>
-                  <a:srgbClr val="C00000"/>
-                </a:solidFill>
-              </a:rPr>
-              <a:t>个测量指标的数据</a:t>
-            </a:r>
-            <a:endParaRPr lang="en-US" altLang="zh-CN" sz="1800" kern="0" dirty="0">
+              <a:t>!</a:t>
+            </a:r>
+            <a:endParaRPr lang="zh-CN" altLang="en-US" sz="4000" b="1" dirty="0">
               <a:solidFill>
-                <a:srgbClr val="C00000"/>
+                <a:srgbClr val="FFFFFF"/>
               </a:solidFill>
+              <a:effectLst>
+                <a:outerShdw blurRad="38100" dist="38100" dir="2700000" algn="tl">
+                  <a:srgbClr val="000000">
+                    <a:alpha val="43137"/>
+                  </a:srgbClr>
+                </a:outerShdw>
+              </a:effectLst>
+              <a:latin typeface="Arial Unicode MS" pitchFamily="34" charset="-122"/>
+              <a:ea typeface="Arial Unicode MS" pitchFamily="34" charset="-122"/>
+              <a:cs typeface="Arial Unicode MS" pitchFamily="34" charset="-122"/>
             </a:endParaRPr>
-          </a:p>
-          <a:p>
-            <a:pPr algn="just">
-              <a:buNone/>
-            </a:pPr>
-            <a:r>
-              <a:rPr lang="en-US" altLang="zh-CN" sz="1800" kern="0" dirty="0">
-                <a:solidFill>
-                  <a:srgbClr val="C00000"/>
-                </a:solidFill>
-              </a:rPr>
-              <a:t>     </a:t>
-            </a:r>
-            <a:r>
-              <a:rPr lang="zh-CN" altLang="en-US" sz="2000" kern="0" dirty="0">
-                <a:solidFill>
-                  <a:srgbClr val="4A6784"/>
-                </a:solidFill>
-              </a:rPr>
-              <a:t>因此可以得到</a:t>
-            </a:r>
-            <a:r>
-              <a:rPr lang="zh-CN" altLang="en-US" sz="2000" kern="0" dirty="0">
-                <a:solidFill>
-                  <a:srgbClr val="C00000"/>
-                </a:solidFill>
-              </a:rPr>
-              <a:t>特征之间</a:t>
-            </a:r>
-            <a:r>
-              <a:rPr lang="zh-CN" altLang="en-US" sz="2000" kern="0" dirty="0">
-                <a:solidFill>
-                  <a:srgbClr val="4A6784"/>
-                </a:solidFill>
-              </a:rPr>
-              <a:t>的相关性</a:t>
-            </a:r>
-            <a:endParaRPr lang="en-US" altLang="zh-CN" sz="2000" kern="0" dirty="0">
-              <a:solidFill>
-                <a:srgbClr val="4A6784"/>
-              </a:solidFill>
-            </a:endParaRPr>
-          </a:p>
-          <a:p>
-            <a:pPr algn="just"/>
-            <a:endParaRPr lang="en-US" altLang="zh-CN" kern="0" dirty="0"/>
-          </a:p>
-          <a:p>
-            <a:pPr algn="just"/>
-            <a:r>
-              <a:rPr lang="en-US" altLang="zh-CN" kern="0" dirty="0"/>
-              <a:t>  </a:t>
-            </a:r>
-            <a:r>
-              <a:rPr lang="zh-CN" altLang="en-US" kern="0" dirty="0"/>
-              <a:t>在交通事故数据中，事故形态是一个特征，不同的事故</a:t>
-            </a:r>
-            <a:r>
-              <a:rPr lang="zh-CN" altLang="en-US" kern="0" dirty="0">
-                <a:solidFill>
-                  <a:srgbClr val="C00000"/>
-                </a:solidFill>
-              </a:rPr>
-              <a:t>形态属于该特征下的不同种类</a:t>
-            </a:r>
-            <a:endParaRPr lang="en-US" altLang="zh-CN" kern="0" dirty="0">
-              <a:solidFill>
-                <a:srgbClr val="C00000"/>
-              </a:solidFill>
-            </a:endParaRPr>
-          </a:p>
-          <a:p>
-            <a:pPr algn="just">
-              <a:buNone/>
-            </a:pPr>
-            <a:r>
-              <a:rPr lang="en-US" altLang="zh-CN" kern="0" dirty="0"/>
-              <a:t>     </a:t>
-            </a:r>
-            <a:r>
-              <a:rPr lang="zh-CN" altLang="en-US" kern="0" dirty="0"/>
-              <a:t>所以没有办法求得不同事故形态之间的相关性，因为他只能算是</a:t>
-            </a:r>
-            <a:r>
-              <a:rPr lang="zh-CN" altLang="en-US" kern="0" dirty="0">
-                <a:solidFill>
-                  <a:srgbClr val="C00000"/>
-                </a:solidFill>
-              </a:rPr>
-              <a:t>一个特征</a:t>
-            </a:r>
-            <a:endParaRPr lang="en-US" altLang="zh-CN" kern="0" dirty="0">
-              <a:solidFill>
-                <a:srgbClr val="C00000"/>
-              </a:solidFill>
-            </a:endParaRPr>
-          </a:p>
-          <a:p>
-            <a:pPr algn="just">
-              <a:buNone/>
-            </a:pPr>
-            <a:endParaRPr lang="en-US" altLang="zh-CN" kern="0" dirty="0">
-              <a:solidFill>
-                <a:srgbClr val="C00000"/>
-              </a:solidFill>
-            </a:endParaRPr>
-          </a:p>
-          <a:p>
-            <a:pPr algn="just">
-              <a:buNone/>
-            </a:pPr>
-            <a:r>
-              <a:rPr lang="zh-CN" altLang="en-US" kern="0" dirty="0">
-                <a:solidFill>
-                  <a:schemeClr val="tx1"/>
-                </a:solidFill>
-              </a:rPr>
-              <a:t>例如，样本</a:t>
-            </a:r>
-            <a:r>
-              <a:rPr lang="en-US" altLang="zh-CN" kern="0" dirty="0">
-                <a:solidFill>
-                  <a:schemeClr val="tx1"/>
-                </a:solidFill>
-              </a:rPr>
-              <a:t>A</a:t>
-            </a:r>
-            <a:r>
-              <a:rPr lang="zh-CN" altLang="en-US" kern="0" dirty="0">
-                <a:solidFill>
-                  <a:schemeClr val="tx1"/>
-                </a:solidFill>
-              </a:rPr>
-              <a:t>的事故形态是“</a:t>
-            </a:r>
-            <a:r>
-              <a:rPr lang="zh-CN" altLang="zh-CN" dirty="0">
-                <a:solidFill>
-                  <a:schemeClr val="tx1"/>
-                </a:solidFill>
-                <a:cs typeface="Times New Roman" panose="02020603050405020304" pitchFamily="18" charset="0"/>
-              </a:rPr>
-              <a:t>碰撞运动车辆</a:t>
-            </a:r>
-            <a:r>
-              <a:rPr lang="zh-CN" altLang="en-US" kern="0" dirty="0">
-                <a:solidFill>
-                  <a:schemeClr val="tx1"/>
-                </a:solidFill>
-              </a:rPr>
-              <a:t>”，那他必然不会存在其他的事故形态，我们得不到样本</a:t>
-            </a:r>
-            <a:r>
-              <a:rPr lang="en-US" altLang="zh-CN" kern="0" dirty="0">
-                <a:solidFill>
-                  <a:schemeClr val="tx1"/>
-                </a:solidFill>
-              </a:rPr>
-              <a:t>A</a:t>
-            </a:r>
-            <a:r>
-              <a:rPr lang="zh-CN" altLang="en-US" kern="0" dirty="0">
-                <a:solidFill>
-                  <a:schemeClr val="tx1"/>
-                </a:solidFill>
-              </a:rPr>
-              <a:t>关于其他种类事故形态的信息</a:t>
-            </a:r>
-            <a:endParaRPr lang="en-US" altLang="zh-CN" kern="0" dirty="0">
-              <a:solidFill>
-                <a:schemeClr val="tx1"/>
-              </a:solidFill>
-            </a:endParaRPr>
-          </a:p>
-          <a:p>
-            <a:pPr algn="just">
-              <a:buNone/>
-            </a:pPr>
-            <a:endParaRPr lang="en-US" altLang="zh-CN" kern="0" dirty="0"/>
-          </a:p>
-          <a:p>
-            <a:pPr algn="just"/>
-            <a:r>
-              <a:rPr lang="zh-CN" altLang="en-US" kern="0" dirty="0"/>
-              <a:t> 调和曲线也同样无法绘制，因为“事故形态</a:t>
-            </a:r>
-            <a:r>
-              <a:rPr lang="en-US" altLang="zh-CN" kern="0" dirty="0"/>
-              <a:t>”</a:t>
-            </a:r>
-            <a:r>
-              <a:rPr lang="zh-CN" altLang="en-US" kern="0" dirty="0"/>
-              <a:t>只能算是一个特征</a:t>
-            </a:r>
-            <a:endParaRPr lang="en-US" altLang="zh-CN" kern="0" dirty="0"/>
-          </a:p>
-          <a:p>
-            <a:pPr algn="just">
-              <a:buNone/>
-            </a:pPr>
-            <a:endParaRPr lang="en-US" altLang="zh-CN" kern="0" dirty="0"/>
           </a:p>
         </p:txBody>
       </p:sp>
     </p:spTree>
     <p:extLst>
       <p:ext uri="{BB962C8B-B14F-4D97-AF65-F5344CB8AC3E}">
-        <p14:creationId xmlns:p14="http://schemas.microsoft.com/office/powerpoint/2010/main" val="2762611288"/>
+        <p14:creationId xmlns:p14="http://schemas.microsoft.com/office/powerpoint/2010/main" val="2580374432"/>
       </p:ext>
     </p:extLst>
   </p:cSld>
   <p:clrMapOvr>
     <a:masterClrMapping/>
   </p:clrMapOvr>
+  <p:transition advTm="5508"/>
 </p:sld>
 </file>
 

--- a/【阶段性汇报】/20180729/阶段性汇报_赖伟鉴_20180729.pptx
+++ b/【阶段性汇报】/20180729/阶段性汇报_赖伟鉴_20180729.pptx
@@ -5,17 +5,23 @@
     <p:sldMasterId id="2147483660" r:id="rId1"/>
   </p:sldMasterIdLst>
   <p:notesMasterIdLst>
-    <p:notesMasterId r:id="rId10"/>
+    <p:notesMasterId r:id="rId16"/>
   </p:notesMasterIdLst>
   <p:sldIdLst>
     <p:sldId id="357" r:id="rId2"/>
     <p:sldId id="413" r:id="rId3"/>
     <p:sldId id="425" r:id="rId4"/>
     <p:sldId id="428" r:id="rId5"/>
-    <p:sldId id="426" r:id="rId6"/>
-    <p:sldId id="427" r:id="rId7"/>
-    <p:sldId id="429" r:id="rId8"/>
-    <p:sldId id="266" r:id="rId9"/>
+    <p:sldId id="431" r:id="rId6"/>
+    <p:sldId id="432" r:id="rId7"/>
+    <p:sldId id="433" r:id="rId8"/>
+    <p:sldId id="434" r:id="rId9"/>
+    <p:sldId id="436" r:id="rId10"/>
+    <p:sldId id="435" r:id="rId11"/>
+    <p:sldId id="429" r:id="rId12"/>
+    <p:sldId id="438" r:id="rId13"/>
+    <p:sldId id="430" r:id="rId14"/>
+    <p:sldId id="266" r:id="rId15"/>
   </p:sldIdLst>
   <p:sldSz cx="9144000" cy="6858000" type="screen4x3"/>
   <p:notesSz cx="6858000" cy="9144000"/>
@@ -216,7 +222,7 @@
             <a:fld id="{B446C8B3-07E5-47F8-B432-13779F77A583}" type="datetimeFigureOut">
               <a:rPr lang="zh-CN" altLang="en-US" smtClean="0"/>
               <a:pPr/>
-              <a:t>2018/7/30</a:t>
+              <a:t>2018/7/31</a:t>
             </a:fld>
             <a:endParaRPr lang="zh-CN" altLang="en-US"/>
           </a:p>
@@ -568,6 +574,342 @@
 </p:notes>
 </file>
 
+<file path=ppt/notesSlides/notesSlide10.xml><?xml version="1.0" encoding="utf-8"?>
+<p:notes xmlns:a="http://schemas.openxmlformats.org/drawingml/2006/main" xmlns:r="http://schemas.openxmlformats.org/officeDocument/2006/relationships" xmlns:p="http://schemas.openxmlformats.org/presentationml/2006/main">
+  <p:cSld>
+    <p:spTree>
+      <p:nvGrpSpPr>
+        <p:cNvPr id="1" name=""/>
+        <p:cNvGrpSpPr/>
+        <p:nvPr/>
+      </p:nvGrpSpPr>
+      <p:grpSpPr>
+        <a:xfrm>
+          <a:off x="0" y="0"/>
+          <a:ext cx="0" cy="0"/>
+          <a:chOff x="0" y="0"/>
+          <a:chExt cx="0" cy="0"/>
+        </a:xfrm>
+      </p:grpSpPr>
+      <p:sp>
+        <p:nvSpPr>
+          <p:cNvPr id="2" name="幻灯片图像占位符 1"/>
+          <p:cNvSpPr>
+            <a:spLocks noGrp="1" noRot="1" noChangeAspect="1"/>
+          </p:cNvSpPr>
+          <p:nvPr>
+            <p:ph type="sldImg"/>
+          </p:nvPr>
+        </p:nvSpPr>
+        <p:spPr/>
+      </p:sp>
+      <p:sp>
+        <p:nvSpPr>
+          <p:cNvPr id="3" name="备注占位符 2"/>
+          <p:cNvSpPr>
+            <a:spLocks noGrp="1"/>
+          </p:cNvSpPr>
+          <p:nvPr>
+            <p:ph type="body" idx="1"/>
+          </p:nvPr>
+        </p:nvSpPr>
+        <p:spPr/>
+        <p:txBody>
+          <a:bodyPr/>
+          <a:lstStyle/>
+          <a:p>
+            <a:endParaRPr lang="en-US" dirty="0"/>
+          </a:p>
+        </p:txBody>
+      </p:sp>
+      <p:sp>
+        <p:nvSpPr>
+          <p:cNvPr id="4" name="灯片编号占位符 3"/>
+          <p:cNvSpPr>
+            <a:spLocks noGrp="1"/>
+          </p:cNvSpPr>
+          <p:nvPr>
+            <p:ph type="sldNum" sz="quarter" idx="10"/>
+          </p:nvPr>
+        </p:nvSpPr>
+        <p:spPr/>
+        <p:txBody>
+          <a:bodyPr/>
+          <a:lstStyle/>
+          <a:p>
+            <a:fld id="{5AB83771-98C8-4CF2-A2CA-1E9728654814}" type="slidenum">
+              <a:rPr lang="zh-CN" altLang="en-US" smtClean="0"/>
+              <a:t>10</a:t>
+            </a:fld>
+            <a:endParaRPr lang="zh-CN" altLang="en-US"/>
+          </a:p>
+        </p:txBody>
+      </p:sp>
+    </p:spTree>
+    <p:extLst>
+      <p:ext uri="{BB962C8B-B14F-4D97-AF65-F5344CB8AC3E}">
+        <p14:creationId xmlns:p14="http://schemas.microsoft.com/office/powerpoint/2010/main" val="4203017834"/>
+      </p:ext>
+    </p:extLst>
+  </p:cSld>
+  <p:clrMapOvr>
+    <a:masterClrMapping/>
+  </p:clrMapOvr>
+</p:notes>
+</file>
+
+<file path=ppt/notesSlides/notesSlide11.xml><?xml version="1.0" encoding="utf-8"?>
+<p:notes xmlns:a="http://schemas.openxmlformats.org/drawingml/2006/main" xmlns:r="http://schemas.openxmlformats.org/officeDocument/2006/relationships" xmlns:p="http://schemas.openxmlformats.org/presentationml/2006/main">
+  <p:cSld>
+    <p:spTree>
+      <p:nvGrpSpPr>
+        <p:cNvPr id="1" name=""/>
+        <p:cNvGrpSpPr/>
+        <p:nvPr/>
+      </p:nvGrpSpPr>
+      <p:grpSpPr>
+        <a:xfrm>
+          <a:off x="0" y="0"/>
+          <a:ext cx="0" cy="0"/>
+          <a:chOff x="0" y="0"/>
+          <a:chExt cx="0" cy="0"/>
+        </a:xfrm>
+      </p:grpSpPr>
+      <p:sp>
+        <p:nvSpPr>
+          <p:cNvPr id="2" name="幻灯片图像占位符 1"/>
+          <p:cNvSpPr>
+            <a:spLocks noGrp="1" noRot="1" noChangeAspect="1"/>
+          </p:cNvSpPr>
+          <p:nvPr>
+            <p:ph type="sldImg"/>
+          </p:nvPr>
+        </p:nvSpPr>
+        <p:spPr/>
+      </p:sp>
+      <p:sp>
+        <p:nvSpPr>
+          <p:cNvPr id="3" name="备注占位符 2"/>
+          <p:cNvSpPr>
+            <a:spLocks noGrp="1"/>
+          </p:cNvSpPr>
+          <p:nvPr>
+            <p:ph type="body" idx="1"/>
+          </p:nvPr>
+        </p:nvSpPr>
+        <p:spPr/>
+        <p:txBody>
+          <a:bodyPr/>
+          <a:lstStyle/>
+          <a:p>
+            <a:endParaRPr lang="en-US" dirty="0"/>
+          </a:p>
+        </p:txBody>
+      </p:sp>
+      <p:sp>
+        <p:nvSpPr>
+          <p:cNvPr id="4" name="灯片编号占位符 3"/>
+          <p:cNvSpPr>
+            <a:spLocks noGrp="1"/>
+          </p:cNvSpPr>
+          <p:nvPr>
+            <p:ph type="sldNum" sz="quarter" idx="10"/>
+          </p:nvPr>
+        </p:nvSpPr>
+        <p:spPr/>
+        <p:txBody>
+          <a:bodyPr/>
+          <a:lstStyle/>
+          <a:p>
+            <a:fld id="{5AB83771-98C8-4CF2-A2CA-1E9728654814}" type="slidenum">
+              <a:rPr lang="zh-CN" altLang="en-US" smtClean="0"/>
+              <a:t>11</a:t>
+            </a:fld>
+            <a:endParaRPr lang="zh-CN" altLang="en-US"/>
+          </a:p>
+        </p:txBody>
+      </p:sp>
+    </p:spTree>
+    <p:extLst>
+      <p:ext uri="{BB962C8B-B14F-4D97-AF65-F5344CB8AC3E}">
+        <p14:creationId xmlns:p14="http://schemas.microsoft.com/office/powerpoint/2010/main" val="2656050892"/>
+      </p:ext>
+    </p:extLst>
+  </p:cSld>
+  <p:clrMapOvr>
+    <a:masterClrMapping/>
+  </p:clrMapOvr>
+</p:notes>
+</file>
+
+<file path=ppt/notesSlides/notesSlide12.xml><?xml version="1.0" encoding="utf-8"?>
+<p:notes xmlns:a="http://schemas.openxmlformats.org/drawingml/2006/main" xmlns:r="http://schemas.openxmlformats.org/officeDocument/2006/relationships" xmlns:p="http://schemas.openxmlformats.org/presentationml/2006/main">
+  <p:cSld>
+    <p:spTree>
+      <p:nvGrpSpPr>
+        <p:cNvPr id="1" name=""/>
+        <p:cNvGrpSpPr/>
+        <p:nvPr/>
+      </p:nvGrpSpPr>
+      <p:grpSpPr>
+        <a:xfrm>
+          <a:off x="0" y="0"/>
+          <a:ext cx="0" cy="0"/>
+          <a:chOff x="0" y="0"/>
+          <a:chExt cx="0" cy="0"/>
+        </a:xfrm>
+      </p:grpSpPr>
+      <p:sp>
+        <p:nvSpPr>
+          <p:cNvPr id="2" name="幻灯片图像占位符 1"/>
+          <p:cNvSpPr>
+            <a:spLocks noGrp="1" noRot="1" noChangeAspect="1"/>
+          </p:cNvSpPr>
+          <p:nvPr>
+            <p:ph type="sldImg"/>
+          </p:nvPr>
+        </p:nvSpPr>
+        <p:spPr/>
+      </p:sp>
+      <p:sp>
+        <p:nvSpPr>
+          <p:cNvPr id="3" name="备注占位符 2"/>
+          <p:cNvSpPr>
+            <a:spLocks noGrp="1"/>
+          </p:cNvSpPr>
+          <p:nvPr>
+            <p:ph type="body" idx="1"/>
+          </p:nvPr>
+        </p:nvSpPr>
+        <p:spPr/>
+        <p:txBody>
+          <a:bodyPr/>
+          <a:lstStyle/>
+          <a:p>
+            <a:endParaRPr lang="en-US" dirty="0"/>
+          </a:p>
+        </p:txBody>
+      </p:sp>
+      <p:sp>
+        <p:nvSpPr>
+          <p:cNvPr id="4" name="灯片编号占位符 3"/>
+          <p:cNvSpPr>
+            <a:spLocks noGrp="1"/>
+          </p:cNvSpPr>
+          <p:nvPr>
+            <p:ph type="sldNum" sz="quarter" idx="10"/>
+          </p:nvPr>
+        </p:nvSpPr>
+        <p:spPr/>
+        <p:txBody>
+          <a:bodyPr/>
+          <a:lstStyle/>
+          <a:p>
+            <a:fld id="{5AB83771-98C8-4CF2-A2CA-1E9728654814}" type="slidenum">
+              <a:rPr lang="zh-CN" altLang="en-US" smtClean="0"/>
+              <a:t>12</a:t>
+            </a:fld>
+            <a:endParaRPr lang="zh-CN" altLang="en-US"/>
+          </a:p>
+        </p:txBody>
+      </p:sp>
+    </p:spTree>
+    <p:extLst>
+      <p:ext uri="{BB962C8B-B14F-4D97-AF65-F5344CB8AC3E}">
+        <p14:creationId xmlns:p14="http://schemas.microsoft.com/office/powerpoint/2010/main" val="3700747118"/>
+      </p:ext>
+    </p:extLst>
+  </p:cSld>
+  <p:clrMapOvr>
+    <a:masterClrMapping/>
+  </p:clrMapOvr>
+</p:notes>
+</file>
+
+<file path=ppt/notesSlides/notesSlide13.xml><?xml version="1.0" encoding="utf-8"?>
+<p:notes xmlns:a="http://schemas.openxmlformats.org/drawingml/2006/main" xmlns:r="http://schemas.openxmlformats.org/officeDocument/2006/relationships" xmlns:p="http://schemas.openxmlformats.org/presentationml/2006/main">
+  <p:cSld>
+    <p:spTree>
+      <p:nvGrpSpPr>
+        <p:cNvPr id="1" name=""/>
+        <p:cNvGrpSpPr/>
+        <p:nvPr/>
+      </p:nvGrpSpPr>
+      <p:grpSpPr>
+        <a:xfrm>
+          <a:off x="0" y="0"/>
+          <a:ext cx="0" cy="0"/>
+          <a:chOff x="0" y="0"/>
+          <a:chExt cx="0" cy="0"/>
+        </a:xfrm>
+      </p:grpSpPr>
+      <p:sp>
+        <p:nvSpPr>
+          <p:cNvPr id="2" name="幻灯片图像占位符 1"/>
+          <p:cNvSpPr>
+            <a:spLocks noGrp="1" noRot="1" noChangeAspect="1"/>
+          </p:cNvSpPr>
+          <p:nvPr>
+            <p:ph type="sldImg"/>
+          </p:nvPr>
+        </p:nvSpPr>
+        <p:spPr/>
+      </p:sp>
+      <p:sp>
+        <p:nvSpPr>
+          <p:cNvPr id="3" name="备注占位符 2"/>
+          <p:cNvSpPr>
+            <a:spLocks noGrp="1"/>
+          </p:cNvSpPr>
+          <p:nvPr>
+            <p:ph type="body" idx="1"/>
+          </p:nvPr>
+        </p:nvSpPr>
+        <p:spPr/>
+        <p:txBody>
+          <a:bodyPr/>
+          <a:lstStyle/>
+          <a:p>
+            <a:endParaRPr lang="en-US" dirty="0"/>
+          </a:p>
+        </p:txBody>
+      </p:sp>
+      <p:sp>
+        <p:nvSpPr>
+          <p:cNvPr id="4" name="灯片编号占位符 3"/>
+          <p:cNvSpPr>
+            <a:spLocks noGrp="1"/>
+          </p:cNvSpPr>
+          <p:nvPr>
+            <p:ph type="sldNum" sz="quarter" idx="10"/>
+          </p:nvPr>
+        </p:nvSpPr>
+        <p:spPr/>
+        <p:txBody>
+          <a:bodyPr/>
+          <a:lstStyle/>
+          <a:p>
+            <a:fld id="{5AB83771-98C8-4CF2-A2CA-1E9728654814}" type="slidenum">
+              <a:rPr lang="zh-CN" altLang="en-US" smtClean="0"/>
+              <a:t>13</a:t>
+            </a:fld>
+            <a:endParaRPr lang="zh-CN" altLang="en-US"/>
+          </a:p>
+        </p:txBody>
+      </p:sp>
+    </p:spTree>
+    <p:extLst>
+      <p:ext uri="{BB962C8B-B14F-4D97-AF65-F5344CB8AC3E}">
+        <p14:creationId xmlns:p14="http://schemas.microsoft.com/office/powerpoint/2010/main" val="1333343015"/>
+      </p:ext>
+    </p:extLst>
+  </p:cSld>
+  <p:clrMapOvr>
+    <a:masterClrMapping/>
+  </p:clrMapOvr>
+</p:notes>
+</file>
+
 <file path=ppt/notesSlides/notesSlide2.xml><?xml version="1.0" encoding="utf-8"?>
 <p:notes xmlns:a="http://schemas.openxmlformats.org/drawingml/2006/main" xmlns:r="http://schemas.openxmlformats.org/officeDocument/2006/relationships" xmlns:p="http://schemas.openxmlformats.org/presentationml/2006/main">
   <p:cSld>
@@ -894,7 +1236,7 @@
     </p:spTree>
     <p:extLst>
       <p:ext uri="{BB962C8B-B14F-4D97-AF65-F5344CB8AC3E}">
-        <p14:creationId xmlns:p14="http://schemas.microsoft.com/office/powerpoint/2010/main" val="1253733652"/>
+        <p14:creationId xmlns:p14="http://schemas.microsoft.com/office/powerpoint/2010/main" val="1310854928"/>
       </p:ext>
     </p:extLst>
   </p:cSld>
@@ -978,7 +1320,7 @@
     </p:spTree>
     <p:extLst>
       <p:ext uri="{BB962C8B-B14F-4D97-AF65-F5344CB8AC3E}">
-        <p14:creationId xmlns:p14="http://schemas.microsoft.com/office/powerpoint/2010/main" val="1502246145"/>
+        <p14:creationId xmlns:p14="http://schemas.microsoft.com/office/powerpoint/2010/main" val="3465191732"/>
       </p:ext>
     </p:extLst>
   </p:cSld>
@@ -1062,7 +1404,175 @@
     </p:spTree>
     <p:extLst>
       <p:ext uri="{BB962C8B-B14F-4D97-AF65-F5344CB8AC3E}">
-        <p14:creationId xmlns:p14="http://schemas.microsoft.com/office/powerpoint/2010/main" val="2656050892"/>
+        <p14:creationId xmlns:p14="http://schemas.microsoft.com/office/powerpoint/2010/main" val="1061533763"/>
+      </p:ext>
+    </p:extLst>
+  </p:cSld>
+  <p:clrMapOvr>
+    <a:masterClrMapping/>
+  </p:clrMapOvr>
+</p:notes>
+</file>
+
+<file path=ppt/notesSlides/notesSlide8.xml><?xml version="1.0" encoding="utf-8"?>
+<p:notes xmlns:a="http://schemas.openxmlformats.org/drawingml/2006/main" xmlns:r="http://schemas.openxmlformats.org/officeDocument/2006/relationships" xmlns:p="http://schemas.openxmlformats.org/presentationml/2006/main">
+  <p:cSld>
+    <p:spTree>
+      <p:nvGrpSpPr>
+        <p:cNvPr id="1" name=""/>
+        <p:cNvGrpSpPr/>
+        <p:nvPr/>
+      </p:nvGrpSpPr>
+      <p:grpSpPr>
+        <a:xfrm>
+          <a:off x="0" y="0"/>
+          <a:ext cx="0" cy="0"/>
+          <a:chOff x="0" y="0"/>
+          <a:chExt cx="0" cy="0"/>
+        </a:xfrm>
+      </p:grpSpPr>
+      <p:sp>
+        <p:nvSpPr>
+          <p:cNvPr id="2" name="幻灯片图像占位符 1"/>
+          <p:cNvSpPr>
+            <a:spLocks noGrp="1" noRot="1" noChangeAspect="1"/>
+          </p:cNvSpPr>
+          <p:nvPr>
+            <p:ph type="sldImg"/>
+          </p:nvPr>
+        </p:nvSpPr>
+        <p:spPr/>
+      </p:sp>
+      <p:sp>
+        <p:nvSpPr>
+          <p:cNvPr id="3" name="备注占位符 2"/>
+          <p:cNvSpPr>
+            <a:spLocks noGrp="1"/>
+          </p:cNvSpPr>
+          <p:nvPr>
+            <p:ph type="body" idx="1"/>
+          </p:nvPr>
+        </p:nvSpPr>
+        <p:spPr/>
+        <p:txBody>
+          <a:bodyPr/>
+          <a:lstStyle/>
+          <a:p>
+            <a:endParaRPr lang="en-US" dirty="0"/>
+          </a:p>
+        </p:txBody>
+      </p:sp>
+      <p:sp>
+        <p:nvSpPr>
+          <p:cNvPr id="4" name="灯片编号占位符 3"/>
+          <p:cNvSpPr>
+            <a:spLocks noGrp="1"/>
+          </p:cNvSpPr>
+          <p:nvPr>
+            <p:ph type="sldNum" sz="quarter" idx="10"/>
+          </p:nvPr>
+        </p:nvSpPr>
+        <p:spPr/>
+        <p:txBody>
+          <a:bodyPr/>
+          <a:lstStyle/>
+          <a:p>
+            <a:fld id="{5AB83771-98C8-4CF2-A2CA-1E9728654814}" type="slidenum">
+              <a:rPr lang="zh-CN" altLang="en-US" smtClean="0"/>
+              <a:t>8</a:t>
+            </a:fld>
+            <a:endParaRPr lang="zh-CN" altLang="en-US"/>
+          </a:p>
+        </p:txBody>
+      </p:sp>
+    </p:spTree>
+    <p:extLst>
+      <p:ext uri="{BB962C8B-B14F-4D97-AF65-F5344CB8AC3E}">
+        <p14:creationId xmlns:p14="http://schemas.microsoft.com/office/powerpoint/2010/main" val="379878296"/>
+      </p:ext>
+    </p:extLst>
+  </p:cSld>
+  <p:clrMapOvr>
+    <a:masterClrMapping/>
+  </p:clrMapOvr>
+</p:notes>
+</file>
+
+<file path=ppt/notesSlides/notesSlide9.xml><?xml version="1.0" encoding="utf-8"?>
+<p:notes xmlns:a="http://schemas.openxmlformats.org/drawingml/2006/main" xmlns:r="http://schemas.openxmlformats.org/officeDocument/2006/relationships" xmlns:p="http://schemas.openxmlformats.org/presentationml/2006/main">
+  <p:cSld>
+    <p:spTree>
+      <p:nvGrpSpPr>
+        <p:cNvPr id="1" name=""/>
+        <p:cNvGrpSpPr/>
+        <p:nvPr/>
+      </p:nvGrpSpPr>
+      <p:grpSpPr>
+        <a:xfrm>
+          <a:off x="0" y="0"/>
+          <a:ext cx="0" cy="0"/>
+          <a:chOff x="0" y="0"/>
+          <a:chExt cx="0" cy="0"/>
+        </a:xfrm>
+      </p:grpSpPr>
+      <p:sp>
+        <p:nvSpPr>
+          <p:cNvPr id="2" name="幻灯片图像占位符 1"/>
+          <p:cNvSpPr>
+            <a:spLocks noGrp="1" noRot="1" noChangeAspect="1"/>
+          </p:cNvSpPr>
+          <p:nvPr>
+            <p:ph type="sldImg"/>
+          </p:nvPr>
+        </p:nvSpPr>
+        <p:spPr/>
+      </p:sp>
+      <p:sp>
+        <p:nvSpPr>
+          <p:cNvPr id="3" name="备注占位符 2"/>
+          <p:cNvSpPr>
+            <a:spLocks noGrp="1"/>
+          </p:cNvSpPr>
+          <p:nvPr>
+            <p:ph type="body" idx="1"/>
+          </p:nvPr>
+        </p:nvSpPr>
+        <p:spPr/>
+        <p:txBody>
+          <a:bodyPr/>
+          <a:lstStyle/>
+          <a:p>
+            <a:endParaRPr lang="en-US" dirty="0"/>
+          </a:p>
+        </p:txBody>
+      </p:sp>
+      <p:sp>
+        <p:nvSpPr>
+          <p:cNvPr id="4" name="灯片编号占位符 3"/>
+          <p:cNvSpPr>
+            <a:spLocks noGrp="1"/>
+          </p:cNvSpPr>
+          <p:nvPr>
+            <p:ph type="sldNum" sz="quarter" idx="10"/>
+          </p:nvPr>
+        </p:nvSpPr>
+        <p:spPr/>
+        <p:txBody>
+          <a:bodyPr/>
+          <a:lstStyle/>
+          <a:p>
+            <a:fld id="{5AB83771-98C8-4CF2-A2CA-1E9728654814}" type="slidenum">
+              <a:rPr lang="zh-CN" altLang="en-US" smtClean="0"/>
+              <a:t>9</a:t>
+            </a:fld>
+            <a:endParaRPr lang="zh-CN" altLang="en-US"/>
+          </a:p>
+        </p:txBody>
+      </p:sp>
+    </p:spTree>
+    <p:extLst>
+      <p:ext uri="{BB962C8B-B14F-4D97-AF65-F5344CB8AC3E}">
+        <p14:creationId xmlns:p14="http://schemas.microsoft.com/office/powerpoint/2010/main" val="3224267352"/>
       </p:ext>
     </p:extLst>
   </p:cSld>
@@ -1204,7 +1714,7 @@
             <a:fld id="{05E74CF1-FEDE-4305-BA5A-E279929D0518}" type="datetimeFigureOut">
               <a:rPr lang="zh-CN" altLang="en-US" smtClean="0"/>
               <a:pPr/>
-              <a:t>2018/7/30</a:t>
+              <a:t>2018/7/31</a:t>
             </a:fld>
             <a:endParaRPr lang="zh-CN" altLang="en-US"/>
           </a:p>
@@ -1376,7 +1886,7 @@
             <a:fld id="{05E74CF1-FEDE-4305-BA5A-E279929D0518}" type="datetimeFigureOut">
               <a:rPr lang="zh-CN" altLang="en-US" smtClean="0"/>
               <a:pPr/>
-              <a:t>2018/7/30</a:t>
+              <a:t>2018/7/31</a:t>
             </a:fld>
             <a:endParaRPr lang="zh-CN" altLang="en-US"/>
           </a:p>
@@ -1558,7 +2068,7 @@
             <a:fld id="{05E74CF1-FEDE-4305-BA5A-E279929D0518}" type="datetimeFigureOut">
               <a:rPr lang="zh-CN" altLang="en-US" smtClean="0"/>
               <a:pPr/>
-              <a:t>2018/7/30</a:t>
+              <a:t>2018/7/31</a:t>
             </a:fld>
             <a:endParaRPr lang="zh-CN" altLang="en-US"/>
           </a:p>
@@ -1730,7 +2240,7 @@
             <a:fld id="{05E74CF1-FEDE-4305-BA5A-E279929D0518}" type="datetimeFigureOut">
               <a:rPr lang="zh-CN" altLang="en-US" smtClean="0"/>
               <a:pPr/>
-              <a:t>2018/7/30</a:t>
+              <a:t>2018/7/31</a:t>
             </a:fld>
             <a:endParaRPr lang="zh-CN" altLang="en-US"/>
           </a:p>
@@ -1976,7 +2486,7 @@
             <a:fld id="{05E74CF1-FEDE-4305-BA5A-E279929D0518}" type="datetimeFigureOut">
               <a:rPr lang="zh-CN" altLang="en-US" smtClean="0"/>
               <a:pPr/>
-              <a:t>2018/7/30</a:t>
+              <a:t>2018/7/31</a:t>
             </a:fld>
             <a:endParaRPr lang="zh-CN" altLang="en-US"/>
           </a:p>
@@ -2210,7 +2720,7 @@
             <a:fld id="{05E74CF1-FEDE-4305-BA5A-E279929D0518}" type="datetimeFigureOut">
               <a:rPr lang="zh-CN" altLang="en-US" smtClean="0"/>
               <a:pPr/>
-              <a:t>2018/7/30</a:t>
+              <a:t>2018/7/31</a:t>
             </a:fld>
             <a:endParaRPr lang="zh-CN" altLang="en-US"/>
           </a:p>
@@ -2579,7 +3089,7 @@
             <a:fld id="{05E74CF1-FEDE-4305-BA5A-E279929D0518}" type="datetimeFigureOut">
               <a:rPr lang="zh-CN" altLang="en-US" smtClean="0"/>
               <a:pPr/>
-              <a:t>2018/7/30</a:t>
+              <a:t>2018/7/31</a:t>
             </a:fld>
             <a:endParaRPr lang="zh-CN" altLang="en-US"/>
           </a:p>
@@ -2699,7 +3209,7 @@
             <a:fld id="{05E74CF1-FEDE-4305-BA5A-E279929D0518}" type="datetimeFigureOut">
               <a:rPr lang="zh-CN" altLang="en-US" smtClean="0"/>
               <a:pPr/>
-              <a:t>2018/7/30</a:t>
+              <a:t>2018/7/31</a:t>
             </a:fld>
             <a:endParaRPr lang="zh-CN" altLang="en-US"/>
           </a:p>
@@ -2796,7 +3306,7 @@
             <a:fld id="{05E74CF1-FEDE-4305-BA5A-E279929D0518}" type="datetimeFigureOut">
               <a:rPr lang="zh-CN" altLang="en-US" smtClean="0"/>
               <a:pPr/>
-              <a:t>2018/7/30</a:t>
+              <a:t>2018/7/31</a:t>
             </a:fld>
             <a:endParaRPr lang="zh-CN" altLang="en-US"/>
           </a:p>
@@ -3075,7 +3585,7 @@
             <a:fld id="{05E74CF1-FEDE-4305-BA5A-E279929D0518}" type="datetimeFigureOut">
               <a:rPr lang="zh-CN" altLang="en-US" smtClean="0"/>
               <a:pPr/>
-              <a:t>2018/7/30</a:t>
+              <a:t>2018/7/31</a:t>
             </a:fld>
             <a:endParaRPr lang="zh-CN" altLang="en-US"/>
           </a:p>
@@ -3334,7 +3844,7 @@
             <a:fld id="{05E74CF1-FEDE-4305-BA5A-E279929D0518}" type="datetimeFigureOut">
               <a:rPr lang="zh-CN" altLang="en-US" smtClean="0"/>
               <a:pPr/>
-              <a:t>2018/7/30</a:t>
+              <a:t>2018/7/31</a:t>
             </a:fld>
             <a:endParaRPr lang="zh-CN" altLang="en-US"/>
           </a:p>
@@ -3549,7 +4059,7 @@
             <a:fld id="{05E74CF1-FEDE-4305-BA5A-E279929D0518}" type="datetimeFigureOut">
               <a:rPr lang="zh-CN" altLang="en-US" smtClean="0"/>
               <a:pPr/>
-              <a:t>2018/7/30</a:t>
+              <a:t>2018/7/31</a:t>
             </a:fld>
             <a:endParaRPr lang="zh-CN" altLang="en-US"/>
           </a:p>
@@ -4463,6 +4973,3380 @@
 </p:sld>
 </file>
 
+<file path=ppt/slides/slide10.xml><?xml version="1.0" encoding="utf-8"?>
+<p:sld xmlns:a="http://schemas.openxmlformats.org/drawingml/2006/main" xmlns:r="http://schemas.openxmlformats.org/officeDocument/2006/relationships" xmlns:p="http://schemas.openxmlformats.org/presentationml/2006/main">
+  <p:cSld>
+    <p:spTree>
+      <p:nvGrpSpPr>
+        <p:cNvPr id="1" name=""/>
+        <p:cNvGrpSpPr/>
+        <p:nvPr/>
+      </p:nvGrpSpPr>
+      <p:grpSpPr>
+        <a:xfrm>
+          <a:off x="0" y="0"/>
+          <a:ext cx="0" cy="0"/>
+          <a:chOff x="0" y="0"/>
+          <a:chExt cx="0" cy="0"/>
+        </a:xfrm>
+      </p:grpSpPr>
+      <p:pic>
+        <p:nvPicPr>
+          <p:cNvPr id="1030" name="Picture 6"/>
+          <p:cNvPicPr>
+            <a:picLocks noChangeAspect="1" noChangeArrowheads="1"/>
+          </p:cNvPicPr>
+          <p:nvPr/>
+        </p:nvPicPr>
+        <p:blipFill>
+          <a:blip r:embed="rId3">
+            <a:extLst>
+              <a:ext uri="{28A0092B-C50C-407E-A947-70E740481C1C}">
+                <a14:useLocalDpi xmlns:a14="http://schemas.microsoft.com/office/drawing/2010/main" val="0"/>
+              </a:ext>
+            </a:extLst>
+          </a:blip>
+          <a:srcRect/>
+          <a:stretch>
+            <a:fillRect/>
+          </a:stretch>
+        </p:blipFill>
+        <p:spPr bwMode="auto">
+          <a:xfrm>
+            <a:off x="0" y="0"/>
+            <a:ext cx="9144000" cy="685800"/>
+          </a:xfrm>
+          <a:prstGeom prst="rect">
+            <a:avLst/>
+          </a:prstGeom>
+          <a:noFill/>
+          <a:ln>
+            <a:noFill/>
+          </a:ln>
+          <a:effectLst/>
+          <a:extLst>
+            <a:ext uri="{909E8E84-426E-40DD-AFC4-6F175D3DCCD1}">
+              <a14:hiddenFill xmlns:a14="http://schemas.microsoft.com/office/drawing/2010/main">
+                <a:solidFill>
+                  <a:schemeClr val="accent1"/>
+                </a:solidFill>
+              </a14:hiddenFill>
+            </a:ext>
+            <a:ext uri="{91240B29-F687-4F45-9708-019B960494DF}">
+              <a14:hiddenLine xmlns:a14="http://schemas.microsoft.com/office/drawing/2010/main" w="9525">
+                <a:solidFill>
+                  <a:schemeClr val="tx1"/>
+                </a:solidFill>
+                <a:miter lim="800000"/>
+                <a:headEnd/>
+                <a:tailEnd/>
+              </a14:hiddenLine>
+            </a:ext>
+            <a:ext uri="{AF507438-7753-43E0-B8FC-AC1667EBCBE1}">
+              <a14:hiddenEffects xmlns:a14="http://schemas.microsoft.com/office/drawing/2010/main">
+                <a:effectLst>
+                  <a:outerShdw dist="35921" dir="2700000" algn="ctr" rotWithShape="0">
+                    <a:schemeClr val="bg2"/>
+                  </a:outerShdw>
+                </a:effectLst>
+              </a14:hiddenEffects>
+            </a:ext>
+          </a:extLst>
+        </p:spPr>
+      </p:pic>
+      <p:sp>
+        <p:nvSpPr>
+          <p:cNvPr id="2" name="TextBox 1"/>
+          <p:cNvSpPr txBox="1"/>
+          <p:nvPr/>
+        </p:nvSpPr>
+        <p:spPr>
+          <a:xfrm>
+            <a:off x="395535" y="142845"/>
+            <a:ext cx="8348415" cy="400110"/>
+          </a:xfrm>
+          <a:prstGeom prst="rect">
+            <a:avLst/>
+          </a:prstGeom>
+          <a:noFill/>
+        </p:spPr>
+        <p:txBody>
+          <a:bodyPr wrap="square" rtlCol="0">
+            <a:spAutoFit/>
+          </a:bodyPr>
+          <a:lstStyle/>
+          <a:p>
+            <a:r>
+              <a:rPr lang="zh-CN" altLang="en-US" sz="2000" b="1" dirty="0">
+                <a:solidFill>
+                  <a:srgbClr val="FFFFFF"/>
+                </a:solidFill>
+                <a:effectLst>
+                  <a:outerShdw blurRad="38100" dist="38100" dir="2700000" algn="tl">
+                    <a:srgbClr val="000000">
+                      <a:alpha val="43137"/>
+                    </a:srgbClr>
+                  </a:outerShdw>
+                </a:effectLst>
+                <a:latin typeface="微软雅黑" pitchFamily="34" charset="-122"/>
+                <a:ea typeface="微软雅黑" pitchFamily="34" charset="-122"/>
+              </a:rPr>
+              <a:t>调和曲线</a:t>
+            </a:r>
+          </a:p>
+        </p:txBody>
+      </p:sp>
+      <p:sp>
+        <p:nvSpPr>
+          <p:cNvPr id="7" name="矩形 6"/>
+          <p:cNvSpPr/>
+          <p:nvPr/>
+        </p:nvSpPr>
+        <p:spPr>
+          <a:xfrm>
+            <a:off x="0" y="6789944"/>
+            <a:ext cx="9144000" cy="68056"/>
+          </a:xfrm>
+          <a:prstGeom prst="rect">
+            <a:avLst/>
+          </a:prstGeom>
+          <a:solidFill>
+            <a:srgbClr val="415D7B"/>
+          </a:solidFill>
+          <a:ln>
+            <a:noFill/>
+          </a:ln>
+        </p:spPr>
+        <p:style>
+          <a:lnRef idx="2">
+            <a:schemeClr val="accent1">
+              <a:shade val="50000"/>
+            </a:schemeClr>
+          </a:lnRef>
+          <a:fillRef idx="1">
+            <a:schemeClr val="accent1"/>
+          </a:fillRef>
+          <a:effectRef idx="0">
+            <a:schemeClr val="accent1"/>
+          </a:effectRef>
+          <a:fontRef idx="minor">
+            <a:schemeClr val="lt1"/>
+          </a:fontRef>
+        </p:style>
+        <p:txBody>
+          <a:bodyPr rtlCol="0" anchor="ctr"/>
+          <a:lstStyle/>
+          <a:p>
+            <a:pPr algn="ctr"/>
+            <a:endParaRPr lang="zh-CN" altLang="en-US"/>
+          </a:p>
+        </p:txBody>
+      </p:sp>
+      <p:sp>
+        <p:nvSpPr>
+          <p:cNvPr id="3" name="灯片编号占位符 2"/>
+          <p:cNvSpPr>
+            <a:spLocks noGrp="1"/>
+          </p:cNvSpPr>
+          <p:nvPr>
+            <p:ph type="sldNum" sz="quarter" idx="12"/>
+          </p:nvPr>
+        </p:nvSpPr>
+        <p:spPr/>
+        <p:txBody>
+          <a:bodyPr/>
+          <a:lstStyle/>
+          <a:p>
+            <a:fld id="{0F003B9C-CE26-4D71-B59B-D3ECF06D57F0}" type="slidenum">
+              <a:rPr lang="zh-CN" altLang="en-US" smtClean="0"/>
+              <a:t>10</a:t>
+            </a:fld>
+            <a:endParaRPr lang="zh-CN" altLang="en-US"/>
+          </a:p>
+        </p:txBody>
+      </p:sp>
+      <p:sp>
+        <p:nvSpPr>
+          <p:cNvPr id="70" name="内容占位符 2"/>
+          <p:cNvSpPr txBox="1">
+            <a:spLocks/>
+          </p:cNvSpPr>
+          <p:nvPr/>
+        </p:nvSpPr>
+        <p:spPr bwMode="auto">
+          <a:xfrm>
+            <a:off x="395535" y="828645"/>
+            <a:ext cx="7967069" cy="5459238"/>
+          </a:xfrm>
+          <a:prstGeom prst="rect">
+            <a:avLst/>
+          </a:prstGeom>
+          <a:noFill/>
+          <a:ln w="9525">
+            <a:noFill/>
+            <a:miter lim="800000"/>
+            <a:headEnd/>
+            <a:tailEnd/>
+          </a:ln>
+        </p:spPr>
+        <p:txBody>
+          <a:bodyPr vert="horz" wrap="square" lIns="91440" tIns="45720" rIns="91440" bIns="45720" numCol="1" anchor="t" anchorCtr="0" compatLnSpc="1">
+            <a:prstTxWarp prst="textNoShape">
+              <a:avLst/>
+            </a:prstTxWarp>
+          </a:bodyPr>
+          <a:lstStyle>
+            <a:lvl1pPr algn="l" rtl="0" eaLnBrk="0" fontAlgn="base" hangingPunct="0">
+              <a:spcBef>
+                <a:spcPct val="20000"/>
+              </a:spcBef>
+              <a:spcAft>
+                <a:spcPct val="0"/>
+              </a:spcAft>
+              <a:buClr>
+                <a:srgbClr val="CC9900"/>
+              </a:buClr>
+              <a:buFont typeface="Wingdings" pitchFamily="2" charset="2"/>
+              <a:buChar char="p"/>
+              <a:defRPr sz="2000" b="0">
+                <a:solidFill>
+                  <a:srgbClr val="4A6784"/>
+                </a:solidFill>
+                <a:latin typeface="微软雅黑" pitchFamily="34" charset="-122"/>
+                <a:ea typeface="微软雅黑" pitchFamily="34" charset="-122"/>
+                <a:cs typeface="+mn-cs"/>
+              </a:defRPr>
+            </a:lvl1pPr>
+            <a:lvl2pPr marL="441325" indent="15875" algn="l" rtl="0" eaLnBrk="0" fontAlgn="base" hangingPunct="0">
+              <a:spcBef>
+                <a:spcPct val="20000"/>
+              </a:spcBef>
+              <a:spcAft>
+                <a:spcPct val="0"/>
+              </a:spcAft>
+              <a:buClr>
+                <a:srgbClr val="CC9900"/>
+              </a:buClr>
+              <a:buFont typeface="Wingdings" pitchFamily="2" charset="2"/>
+              <a:buChar char="Ø"/>
+              <a:defRPr b="0">
+                <a:solidFill>
+                  <a:schemeClr val="tx1"/>
+                </a:solidFill>
+                <a:latin typeface="微软雅黑" pitchFamily="34" charset="-122"/>
+                <a:ea typeface="微软雅黑" pitchFamily="34" charset="-122"/>
+              </a:defRPr>
+            </a:lvl2pPr>
+            <a:lvl3pPr marL="898525" indent="15875" algn="l" rtl="0" eaLnBrk="0" fontAlgn="base" hangingPunct="0">
+              <a:spcBef>
+                <a:spcPct val="20000"/>
+              </a:spcBef>
+              <a:spcAft>
+                <a:spcPct val="0"/>
+              </a:spcAft>
+              <a:buClr>
+                <a:srgbClr val="CC9900"/>
+              </a:buClr>
+              <a:buChar char="•"/>
+              <a:defRPr sz="1600">
+                <a:solidFill>
+                  <a:schemeClr val="tx1"/>
+                </a:solidFill>
+                <a:latin typeface="微软雅黑" pitchFamily="34" charset="-122"/>
+                <a:ea typeface="微软雅黑" pitchFamily="34" charset="-122"/>
+              </a:defRPr>
+            </a:lvl3pPr>
+            <a:lvl4pPr marL="1260475" algn="l" rtl="0" eaLnBrk="0" fontAlgn="base" hangingPunct="0">
+              <a:spcBef>
+                <a:spcPct val="20000"/>
+              </a:spcBef>
+              <a:spcAft>
+                <a:spcPct val="0"/>
+              </a:spcAft>
+              <a:buClr>
+                <a:srgbClr val="CC9900"/>
+              </a:buClr>
+              <a:buChar char="•"/>
+              <a:defRPr sz="1600">
+                <a:solidFill>
+                  <a:schemeClr val="tx1"/>
+                </a:solidFill>
+                <a:latin typeface="微软雅黑" pitchFamily="34" charset="-122"/>
+                <a:ea typeface="微软雅黑" pitchFamily="34" charset="-122"/>
+              </a:defRPr>
+            </a:lvl4pPr>
+            <a:lvl5pPr marL="1703388" algn="l" rtl="0" eaLnBrk="0" fontAlgn="base" hangingPunct="0">
+              <a:spcBef>
+                <a:spcPct val="20000"/>
+              </a:spcBef>
+              <a:spcAft>
+                <a:spcPct val="0"/>
+              </a:spcAft>
+              <a:buClr>
+                <a:srgbClr val="CC9900"/>
+              </a:buClr>
+              <a:buFont typeface="Arial" charset="0"/>
+              <a:buChar char="»"/>
+              <a:defRPr sz="1600">
+                <a:solidFill>
+                  <a:schemeClr val="tx1"/>
+                </a:solidFill>
+                <a:latin typeface="微软雅黑" pitchFamily="34" charset="-122"/>
+                <a:ea typeface="微软雅黑" pitchFamily="34" charset="-122"/>
+              </a:defRPr>
+            </a:lvl5pPr>
+            <a:lvl6pPr marL="2160588" algn="l" rtl="0" fontAlgn="base">
+              <a:spcBef>
+                <a:spcPct val="20000"/>
+              </a:spcBef>
+              <a:spcAft>
+                <a:spcPct val="0"/>
+              </a:spcAft>
+              <a:buClr>
+                <a:srgbClr val="CC9900"/>
+              </a:buClr>
+              <a:buFont typeface="Arial" charset="0"/>
+              <a:buChar char="»"/>
+              <a:defRPr>
+                <a:solidFill>
+                  <a:schemeClr val="tx1"/>
+                </a:solidFill>
+                <a:latin typeface="+mn-lt"/>
+                <a:ea typeface="+mn-ea"/>
+              </a:defRPr>
+            </a:lvl6pPr>
+            <a:lvl7pPr marL="2617788" algn="l" rtl="0" fontAlgn="base">
+              <a:spcBef>
+                <a:spcPct val="20000"/>
+              </a:spcBef>
+              <a:spcAft>
+                <a:spcPct val="0"/>
+              </a:spcAft>
+              <a:buClr>
+                <a:srgbClr val="CC9900"/>
+              </a:buClr>
+              <a:buFont typeface="Arial" charset="0"/>
+              <a:buChar char="»"/>
+              <a:defRPr>
+                <a:solidFill>
+                  <a:schemeClr val="tx1"/>
+                </a:solidFill>
+                <a:latin typeface="+mn-lt"/>
+                <a:ea typeface="+mn-ea"/>
+              </a:defRPr>
+            </a:lvl7pPr>
+            <a:lvl8pPr marL="3074988" algn="l" rtl="0" fontAlgn="base">
+              <a:spcBef>
+                <a:spcPct val="20000"/>
+              </a:spcBef>
+              <a:spcAft>
+                <a:spcPct val="0"/>
+              </a:spcAft>
+              <a:buClr>
+                <a:srgbClr val="CC9900"/>
+              </a:buClr>
+              <a:buFont typeface="Arial" charset="0"/>
+              <a:buChar char="»"/>
+              <a:defRPr>
+                <a:solidFill>
+                  <a:schemeClr val="tx1"/>
+                </a:solidFill>
+                <a:latin typeface="+mn-lt"/>
+                <a:ea typeface="+mn-ea"/>
+              </a:defRPr>
+            </a:lvl8pPr>
+            <a:lvl9pPr marL="3532188" algn="l" rtl="0" fontAlgn="base">
+              <a:spcBef>
+                <a:spcPct val="20000"/>
+              </a:spcBef>
+              <a:spcAft>
+                <a:spcPct val="0"/>
+              </a:spcAft>
+              <a:buClr>
+                <a:srgbClr val="CC9900"/>
+              </a:buClr>
+              <a:buFont typeface="Arial" charset="0"/>
+              <a:buChar char="»"/>
+              <a:defRPr>
+                <a:solidFill>
+                  <a:schemeClr val="tx1"/>
+                </a:solidFill>
+                <a:latin typeface="+mn-lt"/>
+                <a:ea typeface="+mn-ea"/>
+              </a:defRPr>
+            </a:lvl9pPr>
+          </a:lstStyle>
+          <a:p>
+            <a:pPr algn="just">
+              <a:buNone/>
+            </a:pPr>
+            <a:endParaRPr lang="en-US" altLang="zh-CN" kern="0" dirty="0"/>
+          </a:p>
+          <a:p>
+            <a:pPr algn="just"/>
+            <a:r>
+              <a:rPr lang="zh-CN" altLang="en-US" kern="0" dirty="0"/>
+              <a:t> 死亡个数</a:t>
+            </a:r>
+            <a:endParaRPr lang="en-US" altLang="zh-CN" kern="0" dirty="0"/>
+          </a:p>
+          <a:p>
+            <a:pPr algn="just"/>
+            <a:endParaRPr lang="en-US" altLang="zh-CN" kern="0" dirty="0"/>
+          </a:p>
+          <a:p>
+            <a:pPr algn="just"/>
+            <a:r>
+              <a:rPr lang="en-US" altLang="zh-CN" kern="0" dirty="0"/>
+              <a:t> </a:t>
+            </a:r>
+            <a:r>
+              <a:rPr lang="zh-CN" altLang="en-US" kern="0" dirty="0"/>
+              <a:t>受伤个数</a:t>
+            </a:r>
+            <a:endParaRPr lang="en-US" altLang="zh-CN" kern="0" dirty="0"/>
+          </a:p>
+          <a:p>
+            <a:pPr algn="just"/>
+            <a:endParaRPr lang="en-US" altLang="zh-CN" kern="0" dirty="0"/>
+          </a:p>
+          <a:p>
+            <a:pPr algn="just"/>
+            <a:r>
+              <a:rPr lang="zh-CN" altLang="en-US" kern="0" dirty="0"/>
+              <a:t> 死亡率 </a:t>
+            </a:r>
+            <a:r>
+              <a:rPr lang="en-US" altLang="zh-CN" kern="0" dirty="0"/>
+              <a:t>= </a:t>
+            </a:r>
+            <a:r>
+              <a:rPr lang="zh-CN" altLang="en-US" kern="0" dirty="0"/>
+              <a:t>死亡</a:t>
+            </a:r>
+            <a:r>
+              <a:rPr lang="en-US" altLang="zh-CN" kern="0" dirty="0"/>
+              <a:t>/</a:t>
+            </a:r>
+            <a:r>
+              <a:rPr lang="zh-CN" altLang="en-US" kern="0" dirty="0"/>
+              <a:t>（死亡</a:t>
+            </a:r>
+            <a:r>
+              <a:rPr lang="en-US" altLang="zh-CN" kern="0" dirty="0"/>
+              <a:t>+</a:t>
+            </a:r>
+            <a:r>
+              <a:rPr lang="zh-CN" altLang="en-US" kern="0" dirty="0"/>
+              <a:t>受伤） （</a:t>
+            </a:r>
+            <a:r>
+              <a:rPr lang="en-US" altLang="zh-CN" kern="0" dirty="0"/>
+              <a:t>NAN</a:t>
+            </a:r>
+            <a:r>
+              <a:rPr lang="zh-CN" altLang="en-US" kern="0" dirty="0"/>
+              <a:t>按</a:t>
+            </a:r>
+            <a:r>
+              <a:rPr lang="en-US" altLang="zh-CN" kern="0" dirty="0"/>
+              <a:t>0</a:t>
+            </a:r>
+            <a:r>
+              <a:rPr lang="zh-CN" altLang="en-US" kern="0" dirty="0"/>
+              <a:t>处理）</a:t>
+            </a:r>
+            <a:endParaRPr lang="en-US" altLang="zh-CN" kern="0" dirty="0"/>
+          </a:p>
+          <a:p>
+            <a:pPr algn="just"/>
+            <a:endParaRPr lang="en-US" altLang="zh-CN" kern="0" dirty="0"/>
+          </a:p>
+          <a:p>
+            <a:pPr algn="just">
+              <a:buNone/>
+            </a:pPr>
+            <a:endParaRPr lang="en-US" altLang="zh-CN" kern="0" dirty="0"/>
+          </a:p>
+          <a:p>
+            <a:pPr algn="just"/>
+            <a:r>
+              <a:rPr lang="zh-CN" altLang="en-US" kern="0" dirty="0"/>
+              <a:t> 相对死亡率 </a:t>
+            </a:r>
+            <a:r>
+              <a:rPr lang="en-US" altLang="zh-CN" kern="0" dirty="0"/>
+              <a:t>= </a:t>
+            </a:r>
+            <a:r>
+              <a:rPr lang="zh-CN" altLang="en-US" kern="0" dirty="0"/>
+              <a:t>死亡</a:t>
+            </a:r>
+            <a:r>
+              <a:rPr lang="en-US" altLang="zh-CN" kern="0" dirty="0"/>
+              <a:t>/</a:t>
+            </a:r>
+            <a:r>
+              <a:rPr lang="zh-CN" altLang="en-US" kern="0" dirty="0"/>
+              <a:t>受伤</a:t>
+            </a:r>
+            <a:r>
+              <a:rPr lang="en-US" altLang="zh-CN" kern="0" dirty="0"/>
+              <a:t>——</a:t>
+            </a:r>
+            <a:r>
+              <a:rPr lang="zh-CN" altLang="en-US" kern="0" dirty="0"/>
+              <a:t>不可 会出现</a:t>
+            </a:r>
+            <a:r>
+              <a:rPr lang="en-US" altLang="zh-CN" kern="0" dirty="0"/>
+              <a:t>inf</a:t>
+            </a:r>
+            <a:r>
+              <a:rPr lang="zh-CN" altLang="en-US" kern="0" dirty="0"/>
+              <a:t>（</a:t>
+            </a:r>
+            <a:r>
+              <a:rPr lang="en-US" altLang="zh-CN" kern="0" dirty="0"/>
+              <a:t>1/0</a:t>
+            </a:r>
+            <a:r>
+              <a:rPr lang="zh-CN" altLang="en-US" kern="0" dirty="0"/>
+              <a:t>）和</a:t>
+            </a:r>
+            <a:r>
+              <a:rPr lang="en-US" altLang="zh-CN" kern="0" dirty="0"/>
+              <a:t>nan</a:t>
+            </a:r>
+            <a:r>
+              <a:rPr lang="zh-CN" altLang="en-US" kern="0" dirty="0"/>
+              <a:t>（</a:t>
+            </a:r>
+            <a:r>
+              <a:rPr lang="en-US" altLang="zh-CN" kern="0" dirty="0"/>
+              <a:t>0/0</a:t>
+            </a:r>
+            <a:r>
+              <a:rPr lang="zh-CN" altLang="en-US" kern="0" dirty="0"/>
+              <a:t>）</a:t>
+            </a:r>
+            <a:endParaRPr lang="en-US" altLang="zh-CN" kern="0" dirty="0"/>
+          </a:p>
+          <a:p>
+            <a:pPr algn="just">
+              <a:buNone/>
+            </a:pPr>
+            <a:endParaRPr lang="en-US" altLang="zh-CN" kern="0" dirty="0"/>
+          </a:p>
+          <a:p>
+            <a:pPr algn="just"/>
+            <a:r>
+              <a:rPr lang="zh-CN" altLang="en-US" kern="0" dirty="0"/>
+              <a:t> 雨天事故率</a:t>
+            </a:r>
+            <a:r>
+              <a:rPr lang="en-US" altLang="zh-CN" kern="0" dirty="0"/>
+              <a:t>/</a:t>
+            </a:r>
+            <a:r>
+              <a:rPr lang="zh-CN" altLang="en-US" kern="0" dirty="0"/>
+              <a:t>晴天事故率、雨天死亡人数</a:t>
+            </a:r>
+            <a:r>
+              <a:rPr lang="en-US" altLang="zh-CN" kern="0" dirty="0"/>
+              <a:t>/</a:t>
+            </a:r>
+            <a:r>
+              <a:rPr lang="zh-CN" altLang="en-US" kern="0" dirty="0"/>
+              <a:t>晴天死亡人数</a:t>
+            </a:r>
+            <a:endParaRPr lang="en-US" altLang="zh-CN" kern="0" dirty="0"/>
+          </a:p>
+          <a:p>
+            <a:pPr algn="just">
+              <a:buNone/>
+            </a:pPr>
+            <a:r>
+              <a:rPr lang="zh-CN" altLang="en-US" kern="0" dirty="0"/>
+              <a:t>不可，无法比较</a:t>
+            </a:r>
+            <a:endParaRPr lang="en-US" altLang="zh-CN" kern="0" dirty="0"/>
+          </a:p>
+        </p:txBody>
+      </p:sp>
+    </p:spTree>
+    <p:extLst>
+      <p:ext uri="{BB962C8B-B14F-4D97-AF65-F5344CB8AC3E}">
+        <p14:creationId xmlns:p14="http://schemas.microsoft.com/office/powerpoint/2010/main" val="4164236117"/>
+      </p:ext>
+    </p:extLst>
+  </p:cSld>
+  <p:clrMapOvr>
+    <a:masterClrMapping/>
+  </p:clrMapOvr>
+</p:sld>
+</file>
+
+<file path=ppt/slides/slide11.xml><?xml version="1.0" encoding="utf-8"?>
+<p:sld xmlns:a="http://schemas.openxmlformats.org/drawingml/2006/main" xmlns:r="http://schemas.openxmlformats.org/officeDocument/2006/relationships" xmlns:p="http://schemas.openxmlformats.org/presentationml/2006/main">
+  <p:cSld>
+    <p:spTree>
+      <p:nvGrpSpPr>
+        <p:cNvPr id="1" name=""/>
+        <p:cNvGrpSpPr/>
+        <p:nvPr/>
+      </p:nvGrpSpPr>
+      <p:grpSpPr>
+        <a:xfrm>
+          <a:off x="0" y="0"/>
+          <a:ext cx="0" cy="0"/>
+          <a:chOff x="0" y="0"/>
+          <a:chExt cx="0" cy="0"/>
+        </a:xfrm>
+      </p:grpSpPr>
+      <p:pic>
+        <p:nvPicPr>
+          <p:cNvPr id="1030" name="Picture 6"/>
+          <p:cNvPicPr>
+            <a:picLocks noChangeAspect="1" noChangeArrowheads="1"/>
+          </p:cNvPicPr>
+          <p:nvPr/>
+        </p:nvPicPr>
+        <p:blipFill>
+          <a:blip r:embed="rId3">
+            <a:extLst>
+              <a:ext uri="{28A0092B-C50C-407E-A947-70E740481C1C}">
+                <a14:useLocalDpi xmlns:a14="http://schemas.microsoft.com/office/drawing/2010/main" val="0"/>
+              </a:ext>
+            </a:extLst>
+          </a:blip>
+          <a:srcRect/>
+          <a:stretch>
+            <a:fillRect/>
+          </a:stretch>
+        </p:blipFill>
+        <p:spPr bwMode="auto">
+          <a:xfrm>
+            <a:off x="0" y="0"/>
+            <a:ext cx="9144000" cy="685800"/>
+          </a:xfrm>
+          <a:prstGeom prst="rect">
+            <a:avLst/>
+          </a:prstGeom>
+          <a:noFill/>
+          <a:ln>
+            <a:noFill/>
+          </a:ln>
+          <a:effectLst/>
+          <a:extLst>
+            <a:ext uri="{909E8E84-426E-40DD-AFC4-6F175D3DCCD1}">
+              <a14:hiddenFill xmlns:a14="http://schemas.microsoft.com/office/drawing/2010/main">
+                <a:solidFill>
+                  <a:schemeClr val="accent1"/>
+                </a:solidFill>
+              </a14:hiddenFill>
+            </a:ext>
+            <a:ext uri="{91240B29-F687-4F45-9708-019B960494DF}">
+              <a14:hiddenLine xmlns:a14="http://schemas.microsoft.com/office/drawing/2010/main" w="9525">
+                <a:solidFill>
+                  <a:schemeClr val="tx1"/>
+                </a:solidFill>
+                <a:miter lim="800000"/>
+                <a:headEnd/>
+                <a:tailEnd/>
+              </a14:hiddenLine>
+            </a:ext>
+            <a:ext uri="{AF507438-7753-43E0-B8FC-AC1667EBCBE1}">
+              <a14:hiddenEffects xmlns:a14="http://schemas.microsoft.com/office/drawing/2010/main">
+                <a:effectLst>
+                  <a:outerShdw dist="35921" dir="2700000" algn="ctr" rotWithShape="0">
+                    <a:schemeClr val="bg2"/>
+                  </a:outerShdw>
+                </a:effectLst>
+              </a14:hiddenEffects>
+            </a:ext>
+          </a:extLst>
+        </p:spPr>
+      </p:pic>
+      <p:sp>
+        <p:nvSpPr>
+          <p:cNvPr id="2" name="TextBox 1"/>
+          <p:cNvSpPr txBox="1"/>
+          <p:nvPr/>
+        </p:nvSpPr>
+        <p:spPr>
+          <a:xfrm>
+            <a:off x="395535" y="142845"/>
+            <a:ext cx="8348415" cy="400110"/>
+          </a:xfrm>
+          <a:prstGeom prst="rect">
+            <a:avLst/>
+          </a:prstGeom>
+          <a:noFill/>
+        </p:spPr>
+        <p:txBody>
+          <a:bodyPr wrap="square" rtlCol="0">
+            <a:spAutoFit/>
+          </a:bodyPr>
+          <a:lstStyle/>
+          <a:p>
+            <a:r>
+              <a:rPr lang="en-US" altLang="zh-CN" sz="2000" b="1" dirty="0">
+                <a:solidFill>
+                  <a:srgbClr val="FFFFFF"/>
+                </a:solidFill>
+                <a:effectLst>
+                  <a:outerShdw blurRad="38100" dist="38100" dir="2700000" algn="tl">
+                    <a:srgbClr val="000000">
+                      <a:alpha val="43137"/>
+                    </a:srgbClr>
+                  </a:outerShdw>
+                </a:effectLst>
+                <a:latin typeface="微软雅黑" pitchFamily="34" charset="-122"/>
+                <a:ea typeface="微软雅黑" pitchFamily="34" charset="-122"/>
+              </a:rPr>
+              <a:t>Logistic</a:t>
+            </a:r>
+            <a:r>
+              <a:rPr lang="zh-CN" altLang="en-US" sz="2000" b="1" dirty="0">
+                <a:solidFill>
+                  <a:srgbClr val="FFFFFF"/>
+                </a:solidFill>
+                <a:effectLst>
+                  <a:outerShdw blurRad="38100" dist="38100" dir="2700000" algn="tl">
+                    <a:srgbClr val="000000">
+                      <a:alpha val="43137"/>
+                    </a:srgbClr>
+                  </a:outerShdw>
+                </a:effectLst>
+                <a:latin typeface="微软雅黑" pitchFamily="34" charset="-122"/>
+                <a:ea typeface="微软雅黑" pitchFamily="34" charset="-122"/>
+              </a:rPr>
+              <a:t>回归</a:t>
+            </a:r>
+          </a:p>
+        </p:txBody>
+      </p:sp>
+      <p:sp>
+        <p:nvSpPr>
+          <p:cNvPr id="7" name="矩形 6"/>
+          <p:cNvSpPr/>
+          <p:nvPr/>
+        </p:nvSpPr>
+        <p:spPr>
+          <a:xfrm>
+            <a:off x="0" y="6789944"/>
+            <a:ext cx="9144000" cy="68056"/>
+          </a:xfrm>
+          <a:prstGeom prst="rect">
+            <a:avLst/>
+          </a:prstGeom>
+          <a:solidFill>
+            <a:srgbClr val="415D7B"/>
+          </a:solidFill>
+          <a:ln>
+            <a:noFill/>
+          </a:ln>
+        </p:spPr>
+        <p:style>
+          <a:lnRef idx="2">
+            <a:schemeClr val="accent1">
+              <a:shade val="50000"/>
+            </a:schemeClr>
+          </a:lnRef>
+          <a:fillRef idx="1">
+            <a:schemeClr val="accent1"/>
+          </a:fillRef>
+          <a:effectRef idx="0">
+            <a:schemeClr val="accent1"/>
+          </a:effectRef>
+          <a:fontRef idx="minor">
+            <a:schemeClr val="lt1"/>
+          </a:fontRef>
+        </p:style>
+        <p:txBody>
+          <a:bodyPr rtlCol="0" anchor="ctr"/>
+          <a:lstStyle/>
+          <a:p>
+            <a:pPr algn="ctr"/>
+            <a:endParaRPr lang="zh-CN" altLang="en-US"/>
+          </a:p>
+        </p:txBody>
+      </p:sp>
+      <p:sp>
+        <p:nvSpPr>
+          <p:cNvPr id="3" name="灯片编号占位符 2"/>
+          <p:cNvSpPr>
+            <a:spLocks noGrp="1"/>
+          </p:cNvSpPr>
+          <p:nvPr>
+            <p:ph type="sldNum" sz="quarter" idx="12"/>
+          </p:nvPr>
+        </p:nvSpPr>
+        <p:spPr/>
+        <p:txBody>
+          <a:bodyPr/>
+          <a:lstStyle/>
+          <a:p>
+            <a:fld id="{0F003B9C-CE26-4D71-B59B-D3ECF06D57F0}" type="slidenum">
+              <a:rPr lang="zh-CN" altLang="en-US" smtClean="0"/>
+              <a:t>11</a:t>
+            </a:fld>
+            <a:endParaRPr lang="zh-CN" altLang="en-US"/>
+          </a:p>
+        </p:txBody>
+      </p:sp>
+      <p:sp>
+        <p:nvSpPr>
+          <p:cNvPr id="70" name="内容占位符 2"/>
+          <p:cNvSpPr txBox="1">
+            <a:spLocks/>
+          </p:cNvSpPr>
+          <p:nvPr/>
+        </p:nvSpPr>
+        <p:spPr bwMode="auto">
+          <a:xfrm>
+            <a:off x="3870256" y="1779759"/>
+            <a:ext cx="4068400" cy="4357166"/>
+          </a:xfrm>
+          <a:prstGeom prst="rect">
+            <a:avLst/>
+          </a:prstGeom>
+          <a:noFill/>
+          <a:ln w="9525">
+            <a:noFill/>
+            <a:miter lim="800000"/>
+            <a:headEnd/>
+            <a:tailEnd/>
+          </a:ln>
+        </p:spPr>
+        <p:txBody>
+          <a:bodyPr vert="horz" wrap="square" lIns="91440" tIns="45720" rIns="91440" bIns="45720" numCol="1" anchor="t" anchorCtr="0" compatLnSpc="1">
+            <a:prstTxWarp prst="textNoShape">
+              <a:avLst/>
+            </a:prstTxWarp>
+          </a:bodyPr>
+          <a:lstStyle>
+            <a:lvl1pPr algn="l" rtl="0" eaLnBrk="0" fontAlgn="base" hangingPunct="0">
+              <a:spcBef>
+                <a:spcPct val="20000"/>
+              </a:spcBef>
+              <a:spcAft>
+                <a:spcPct val="0"/>
+              </a:spcAft>
+              <a:buClr>
+                <a:srgbClr val="CC9900"/>
+              </a:buClr>
+              <a:buFont typeface="Wingdings" pitchFamily="2" charset="2"/>
+              <a:buChar char="p"/>
+              <a:defRPr sz="2000" b="0">
+                <a:solidFill>
+                  <a:srgbClr val="4A6784"/>
+                </a:solidFill>
+                <a:latin typeface="微软雅黑" pitchFamily="34" charset="-122"/>
+                <a:ea typeface="微软雅黑" pitchFamily="34" charset="-122"/>
+                <a:cs typeface="+mn-cs"/>
+              </a:defRPr>
+            </a:lvl1pPr>
+            <a:lvl2pPr marL="441325" indent="15875" algn="l" rtl="0" eaLnBrk="0" fontAlgn="base" hangingPunct="0">
+              <a:spcBef>
+                <a:spcPct val="20000"/>
+              </a:spcBef>
+              <a:spcAft>
+                <a:spcPct val="0"/>
+              </a:spcAft>
+              <a:buClr>
+                <a:srgbClr val="CC9900"/>
+              </a:buClr>
+              <a:buFont typeface="Wingdings" pitchFamily="2" charset="2"/>
+              <a:buChar char="Ø"/>
+              <a:defRPr b="0">
+                <a:solidFill>
+                  <a:schemeClr val="tx1"/>
+                </a:solidFill>
+                <a:latin typeface="微软雅黑" pitchFamily="34" charset="-122"/>
+                <a:ea typeface="微软雅黑" pitchFamily="34" charset="-122"/>
+              </a:defRPr>
+            </a:lvl2pPr>
+            <a:lvl3pPr marL="898525" indent="15875" algn="l" rtl="0" eaLnBrk="0" fontAlgn="base" hangingPunct="0">
+              <a:spcBef>
+                <a:spcPct val="20000"/>
+              </a:spcBef>
+              <a:spcAft>
+                <a:spcPct val="0"/>
+              </a:spcAft>
+              <a:buClr>
+                <a:srgbClr val="CC9900"/>
+              </a:buClr>
+              <a:buChar char="•"/>
+              <a:defRPr sz="1600">
+                <a:solidFill>
+                  <a:schemeClr val="tx1"/>
+                </a:solidFill>
+                <a:latin typeface="微软雅黑" pitchFamily="34" charset="-122"/>
+                <a:ea typeface="微软雅黑" pitchFamily="34" charset="-122"/>
+              </a:defRPr>
+            </a:lvl3pPr>
+            <a:lvl4pPr marL="1260475" algn="l" rtl="0" eaLnBrk="0" fontAlgn="base" hangingPunct="0">
+              <a:spcBef>
+                <a:spcPct val="20000"/>
+              </a:spcBef>
+              <a:spcAft>
+                <a:spcPct val="0"/>
+              </a:spcAft>
+              <a:buClr>
+                <a:srgbClr val="CC9900"/>
+              </a:buClr>
+              <a:buChar char="•"/>
+              <a:defRPr sz="1600">
+                <a:solidFill>
+                  <a:schemeClr val="tx1"/>
+                </a:solidFill>
+                <a:latin typeface="微软雅黑" pitchFamily="34" charset="-122"/>
+                <a:ea typeface="微软雅黑" pitchFamily="34" charset="-122"/>
+              </a:defRPr>
+            </a:lvl4pPr>
+            <a:lvl5pPr marL="1703388" algn="l" rtl="0" eaLnBrk="0" fontAlgn="base" hangingPunct="0">
+              <a:spcBef>
+                <a:spcPct val="20000"/>
+              </a:spcBef>
+              <a:spcAft>
+                <a:spcPct val="0"/>
+              </a:spcAft>
+              <a:buClr>
+                <a:srgbClr val="CC9900"/>
+              </a:buClr>
+              <a:buFont typeface="Arial" charset="0"/>
+              <a:buChar char="»"/>
+              <a:defRPr sz="1600">
+                <a:solidFill>
+                  <a:schemeClr val="tx1"/>
+                </a:solidFill>
+                <a:latin typeface="微软雅黑" pitchFamily="34" charset="-122"/>
+                <a:ea typeface="微软雅黑" pitchFamily="34" charset="-122"/>
+              </a:defRPr>
+            </a:lvl5pPr>
+            <a:lvl6pPr marL="2160588" algn="l" rtl="0" fontAlgn="base">
+              <a:spcBef>
+                <a:spcPct val="20000"/>
+              </a:spcBef>
+              <a:spcAft>
+                <a:spcPct val="0"/>
+              </a:spcAft>
+              <a:buClr>
+                <a:srgbClr val="CC9900"/>
+              </a:buClr>
+              <a:buFont typeface="Arial" charset="0"/>
+              <a:buChar char="»"/>
+              <a:defRPr>
+                <a:solidFill>
+                  <a:schemeClr val="tx1"/>
+                </a:solidFill>
+                <a:latin typeface="+mn-lt"/>
+                <a:ea typeface="+mn-ea"/>
+              </a:defRPr>
+            </a:lvl6pPr>
+            <a:lvl7pPr marL="2617788" algn="l" rtl="0" fontAlgn="base">
+              <a:spcBef>
+                <a:spcPct val="20000"/>
+              </a:spcBef>
+              <a:spcAft>
+                <a:spcPct val="0"/>
+              </a:spcAft>
+              <a:buClr>
+                <a:srgbClr val="CC9900"/>
+              </a:buClr>
+              <a:buFont typeface="Arial" charset="0"/>
+              <a:buChar char="»"/>
+              <a:defRPr>
+                <a:solidFill>
+                  <a:schemeClr val="tx1"/>
+                </a:solidFill>
+                <a:latin typeface="+mn-lt"/>
+                <a:ea typeface="+mn-ea"/>
+              </a:defRPr>
+            </a:lvl7pPr>
+            <a:lvl8pPr marL="3074988" algn="l" rtl="0" fontAlgn="base">
+              <a:spcBef>
+                <a:spcPct val="20000"/>
+              </a:spcBef>
+              <a:spcAft>
+                <a:spcPct val="0"/>
+              </a:spcAft>
+              <a:buClr>
+                <a:srgbClr val="CC9900"/>
+              </a:buClr>
+              <a:buFont typeface="Arial" charset="0"/>
+              <a:buChar char="»"/>
+              <a:defRPr>
+                <a:solidFill>
+                  <a:schemeClr val="tx1"/>
+                </a:solidFill>
+                <a:latin typeface="+mn-lt"/>
+                <a:ea typeface="+mn-ea"/>
+              </a:defRPr>
+            </a:lvl8pPr>
+            <a:lvl9pPr marL="3532188" algn="l" rtl="0" fontAlgn="base">
+              <a:spcBef>
+                <a:spcPct val="20000"/>
+              </a:spcBef>
+              <a:spcAft>
+                <a:spcPct val="0"/>
+              </a:spcAft>
+              <a:buClr>
+                <a:srgbClr val="CC9900"/>
+              </a:buClr>
+              <a:buFont typeface="Arial" charset="0"/>
+              <a:buChar char="»"/>
+              <a:defRPr>
+                <a:solidFill>
+                  <a:schemeClr val="tx1"/>
+                </a:solidFill>
+                <a:latin typeface="+mn-lt"/>
+                <a:ea typeface="+mn-ea"/>
+              </a:defRPr>
+            </a:lvl9pPr>
+          </a:lstStyle>
+          <a:p>
+            <a:pPr>
+              <a:buNone/>
+            </a:pPr>
+            <a:endParaRPr lang="en-US" altLang="zh-CN" dirty="0"/>
+          </a:p>
+          <a:p>
+            <a:r>
+              <a:rPr lang="en-US" altLang="zh-CN" dirty="0"/>
+              <a:t> </a:t>
+            </a:r>
+            <a:r>
+              <a:rPr lang="zh-CN" altLang="en-US" dirty="0"/>
+              <a:t>青年：</a:t>
+            </a:r>
+            <a:endParaRPr lang="en-US" altLang="zh-CN" dirty="0"/>
+          </a:p>
+          <a:p>
+            <a:pPr>
+              <a:buNone/>
+            </a:pPr>
+            <a:r>
+              <a:rPr lang="en-US" altLang="zh-CN" dirty="0"/>
+              <a:t>    </a:t>
+            </a:r>
+            <a:r>
+              <a:rPr lang="zh-CN" altLang="en-US" dirty="0"/>
+              <a:t>（</a:t>
+            </a:r>
+            <a:r>
+              <a:rPr lang="en-US" altLang="zh-CN" dirty="0"/>
+              <a:t>1</a:t>
+            </a:r>
+            <a:r>
+              <a:rPr lang="zh-CN" altLang="en-US" dirty="0"/>
+              <a:t>）更易碰撞运动车辆：</a:t>
+            </a:r>
+            <a:endParaRPr lang="en-US" altLang="zh-CN" dirty="0"/>
+          </a:p>
+          <a:p>
+            <a:pPr lvl="2"/>
+            <a:r>
+              <a:rPr lang="zh-CN" altLang="en-US" sz="2000" dirty="0">
+                <a:solidFill>
+                  <a:srgbClr val="4A6784"/>
+                </a:solidFill>
+              </a:rPr>
+              <a:t> 二级公路</a:t>
+            </a:r>
+            <a:endParaRPr lang="en-US" altLang="zh-CN" sz="2000" dirty="0">
+              <a:solidFill>
+                <a:srgbClr val="4A6784"/>
+              </a:solidFill>
+            </a:endParaRPr>
+          </a:p>
+          <a:p>
+            <a:pPr lvl="2"/>
+            <a:r>
+              <a:rPr lang="zh-CN" altLang="en-US" sz="2000" dirty="0">
+                <a:solidFill>
+                  <a:srgbClr val="4A6784"/>
+                </a:solidFill>
+              </a:rPr>
+              <a:t> 三级公路</a:t>
+            </a:r>
+            <a:endParaRPr lang="en-US" altLang="zh-CN" sz="2000" dirty="0">
+              <a:solidFill>
+                <a:srgbClr val="4A6784"/>
+              </a:solidFill>
+            </a:endParaRPr>
+          </a:p>
+          <a:p>
+            <a:pPr>
+              <a:buNone/>
+            </a:pPr>
+            <a:r>
+              <a:rPr lang="en-US" altLang="zh-CN" dirty="0"/>
+              <a:t>    </a:t>
+            </a:r>
+          </a:p>
+          <a:p>
+            <a:pPr>
+              <a:buNone/>
+            </a:pPr>
+            <a:r>
+              <a:rPr lang="zh-CN" altLang="en-US" dirty="0"/>
+              <a:t>    （</a:t>
+            </a:r>
+            <a:r>
+              <a:rPr lang="en-US" altLang="zh-CN" dirty="0"/>
+              <a:t>2</a:t>
+            </a:r>
+            <a:r>
+              <a:rPr lang="zh-CN" altLang="en-US" dirty="0"/>
+              <a:t>）更易碰撞静止车辆：</a:t>
+            </a:r>
+            <a:endParaRPr lang="en-US" altLang="zh-CN" dirty="0"/>
+          </a:p>
+          <a:p>
+            <a:pPr lvl="2"/>
+            <a:r>
+              <a:rPr lang="en-US" altLang="zh-CN" sz="2000" dirty="0">
+                <a:solidFill>
+                  <a:srgbClr val="4A6784"/>
+                </a:solidFill>
+              </a:rPr>
+              <a:t>  6-11</a:t>
+            </a:r>
+            <a:r>
+              <a:rPr lang="zh-CN" altLang="en-US" sz="2000" dirty="0">
+                <a:solidFill>
+                  <a:srgbClr val="4A6784"/>
+                </a:solidFill>
+              </a:rPr>
+              <a:t>点</a:t>
+            </a:r>
+            <a:endParaRPr lang="en-US" altLang="zh-CN" sz="2000" dirty="0">
+              <a:solidFill>
+                <a:srgbClr val="4A6784"/>
+              </a:solidFill>
+            </a:endParaRPr>
+          </a:p>
+          <a:p>
+            <a:pPr lvl="2"/>
+            <a:r>
+              <a:rPr lang="zh-CN" altLang="en-US" sz="2000" dirty="0">
+                <a:solidFill>
+                  <a:srgbClr val="4A6784"/>
+                </a:solidFill>
+              </a:rPr>
+              <a:t>  四级公路</a:t>
+            </a:r>
+            <a:endParaRPr lang="en-US" altLang="zh-CN" sz="2000" dirty="0">
+              <a:solidFill>
+                <a:srgbClr val="4A6784"/>
+              </a:solidFill>
+            </a:endParaRPr>
+          </a:p>
+          <a:p>
+            <a:pPr lvl="2"/>
+            <a:r>
+              <a:rPr lang="zh-CN" altLang="en-US" sz="2000" dirty="0">
+                <a:solidFill>
+                  <a:srgbClr val="4A6784"/>
+                </a:solidFill>
+              </a:rPr>
+              <a:t>  公共停车场</a:t>
+            </a:r>
+            <a:endParaRPr lang="en-US" altLang="zh-CN" sz="2000" dirty="0">
+              <a:solidFill>
+                <a:srgbClr val="4A6784"/>
+              </a:solidFill>
+            </a:endParaRPr>
+          </a:p>
+          <a:p>
+            <a:pPr lvl="2"/>
+            <a:r>
+              <a:rPr lang="zh-CN" altLang="en-US" sz="2000" dirty="0">
+                <a:solidFill>
+                  <a:srgbClr val="4A6784"/>
+                </a:solidFill>
+              </a:rPr>
+              <a:t>  公共广场</a:t>
+            </a:r>
+            <a:endParaRPr lang="en-US" altLang="zh-CN" sz="2000" dirty="0">
+              <a:solidFill>
+                <a:srgbClr val="4A6784"/>
+              </a:solidFill>
+            </a:endParaRPr>
+          </a:p>
+          <a:p>
+            <a:pPr lvl="2" indent="0">
+              <a:buNone/>
+            </a:pPr>
+            <a:endParaRPr lang="en-US" altLang="zh-CN" dirty="0"/>
+          </a:p>
+          <a:p>
+            <a:pPr lvl="1"/>
+            <a:endParaRPr lang="en-US" altLang="zh-CN" dirty="0"/>
+          </a:p>
+        </p:txBody>
+      </p:sp>
+      <p:sp>
+        <p:nvSpPr>
+          <p:cNvPr id="8" name="内容占位符 2">
+            <a:extLst>
+              <a:ext uri="{FF2B5EF4-FFF2-40B4-BE49-F238E27FC236}">
+                <a16:creationId xmlns:a16="http://schemas.microsoft.com/office/drawing/2014/main" id="{64A19B5D-F630-45C6-899D-7FD87806DBE0}"/>
+              </a:ext>
+            </a:extLst>
+          </p:cNvPr>
+          <p:cNvSpPr txBox="1">
+            <a:spLocks/>
+          </p:cNvSpPr>
+          <p:nvPr/>
+        </p:nvSpPr>
+        <p:spPr bwMode="auto">
+          <a:xfrm>
+            <a:off x="3870256" y="428086"/>
+            <a:ext cx="7617934" cy="1535775"/>
+          </a:xfrm>
+          <a:prstGeom prst="rect">
+            <a:avLst/>
+          </a:prstGeom>
+          <a:noFill/>
+          <a:ln w="9525">
+            <a:noFill/>
+            <a:miter lim="800000"/>
+            <a:headEnd/>
+            <a:tailEnd/>
+          </a:ln>
+        </p:spPr>
+        <p:txBody>
+          <a:bodyPr vert="horz" wrap="square" lIns="91440" tIns="45720" rIns="91440" bIns="45720" numCol="1" anchor="t" anchorCtr="0" compatLnSpc="1">
+            <a:prstTxWarp prst="textNoShape">
+              <a:avLst/>
+            </a:prstTxWarp>
+          </a:bodyPr>
+          <a:lstStyle>
+            <a:lvl1pPr algn="l" rtl="0" eaLnBrk="0" fontAlgn="base" hangingPunct="0">
+              <a:spcBef>
+                <a:spcPct val="20000"/>
+              </a:spcBef>
+              <a:spcAft>
+                <a:spcPct val="0"/>
+              </a:spcAft>
+              <a:buClr>
+                <a:srgbClr val="CC9900"/>
+              </a:buClr>
+              <a:buFont typeface="Wingdings" pitchFamily="2" charset="2"/>
+              <a:buChar char="p"/>
+              <a:defRPr sz="2000" b="0">
+                <a:solidFill>
+                  <a:srgbClr val="4A6784"/>
+                </a:solidFill>
+                <a:latin typeface="微软雅黑" pitchFamily="34" charset="-122"/>
+                <a:ea typeface="微软雅黑" pitchFamily="34" charset="-122"/>
+                <a:cs typeface="+mn-cs"/>
+              </a:defRPr>
+            </a:lvl1pPr>
+            <a:lvl2pPr marL="441325" indent="15875" algn="l" rtl="0" eaLnBrk="0" fontAlgn="base" hangingPunct="0">
+              <a:spcBef>
+                <a:spcPct val="20000"/>
+              </a:spcBef>
+              <a:spcAft>
+                <a:spcPct val="0"/>
+              </a:spcAft>
+              <a:buClr>
+                <a:srgbClr val="CC9900"/>
+              </a:buClr>
+              <a:buFont typeface="Wingdings" pitchFamily="2" charset="2"/>
+              <a:buChar char="Ø"/>
+              <a:defRPr b="0">
+                <a:solidFill>
+                  <a:schemeClr val="tx1"/>
+                </a:solidFill>
+                <a:latin typeface="微软雅黑" pitchFamily="34" charset="-122"/>
+                <a:ea typeface="微软雅黑" pitchFamily="34" charset="-122"/>
+              </a:defRPr>
+            </a:lvl2pPr>
+            <a:lvl3pPr marL="898525" indent="15875" algn="l" rtl="0" eaLnBrk="0" fontAlgn="base" hangingPunct="0">
+              <a:spcBef>
+                <a:spcPct val="20000"/>
+              </a:spcBef>
+              <a:spcAft>
+                <a:spcPct val="0"/>
+              </a:spcAft>
+              <a:buClr>
+                <a:srgbClr val="CC9900"/>
+              </a:buClr>
+              <a:buChar char="•"/>
+              <a:defRPr sz="1600">
+                <a:solidFill>
+                  <a:schemeClr val="tx1"/>
+                </a:solidFill>
+                <a:latin typeface="微软雅黑" pitchFamily="34" charset="-122"/>
+                <a:ea typeface="微软雅黑" pitchFamily="34" charset="-122"/>
+              </a:defRPr>
+            </a:lvl3pPr>
+            <a:lvl4pPr marL="1260475" algn="l" rtl="0" eaLnBrk="0" fontAlgn="base" hangingPunct="0">
+              <a:spcBef>
+                <a:spcPct val="20000"/>
+              </a:spcBef>
+              <a:spcAft>
+                <a:spcPct val="0"/>
+              </a:spcAft>
+              <a:buClr>
+                <a:srgbClr val="CC9900"/>
+              </a:buClr>
+              <a:buChar char="•"/>
+              <a:defRPr sz="1600">
+                <a:solidFill>
+                  <a:schemeClr val="tx1"/>
+                </a:solidFill>
+                <a:latin typeface="微软雅黑" pitchFamily="34" charset="-122"/>
+                <a:ea typeface="微软雅黑" pitchFamily="34" charset="-122"/>
+              </a:defRPr>
+            </a:lvl4pPr>
+            <a:lvl5pPr marL="1703388" algn="l" rtl="0" eaLnBrk="0" fontAlgn="base" hangingPunct="0">
+              <a:spcBef>
+                <a:spcPct val="20000"/>
+              </a:spcBef>
+              <a:spcAft>
+                <a:spcPct val="0"/>
+              </a:spcAft>
+              <a:buClr>
+                <a:srgbClr val="CC9900"/>
+              </a:buClr>
+              <a:buFont typeface="Arial" charset="0"/>
+              <a:buChar char="»"/>
+              <a:defRPr sz="1600">
+                <a:solidFill>
+                  <a:schemeClr val="tx1"/>
+                </a:solidFill>
+                <a:latin typeface="微软雅黑" pitchFamily="34" charset="-122"/>
+                <a:ea typeface="微软雅黑" pitchFamily="34" charset="-122"/>
+              </a:defRPr>
+            </a:lvl5pPr>
+            <a:lvl6pPr marL="2160588" algn="l" rtl="0" fontAlgn="base">
+              <a:spcBef>
+                <a:spcPct val="20000"/>
+              </a:spcBef>
+              <a:spcAft>
+                <a:spcPct val="0"/>
+              </a:spcAft>
+              <a:buClr>
+                <a:srgbClr val="CC9900"/>
+              </a:buClr>
+              <a:buFont typeface="Arial" charset="0"/>
+              <a:buChar char="»"/>
+              <a:defRPr>
+                <a:solidFill>
+                  <a:schemeClr val="tx1"/>
+                </a:solidFill>
+                <a:latin typeface="+mn-lt"/>
+                <a:ea typeface="+mn-ea"/>
+              </a:defRPr>
+            </a:lvl6pPr>
+            <a:lvl7pPr marL="2617788" algn="l" rtl="0" fontAlgn="base">
+              <a:spcBef>
+                <a:spcPct val="20000"/>
+              </a:spcBef>
+              <a:spcAft>
+                <a:spcPct val="0"/>
+              </a:spcAft>
+              <a:buClr>
+                <a:srgbClr val="CC9900"/>
+              </a:buClr>
+              <a:buFont typeface="Arial" charset="0"/>
+              <a:buChar char="»"/>
+              <a:defRPr>
+                <a:solidFill>
+                  <a:schemeClr val="tx1"/>
+                </a:solidFill>
+                <a:latin typeface="+mn-lt"/>
+                <a:ea typeface="+mn-ea"/>
+              </a:defRPr>
+            </a:lvl7pPr>
+            <a:lvl8pPr marL="3074988" algn="l" rtl="0" fontAlgn="base">
+              <a:spcBef>
+                <a:spcPct val="20000"/>
+              </a:spcBef>
+              <a:spcAft>
+                <a:spcPct val="0"/>
+              </a:spcAft>
+              <a:buClr>
+                <a:srgbClr val="CC9900"/>
+              </a:buClr>
+              <a:buFont typeface="Arial" charset="0"/>
+              <a:buChar char="»"/>
+              <a:defRPr>
+                <a:solidFill>
+                  <a:schemeClr val="tx1"/>
+                </a:solidFill>
+                <a:latin typeface="+mn-lt"/>
+                <a:ea typeface="+mn-ea"/>
+              </a:defRPr>
+            </a:lvl8pPr>
+            <a:lvl9pPr marL="3532188" algn="l" rtl="0" fontAlgn="base">
+              <a:spcBef>
+                <a:spcPct val="20000"/>
+              </a:spcBef>
+              <a:spcAft>
+                <a:spcPct val="0"/>
+              </a:spcAft>
+              <a:buClr>
+                <a:srgbClr val="CC9900"/>
+              </a:buClr>
+              <a:buFont typeface="Arial" charset="0"/>
+              <a:buChar char="»"/>
+              <a:defRPr>
+                <a:solidFill>
+                  <a:schemeClr val="tx1"/>
+                </a:solidFill>
+                <a:latin typeface="+mn-lt"/>
+                <a:ea typeface="+mn-ea"/>
+              </a:defRPr>
+            </a:lvl9pPr>
+          </a:lstStyle>
+          <a:p>
+            <a:pPr algn="just">
+              <a:buNone/>
+            </a:pPr>
+            <a:endParaRPr lang="en-US" altLang="zh-CN" kern="0" dirty="0"/>
+          </a:p>
+          <a:p>
+            <a:pPr>
+              <a:buNone/>
+            </a:pPr>
+            <a:endParaRPr lang="en-US" altLang="zh-CN" dirty="0"/>
+          </a:p>
+          <a:p>
+            <a:r>
+              <a:rPr lang="en-US" altLang="zh-CN" dirty="0"/>
+              <a:t> </a:t>
+            </a:r>
+            <a:r>
+              <a:rPr lang="zh-CN" altLang="en-US" dirty="0"/>
+              <a:t>天气对事故形态倾向</a:t>
+            </a:r>
+            <a:r>
+              <a:rPr lang="zh-CN" altLang="en-US" dirty="0">
+                <a:solidFill>
+                  <a:srgbClr val="C00000"/>
+                </a:solidFill>
+              </a:rPr>
+              <a:t>无显著性影响</a:t>
+            </a:r>
+            <a:endParaRPr lang="en-US" altLang="zh-CN" dirty="0">
+              <a:solidFill>
+                <a:srgbClr val="C00000"/>
+              </a:solidFill>
+            </a:endParaRPr>
+          </a:p>
+          <a:p>
+            <a:endParaRPr lang="en-US" altLang="zh-CN" dirty="0"/>
+          </a:p>
+        </p:txBody>
+      </p:sp>
+      <p:sp>
+        <p:nvSpPr>
+          <p:cNvPr id="15" name="矩形 14">
+            <a:extLst>
+              <a:ext uri="{FF2B5EF4-FFF2-40B4-BE49-F238E27FC236}">
+                <a16:creationId xmlns:a16="http://schemas.microsoft.com/office/drawing/2014/main" id="{2EDBFEE7-2C8E-47EF-90A6-F76CF696ADF3}"/>
+              </a:ext>
+            </a:extLst>
+          </p:cNvPr>
+          <p:cNvSpPr/>
+          <p:nvPr/>
+        </p:nvSpPr>
+        <p:spPr>
+          <a:xfrm>
+            <a:off x="441936" y="1195974"/>
+            <a:ext cx="2635134" cy="4601260"/>
+          </a:xfrm>
+          <a:prstGeom prst="rect">
+            <a:avLst/>
+          </a:prstGeom>
+          <a:ln>
+            <a:solidFill>
+              <a:schemeClr val="tx1"/>
+            </a:solidFill>
+            <a:prstDash val="sysDash"/>
+          </a:ln>
+        </p:spPr>
+        <p:txBody>
+          <a:bodyPr wrap="square">
+            <a:spAutoFit/>
+          </a:bodyPr>
+          <a:lstStyle/>
+          <a:p>
+            <a:r>
+              <a:rPr lang="zh-CN" altLang="en-US" sz="2400" b="1" dirty="0">
+                <a:latin typeface="微软雅黑" panose="020B0503020204020204" pitchFamily="34" charset="-122"/>
+                <a:ea typeface="微软雅黑" panose="020B0503020204020204" pitchFamily="34" charset="-122"/>
+              </a:rPr>
+              <a:t>因变量</a:t>
+            </a:r>
+            <a:endParaRPr lang="en-US" altLang="zh-CN" sz="2400" b="1" dirty="0">
+              <a:latin typeface="微软雅黑" panose="020B0503020204020204" pitchFamily="34" charset="-122"/>
+              <a:ea typeface="微软雅黑" panose="020B0503020204020204" pitchFamily="34" charset="-122"/>
+            </a:endParaRPr>
+          </a:p>
+          <a:p>
+            <a:endParaRPr lang="en-US" altLang="zh-CN" sz="2000" b="1" dirty="0">
+              <a:latin typeface="微软雅黑" panose="020B0503020204020204" pitchFamily="34" charset="-122"/>
+              <a:ea typeface="微软雅黑" panose="020B0503020204020204" pitchFamily="34" charset="-122"/>
+            </a:endParaRPr>
+          </a:p>
+          <a:p>
+            <a:r>
+              <a:rPr lang="zh-CN" altLang="en-US" sz="2000" dirty="0">
+                <a:latin typeface="微软雅黑" panose="020B0503020204020204" pitchFamily="34" charset="-122"/>
+                <a:ea typeface="微软雅黑" panose="020B0503020204020204" pitchFamily="34" charset="-122"/>
+              </a:rPr>
+              <a:t>事故形态（</a:t>
+            </a:r>
+            <a:r>
+              <a:rPr lang="en-US" altLang="zh-CN" sz="2000" dirty="0">
+                <a:latin typeface="微软雅黑" panose="020B0503020204020204" pitchFamily="34" charset="-122"/>
+                <a:ea typeface="微软雅黑" panose="020B0503020204020204" pitchFamily="34" charset="-122"/>
+              </a:rPr>
+              <a:t>5</a:t>
+            </a:r>
+            <a:r>
+              <a:rPr lang="zh-CN" altLang="en-US" sz="2000" dirty="0">
+                <a:latin typeface="微软雅黑" panose="020B0503020204020204" pitchFamily="34" charset="-122"/>
+                <a:ea typeface="微软雅黑" panose="020B0503020204020204" pitchFamily="34" charset="-122"/>
+              </a:rPr>
+              <a:t>种）</a:t>
+            </a:r>
+          </a:p>
+          <a:p>
+            <a:endParaRPr lang="en-US" altLang="zh-CN" sz="1900" dirty="0">
+              <a:latin typeface="微软雅黑" panose="020B0503020204020204" pitchFamily="34" charset="-122"/>
+              <a:ea typeface="微软雅黑" panose="020B0503020204020204" pitchFamily="34" charset="-122"/>
+            </a:endParaRPr>
+          </a:p>
+          <a:p>
+            <a:endParaRPr lang="en-US" altLang="zh-CN" sz="1900" dirty="0">
+              <a:latin typeface="微软雅黑" panose="020B0503020204020204" pitchFamily="34" charset="-122"/>
+              <a:ea typeface="微软雅黑" panose="020B0503020204020204" pitchFamily="34" charset="-122"/>
+            </a:endParaRPr>
+          </a:p>
+          <a:p>
+            <a:r>
+              <a:rPr lang="zh-CN" altLang="en-US" sz="2400" b="1" dirty="0">
+                <a:latin typeface="微软雅黑" panose="020B0503020204020204" pitchFamily="34" charset="-122"/>
+                <a:ea typeface="微软雅黑" panose="020B0503020204020204" pitchFamily="34" charset="-122"/>
+              </a:rPr>
+              <a:t>自变量</a:t>
+            </a:r>
+            <a:endParaRPr lang="en-US" altLang="zh-CN" sz="2400" b="1" dirty="0">
+              <a:latin typeface="微软雅黑" panose="020B0503020204020204" pitchFamily="34" charset="-122"/>
+              <a:ea typeface="微软雅黑" panose="020B0503020204020204" pitchFamily="34" charset="-122"/>
+            </a:endParaRPr>
+          </a:p>
+          <a:p>
+            <a:endParaRPr lang="en-US" altLang="zh-CN" sz="2400" b="1" dirty="0">
+              <a:latin typeface="微软雅黑" panose="020B0503020204020204" pitchFamily="34" charset="-122"/>
+              <a:ea typeface="微软雅黑" panose="020B0503020204020204" pitchFamily="34" charset="-122"/>
+            </a:endParaRPr>
+          </a:p>
+          <a:p>
+            <a:r>
+              <a:rPr lang="zh-CN" altLang="en-US" sz="2000" dirty="0">
+                <a:latin typeface="微软雅黑" panose="020B0503020204020204" pitchFamily="34" charset="-122"/>
+                <a:ea typeface="微软雅黑" panose="020B0503020204020204" pitchFamily="34" charset="-122"/>
+              </a:rPr>
+              <a:t>天气（</a:t>
+            </a:r>
+            <a:r>
+              <a:rPr lang="en-US" altLang="zh-CN" sz="2000" dirty="0">
+                <a:latin typeface="微软雅黑" panose="020B0503020204020204" pitchFamily="34" charset="-122"/>
+                <a:ea typeface="微软雅黑" panose="020B0503020204020204" pitchFamily="34" charset="-122"/>
+              </a:rPr>
+              <a:t>2</a:t>
+            </a:r>
+            <a:r>
+              <a:rPr lang="zh-CN" altLang="en-US" sz="2000" dirty="0">
+                <a:latin typeface="微软雅黑" panose="020B0503020204020204" pitchFamily="34" charset="-122"/>
+                <a:ea typeface="微软雅黑" panose="020B0503020204020204" pitchFamily="34" charset="-122"/>
+              </a:rPr>
+              <a:t>种）</a:t>
+            </a:r>
+          </a:p>
+          <a:p>
+            <a:r>
+              <a:rPr lang="zh-CN" altLang="en-US" sz="2000" dirty="0">
+                <a:latin typeface="微软雅黑" panose="020B0503020204020204" pitchFamily="34" charset="-122"/>
+                <a:ea typeface="微软雅黑" panose="020B0503020204020204" pitchFamily="34" charset="-122"/>
+              </a:rPr>
+              <a:t>星期（</a:t>
+            </a:r>
+            <a:r>
+              <a:rPr lang="en-US" altLang="zh-CN" sz="2000" dirty="0">
+                <a:latin typeface="微软雅黑" panose="020B0503020204020204" pitchFamily="34" charset="-122"/>
+                <a:ea typeface="微软雅黑" panose="020B0503020204020204" pitchFamily="34" charset="-122"/>
+              </a:rPr>
+              <a:t>7</a:t>
+            </a:r>
+            <a:r>
+              <a:rPr lang="zh-CN" altLang="en-US" sz="2000" dirty="0">
+                <a:latin typeface="微软雅黑" panose="020B0503020204020204" pitchFamily="34" charset="-122"/>
+                <a:ea typeface="微软雅黑" panose="020B0503020204020204" pitchFamily="34" charset="-122"/>
+              </a:rPr>
+              <a:t>种）</a:t>
+            </a:r>
+          </a:p>
+          <a:p>
+            <a:r>
+              <a:rPr lang="zh-CN" altLang="en-US" sz="2000" dirty="0">
+                <a:latin typeface="微软雅黑" panose="020B0503020204020204" pitchFamily="34" charset="-122"/>
+                <a:ea typeface="微软雅黑" panose="020B0503020204020204" pitchFamily="34" charset="-122"/>
+              </a:rPr>
+              <a:t>性别（</a:t>
+            </a:r>
+            <a:r>
+              <a:rPr lang="en-US" altLang="zh-CN" sz="2000" dirty="0">
+                <a:latin typeface="微软雅黑" panose="020B0503020204020204" pitchFamily="34" charset="-122"/>
+                <a:ea typeface="微软雅黑" panose="020B0503020204020204" pitchFamily="34" charset="-122"/>
+              </a:rPr>
+              <a:t>2</a:t>
+            </a:r>
+            <a:r>
+              <a:rPr lang="zh-CN" altLang="en-US" sz="2000" dirty="0">
+                <a:latin typeface="微软雅黑" panose="020B0503020204020204" pitchFamily="34" charset="-122"/>
+                <a:ea typeface="微软雅黑" panose="020B0503020204020204" pitchFamily="34" charset="-122"/>
+              </a:rPr>
+              <a:t>种）</a:t>
+            </a:r>
+          </a:p>
+          <a:p>
+            <a:r>
+              <a:rPr lang="zh-CN" altLang="en-US" sz="2000" dirty="0">
+                <a:latin typeface="微软雅黑" panose="020B0503020204020204" pitchFamily="34" charset="-122"/>
+                <a:ea typeface="微软雅黑" panose="020B0503020204020204" pitchFamily="34" charset="-122"/>
+              </a:rPr>
+              <a:t>年龄段（</a:t>
+            </a:r>
+            <a:r>
+              <a:rPr lang="en-US" altLang="zh-CN" sz="2000" dirty="0">
+                <a:latin typeface="微软雅黑" panose="020B0503020204020204" pitchFamily="34" charset="-122"/>
+                <a:ea typeface="微软雅黑" panose="020B0503020204020204" pitchFamily="34" charset="-122"/>
+              </a:rPr>
+              <a:t>3</a:t>
+            </a:r>
+            <a:r>
+              <a:rPr lang="zh-CN" altLang="en-US" sz="2000" dirty="0">
+                <a:latin typeface="微软雅黑" panose="020B0503020204020204" pitchFamily="34" charset="-122"/>
+                <a:ea typeface="微软雅黑" panose="020B0503020204020204" pitchFamily="34" charset="-122"/>
+              </a:rPr>
+              <a:t>种）</a:t>
+            </a:r>
+          </a:p>
+          <a:p>
+            <a:r>
+              <a:rPr lang="zh-CN" altLang="en-US" sz="2000" dirty="0">
+                <a:latin typeface="微软雅黑" panose="020B0503020204020204" pitchFamily="34" charset="-122"/>
+                <a:ea typeface="微软雅黑" panose="020B0503020204020204" pitchFamily="34" charset="-122"/>
+              </a:rPr>
+              <a:t>时段（</a:t>
+            </a:r>
+            <a:r>
+              <a:rPr lang="en-US" altLang="zh-CN" sz="2000" dirty="0">
+                <a:latin typeface="微软雅黑" panose="020B0503020204020204" pitchFamily="34" charset="-122"/>
+                <a:ea typeface="微软雅黑" panose="020B0503020204020204" pitchFamily="34" charset="-122"/>
+              </a:rPr>
+              <a:t>4</a:t>
+            </a:r>
+            <a:r>
+              <a:rPr lang="zh-CN" altLang="en-US" sz="2000" dirty="0">
+                <a:latin typeface="微软雅黑" panose="020B0503020204020204" pitchFamily="34" charset="-122"/>
+                <a:ea typeface="微软雅黑" panose="020B0503020204020204" pitchFamily="34" charset="-122"/>
+              </a:rPr>
+              <a:t>种）</a:t>
+            </a:r>
+          </a:p>
+          <a:p>
+            <a:r>
+              <a:rPr lang="zh-CN" altLang="en-US" sz="2000" dirty="0">
+                <a:latin typeface="微软雅黑" panose="020B0503020204020204" pitchFamily="34" charset="-122"/>
+                <a:ea typeface="微软雅黑" panose="020B0503020204020204" pitchFamily="34" charset="-122"/>
+              </a:rPr>
+              <a:t>交通工具（五种）</a:t>
+            </a:r>
+          </a:p>
+          <a:p>
+            <a:r>
+              <a:rPr lang="zh-CN" altLang="en-US" sz="2000" dirty="0">
+                <a:latin typeface="微软雅黑" panose="020B0503020204020204" pitchFamily="34" charset="-122"/>
+                <a:ea typeface="微软雅黑" panose="020B0503020204020204" pitchFamily="34" charset="-122"/>
+              </a:rPr>
+              <a:t>道路类型（</a:t>
+            </a:r>
+            <a:r>
+              <a:rPr lang="en-US" altLang="zh-CN" sz="2000" dirty="0">
+                <a:latin typeface="微软雅黑" panose="020B0503020204020204" pitchFamily="34" charset="-122"/>
+                <a:ea typeface="微软雅黑" panose="020B0503020204020204" pitchFamily="34" charset="-122"/>
+              </a:rPr>
+              <a:t>11</a:t>
+            </a:r>
+            <a:r>
+              <a:rPr lang="zh-CN" altLang="en-US" sz="2000" dirty="0">
+                <a:latin typeface="微软雅黑" panose="020B0503020204020204" pitchFamily="34" charset="-122"/>
+                <a:ea typeface="微软雅黑" panose="020B0503020204020204" pitchFamily="34" charset="-122"/>
+              </a:rPr>
+              <a:t>种）</a:t>
+            </a:r>
+          </a:p>
+        </p:txBody>
+      </p:sp>
+    </p:spTree>
+    <p:extLst>
+      <p:ext uri="{BB962C8B-B14F-4D97-AF65-F5344CB8AC3E}">
+        <p14:creationId xmlns:p14="http://schemas.microsoft.com/office/powerpoint/2010/main" val="2688428930"/>
+      </p:ext>
+    </p:extLst>
+  </p:cSld>
+  <p:clrMapOvr>
+    <a:masterClrMapping/>
+  </p:clrMapOvr>
+</p:sld>
+</file>
+
+<file path=ppt/slides/slide12.xml><?xml version="1.0" encoding="utf-8"?>
+<p:sld xmlns:a="http://schemas.openxmlformats.org/drawingml/2006/main" xmlns:r="http://schemas.openxmlformats.org/officeDocument/2006/relationships" xmlns:p="http://schemas.openxmlformats.org/presentationml/2006/main">
+  <p:cSld>
+    <p:spTree>
+      <p:nvGrpSpPr>
+        <p:cNvPr id="1" name=""/>
+        <p:cNvGrpSpPr/>
+        <p:nvPr/>
+      </p:nvGrpSpPr>
+      <p:grpSpPr>
+        <a:xfrm>
+          <a:off x="0" y="0"/>
+          <a:ext cx="0" cy="0"/>
+          <a:chOff x="0" y="0"/>
+          <a:chExt cx="0" cy="0"/>
+        </a:xfrm>
+      </p:grpSpPr>
+      <p:pic>
+        <p:nvPicPr>
+          <p:cNvPr id="1030" name="Picture 6"/>
+          <p:cNvPicPr>
+            <a:picLocks noChangeAspect="1" noChangeArrowheads="1"/>
+          </p:cNvPicPr>
+          <p:nvPr/>
+        </p:nvPicPr>
+        <p:blipFill>
+          <a:blip r:embed="rId3">
+            <a:extLst>
+              <a:ext uri="{28A0092B-C50C-407E-A947-70E740481C1C}">
+                <a14:useLocalDpi xmlns:a14="http://schemas.microsoft.com/office/drawing/2010/main" val="0"/>
+              </a:ext>
+            </a:extLst>
+          </a:blip>
+          <a:srcRect/>
+          <a:stretch>
+            <a:fillRect/>
+          </a:stretch>
+        </p:blipFill>
+        <p:spPr bwMode="auto">
+          <a:xfrm>
+            <a:off x="0" y="0"/>
+            <a:ext cx="9144000" cy="685800"/>
+          </a:xfrm>
+          <a:prstGeom prst="rect">
+            <a:avLst/>
+          </a:prstGeom>
+          <a:noFill/>
+          <a:ln>
+            <a:noFill/>
+          </a:ln>
+          <a:effectLst/>
+          <a:extLst>
+            <a:ext uri="{909E8E84-426E-40DD-AFC4-6F175D3DCCD1}">
+              <a14:hiddenFill xmlns:a14="http://schemas.microsoft.com/office/drawing/2010/main">
+                <a:solidFill>
+                  <a:schemeClr val="accent1"/>
+                </a:solidFill>
+              </a14:hiddenFill>
+            </a:ext>
+            <a:ext uri="{91240B29-F687-4F45-9708-019B960494DF}">
+              <a14:hiddenLine xmlns:a14="http://schemas.microsoft.com/office/drawing/2010/main" w="9525">
+                <a:solidFill>
+                  <a:schemeClr val="tx1"/>
+                </a:solidFill>
+                <a:miter lim="800000"/>
+                <a:headEnd/>
+                <a:tailEnd/>
+              </a14:hiddenLine>
+            </a:ext>
+            <a:ext uri="{AF507438-7753-43E0-B8FC-AC1667EBCBE1}">
+              <a14:hiddenEffects xmlns:a14="http://schemas.microsoft.com/office/drawing/2010/main">
+                <a:effectLst>
+                  <a:outerShdw dist="35921" dir="2700000" algn="ctr" rotWithShape="0">
+                    <a:schemeClr val="bg2"/>
+                  </a:outerShdw>
+                </a:effectLst>
+              </a14:hiddenEffects>
+            </a:ext>
+          </a:extLst>
+        </p:spPr>
+      </p:pic>
+      <p:sp>
+        <p:nvSpPr>
+          <p:cNvPr id="2" name="TextBox 1"/>
+          <p:cNvSpPr txBox="1"/>
+          <p:nvPr/>
+        </p:nvSpPr>
+        <p:spPr>
+          <a:xfrm>
+            <a:off x="395535" y="142845"/>
+            <a:ext cx="8348415" cy="400110"/>
+          </a:xfrm>
+          <a:prstGeom prst="rect">
+            <a:avLst/>
+          </a:prstGeom>
+          <a:noFill/>
+        </p:spPr>
+        <p:txBody>
+          <a:bodyPr wrap="square" rtlCol="0">
+            <a:spAutoFit/>
+          </a:bodyPr>
+          <a:lstStyle/>
+          <a:p>
+            <a:r>
+              <a:rPr lang="en-US" altLang="zh-CN" sz="2000" b="1" dirty="0">
+                <a:solidFill>
+                  <a:srgbClr val="FFFFFF"/>
+                </a:solidFill>
+                <a:effectLst>
+                  <a:outerShdw blurRad="38100" dist="38100" dir="2700000" algn="tl">
+                    <a:srgbClr val="000000">
+                      <a:alpha val="43137"/>
+                    </a:srgbClr>
+                  </a:outerShdw>
+                </a:effectLst>
+                <a:latin typeface="微软雅黑" pitchFamily="34" charset="-122"/>
+                <a:ea typeface="微软雅黑" pitchFamily="34" charset="-122"/>
+              </a:rPr>
+              <a:t>Logistic</a:t>
+            </a:r>
+            <a:r>
+              <a:rPr lang="zh-CN" altLang="en-US" sz="2000" b="1" dirty="0">
+                <a:solidFill>
+                  <a:srgbClr val="FFFFFF"/>
+                </a:solidFill>
+                <a:effectLst>
+                  <a:outerShdw blurRad="38100" dist="38100" dir="2700000" algn="tl">
+                    <a:srgbClr val="000000">
+                      <a:alpha val="43137"/>
+                    </a:srgbClr>
+                  </a:outerShdw>
+                </a:effectLst>
+                <a:latin typeface="微软雅黑" pitchFamily="34" charset="-122"/>
+                <a:ea typeface="微软雅黑" pitchFamily="34" charset="-122"/>
+              </a:rPr>
+              <a:t>回归</a:t>
+            </a:r>
+          </a:p>
+        </p:txBody>
+      </p:sp>
+      <p:sp>
+        <p:nvSpPr>
+          <p:cNvPr id="7" name="矩形 6"/>
+          <p:cNvSpPr/>
+          <p:nvPr/>
+        </p:nvSpPr>
+        <p:spPr>
+          <a:xfrm>
+            <a:off x="0" y="6789944"/>
+            <a:ext cx="9144000" cy="68056"/>
+          </a:xfrm>
+          <a:prstGeom prst="rect">
+            <a:avLst/>
+          </a:prstGeom>
+          <a:solidFill>
+            <a:srgbClr val="415D7B"/>
+          </a:solidFill>
+          <a:ln>
+            <a:noFill/>
+          </a:ln>
+        </p:spPr>
+        <p:style>
+          <a:lnRef idx="2">
+            <a:schemeClr val="accent1">
+              <a:shade val="50000"/>
+            </a:schemeClr>
+          </a:lnRef>
+          <a:fillRef idx="1">
+            <a:schemeClr val="accent1"/>
+          </a:fillRef>
+          <a:effectRef idx="0">
+            <a:schemeClr val="accent1"/>
+          </a:effectRef>
+          <a:fontRef idx="minor">
+            <a:schemeClr val="lt1"/>
+          </a:fontRef>
+        </p:style>
+        <p:txBody>
+          <a:bodyPr rtlCol="0" anchor="ctr"/>
+          <a:lstStyle/>
+          <a:p>
+            <a:pPr algn="ctr"/>
+            <a:endParaRPr lang="zh-CN" altLang="en-US"/>
+          </a:p>
+        </p:txBody>
+      </p:sp>
+      <p:sp>
+        <p:nvSpPr>
+          <p:cNvPr id="3" name="灯片编号占位符 2"/>
+          <p:cNvSpPr>
+            <a:spLocks noGrp="1"/>
+          </p:cNvSpPr>
+          <p:nvPr>
+            <p:ph type="sldNum" sz="quarter" idx="12"/>
+          </p:nvPr>
+        </p:nvSpPr>
+        <p:spPr/>
+        <p:txBody>
+          <a:bodyPr/>
+          <a:lstStyle/>
+          <a:p>
+            <a:fld id="{0F003B9C-CE26-4D71-B59B-D3ECF06D57F0}" type="slidenum">
+              <a:rPr lang="zh-CN" altLang="en-US" smtClean="0"/>
+              <a:t>12</a:t>
+            </a:fld>
+            <a:endParaRPr lang="zh-CN" altLang="en-US"/>
+          </a:p>
+        </p:txBody>
+      </p:sp>
+      <p:sp>
+        <p:nvSpPr>
+          <p:cNvPr id="70" name="内容占位符 2"/>
+          <p:cNvSpPr txBox="1">
+            <a:spLocks/>
+          </p:cNvSpPr>
+          <p:nvPr/>
+        </p:nvSpPr>
+        <p:spPr bwMode="auto">
+          <a:xfrm>
+            <a:off x="262532" y="1681885"/>
+            <a:ext cx="3993584" cy="4357166"/>
+          </a:xfrm>
+          <a:prstGeom prst="rect">
+            <a:avLst/>
+          </a:prstGeom>
+          <a:noFill/>
+          <a:ln w="9525">
+            <a:noFill/>
+            <a:miter lim="800000"/>
+            <a:headEnd/>
+            <a:tailEnd/>
+          </a:ln>
+        </p:spPr>
+        <p:txBody>
+          <a:bodyPr vert="horz" wrap="square" lIns="91440" tIns="45720" rIns="91440" bIns="45720" numCol="1" anchor="t" anchorCtr="0" compatLnSpc="1">
+            <a:prstTxWarp prst="textNoShape">
+              <a:avLst/>
+            </a:prstTxWarp>
+          </a:bodyPr>
+          <a:lstStyle>
+            <a:lvl1pPr algn="l" rtl="0" eaLnBrk="0" fontAlgn="base" hangingPunct="0">
+              <a:spcBef>
+                <a:spcPct val="20000"/>
+              </a:spcBef>
+              <a:spcAft>
+                <a:spcPct val="0"/>
+              </a:spcAft>
+              <a:buClr>
+                <a:srgbClr val="CC9900"/>
+              </a:buClr>
+              <a:buFont typeface="Wingdings" pitchFamily="2" charset="2"/>
+              <a:buChar char="p"/>
+              <a:defRPr sz="2000" b="0">
+                <a:solidFill>
+                  <a:srgbClr val="4A6784"/>
+                </a:solidFill>
+                <a:latin typeface="微软雅黑" pitchFamily="34" charset="-122"/>
+                <a:ea typeface="微软雅黑" pitchFamily="34" charset="-122"/>
+                <a:cs typeface="+mn-cs"/>
+              </a:defRPr>
+            </a:lvl1pPr>
+            <a:lvl2pPr marL="441325" indent="15875" algn="l" rtl="0" eaLnBrk="0" fontAlgn="base" hangingPunct="0">
+              <a:spcBef>
+                <a:spcPct val="20000"/>
+              </a:spcBef>
+              <a:spcAft>
+                <a:spcPct val="0"/>
+              </a:spcAft>
+              <a:buClr>
+                <a:srgbClr val="CC9900"/>
+              </a:buClr>
+              <a:buFont typeface="Wingdings" pitchFamily="2" charset="2"/>
+              <a:buChar char="Ø"/>
+              <a:defRPr b="0">
+                <a:solidFill>
+                  <a:schemeClr val="tx1"/>
+                </a:solidFill>
+                <a:latin typeface="微软雅黑" pitchFamily="34" charset="-122"/>
+                <a:ea typeface="微软雅黑" pitchFamily="34" charset="-122"/>
+              </a:defRPr>
+            </a:lvl2pPr>
+            <a:lvl3pPr marL="898525" indent="15875" algn="l" rtl="0" eaLnBrk="0" fontAlgn="base" hangingPunct="0">
+              <a:spcBef>
+                <a:spcPct val="20000"/>
+              </a:spcBef>
+              <a:spcAft>
+                <a:spcPct val="0"/>
+              </a:spcAft>
+              <a:buClr>
+                <a:srgbClr val="CC9900"/>
+              </a:buClr>
+              <a:buChar char="•"/>
+              <a:defRPr sz="1600">
+                <a:solidFill>
+                  <a:schemeClr val="tx1"/>
+                </a:solidFill>
+                <a:latin typeface="微软雅黑" pitchFamily="34" charset="-122"/>
+                <a:ea typeface="微软雅黑" pitchFamily="34" charset="-122"/>
+              </a:defRPr>
+            </a:lvl3pPr>
+            <a:lvl4pPr marL="1260475" algn="l" rtl="0" eaLnBrk="0" fontAlgn="base" hangingPunct="0">
+              <a:spcBef>
+                <a:spcPct val="20000"/>
+              </a:spcBef>
+              <a:spcAft>
+                <a:spcPct val="0"/>
+              </a:spcAft>
+              <a:buClr>
+                <a:srgbClr val="CC9900"/>
+              </a:buClr>
+              <a:buChar char="•"/>
+              <a:defRPr sz="1600">
+                <a:solidFill>
+                  <a:schemeClr val="tx1"/>
+                </a:solidFill>
+                <a:latin typeface="微软雅黑" pitchFamily="34" charset="-122"/>
+                <a:ea typeface="微软雅黑" pitchFamily="34" charset="-122"/>
+              </a:defRPr>
+            </a:lvl4pPr>
+            <a:lvl5pPr marL="1703388" algn="l" rtl="0" eaLnBrk="0" fontAlgn="base" hangingPunct="0">
+              <a:spcBef>
+                <a:spcPct val="20000"/>
+              </a:spcBef>
+              <a:spcAft>
+                <a:spcPct val="0"/>
+              </a:spcAft>
+              <a:buClr>
+                <a:srgbClr val="CC9900"/>
+              </a:buClr>
+              <a:buFont typeface="Arial" charset="0"/>
+              <a:buChar char="»"/>
+              <a:defRPr sz="1600">
+                <a:solidFill>
+                  <a:schemeClr val="tx1"/>
+                </a:solidFill>
+                <a:latin typeface="微软雅黑" pitchFamily="34" charset="-122"/>
+                <a:ea typeface="微软雅黑" pitchFamily="34" charset="-122"/>
+              </a:defRPr>
+            </a:lvl5pPr>
+            <a:lvl6pPr marL="2160588" algn="l" rtl="0" fontAlgn="base">
+              <a:spcBef>
+                <a:spcPct val="20000"/>
+              </a:spcBef>
+              <a:spcAft>
+                <a:spcPct val="0"/>
+              </a:spcAft>
+              <a:buClr>
+                <a:srgbClr val="CC9900"/>
+              </a:buClr>
+              <a:buFont typeface="Arial" charset="0"/>
+              <a:buChar char="»"/>
+              <a:defRPr>
+                <a:solidFill>
+                  <a:schemeClr val="tx1"/>
+                </a:solidFill>
+                <a:latin typeface="+mn-lt"/>
+                <a:ea typeface="+mn-ea"/>
+              </a:defRPr>
+            </a:lvl6pPr>
+            <a:lvl7pPr marL="2617788" algn="l" rtl="0" fontAlgn="base">
+              <a:spcBef>
+                <a:spcPct val="20000"/>
+              </a:spcBef>
+              <a:spcAft>
+                <a:spcPct val="0"/>
+              </a:spcAft>
+              <a:buClr>
+                <a:srgbClr val="CC9900"/>
+              </a:buClr>
+              <a:buFont typeface="Arial" charset="0"/>
+              <a:buChar char="»"/>
+              <a:defRPr>
+                <a:solidFill>
+                  <a:schemeClr val="tx1"/>
+                </a:solidFill>
+                <a:latin typeface="+mn-lt"/>
+                <a:ea typeface="+mn-ea"/>
+              </a:defRPr>
+            </a:lvl7pPr>
+            <a:lvl8pPr marL="3074988" algn="l" rtl="0" fontAlgn="base">
+              <a:spcBef>
+                <a:spcPct val="20000"/>
+              </a:spcBef>
+              <a:spcAft>
+                <a:spcPct val="0"/>
+              </a:spcAft>
+              <a:buClr>
+                <a:srgbClr val="CC9900"/>
+              </a:buClr>
+              <a:buFont typeface="Arial" charset="0"/>
+              <a:buChar char="»"/>
+              <a:defRPr>
+                <a:solidFill>
+                  <a:schemeClr val="tx1"/>
+                </a:solidFill>
+                <a:latin typeface="+mn-lt"/>
+                <a:ea typeface="+mn-ea"/>
+              </a:defRPr>
+            </a:lvl8pPr>
+            <a:lvl9pPr marL="3532188" algn="l" rtl="0" fontAlgn="base">
+              <a:spcBef>
+                <a:spcPct val="20000"/>
+              </a:spcBef>
+              <a:spcAft>
+                <a:spcPct val="0"/>
+              </a:spcAft>
+              <a:buClr>
+                <a:srgbClr val="CC9900"/>
+              </a:buClr>
+              <a:buFont typeface="Arial" charset="0"/>
+              <a:buChar char="»"/>
+              <a:defRPr>
+                <a:solidFill>
+                  <a:schemeClr val="tx1"/>
+                </a:solidFill>
+                <a:latin typeface="+mn-lt"/>
+                <a:ea typeface="+mn-ea"/>
+              </a:defRPr>
+            </a:lvl9pPr>
+          </a:lstStyle>
+          <a:p>
+            <a:pPr>
+              <a:buNone/>
+            </a:pPr>
+            <a:endParaRPr lang="en-US" altLang="zh-CN" dirty="0"/>
+          </a:p>
+          <a:p>
+            <a:r>
+              <a:rPr lang="zh-CN" altLang="en-US" dirty="0"/>
+              <a:t> 中年：</a:t>
+            </a:r>
+            <a:endParaRPr lang="en-US" altLang="zh-CN" dirty="0"/>
+          </a:p>
+          <a:p>
+            <a:pPr>
+              <a:buNone/>
+            </a:pPr>
+            <a:r>
+              <a:rPr lang="en-US" altLang="zh-CN" dirty="0"/>
+              <a:t>    </a:t>
+            </a:r>
+            <a:r>
+              <a:rPr lang="zh-CN" altLang="en-US" dirty="0"/>
+              <a:t>（</a:t>
+            </a:r>
+            <a:r>
+              <a:rPr lang="en-US" altLang="zh-CN" dirty="0"/>
+              <a:t>1</a:t>
+            </a:r>
+            <a:r>
+              <a:rPr lang="zh-CN" altLang="en-US" dirty="0"/>
+              <a:t>）更易碰撞运动车辆：</a:t>
+            </a:r>
+            <a:endParaRPr lang="en-US" altLang="zh-CN" dirty="0"/>
+          </a:p>
+          <a:p>
+            <a:pPr lvl="2"/>
+            <a:r>
+              <a:rPr lang="zh-CN" altLang="en-US" sz="2000" dirty="0">
+                <a:solidFill>
+                  <a:srgbClr val="4A6784"/>
+                </a:solidFill>
+              </a:rPr>
+              <a:t> 四级公路</a:t>
+            </a:r>
+            <a:endParaRPr lang="en-US" altLang="zh-CN" sz="2000" dirty="0">
+              <a:solidFill>
+                <a:srgbClr val="4A6784"/>
+              </a:solidFill>
+            </a:endParaRPr>
+          </a:p>
+          <a:p>
+            <a:pPr lvl="2" indent="0">
+              <a:buNone/>
+            </a:pPr>
+            <a:r>
+              <a:rPr lang="en-US" altLang="zh-CN" dirty="0"/>
+              <a:t>    </a:t>
+            </a:r>
+          </a:p>
+          <a:p>
+            <a:pPr>
+              <a:buNone/>
+            </a:pPr>
+            <a:r>
+              <a:rPr lang="zh-CN" altLang="en-US" dirty="0"/>
+              <a:t>    （</a:t>
+            </a:r>
+            <a:r>
+              <a:rPr lang="en-US" altLang="zh-CN" dirty="0"/>
+              <a:t>2</a:t>
+            </a:r>
+            <a:r>
+              <a:rPr lang="zh-CN" altLang="en-US" dirty="0"/>
+              <a:t>）更易碰撞静止车辆：</a:t>
+            </a:r>
+            <a:endParaRPr lang="en-US" altLang="zh-CN" dirty="0"/>
+          </a:p>
+          <a:p>
+            <a:pPr lvl="2"/>
+            <a:r>
+              <a:rPr lang="en-US" altLang="zh-CN" sz="2000" dirty="0">
+                <a:solidFill>
+                  <a:srgbClr val="4A6784"/>
+                </a:solidFill>
+              </a:rPr>
+              <a:t>  6-11</a:t>
+            </a:r>
+            <a:r>
+              <a:rPr lang="zh-CN" altLang="en-US" sz="2000" dirty="0">
+                <a:solidFill>
+                  <a:srgbClr val="4A6784"/>
+                </a:solidFill>
+              </a:rPr>
+              <a:t>点</a:t>
+            </a:r>
+            <a:endParaRPr lang="en-US" altLang="zh-CN" sz="2000" dirty="0">
+              <a:solidFill>
+                <a:srgbClr val="4A6784"/>
+              </a:solidFill>
+            </a:endParaRPr>
+          </a:p>
+          <a:p>
+            <a:pPr lvl="2"/>
+            <a:r>
+              <a:rPr lang="zh-CN" altLang="en-US" sz="2000" dirty="0">
+                <a:solidFill>
+                  <a:srgbClr val="4A6784"/>
+                </a:solidFill>
+              </a:rPr>
+              <a:t> 公共停车场</a:t>
+            </a:r>
+            <a:endParaRPr lang="en-US" altLang="zh-CN" sz="2000" dirty="0">
+              <a:solidFill>
+                <a:srgbClr val="4A6784"/>
+              </a:solidFill>
+            </a:endParaRPr>
+          </a:p>
+          <a:p>
+            <a:pPr lvl="2"/>
+            <a:r>
+              <a:rPr lang="zh-CN" altLang="en-US" sz="2000" dirty="0">
+                <a:solidFill>
+                  <a:srgbClr val="4A6784"/>
+                </a:solidFill>
+              </a:rPr>
+              <a:t>  公共广场</a:t>
+            </a:r>
+            <a:endParaRPr lang="en-US" altLang="zh-CN" sz="2000" dirty="0">
+              <a:solidFill>
+                <a:srgbClr val="4A6784"/>
+              </a:solidFill>
+            </a:endParaRPr>
+          </a:p>
+          <a:p>
+            <a:pPr lvl="2" indent="0">
+              <a:buNone/>
+            </a:pPr>
+            <a:endParaRPr lang="en-US" altLang="zh-CN" dirty="0"/>
+          </a:p>
+          <a:p>
+            <a:pPr lvl="1"/>
+            <a:endParaRPr lang="en-US" altLang="zh-CN" dirty="0"/>
+          </a:p>
+        </p:txBody>
+      </p:sp>
+      <p:sp>
+        <p:nvSpPr>
+          <p:cNvPr id="10" name="内容占位符 2">
+            <a:extLst>
+              <a:ext uri="{FF2B5EF4-FFF2-40B4-BE49-F238E27FC236}">
+                <a16:creationId xmlns:a16="http://schemas.microsoft.com/office/drawing/2014/main" id="{8A9E94C3-B494-4051-B2F0-C11603777DDF}"/>
+              </a:ext>
+            </a:extLst>
+          </p:cNvPr>
+          <p:cNvSpPr txBox="1">
+            <a:spLocks/>
+          </p:cNvSpPr>
+          <p:nvPr/>
+        </p:nvSpPr>
+        <p:spPr bwMode="auto">
+          <a:xfrm>
+            <a:off x="4750366" y="1681885"/>
+            <a:ext cx="3993584" cy="2628771"/>
+          </a:xfrm>
+          <a:prstGeom prst="rect">
+            <a:avLst/>
+          </a:prstGeom>
+          <a:noFill/>
+          <a:ln w="9525">
+            <a:noFill/>
+            <a:miter lim="800000"/>
+            <a:headEnd/>
+            <a:tailEnd/>
+          </a:ln>
+        </p:spPr>
+        <p:txBody>
+          <a:bodyPr vert="horz" wrap="square" lIns="91440" tIns="45720" rIns="91440" bIns="45720" numCol="1" anchor="t" anchorCtr="0" compatLnSpc="1">
+            <a:prstTxWarp prst="textNoShape">
+              <a:avLst/>
+            </a:prstTxWarp>
+          </a:bodyPr>
+          <a:lstStyle>
+            <a:lvl1pPr algn="l" rtl="0" eaLnBrk="0" fontAlgn="base" hangingPunct="0">
+              <a:spcBef>
+                <a:spcPct val="20000"/>
+              </a:spcBef>
+              <a:spcAft>
+                <a:spcPct val="0"/>
+              </a:spcAft>
+              <a:buClr>
+                <a:srgbClr val="CC9900"/>
+              </a:buClr>
+              <a:buFont typeface="Wingdings" pitchFamily="2" charset="2"/>
+              <a:buChar char="p"/>
+              <a:defRPr sz="2000" b="0">
+                <a:solidFill>
+                  <a:srgbClr val="4A6784"/>
+                </a:solidFill>
+                <a:latin typeface="微软雅黑" pitchFamily="34" charset="-122"/>
+                <a:ea typeface="微软雅黑" pitchFamily="34" charset="-122"/>
+                <a:cs typeface="+mn-cs"/>
+              </a:defRPr>
+            </a:lvl1pPr>
+            <a:lvl2pPr marL="441325" indent="15875" algn="l" rtl="0" eaLnBrk="0" fontAlgn="base" hangingPunct="0">
+              <a:spcBef>
+                <a:spcPct val="20000"/>
+              </a:spcBef>
+              <a:spcAft>
+                <a:spcPct val="0"/>
+              </a:spcAft>
+              <a:buClr>
+                <a:srgbClr val="CC9900"/>
+              </a:buClr>
+              <a:buFont typeface="Wingdings" pitchFamily="2" charset="2"/>
+              <a:buChar char="Ø"/>
+              <a:defRPr b="0">
+                <a:solidFill>
+                  <a:schemeClr val="tx1"/>
+                </a:solidFill>
+                <a:latin typeface="微软雅黑" pitchFamily="34" charset="-122"/>
+                <a:ea typeface="微软雅黑" pitchFamily="34" charset="-122"/>
+              </a:defRPr>
+            </a:lvl2pPr>
+            <a:lvl3pPr marL="898525" indent="15875" algn="l" rtl="0" eaLnBrk="0" fontAlgn="base" hangingPunct="0">
+              <a:spcBef>
+                <a:spcPct val="20000"/>
+              </a:spcBef>
+              <a:spcAft>
+                <a:spcPct val="0"/>
+              </a:spcAft>
+              <a:buClr>
+                <a:srgbClr val="CC9900"/>
+              </a:buClr>
+              <a:buChar char="•"/>
+              <a:defRPr sz="1600">
+                <a:solidFill>
+                  <a:schemeClr val="tx1"/>
+                </a:solidFill>
+                <a:latin typeface="微软雅黑" pitchFamily="34" charset="-122"/>
+                <a:ea typeface="微软雅黑" pitchFamily="34" charset="-122"/>
+              </a:defRPr>
+            </a:lvl3pPr>
+            <a:lvl4pPr marL="1260475" algn="l" rtl="0" eaLnBrk="0" fontAlgn="base" hangingPunct="0">
+              <a:spcBef>
+                <a:spcPct val="20000"/>
+              </a:spcBef>
+              <a:spcAft>
+                <a:spcPct val="0"/>
+              </a:spcAft>
+              <a:buClr>
+                <a:srgbClr val="CC9900"/>
+              </a:buClr>
+              <a:buChar char="•"/>
+              <a:defRPr sz="1600">
+                <a:solidFill>
+                  <a:schemeClr val="tx1"/>
+                </a:solidFill>
+                <a:latin typeface="微软雅黑" pitchFamily="34" charset="-122"/>
+                <a:ea typeface="微软雅黑" pitchFamily="34" charset="-122"/>
+              </a:defRPr>
+            </a:lvl4pPr>
+            <a:lvl5pPr marL="1703388" algn="l" rtl="0" eaLnBrk="0" fontAlgn="base" hangingPunct="0">
+              <a:spcBef>
+                <a:spcPct val="20000"/>
+              </a:spcBef>
+              <a:spcAft>
+                <a:spcPct val="0"/>
+              </a:spcAft>
+              <a:buClr>
+                <a:srgbClr val="CC9900"/>
+              </a:buClr>
+              <a:buFont typeface="Arial" charset="0"/>
+              <a:buChar char="»"/>
+              <a:defRPr sz="1600">
+                <a:solidFill>
+                  <a:schemeClr val="tx1"/>
+                </a:solidFill>
+                <a:latin typeface="微软雅黑" pitchFamily="34" charset="-122"/>
+                <a:ea typeface="微软雅黑" pitchFamily="34" charset="-122"/>
+              </a:defRPr>
+            </a:lvl5pPr>
+            <a:lvl6pPr marL="2160588" algn="l" rtl="0" fontAlgn="base">
+              <a:spcBef>
+                <a:spcPct val="20000"/>
+              </a:spcBef>
+              <a:spcAft>
+                <a:spcPct val="0"/>
+              </a:spcAft>
+              <a:buClr>
+                <a:srgbClr val="CC9900"/>
+              </a:buClr>
+              <a:buFont typeface="Arial" charset="0"/>
+              <a:buChar char="»"/>
+              <a:defRPr>
+                <a:solidFill>
+                  <a:schemeClr val="tx1"/>
+                </a:solidFill>
+                <a:latin typeface="+mn-lt"/>
+                <a:ea typeface="+mn-ea"/>
+              </a:defRPr>
+            </a:lvl6pPr>
+            <a:lvl7pPr marL="2617788" algn="l" rtl="0" fontAlgn="base">
+              <a:spcBef>
+                <a:spcPct val="20000"/>
+              </a:spcBef>
+              <a:spcAft>
+                <a:spcPct val="0"/>
+              </a:spcAft>
+              <a:buClr>
+                <a:srgbClr val="CC9900"/>
+              </a:buClr>
+              <a:buFont typeface="Arial" charset="0"/>
+              <a:buChar char="»"/>
+              <a:defRPr>
+                <a:solidFill>
+                  <a:schemeClr val="tx1"/>
+                </a:solidFill>
+                <a:latin typeface="+mn-lt"/>
+                <a:ea typeface="+mn-ea"/>
+              </a:defRPr>
+            </a:lvl7pPr>
+            <a:lvl8pPr marL="3074988" algn="l" rtl="0" fontAlgn="base">
+              <a:spcBef>
+                <a:spcPct val="20000"/>
+              </a:spcBef>
+              <a:spcAft>
+                <a:spcPct val="0"/>
+              </a:spcAft>
+              <a:buClr>
+                <a:srgbClr val="CC9900"/>
+              </a:buClr>
+              <a:buFont typeface="Arial" charset="0"/>
+              <a:buChar char="»"/>
+              <a:defRPr>
+                <a:solidFill>
+                  <a:schemeClr val="tx1"/>
+                </a:solidFill>
+                <a:latin typeface="+mn-lt"/>
+                <a:ea typeface="+mn-ea"/>
+              </a:defRPr>
+            </a:lvl8pPr>
+            <a:lvl9pPr marL="3532188" algn="l" rtl="0" fontAlgn="base">
+              <a:spcBef>
+                <a:spcPct val="20000"/>
+              </a:spcBef>
+              <a:spcAft>
+                <a:spcPct val="0"/>
+              </a:spcAft>
+              <a:buClr>
+                <a:srgbClr val="CC9900"/>
+              </a:buClr>
+              <a:buFont typeface="Arial" charset="0"/>
+              <a:buChar char="»"/>
+              <a:defRPr>
+                <a:solidFill>
+                  <a:schemeClr val="tx1"/>
+                </a:solidFill>
+                <a:latin typeface="+mn-lt"/>
+                <a:ea typeface="+mn-ea"/>
+              </a:defRPr>
+            </a:lvl9pPr>
+          </a:lstStyle>
+          <a:p>
+            <a:pPr>
+              <a:buNone/>
+            </a:pPr>
+            <a:endParaRPr lang="en-US" altLang="zh-CN" dirty="0"/>
+          </a:p>
+          <a:p>
+            <a:r>
+              <a:rPr lang="zh-CN" altLang="en-US" dirty="0"/>
+              <a:t> 老年：</a:t>
+            </a:r>
+            <a:endParaRPr lang="en-US" altLang="zh-CN" dirty="0"/>
+          </a:p>
+          <a:p>
+            <a:pPr>
+              <a:buNone/>
+            </a:pPr>
+            <a:r>
+              <a:rPr lang="en-US" altLang="zh-CN" dirty="0"/>
+              <a:t>    </a:t>
+            </a:r>
+            <a:r>
+              <a:rPr lang="zh-CN" altLang="en-US" dirty="0"/>
+              <a:t>（</a:t>
+            </a:r>
+            <a:r>
+              <a:rPr lang="en-US" altLang="zh-CN" dirty="0"/>
+              <a:t>1</a:t>
+            </a:r>
+            <a:r>
+              <a:rPr lang="zh-CN" altLang="en-US" dirty="0"/>
+              <a:t>）碰撞运动车辆：</a:t>
+            </a:r>
+            <a:endParaRPr lang="en-US" altLang="zh-CN" dirty="0"/>
+          </a:p>
+          <a:p>
+            <a:pPr lvl="2"/>
+            <a:r>
+              <a:rPr lang="zh-CN" altLang="en-US" sz="2000" dirty="0">
+                <a:solidFill>
+                  <a:srgbClr val="4A6784"/>
+                </a:solidFill>
+              </a:rPr>
+              <a:t> 一般城市道路有负影响</a:t>
+            </a:r>
+          </a:p>
+          <a:p>
+            <a:pPr lvl="2" indent="0">
+              <a:buNone/>
+            </a:pPr>
+            <a:endParaRPr lang="en-US" altLang="zh-CN" dirty="0"/>
+          </a:p>
+          <a:p>
+            <a:pPr>
+              <a:buNone/>
+            </a:pPr>
+            <a:r>
+              <a:rPr lang="zh-CN" altLang="en-US" dirty="0"/>
+              <a:t>    （</a:t>
+            </a:r>
+            <a:r>
+              <a:rPr lang="en-US" altLang="zh-CN" dirty="0"/>
+              <a:t>2</a:t>
+            </a:r>
+            <a:r>
+              <a:rPr lang="zh-CN" altLang="en-US" dirty="0"/>
+              <a:t>）碰撞静止车辆：</a:t>
+            </a:r>
+            <a:endParaRPr lang="en-US" altLang="zh-CN" dirty="0"/>
+          </a:p>
+          <a:p>
+            <a:pPr lvl="2"/>
+            <a:r>
+              <a:rPr lang="zh-CN" altLang="en-US" sz="2000" dirty="0">
+                <a:solidFill>
+                  <a:srgbClr val="4A6784"/>
+                </a:solidFill>
+              </a:rPr>
+              <a:t> 货车和客车时有负影响</a:t>
+            </a:r>
+          </a:p>
+          <a:p>
+            <a:pPr lvl="2" indent="0">
+              <a:buNone/>
+            </a:pPr>
+            <a:endParaRPr lang="en-US" altLang="zh-CN" dirty="0"/>
+          </a:p>
+          <a:p>
+            <a:pPr lvl="1"/>
+            <a:endParaRPr lang="en-US" altLang="zh-CN" dirty="0"/>
+          </a:p>
+        </p:txBody>
+      </p:sp>
+    </p:spTree>
+    <p:extLst>
+      <p:ext uri="{BB962C8B-B14F-4D97-AF65-F5344CB8AC3E}">
+        <p14:creationId xmlns:p14="http://schemas.microsoft.com/office/powerpoint/2010/main" val="2587568987"/>
+      </p:ext>
+    </p:extLst>
+  </p:cSld>
+  <p:clrMapOvr>
+    <a:masterClrMapping/>
+  </p:clrMapOvr>
+</p:sld>
+</file>
+
+<file path=ppt/slides/slide13.xml><?xml version="1.0" encoding="utf-8"?>
+<p:sld xmlns:a="http://schemas.openxmlformats.org/drawingml/2006/main" xmlns:r="http://schemas.openxmlformats.org/officeDocument/2006/relationships" xmlns:p="http://schemas.openxmlformats.org/presentationml/2006/main">
+  <p:cSld>
+    <p:spTree>
+      <p:nvGrpSpPr>
+        <p:cNvPr id="1" name=""/>
+        <p:cNvGrpSpPr/>
+        <p:nvPr/>
+      </p:nvGrpSpPr>
+      <p:grpSpPr>
+        <a:xfrm>
+          <a:off x="0" y="0"/>
+          <a:ext cx="0" cy="0"/>
+          <a:chOff x="0" y="0"/>
+          <a:chExt cx="0" cy="0"/>
+        </a:xfrm>
+      </p:grpSpPr>
+      <p:pic>
+        <p:nvPicPr>
+          <p:cNvPr id="1030" name="Picture 6"/>
+          <p:cNvPicPr>
+            <a:picLocks noChangeAspect="1" noChangeArrowheads="1"/>
+          </p:cNvPicPr>
+          <p:nvPr/>
+        </p:nvPicPr>
+        <p:blipFill>
+          <a:blip r:embed="rId3">
+            <a:extLst>
+              <a:ext uri="{28A0092B-C50C-407E-A947-70E740481C1C}">
+                <a14:useLocalDpi xmlns:a14="http://schemas.microsoft.com/office/drawing/2010/main" val="0"/>
+              </a:ext>
+            </a:extLst>
+          </a:blip>
+          <a:srcRect/>
+          <a:stretch>
+            <a:fillRect/>
+          </a:stretch>
+        </p:blipFill>
+        <p:spPr bwMode="auto">
+          <a:xfrm>
+            <a:off x="0" y="0"/>
+            <a:ext cx="9144000" cy="685800"/>
+          </a:xfrm>
+          <a:prstGeom prst="rect">
+            <a:avLst/>
+          </a:prstGeom>
+          <a:noFill/>
+          <a:ln>
+            <a:noFill/>
+          </a:ln>
+          <a:effectLst/>
+          <a:extLst>
+            <a:ext uri="{909E8E84-426E-40DD-AFC4-6F175D3DCCD1}">
+              <a14:hiddenFill xmlns:a14="http://schemas.microsoft.com/office/drawing/2010/main">
+                <a:solidFill>
+                  <a:schemeClr val="accent1"/>
+                </a:solidFill>
+              </a14:hiddenFill>
+            </a:ext>
+            <a:ext uri="{91240B29-F687-4F45-9708-019B960494DF}">
+              <a14:hiddenLine xmlns:a14="http://schemas.microsoft.com/office/drawing/2010/main" w="9525">
+                <a:solidFill>
+                  <a:schemeClr val="tx1"/>
+                </a:solidFill>
+                <a:miter lim="800000"/>
+                <a:headEnd/>
+                <a:tailEnd/>
+              </a14:hiddenLine>
+            </a:ext>
+            <a:ext uri="{AF507438-7753-43E0-B8FC-AC1667EBCBE1}">
+              <a14:hiddenEffects xmlns:a14="http://schemas.microsoft.com/office/drawing/2010/main">
+                <a:effectLst>
+                  <a:outerShdw dist="35921" dir="2700000" algn="ctr" rotWithShape="0">
+                    <a:schemeClr val="bg2"/>
+                  </a:outerShdw>
+                </a:effectLst>
+              </a14:hiddenEffects>
+            </a:ext>
+          </a:extLst>
+        </p:spPr>
+      </p:pic>
+      <p:sp>
+        <p:nvSpPr>
+          <p:cNvPr id="2" name="TextBox 1"/>
+          <p:cNvSpPr txBox="1"/>
+          <p:nvPr/>
+        </p:nvSpPr>
+        <p:spPr>
+          <a:xfrm>
+            <a:off x="395535" y="142845"/>
+            <a:ext cx="8348415" cy="400110"/>
+          </a:xfrm>
+          <a:prstGeom prst="rect">
+            <a:avLst/>
+          </a:prstGeom>
+          <a:noFill/>
+        </p:spPr>
+        <p:txBody>
+          <a:bodyPr wrap="square" rtlCol="0">
+            <a:spAutoFit/>
+          </a:bodyPr>
+          <a:lstStyle/>
+          <a:p>
+            <a:r>
+              <a:rPr lang="zh-CN" altLang="en-US" sz="2000" b="1">
+                <a:solidFill>
+                  <a:srgbClr val="FFFFFF"/>
+                </a:solidFill>
+                <a:effectLst>
+                  <a:outerShdw blurRad="38100" dist="38100" dir="2700000" algn="tl">
+                    <a:srgbClr val="000000">
+                      <a:alpha val="43137"/>
+                    </a:srgbClr>
+                  </a:outerShdw>
+                </a:effectLst>
+                <a:latin typeface="微软雅黑" pitchFamily="34" charset="-122"/>
+                <a:ea typeface="微软雅黑" pitchFamily="34" charset="-122"/>
+              </a:rPr>
+              <a:t>交互效应</a:t>
+            </a:r>
+            <a:endParaRPr lang="zh-CN" altLang="en-US" sz="2000" b="1" dirty="0">
+              <a:solidFill>
+                <a:srgbClr val="FFFFFF"/>
+              </a:solidFill>
+              <a:effectLst>
+                <a:outerShdw blurRad="38100" dist="38100" dir="2700000" algn="tl">
+                  <a:srgbClr val="000000">
+                    <a:alpha val="43137"/>
+                  </a:srgbClr>
+                </a:outerShdw>
+              </a:effectLst>
+              <a:latin typeface="微软雅黑" pitchFamily="34" charset="-122"/>
+              <a:ea typeface="微软雅黑" pitchFamily="34" charset="-122"/>
+            </a:endParaRPr>
+          </a:p>
+        </p:txBody>
+      </p:sp>
+      <p:sp>
+        <p:nvSpPr>
+          <p:cNvPr id="7" name="矩形 6"/>
+          <p:cNvSpPr/>
+          <p:nvPr/>
+        </p:nvSpPr>
+        <p:spPr>
+          <a:xfrm>
+            <a:off x="0" y="6789944"/>
+            <a:ext cx="9144000" cy="68056"/>
+          </a:xfrm>
+          <a:prstGeom prst="rect">
+            <a:avLst/>
+          </a:prstGeom>
+          <a:solidFill>
+            <a:srgbClr val="415D7B"/>
+          </a:solidFill>
+          <a:ln>
+            <a:noFill/>
+          </a:ln>
+        </p:spPr>
+        <p:style>
+          <a:lnRef idx="2">
+            <a:schemeClr val="accent1">
+              <a:shade val="50000"/>
+            </a:schemeClr>
+          </a:lnRef>
+          <a:fillRef idx="1">
+            <a:schemeClr val="accent1"/>
+          </a:fillRef>
+          <a:effectRef idx="0">
+            <a:schemeClr val="accent1"/>
+          </a:effectRef>
+          <a:fontRef idx="minor">
+            <a:schemeClr val="lt1"/>
+          </a:fontRef>
+        </p:style>
+        <p:txBody>
+          <a:bodyPr rtlCol="0" anchor="ctr"/>
+          <a:lstStyle/>
+          <a:p>
+            <a:pPr algn="ctr"/>
+            <a:endParaRPr lang="zh-CN" altLang="en-US"/>
+          </a:p>
+        </p:txBody>
+      </p:sp>
+      <p:sp>
+        <p:nvSpPr>
+          <p:cNvPr id="3" name="灯片编号占位符 2"/>
+          <p:cNvSpPr>
+            <a:spLocks noGrp="1"/>
+          </p:cNvSpPr>
+          <p:nvPr>
+            <p:ph type="sldNum" sz="quarter" idx="12"/>
+          </p:nvPr>
+        </p:nvSpPr>
+        <p:spPr/>
+        <p:txBody>
+          <a:bodyPr/>
+          <a:lstStyle/>
+          <a:p>
+            <a:fld id="{0F003B9C-CE26-4D71-B59B-D3ECF06D57F0}" type="slidenum">
+              <a:rPr lang="zh-CN" altLang="en-US" smtClean="0"/>
+              <a:t>13</a:t>
+            </a:fld>
+            <a:endParaRPr lang="zh-CN" altLang="en-US"/>
+          </a:p>
+        </p:txBody>
+      </p:sp>
+      <p:sp>
+        <p:nvSpPr>
+          <p:cNvPr id="70" name="内容占位符 2"/>
+          <p:cNvSpPr txBox="1">
+            <a:spLocks/>
+          </p:cNvSpPr>
+          <p:nvPr/>
+        </p:nvSpPr>
+        <p:spPr bwMode="auto">
+          <a:xfrm>
+            <a:off x="548281" y="669175"/>
+            <a:ext cx="7967069" cy="1717102"/>
+          </a:xfrm>
+          <a:prstGeom prst="rect">
+            <a:avLst/>
+          </a:prstGeom>
+          <a:noFill/>
+          <a:ln w="9525">
+            <a:noFill/>
+            <a:miter lim="800000"/>
+            <a:headEnd/>
+            <a:tailEnd/>
+          </a:ln>
+        </p:spPr>
+        <p:txBody>
+          <a:bodyPr vert="horz" wrap="square" lIns="91440" tIns="45720" rIns="91440" bIns="45720" numCol="1" anchor="t" anchorCtr="0" compatLnSpc="1">
+            <a:prstTxWarp prst="textNoShape">
+              <a:avLst/>
+            </a:prstTxWarp>
+          </a:bodyPr>
+          <a:lstStyle>
+            <a:lvl1pPr algn="l" rtl="0" eaLnBrk="0" fontAlgn="base" hangingPunct="0">
+              <a:spcBef>
+                <a:spcPct val="20000"/>
+              </a:spcBef>
+              <a:spcAft>
+                <a:spcPct val="0"/>
+              </a:spcAft>
+              <a:buClr>
+                <a:srgbClr val="CC9900"/>
+              </a:buClr>
+              <a:buFont typeface="Wingdings" pitchFamily="2" charset="2"/>
+              <a:buChar char="p"/>
+              <a:defRPr sz="2000" b="0">
+                <a:solidFill>
+                  <a:srgbClr val="4A6784"/>
+                </a:solidFill>
+                <a:latin typeface="微软雅黑" pitchFamily="34" charset="-122"/>
+                <a:ea typeface="微软雅黑" pitchFamily="34" charset="-122"/>
+                <a:cs typeface="+mn-cs"/>
+              </a:defRPr>
+            </a:lvl1pPr>
+            <a:lvl2pPr marL="441325" indent="15875" algn="l" rtl="0" eaLnBrk="0" fontAlgn="base" hangingPunct="0">
+              <a:spcBef>
+                <a:spcPct val="20000"/>
+              </a:spcBef>
+              <a:spcAft>
+                <a:spcPct val="0"/>
+              </a:spcAft>
+              <a:buClr>
+                <a:srgbClr val="CC9900"/>
+              </a:buClr>
+              <a:buFont typeface="Wingdings" pitchFamily="2" charset="2"/>
+              <a:buChar char="Ø"/>
+              <a:defRPr b="0">
+                <a:solidFill>
+                  <a:schemeClr val="tx1"/>
+                </a:solidFill>
+                <a:latin typeface="微软雅黑" pitchFamily="34" charset="-122"/>
+                <a:ea typeface="微软雅黑" pitchFamily="34" charset="-122"/>
+              </a:defRPr>
+            </a:lvl2pPr>
+            <a:lvl3pPr marL="898525" indent="15875" algn="l" rtl="0" eaLnBrk="0" fontAlgn="base" hangingPunct="0">
+              <a:spcBef>
+                <a:spcPct val="20000"/>
+              </a:spcBef>
+              <a:spcAft>
+                <a:spcPct val="0"/>
+              </a:spcAft>
+              <a:buClr>
+                <a:srgbClr val="CC9900"/>
+              </a:buClr>
+              <a:buChar char="•"/>
+              <a:defRPr sz="1600">
+                <a:solidFill>
+                  <a:schemeClr val="tx1"/>
+                </a:solidFill>
+                <a:latin typeface="微软雅黑" pitchFamily="34" charset="-122"/>
+                <a:ea typeface="微软雅黑" pitchFamily="34" charset="-122"/>
+              </a:defRPr>
+            </a:lvl3pPr>
+            <a:lvl4pPr marL="1260475" algn="l" rtl="0" eaLnBrk="0" fontAlgn="base" hangingPunct="0">
+              <a:spcBef>
+                <a:spcPct val="20000"/>
+              </a:spcBef>
+              <a:spcAft>
+                <a:spcPct val="0"/>
+              </a:spcAft>
+              <a:buClr>
+                <a:srgbClr val="CC9900"/>
+              </a:buClr>
+              <a:buChar char="•"/>
+              <a:defRPr sz="1600">
+                <a:solidFill>
+                  <a:schemeClr val="tx1"/>
+                </a:solidFill>
+                <a:latin typeface="微软雅黑" pitchFamily="34" charset="-122"/>
+                <a:ea typeface="微软雅黑" pitchFamily="34" charset="-122"/>
+              </a:defRPr>
+            </a:lvl4pPr>
+            <a:lvl5pPr marL="1703388" algn="l" rtl="0" eaLnBrk="0" fontAlgn="base" hangingPunct="0">
+              <a:spcBef>
+                <a:spcPct val="20000"/>
+              </a:spcBef>
+              <a:spcAft>
+                <a:spcPct val="0"/>
+              </a:spcAft>
+              <a:buClr>
+                <a:srgbClr val="CC9900"/>
+              </a:buClr>
+              <a:buFont typeface="Arial" charset="0"/>
+              <a:buChar char="»"/>
+              <a:defRPr sz="1600">
+                <a:solidFill>
+                  <a:schemeClr val="tx1"/>
+                </a:solidFill>
+                <a:latin typeface="微软雅黑" pitchFamily="34" charset="-122"/>
+                <a:ea typeface="微软雅黑" pitchFamily="34" charset="-122"/>
+              </a:defRPr>
+            </a:lvl5pPr>
+            <a:lvl6pPr marL="2160588" algn="l" rtl="0" fontAlgn="base">
+              <a:spcBef>
+                <a:spcPct val="20000"/>
+              </a:spcBef>
+              <a:spcAft>
+                <a:spcPct val="0"/>
+              </a:spcAft>
+              <a:buClr>
+                <a:srgbClr val="CC9900"/>
+              </a:buClr>
+              <a:buFont typeface="Arial" charset="0"/>
+              <a:buChar char="»"/>
+              <a:defRPr>
+                <a:solidFill>
+                  <a:schemeClr val="tx1"/>
+                </a:solidFill>
+                <a:latin typeface="+mn-lt"/>
+                <a:ea typeface="+mn-ea"/>
+              </a:defRPr>
+            </a:lvl6pPr>
+            <a:lvl7pPr marL="2617788" algn="l" rtl="0" fontAlgn="base">
+              <a:spcBef>
+                <a:spcPct val="20000"/>
+              </a:spcBef>
+              <a:spcAft>
+                <a:spcPct val="0"/>
+              </a:spcAft>
+              <a:buClr>
+                <a:srgbClr val="CC9900"/>
+              </a:buClr>
+              <a:buFont typeface="Arial" charset="0"/>
+              <a:buChar char="»"/>
+              <a:defRPr>
+                <a:solidFill>
+                  <a:schemeClr val="tx1"/>
+                </a:solidFill>
+                <a:latin typeface="+mn-lt"/>
+                <a:ea typeface="+mn-ea"/>
+              </a:defRPr>
+            </a:lvl7pPr>
+            <a:lvl8pPr marL="3074988" algn="l" rtl="0" fontAlgn="base">
+              <a:spcBef>
+                <a:spcPct val="20000"/>
+              </a:spcBef>
+              <a:spcAft>
+                <a:spcPct val="0"/>
+              </a:spcAft>
+              <a:buClr>
+                <a:srgbClr val="CC9900"/>
+              </a:buClr>
+              <a:buFont typeface="Arial" charset="0"/>
+              <a:buChar char="»"/>
+              <a:defRPr>
+                <a:solidFill>
+                  <a:schemeClr val="tx1"/>
+                </a:solidFill>
+                <a:latin typeface="+mn-lt"/>
+                <a:ea typeface="+mn-ea"/>
+              </a:defRPr>
+            </a:lvl8pPr>
+            <a:lvl9pPr marL="3532188" algn="l" rtl="0" fontAlgn="base">
+              <a:spcBef>
+                <a:spcPct val="20000"/>
+              </a:spcBef>
+              <a:spcAft>
+                <a:spcPct val="0"/>
+              </a:spcAft>
+              <a:buClr>
+                <a:srgbClr val="CC9900"/>
+              </a:buClr>
+              <a:buFont typeface="Arial" charset="0"/>
+              <a:buChar char="»"/>
+              <a:defRPr>
+                <a:solidFill>
+                  <a:schemeClr val="tx1"/>
+                </a:solidFill>
+                <a:latin typeface="+mn-lt"/>
+                <a:ea typeface="+mn-ea"/>
+              </a:defRPr>
+            </a:lvl9pPr>
+          </a:lstStyle>
+          <a:p>
+            <a:pPr algn="just">
+              <a:buNone/>
+            </a:pPr>
+            <a:endParaRPr lang="en-US" altLang="zh-CN" kern="0" dirty="0"/>
+          </a:p>
+          <a:p>
+            <a:pPr algn="just"/>
+            <a:endParaRPr lang="en-US" altLang="zh-CN" kern="0" dirty="0"/>
+          </a:p>
+          <a:p>
+            <a:pPr algn="just"/>
+            <a:r>
+              <a:rPr lang="en-US" altLang="zh-CN" kern="0" dirty="0"/>
+              <a:t> </a:t>
+            </a:r>
+            <a:r>
+              <a:rPr lang="zh-CN" altLang="en-US" kern="0" dirty="0"/>
+              <a:t>自变量不能太多</a:t>
+            </a:r>
+            <a:r>
+              <a:rPr lang="en-US" altLang="zh-CN" kern="0" dirty="0"/>
+              <a:t>——</a:t>
+            </a:r>
+            <a:r>
+              <a:rPr lang="zh-CN" altLang="en-US" kern="0" dirty="0"/>
+              <a:t>只选取了</a:t>
+            </a:r>
+            <a:r>
+              <a:rPr lang="zh-CN" altLang="en-US" kern="0" dirty="0">
+                <a:solidFill>
+                  <a:srgbClr val="C00000"/>
+                </a:solidFill>
+              </a:rPr>
+              <a:t>天气</a:t>
+            </a:r>
+            <a:r>
+              <a:rPr lang="zh-CN" altLang="en-US" kern="0" dirty="0"/>
+              <a:t>、</a:t>
+            </a:r>
+            <a:r>
+              <a:rPr lang="zh-CN" altLang="en-US" kern="0" dirty="0">
+                <a:solidFill>
+                  <a:srgbClr val="C00000"/>
+                </a:solidFill>
+              </a:rPr>
+              <a:t>性别</a:t>
+            </a:r>
+            <a:r>
+              <a:rPr lang="zh-CN" altLang="en-US" kern="0" dirty="0"/>
+              <a:t>、</a:t>
+            </a:r>
+            <a:r>
+              <a:rPr lang="zh-CN" altLang="en-US" kern="0" dirty="0">
+                <a:solidFill>
+                  <a:srgbClr val="C00000"/>
+                </a:solidFill>
+              </a:rPr>
+              <a:t>车辆类型</a:t>
+            </a:r>
+            <a:endParaRPr lang="en-US" altLang="zh-CN" kern="0" dirty="0">
+              <a:solidFill>
+                <a:srgbClr val="C00000"/>
+              </a:solidFill>
+            </a:endParaRPr>
+          </a:p>
+        </p:txBody>
+      </p:sp>
+    </p:spTree>
+    <p:extLst>
+      <p:ext uri="{BB962C8B-B14F-4D97-AF65-F5344CB8AC3E}">
+        <p14:creationId xmlns:p14="http://schemas.microsoft.com/office/powerpoint/2010/main" val="3795697661"/>
+      </p:ext>
+    </p:extLst>
+  </p:cSld>
+  <p:clrMapOvr>
+    <a:masterClrMapping/>
+  </p:clrMapOvr>
+</p:sld>
+</file>
+
+<file path=ppt/slides/slide14.xml><?xml version="1.0" encoding="utf-8"?>
+<p:sld xmlns:a="http://schemas.openxmlformats.org/drawingml/2006/main" xmlns:r="http://schemas.openxmlformats.org/officeDocument/2006/relationships" xmlns:p="http://schemas.openxmlformats.org/presentationml/2006/main">
+  <p:cSld>
+    <p:spTree>
+      <p:nvGrpSpPr>
+        <p:cNvPr id="1" name=""/>
+        <p:cNvGrpSpPr/>
+        <p:nvPr/>
+      </p:nvGrpSpPr>
+      <p:grpSpPr>
+        <a:xfrm>
+          <a:off x="0" y="0"/>
+          <a:ext cx="0" cy="0"/>
+          <a:chOff x="0" y="0"/>
+          <a:chExt cx="0" cy="0"/>
+        </a:xfrm>
+      </p:grpSpPr>
+      <p:pic>
+        <p:nvPicPr>
+          <p:cNvPr id="4" name="图片 3"/>
+          <p:cNvPicPr>
+            <a:picLocks noChangeAspect="1"/>
+          </p:cNvPicPr>
+          <p:nvPr/>
+        </p:nvPicPr>
+        <p:blipFill>
+          <a:blip r:embed="rId2" cstate="print">
+            <a:extLst>
+              <a:ext uri="{28A0092B-C50C-407E-A947-70E740481C1C}">
+                <a14:useLocalDpi xmlns:a14="http://schemas.microsoft.com/office/drawing/2010/main" val="0"/>
+              </a:ext>
+            </a:extLst>
+          </a:blip>
+          <a:stretch>
+            <a:fillRect/>
+          </a:stretch>
+        </p:blipFill>
+        <p:spPr>
+          <a:xfrm>
+            <a:off x="-1" y="-1"/>
+            <a:ext cx="9144887" cy="5143999"/>
+          </a:xfrm>
+          <a:prstGeom prst="rect">
+            <a:avLst/>
+          </a:prstGeom>
+        </p:spPr>
+      </p:pic>
+      <p:sp>
+        <p:nvSpPr>
+          <p:cNvPr id="24" name="矩形 23"/>
+          <p:cNvSpPr/>
+          <p:nvPr/>
+        </p:nvSpPr>
+        <p:spPr>
+          <a:xfrm>
+            <a:off x="1331" y="5184351"/>
+            <a:ext cx="9143556" cy="1674000"/>
+          </a:xfrm>
+          <a:prstGeom prst="rect">
+            <a:avLst/>
+          </a:prstGeom>
+          <a:solidFill>
+            <a:srgbClr val="A3A3A3"/>
+          </a:solidFill>
+          <a:ln>
+            <a:noFill/>
+          </a:ln>
+        </p:spPr>
+        <p:style>
+          <a:lnRef idx="2">
+            <a:schemeClr val="accent1">
+              <a:shade val="50000"/>
+            </a:schemeClr>
+          </a:lnRef>
+          <a:fillRef idx="1">
+            <a:schemeClr val="accent1"/>
+          </a:fillRef>
+          <a:effectRef idx="0">
+            <a:schemeClr val="accent1"/>
+          </a:effectRef>
+          <a:fontRef idx="minor">
+            <a:schemeClr val="lt1"/>
+          </a:fontRef>
+        </p:style>
+        <p:txBody>
+          <a:bodyPr rtlCol="0" anchor="ctr"/>
+          <a:lstStyle/>
+          <a:p>
+            <a:pPr algn="ctr"/>
+            <a:endParaRPr lang="zh-CN" altLang="en-US"/>
+          </a:p>
+        </p:txBody>
+      </p:sp>
+      <p:sp>
+        <p:nvSpPr>
+          <p:cNvPr id="19" name="矩形 18"/>
+          <p:cNvSpPr/>
+          <p:nvPr/>
+        </p:nvSpPr>
+        <p:spPr>
+          <a:xfrm>
+            <a:off x="1331" y="0"/>
+            <a:ext cx="9143556" cy="5143998"/>
+          </a:xfrm>
+          <a:prstGeom prst="rect">
+            <a:avLst/>
+          </a:prstGeom>
+          <a:gradFill>
+            <a:gsLst>
+              <a:gs pos="0">
+                <a:srgbClr val="405F7C">
+                  <a:alpha val="85000"/>
+                </a:srgbClr>
+              </a:gs>
+              <a:gs pos="50000">
+                <a:srgbClr val="4A698C">
+                  <a:alpha val="95000"/>
+                </a:srgbClr>
+              </a:gs>
+              <a:gs pos="100000">
+                <a:srgbClr val="415D7B">
+                  <a:alpha val="95000"/>
+                </a:srgbClr>
+              </a:gs>
+            </a:gsLst>
+            <a:lin ang="5400000" scaled="0"/>
+          </a:gradFill>
+          <a:ln>
+            <a:noFill/>
+          </a:ln>
+        </p:spPr>
+        <p:style>
+          <a:lnRef idx="2">
+            <a:schemeClr val="accent1">
+              <a:shade val="50000"/>
+            </a:schemeClr>
+          </a:lnRef>
+          <a:fillRef idx="1">
+            <a:schemeClr val="accent1"/>
+          </a:fillRef>
+          <a:effectRef idx="0">
+            <a:schemeClr val="accent1"/>
+          </a:effectRef>
+          <a:fontRef idx="minor">
+            <a:schemeClr val="lt1"/>
+          </a:fontRef>
+        </p:style>
+        <p:txBody>
+          <a:bodyPr rtlCol="0" anchor="ctr"/>
+          <a:lstStyle/>
+          <a:p>
+            <a:pPr algn="ctr"/>
+            <a:endParaRPr lang="zh-CN" altLang="en-US"/>
+          </a:p>
+        </p:txBody>
+      </p:sp>
+      <p:sp>
+        <p:nvSpPr>
+          <p:cNvPr id="20" name="TextBox 19"/>
+          <p:cNvSpPr txBox="1"/>
+          <p:nvPr/>
+        </p:nvSpPr>
+        <p:spPr>
+          <a:xfrm>
+            <a:off x="3707904" y="2492896"/>
+            <a:ext cx="4392454" cy="707886"/>
+          </a:xfrm>
+          <a:prstGeom prst="rect">
+            <a:avLst/>
+          </a:prstGeom>
+          <a:noFill/>
+        </p:spPr>
+        <p:txBody>
+          <a:bodyPr wrap="square" rtlCol="0">
+            <a:spAutoFit/>
+          </a:bodyPr>
+          <a:lstStyle/>
+          <a:p>
+            <a:pPr algn="r"/>
+            <a:r>
+              <a:rPr lang="zh-CN" altLang="en-US" sz="4000" b="1" dirty="0">
+                <a:solidFill>
+                  <a:srgbClr val="FFFFFF"/>
+                </a:solidFill>
+                <a:effectLst>
+                  <a:outerShdw blurRad="38100" dist="38100" dir="2700000" algn="tl">
+                    <a:srgbClr val="000000">
+                      <a:alpha val="43137"/>
+                    </a:srgbClr>
+                  </a:outerShdw>
+                </a:effectLst>
+                <a:latin typeface="Arial Unicode MS" pitchFamily="34" charset="-122"/>
+                <a:ea typeface="Arial Unicode MS" pitchFamily="34" charset="-122"/>
+                <a:cs typeface="Arial Unicode MS" pitchFamily="34" charset="-122"/>
+              </a:rPr>
+              <a:t>谢谢</a:t>
+            </a:r>
+            <a:r>
+              <a:rPr lang="en-US" altLang="zh-CN" sz="4000" b="1" dirty="0">
+                <a:solidFill>
+                  <a:srgbClr val="FFFFFF"/>
+                </a:solidFill>
+                <a:effectLst>
+                  <a:outerShdw blurRad="38100" dist="38100" dir="2700000" algn="tl">
+                    <a:srgbClr val="000000">
+                      <a:alpha val="43137"/>
+                    </a:srgbClr>
+                  </a:outerShdw>
+                </a:effectLst>
+                <a:latin typeface="Arial Unicode MS" pitchFamily="34" charset="-122"/>
+                <a:ea typeface="Arial Unicode MS" pitchFamily="34" charset="-122"/>
+                <a:cs typeface="Arial Unicode MS" pitchFamily="34" charset="-122"/>
+              </a:rPr>
+              <a:t>!</a:t>
+            </a:r>
+            <a:endParaRPr lang="zh-CN" altLang="en-US" sz="4000" b="1" dirty="0">
+              <a:solidFill>
+                <a:srgbClr val="FFFFFF"/>
+              </a:solidFill>
+              <a:effectLst>
+                <a:outerShdw blurRad="38100" dist="38100" dir="2700000" algn="tl">
+                  <a:srgbClr val="000000">
+                    <a:alpha val="43137"/>
+                  </a:srgbClr>
+                </a:outerShdw>
+              </a:effectLst>
+              <a:latin typeface="Arial Unicode MS" pitchFamily="34" charset="-122"/>
+              <a:ea typeface="Arial Unicode MS" pitchFamily="34" charset="-122"/>
+              <a:cs typeface="Arial Unicode MS" pitchFamily="34" charset="-122"/>
+            </a:endParaRPr>
+          </a:p>
+        </p:txBody>
+      </p:sp>
+    </p:spTree>
+    <p:extLst>
+      <p:ext uri="{BB962C8B-B14F-4D97-AF65-F5344CB8AC3E}">
+        <p14:creationId xmlns:p14="http://schemas.microsoft.com/office/powerpoint/2010/main" val="2580374432"/>
+      </p:ext>
+    </p:extLst>
+  </p:cSld>
+  <p:clrMapOvr>
+    <a:masterClrMapping/>
+  </p:clrMapOvr>
+  <p:transition advTm="5508"/>
+</p:sld>
+</file>
+
 <file path=ppt/slides/slide2.xml><?xml version="1.0" encoding="utf-8"?>
 <p:sld xmlns:a="http://schemas.openxmlformats.org/drawingml/2006/main" xmlns:r="http://schemas.openxmlformats.org/officeDocument/2006/relationships" xmlns:p="http://schemas.openxmlformats.org/presentationml/2006/main">
   <p:cSld>
@@ -4665,7 +8549,7 @@
         </p:nvSpPr>
         <p:spPr bwMode="auto">
           <a:xfrm>
-            <a:off x="1547014" y="1350036"/>
+            <a:off x="1563639" y="1234714"/>
             <a:ext cx="5751561" cy="4572722"/>
           </a:xfrm>
           <a:prstGeom prst="rect">
@@ -4919,22 +8803,6 @@
             <a:endParaRPr lang="en-US" altLang="zh-CN" kern="0" dirty="0"/>
           </a:p>
           <a:p>
-            <a:pPr algn="just"/>
-            <a:endParaRPr lang="en-US" altLang="zh-CN" kern="0" dirty="0"/>
-          </a:p>
-          <a:p>
-            <a:pPr algn="just"/>
-            <a:r>
-              <a:rPr lang="en-US" altLang="zh-CN" kern="0" dirty="0"/>
-              <a:t> </a:t>
-            </a:r>
-            <a:r>
-              <a:rPr lang="zh-CN" altLang="en-US" kern="0" dirty="0"/>
-              <a:t>交互效应</a:t>
-            </a:r>
-            <a:endParaRPr lang="en-US" altLang="zh-CN" kern="0" dirty="0"/>
-          </a:p>
-          <a:p>
             <a:pPr algn="just">
               <a:buNone/>
             </a:pPr>
@@ -4949,6 +8817,18 @@
             <a:r>
               <a:rPr lang="zh-CN" altLang="en-US" kern="0" dirty="0"/>
               <a:t>回归</a:t>
+            </a:r>
+            <a:endParaRPr lang="en-US" altLang="zh-CN" kern="0" dirty="0"/>
+          </a:p>
+          <a:p>
+            <a:pPr algn="just"/>
+            <a:endParaRPr lang="en-US" altLang="zh-CN" kern="0" dirty="0"/>
+          </a:p>
+          <a:p>
+            <a:pPr algn="just"/>
+            <a:r>
+              <a:rPr lang="zh-CN" altLang="en-US" kern="0" dirty="0"/>
+              <a:t> 交互效应</a:t>
             </a:r>
             <a:endParaRPr lang="en-US" altLang="zh-CN" kern="0" dirty="0"/>
           </a:p>
@@ -5170,258 +9050,695 @@
           </a:p>
         </p:txBody>
       </p:sp>
-      <p:sp>
-        <p:nvSpPr>
-          <p:cNvPr id="70" name="内容占位符 2"/>
-          <p:cNvSpPr txBox="1">
-            <a:spLocks/>
-          </p:cNvSpPr>
+      <p:grpSp>
+        <p:nvGrpSpPr>
+          <p:cNvPr id="11" name="组合 10">
+            <a:extLst>
+              <a:ext uri="{FF2B5EF4-FFF2-40B4-BE49-F238E27FC236}">
+                <a16:creationId xmlns:a16="http://schemas.microsoft.com/office/drawing/2014/main" id="{E46367F7-8084-47AB-B7A1-378041196726}"/>
+              </a:ext>
+            </a:extLst>
+          </p:cNvPr>
+          <p:cNvGrpSpPr/>
           <p:nvPr/>
-        </p:nvSpPr>
-        <p:spPr bwMode="auto">
+        </p:nvGrpSpPr>
+        <p:grpSpPr>
           <a:xfrm>
-            <a:off x="776881" y="945023"/>
-            <a:ext cx="7967069" cy="4124186"/>
+            <a:off x="395535" y="1017984"/>
+            <a:ext cx="12737375" cy="4134790"/>
+            <a:chOff x="390159" y="754268"/>
+            <a:chExt cx="12737375" cy="4134790"/>
+          </a:xfrm>
+        </p:grpSpPr>
+        <p:sp>
+          <p:nvSpPr>
+            <p:cNvPr id="70" name="内容占位符 2"/>
+            <p:cNvSpPr txBox="1">
+              <a:spLocks/>
+            </p:cNvSpPr>
+            <p:nvPr/>
+          </p:nvSpPr>
+          <p:spPr bwMode="auto">
+            <a:xfrm>
+              <a:off x="789170" y="754268"/>
+              <a:ext cx="2486045" cy="857259"/>
+            </a:xfrm>
+            <a:prstGeom prst="rect">
+              <a:avLst/>
+            </a:prstGeom>
+            <a:noFill/>
+            <a:ln w="9525">
+              <a:noFill/>
+              <a:miter lim="800000"/>
+              <a:headEnd/>
+              <a:tailEnd/>
+            </a:ln>
+          </p:spPr>
+          <p:txBody>
+            <a:bodyPr vert="horz" wrap="square" lIns="91440" tIns="45720" rIns="91440" bIns="45720" numCol="1" anchor="t" anchorCtr="0" compatLnSpc="1">
+              <a:prstTxWarp prst="textNoShape">
+                <a:avLst/>
+              </a:prstTxWarp>
+            </a:bodyPr>
+            <a:lstStyle>
+              <a:lvl1pPr algn="l" rtl="0" eaLnBrk="0" fontAlgn="base" hangingPunct="0">
+                <a:spcBef>
+                  <a:spcPct val="20000"/>
+                </a:spcBef>
+                <a:spcAft>
+                  <a:spcPct val="0"/>
+                </a:spcAft>
+                <a:buClr>
+                  <a:srgbClr val="CC9900"/>
+                </a:buClr>
+                <a:buFont typeface="Wingdings" pitchFamily="2" charset="2"/>
+                <a:buChar char="p"/>
+                <a:defRPr sz="2000" b="0">
+                  <a:solidFill>
+                    <a:srgbClr val="4A6784"/>
+                  </a:solidFill>
+                  <a:latin typeface="微软雅黑" pitchFamily="34" charset="-122"/>
+                  <a:ea typeface="微软雅黑" pitchFamily="34" charset="-122"/>
+                  <a:cs typeface="+mn-cs"/>
+                </a:defRPr>
+              </a:lvl1pPr>
+              <a:lvl2pPr marL="441325" indent="15875" algn="l" rtl="0" eaLnBrk="0" fontAlgn="base" hangingPunct="0">
+                <a:spcBef>
+                  <a:spcPct val="20000"/>
+                </a:spcBef>
+                <a:spcAft>
+                  <a:spcPct val="0"/>
+                </a:spcAft>
+                <a:buClr>
+                  <a:srgbClr val="CC9900"/>
+                </a:buClr>
+                <a:buFont typeface="Wingdings" pitchFamily="2" charset="2"/>
+                <a:buChar char="Ø"/>
+                <a:defRPr b="0">
+                  <a:solidFill>
+                    <a:schemeClr val="tx1"/>
+                  </a:solidFill>
+                  <a:latin typeface="微软雅黑" pitchFamily="34" charset="-122"/>
+                  <a:ea typeface="微软雅黑" pitchFamily="34" charset="-122"/>
+                </a:defRPr>
+              </a:lvl2pPr>
+              <a:lvl3pPr marL="898525" indent="15875" algn="l" rtl="0" eaLnBrk="0" fontAlgn="base" hangingPunct="0">
+                <a:spcBef>
+                  <a:spcPct val="20000"/>
+                </a:spcBef>
+                <a:spcAft>
+                  <a:spcPct val="0"/>
+                </a:spcAft>
+                <a:buClr>
+                  <a:srgbClr val="CC9900"/>
+                </a:buClr>
+                <a:buChar char="•"/>
+                <a:defRPr sz="1600">
+                  <a:solidFill>
+                    <a:schemeClr val="tx1"/>
+                  </a:solidFill>
+                  <a:latin typeface="微软雅黑" pitchFamily="34" charset="-122"/>
+                  <a:ea typeface="微软雅黑" pitchFamily="34" charset="-122"/>
+                </a:defRPr>
+              </a:lvl3pPr>
+              <a:lvl4pPr marL="1260475" algn="l" rtl="0" eaLnBrk="0" fontAlgn="base" hangingPunct="0">
+                <a:spcBef>
+                  <a:spcPct val="20000"/>
+                </a:spcBef>
+                <a:spcAft>
+                  <a:spcPct val="0"/>
+                </a:spcAft>
+                <a:buClr>
+                  <a:srgbClr val="CC9900"/>
+                </a:buClr>
+                <a:buChar char="•"/>
+                <a:defRPr sz="1600">
+                  <a:solidFill>
+                    <a:schemeClr val="tx1"/>
+                  </a:solidFill>
+                  <a:latin typeface="微软雅黑" pitchFamily="34" charset="-122"/>
+                  <a:ea typeface="微软雅黑" pitchFamily="34" charset="-122"/>
+                </a:defRPr>
+              </a:lvl4pPr>
+              <a:lvl5pPr marL="1703388" algn="l" rtl="0" eaLnBrk="0" fontAlgn="base" hangingPunct="0">
+                <a:spcBef>
+                  <a:spcPct val="20000"/>
+                </a:spcBef>
+                <a:spcAft>
+                  <a:spcPct val="0"/>
+                </a:spcAft>
+                <a:buClr>
+                  <a:srgbClr val="CC9900"/>
+                </a:buClr>
+                <a:buFont typeface="Arial" charset="0"/>
+                <a:buChar char="»"/>
+                <a:defRPr sz="1600">
+                  <a:solidFill>
+                    <a:schemeClr val="tx1"/>
+                  </a:solidFill>
+                  <a:latin typeface="微软雅黑" pitchFamily="34" charset="-122"/>
+                  <a:ea typeface="微软雅黑" pitchFamily="34" charset="-122"/>
+                </a:defRPr>
+              </a:lvl5pPr>
+              <a:lvl6pPr marL="2160588" algn="l" rtl="0" fontAlgn="base">
+                <a:spcBef>
+                  <a:spcPct val="20000"/>
+                </a:spcBef>
+                <a:spcAft>
+                  <a:spcPct val="0"/>
+                </a:spcAft>
+                <a:buClr>
+                  <a:srgbClr val="CC9900"/>
+                </a:buClr>
+                <a:buFont typeface="Arial" charset="0"/>
+                <a:buChar char="»"/>
+                <a:defRPr>
+                  <a:solidFill>
+                    <a:schemeClr val="tx1"/>
+                  </a:solidFill>
+                  <a:latin typeface="+mn-lt"/>
+                  <a:ea typeface="+mn-ea"/>
+                </a:defRPr>
+              </a:lvl6pPr>
+              <a:lvl7pPr marL="2617788" algn="l" rtl="0" fontAlgn="base">
+                <a:spcBef>
+                  <a:spcPct val="20000"/>
+                </a:spcBef>
+                <a:spcAft>
+                  <a:spcPct val="0"/>
+                </a:spcAft>
+                <a:buClr>
+                  <a:srgbClr val="CC9900"/>
+                </a:buClr>
+                <a:buFont typeface="Arial" charset="0"/>
+                <a:buChar char="»"/>
+                <a:defRPr>
+                  <a:solidFill>
+                    <a:schemeClr val="tx1"/>
+                  </a:solidFill>
+                  <a:latin typeface="+mn-lt"/>
+                  <a:ea typeface="+mn-ea"/>
+                </a:defRPr>
+              </a:lvl7pPr>
+              <a:lvl8pPr marL="3074988" algn="l" rtl="0" fontAlgn="base">
+                <a:spcBef>
+                  <a:spcPct val="20000"/>
+                </a:spcBef>
+                <a:spcAft>
+                  <a:spcPct val="0"/>
+                </a:spcAft>
+                <a:buClr>
+                  <a:srgbClr val="CC9900"/>
+                </a:buClr>
+                <a:buFont typeface="Arial" charset="0"/>
+                <a:buChar char="»"/>
+                <a:defRPr>
+                  <a:solidFill>
+                    <a:schemeClr val="tx1"/>
+                  </a:solidFill>
+                  <a:latin typeface="+mn-lt"/>
+                  <a:ea typeface="+mn-ea"/>
+                </a:defRPr>
+              </a:lvl8pPr>
+              <a:lvl9pPr marL="3532188" algn="l" rtl="0" fontAlgn="base">
+                <a:spcBef>
+                  <a:spcPct val="20000"/>
+                </a:spcBef>
+                <a:spcAft>
+                  <a:spcPct val="0"/>
+                </a:spcAft>
+                <a:buClr>
+                  <a:srgbClr val="CC9900"/>
+                </a:buClr>
+                <a:buFont typeface="Arial" charset="0"/>
+                <a:buChar char="»"/>
+                <a:defRPr>
+                  <a:solidFill>
+                    <a:schemeClr val="tx1"/>
+                  </a:solidFill>
+                  <a:latin typeface="+mn-lt"/>
+                  <a:ea typeface="+mn-ea"/>
+                </a:defRPr>
+              </a:lvl9pPr>
+            </a:lstStyle>
+            <a:p>
+              <a:pPr algn="just">
+                <a:buNone/>
+              </a:pPr>
+              <a:endParaRPr lang="en-US" altLang="zh-CN" kern="0" dirty="0"/>
+            </a:p>
+            <a:p>
+              <a:pPr algn="just"/>
+              <a:r>
+                <a:rPr lang="en-US" altLang="zh-CN" kern="0" dirty="0"/>
+                <a:t> </a:t>
+              </a:r>
+              <a:r>
+                <a:rPr lang="zh-CN" altLang="en-US" kern="0" dirty="0"/>
+                <a:t>死亡人数</a:t>
+              </a:r>
+              <a:endParaRPr lang="en-US" altLang="zh-CN" kern="0" dirty="0"/>
+            </a:p>
+          </p:txBody>
+        </p:sp>
+        <p:pic>
+          <p:nvPicPr>
+            <p:cNvPr id="5" name="图片 4">
+              <a:extLst>
+                <a:ext uri="{FF2B5EF4-FFF2-40B4-BE49-F238E27FC236}">
+                  <a16:creationId xmlns:a16="http://schemas.microsoft.com/office/drawing/2014/main" id="{F2EFE7CC-7032-4CBF-881E-AEB0D99C6D09}"/>
+                </a:ext>
+              </a:extLst>
+            </p:cNvPr>
+            <p:cNvPicPr>
+              <a:picLocks noChangeAspect="1"/>
+            </p:cNvPicPr>
+            <p:nvPr/>
+          </p:nvPicPr>
+          <p:blipFill>
+            <a:blip r:embed="rId4">
+              <a:extLst>
+                <a:ext uri="{28A0092B-C50C-407E-A947-70E740481C1C}">
+                  <a14:useLocalDpi xmlns:a14="http://schemas.microsoft.com/office/drawing/2010/main" val="0"/>
+                </a:ext>
+              </a:extLst>
+            </a:blip>
+            <a:stretch>
+              <a:fillRect/>
+            </a:stretch>
+          </p:blipFill>
+          <p:spPr>
+            <a:xfrm>
+              <a:off x="390159" y="1754371"/>
+              <a:ext cx="4179583" cy="3134687"/>
+            </a:xfrm>
+            <a:prstGeom prst="rect">
+              <a:avLst/>
+            </a:prstGeom>
+          </p:spPr>
+        </p:pic>
+        <p:sp>
+          <p:nvSpPr>
+            <p:cNvPr id="9" name="内容占位符 2">
+              <a:extLst>
+                <a:ext uri="{FF2B5EF4-FFF2-40B4-BE49-F238E27FC236}">
+                  <a16:creationId xmlns:a16="http://schemas.microsoft.com/office/drawing/2014/main" id="{65DCE82A-9638-40BF-A0C5-2C791771B368}"/>
+                </a:ext>
+              </a:extLst>
+            </p:cNvPr>
+            <p:cNvSpPr txBox="1">
+              <a:spLocks/>
+            </p:cNvSpPr>
+            <p:nvPr/>
+          </p:nvSpPr>
+          <p:spPr bwMode="auto">
+            <a:xfrm>
+              <a:off x="5160465" y="754268"/>
+              <a:ext cx="7967069" cy="863854"/>
+            </a:xfrm>
+            <a:prstGeom prst="rect">
+              <a:avLst/>
+            </a:prstGeom>
+            <a:noFill/>
+            <a:ln w="9525">
+              <a:noFill/>
+              <a:miter lim="800000"/>
+              <a:headEnd/>
+              <a:tailEnd/>
+            </a:ln>
+          </p:spPr>
+          <p:txBody>
+            <a:bodyPr vert="horz" wrap="square" lIns="91440" tIns="45720" rIns="91440" bIns="45720" numCol="1" anchor="t" anchorCtr="0" compatLnSpc="1">
+              <a:prstTxWarp prst="textNoShape">
+                <a:avLst/>
+              </a:prstTxWarp>
+            </a:bodyPr>
+            <a:lstStyle>
+              <a:lvl1pPr algn="l" rtl="0" eaLnBrk="0" fontAlgn="base" hangingPunct="0">
+                <a:spcBef>
+                  <a:spcPct val="20000"/>
+                </a:spcBef>
+                <a:spcAft>
+                  <a:spcPct val="0"/>
+                </a:spcAft>
+                <a:buClr>
+                  <a:srgbClr val="CC9900"/>
+                </a:buClr>
+                <a:buFont typeface="Wingdings" pitchFamily="2" charset="2"/>
+                <a:buChar char="p"/>
+                <a:defRPr sz="2000" b="0">
+                  <a:solidFill>
+                    <a:srgbClr val="4A6784"/>
+                  </a:solidFill>
+                  <a:latin typeface="微软雅黑" pitchFamily="34" charset="-122"/>
+                  <a:ea typeface="微软雅黑" pitchFamily="34" charset="-122"/>
+                  <a:cs typeface="+mn-cs"/>
+                </a:defRPr>
+              </a:lvl1pPr>
+              <a:lvl2pPr marL="441325" indent="15875" algn="l" rtl="0" eaLnBrk="0" fontAlgn="base" hangingPunct="0">
+                <a:spcBef>
+                  <a:spcPct val="20000"/>
+                </a:spcBef>
+                <a:spcAft>
+                  <a:spcPct val="0"/>
+                </a:spcAft>
+                <a:buClr>
+                  <a:srgbClr val="CC9900"/>
+                </a:buClr>
+                <a:buFont typeface="Wingdings" pitchFamily="2" charset="2"/>
+                <a:buChar char="Ø"/>
+                <a:defRPr b="0">
+                  <a:solidFill>
+                    <a:schemeClr val="tx1"/>
+                  </a:solidFill>
+                  <a:latin typeface="微软雅黑" pitchFamily="34" charset="-122"/>
+                  <a:ea typeface="微软雅黑" pitchFamily="34" charset="-122"/>
+                </a:defRPr>
+              </a:lvl2pPr>
+              <a:lvl3pPr marL="898525" indent="15875" algn="l" rtl="0" eaLnBrk="0" fontAlgn="base" hangingPunct="0">
+                <a:spcBef>
+                  <a:spcPct val="20000"/>
+                </a:spcBef>
+                <a:spcAft>
+                  <a:spcPct val="0"/>
+                </a:spcAft>
+                <a:buClr>
+                  <a:srgbClr val="CC9900"/>
+                </a:buClr>
+                <a:buChar char="•"/>
+                <a:defRPr sz="1600">
+                  <a:solidFill>
+                    <a:schemeClr val="tx1"/>
+                  </a:solidFill>
+                  <a:latin typeface="微软雅黑" pitchFamily="34" charset="-122"/>
+                  <a:ea typeface="微软雅黑" pitchFamily="34" charset="-122"/>
+                </a:defRPr>
+              </a:lvl3pPr>
+              <a:lvl4pPr marL="1260475" algn="l" rtl="0" eaLnBrk="0" fontAlgn="base" hangingPunct="0">
+                <a:spcBef>
+                  <a:spcPct val="20000"/>
+                </a:spcBef>
+                <a:spcAft>
+                  <a:spcPct val="0"/>
+                </a:spcAft>
+                <a:buClr>
+                  <a:srgbClr val="CC9900"/>
+                </a:buClr>
+                <a:buChar char="•"/>
+                <a:defRPr sz="1600">
+                  <a:solidFill>
+                    <a:schemeClr val="tx1"/>
+                  </a:solidFill>
+                  <a:latin typeface="微软雅黑" pitchFamily="34" charset="-122"/>
+                  <a:ea typeface="微软雅黑" pitchFamily="34" charset="-122"/>
+                </a:defRPr>
+              </a:lvl4pPr>
+              <a:lvl5pPr marL="1703388" algn="l" rtl="0" eaLnBrk="0" fontAlgn="base" hangingPunct="0">
+                <a:spcBef>
+                  <a:spcPct val="20000"/>
+                </a:spcBef>
+                <a:spcAft>
+                  <a:spcPct val="0"/>
+                </a:spcAft>
+                <a:buClr>
+                  <a:srgbClr val="CC9900"/>
+                </a:buClr>
+                <a:buFont typeface="Arial" charset="0"/>
+                <a:buChar char="»"/>
+                <a:defRPr sz="1600">
+                  <a:solidFill>
+                    <a:schemeClr val="tx1"/>
+                  </a:solidFill>
+                  <a:latin typeface="微软雅黑" pitchFamily="34" charset="-122"/>
+                  <a:ea typeface="微软雅黑" pitchFamily="34" charset="-122"/>
+                </a:defRPr>
+              </a:lvl5pPr>
+              <a:lvl6pPr marL="2160588" algn="l" rtl="0" fontAlgn="base">
+                <a:spcBef>
+                  <a:spcPct val="20000"/>
+                </a:spcBef>
+                <a:spcAft>
+                  <a:spcPct val="0"/>
+                </a:spcAft>
+                <a:buClr>
+                  <a:srgbClr val="CC9900"/>
+                </a:buClr>
+                <a:buFont typeface="Arial" charset="0"/>
+                <a:buChar char="»"/>
+                <a:defRPr>
+                  <a:solidFill>
+                    <a:schemeClr val="tx1"/>
+                  </a:solidFill>
+                  <a:latin typeface="+mn-lt"/>
+                  <a:ea typeface="+mn-ea"/>
+                </a:defRPr>
+              </a:lvl6pPr>
+              <a:lvl7pPr marL="2617788" algn="l" rtl="0" fontAlgn="base">
+                <a:spcBef>
+                  <a:spcPct val="20000"/>
+                </a:spcBef>
+                <a:spcAft>
+                  <a:spcPct val="0"/>
+                </a:spcAft>
+                <a:buClr>
+                  <a:srgbClr val="CC9900"/>
+                </a:buClr>
+                <a:buFont typeface="Arial" charset="0"/>
+                <a:buChar char="»"/>
+                <a:defRPr>
+                  <a:solidFill>
+                    <a:schemeClr val="tx1"/>
+                  </a:solidFill>
+                  <a:latin typeface="+mn-lt"/>
+                  <a:ea typeface="+mn-ea"/>
+                </a:defRPr>
+              </a:lvl7pPr>
+              <a:lvl8pPr marL="3074988" algn="l" rtl="0" fontAlgn="base">
+                <a:spcBef>
+                  <a:spcPct val="20000"/>
+                </a:spcBef>
+                <a:spcAft>
+                  <a:spcPct val="0"/>
+                </a:spcAft>
+                <a:buClr>
+                  <a:srgbClr val="CC9900"/>
+                </a:buClr>
+                <a:buFont typeface="Arial" charset="0"/>
+                <a:buChar char="»"/>
+                <a:defRPr>
+                  <a:solidFill>
+                    <a:schemeClr val="tx1"/>
+                  </a:solidFill>
+                  <a:latin typeface="+mn-lt"/>
+                  <a:ea typeface="+mn-ea"/>
+                </a:defRPr>
+              </a:lvl8pPr>
+              <a:lvl9pPr marL="3532188" algn="l" rtl="0" fontAlgn="base">
+                <a:spcBef>
+                  <a:spcPct val="20000"/>
+                </a:spcBef>
+                <a:spcAft>
+                  <a:spcPct val="0"/>
+                </a:spcAft>
+                <a:buClr>
+                  <a:srgbClr val="CC9900"/>
+                </a:buClr>
+                <a:buFont typeface="Arial" charset="0"/>
+                <a:buChar char="»"/>
+                <a:defRPr>
+                  <a:solidFill>
+                    <a:schemeClr val="tx1"/>
+                  </a:solidFill>
+                  <a:latin typeface="+mn-lt"/>
+                  <a:ea typeface="+mn-ea"/>
+                </a:defRPr>
+              </a:lvl9pPr>
+            </a:lstStyle>
+            <a:p>
+              <a:pPr algn="just">
+                <a:buNone/>
+              </a:pPr>
+              <a:endParaRPr lang="en-US" altLang="zh-CN" kern="0" dirty="0"/>
+            </a:p>
+            <a:p>
+              <a:pPr algn="just"/>
+              <a:r>
+                <a:rPr lang="en-US" altLang="zh-CN" kern="0" dirty="0"/>
+                <a:t> </a:t>
+              </a:r>
+              <a:r>
+                <a:rPr lang="zh-CN" altLang="en-US" kern="0" dirty="0"/>
+                <a:t>受伤人数</a:t>
+              </a:r>
+              <a:endParaRPr lang="en-US" altLang="zh-CN" kern="0" dirty="0"/>
+            </a:p>
+            <a:p>
+              <a:pPr algn="just"/>
+              <a:endParaRPr lang="en-US" altLang="zh-CN" kern="0" dirty="0"/>
+            </a:p>
+          </p:txBody>
+        </p:sp>
+        <p:pic>
+          <p:nvPicPr>
+            <p:cNvPr id="8" name="图片 7">
+              <a:extLst>
+                <a:ext uri="{FF2B5EF4-FFF2-40B4-BE49-F238E27FC236}">
+                  <a16:creationId xmlns:a16="http://schemas.microsoft.com/office/drawing/2014/main" id="{E466872D-7D27-4073-827A-76AA9315663F}"/>
+                </a:ext>
+              </a:extLst>
+            </p:cNvPr>
+            <p:cNvPicPr>
+              <a:picLocks noChangeAspect="1"/>
+            </p:cNvPicPr>
+            <p:nvPr/>
+          </p:nvPicPr>
+          <p:blipFill>
+            <a:blip r:embed="rId5">
+              <a:extLst>
+                <a:ext uri="{28A0092B-C50C-407E-A947-70E740481C1C}">
+                  <a14:useLocalDpi xmlns:a14="http://schemas.microsoft.com/office/drawing/2010/main" val="0"/>
+                </a:ext>
+              </a:extLst>
+            </a:blip>
+            <a:stretch>
+              <a:fillRect/>
+            </a:stretch>
+          </p:blipFill>
+          <p:spPr>
+            <a:xfrm>
+              <a:off x="4776696" y="1754371"/>
+              <a:ext cx="4179583" cy="3134687"/>
+            </a:xfrm>
+            <a:prstGeom prst="rect">
+              <a:avLst/>
+            </a:prstGeom>
+          </p:spPr>
+        </p:pic>
+      </p:grpSp>
+      <p:sp>
+        <p:nvSpPr>
+          <p:cNvPr id="10" name="矩形 9">
+            <a:extLst>
+              <a:ext uri="{FF2B5EF4-FFF2-40B4-BE49-F238E27FC236}">
+                <a16:creationId xmlns:a16="http://schemas.microsoft.com/office/drawing/2014/main" id="{38E91A98-B548-4032-9F21-59780A3C7A13}"/>
+              </a:ext>
+            </a:extLst>
+          </p:cNvPr>
+          <p:cNvSpPr/>
+          <p:nvPr/>
+        </p:nvSpPr>
+        <p:spPr>
+          <a:xfrm>
+            <a:off x="722165" y="5557752"/>
+            <a:ext cx="8021785" cy="369332"/>
           </a:xfrm>
           <a:prstGeom prst="rect">
             <a:avLst/>
           </a:prstGeom>
-          <a:noFill/>
-          <a:ln w="9525">
-            <a:noFill/>
-            <a:miter lim="800000"/>
-            <a:headEnd/>
-            <a:tailEnd/>
+          <a:ln>
+            <a:solidFill>
+              <a:schemeClr val="tx1"/>
+            </a:solidFill>
+            <a:prstDash val="dash"/>
           </a:ln>
         </p:spPr>
         <p:txBody>
-          <a:bodyPr vert="horz" wrap="square" lIns="91440" tIns="45720" rIns="91440" bIns="45720" numCol="1" anchor="t" anchorCtr="0" compatLnSpc="1">
-            <a:prstTxWarp prst="textNoShape">
-              <a:avLst/>
-            </a:prstTxWarp>
+          <a:bodyPr wrap="square">
+            <a:spAutoFit/>
           </a:bodyPr>
-          <a:lstStyle>
-            <a:lvl1pPr algn="l" rtl="0" eaLnBrk="0" fontAlgn="base" hangingPunct="0">
-              <a:spcBef>
-                <a:spcPct val="20000"/>
-              </a:spcBef>
-              <a:spcAft>
-                <a:spcPct val="0"/>
-              </a:spcAft>
-              <a:buClr>
-                <a:srgbClr val="CC9900"/>
-              </a:buClr>
-              <a:buFont typeface="Wingdings" pitchFamily="2" charset="2"/>
-              <a:buChar char="p"/>
-              <a:defRPr sz="2000" b="0">
-                <a:solidFill>
-                  <a:srgbClr val="4A6784"/>
-                </a:solidFill>
-                <a:latin typeface="微软雅黑" pitchFamily="34" charset="-122"/>
-                <a:ea typeface="微软雅黑" pitchFamily="34" charset="-122"/>
-                <a:cs typeface="+mn-cs"/>
-              </a:defRPr>
-            </a:lvl1pPr>
-            <a:lvl2pPr marL="441325" indent="15875" algn="l" rtl="0" eaLnBrk="0" fontAlgn="base" hangingPunct="0">
-              <a:spcBef>
-                <a:spcPct val="20000"/>
-              </a:spcBef>
-              <a:spcAft>
-                <a:spcPct val="0"/>
-              </a:spcAft>
-              <a:buClr>
-                <a:srgbClr val="CC9900"/>
-              </a:buClr>
-              <a:buFont typeface="Wingdings" pitchFamily="2" charset="2"/>
-              <a:buChar char="Ø"/>
-              <a:defRPr b="0">
-                <a:solidFill>
-                  <a:schemeClr val="tx1"/>
-                </a:solidFill>
-                <a:latin typeface="微软雅黑" pitchFamily="34" charset="-122"/>
-                <a:ea typeface="微软雅黑" pitchFamily="34" charset="-122"/>
-              </a:defRPr>
-            </a:lvl2pPr>
-            <a:lvl3pPr marL="898525" indent="15875" algn="l" rtl="0" eaLnBrk="0" fontAlgn="base" hangingPunct="0">
-              <a:spcBef>
-                <a:spcPct val="20000"/>
-              </a:spcBef>
-              <a:spcAft>
-                <a:spcPct val="0"/>
-              </a:spcAft>
-              <a:buClr>
-                <a:srgbClr val="CC9900"/>
-              </a:buClr>
-              <a:buChar char="•"/>
-              <a:defRPr sz="1600">
-                <a:solidFill>
-                  <a:schemeClr val="tx1"/>
-                </a:solidFill>
-                <a:latin typeface="微软雅黑" pitchFamily="34" charset="-122"/>
-                <a:ea typeface="微软雅黑" pitchFamily="34" charset="-122"/>
-              </a:defRPr>
-            </a:lvl3pPr>
-            <a:lvl4pPr marL="1260475" algn="l" rtl="0" eaLnBrk="0" fontAlgn="base" hangingPunct="0">
-              <a:spcBef>
-                <a:spcPct val="20000"/>
-              </a:spcBef>
-              <a:spcAft>
-                <a:spcPct val="0"/>
-              </a:spcAft>
-              <a:buClr>
-                <a:srgbClr val="CC9900"/>
-              </a:buClr>
-              <a:buChar char="•"/>
-              <a:defRPr sz="1600">
-                <a:solidFill>
-                  <a:schemeClr val="tx1"/>
-                </a:solidFill>
-                <a:latin typeface="微软雅黑" pitchFamily="34" charset="-122"/>
-                <a:ea typeface="微软雅黑" pitchFamily="34" charset="-122"/>
-              </a:defRPr>
-            </a:lvl4pPr>
-            <a:lvl5pPr marL="1703388" algn="l" rtl="0" eaLnBrk="0" fontAlgn="base" hangingPunct="0">
-              <a:spcBef>
-                <a:spcPct val="20000"/>
-              </a:spcBef>
-              <a:spcAft>
-                <a:spcPct val="0"/>
-              </a:spcAft>
-              <a:buClr>
-                <a:srgbClr val="CC9900"/>
-              </a:buClr>
-              <a:buFont typeface="Arial" charset="0"/>
-              <a:buChar char="»"/>
-              <a:defRPr sz="1600">
-                <a:solidFill>
-                  <a:schemeClr val="tx1"/>
-                </a:solidFill>
-                <a:latin typeface="微软雅黑" pitchFamily="34" charset="-122"/>
-                <a:ea typeface="微软雅黑" pitchFamily="34" charset="-122"/>
-              </a:defRPr>
-            </a:lvl5pPr>
-            <a:lvl6pPr marL="2160588" algn="l" rtl="0" fontAlgn="base">
-              <a:spcBef>
-                <a:spcPct val="20000"/>
-              </a:spcBef>
-              <a:spcAft>
-                <a:spcPct val="0"/>
-              </a:spcAft>
-              <a:buClr>
-                <a:srgbClr val="CC9900"/>
-              </a:buClr>
-              <a:buFont typeface="Arial" charset="0"/>
-              <a:buChar char="»"/>
-              <a:defRPr>
-                <a:solidFill>
-                  <a:schemeClr val="tx1"/>
-                </a:solidFill>
-                <a:latin typeface="+mn-lt"/>
-                <a:ea typeface="+mn-ea"/>
-              </a:defRPr>
-            </a:lvl6pPr>
-            <a:lvl7pPr marL="2617788" algn="l" rtl="0" fontAlgn="base">
-              <a:spcBef>
-                <a:spcPct val="20000"/>
-              </a:spcBef>
-              <a:spcAft>
-                <a:spcPct val="0"/>
-              </a:spcAft>
-              <a:buClr>
-                <a:srgbClr val="CC9900"/>
-              </a:buClr>
-              <a:buFont typeface="Arial" charset="0"/>
-              <a:buChar char="»"/>
-              <a:defRPr>
-                <a:solidFill>
-                  <a:schemeClr val="tx1"/>
-                </a:solidFill>
-                <a:latin typeface="+mn-lt"/>
-                <a:ea typeface="+mn-ea"/>
-              </a:defRPr>
-            </a:lvl7pPr>
-            <a:lvl8pPr marL="3074988" algn="l" rtl="0" fontAlgn="base">
-              <a:spcBef>
-                <a:spcPct val="20000"/>
-              </a:spcBef>
-              <a:spcAft>
-                <a:spcPct val="0"/>
-              </a:spcAft>
-              <a:buClr>
-                <a:srgbClr val="CC9900"/>
-              </a:buClr>
-              <a:buFont typeface="Arial" charset="0"/>
-              <a:buChar char="»"/>
-              <a:defRPr>
-                <a:solidFill>
-                  <a:schemeClr val="tx1"/>
-                </a:solidFill>
-                <a:latin typeface="+mn-lt"/>
-                <a:ea typeface="+mn-ea"/>
-              </a:defRPr>
-            </a:lvl8pPr>
-            <a:lvl9pPr marL="3532188" algn="l" rtl="0" fontAlgn="base">
-              <a:spcBef>
-                <a:spcPct val="20000"/>
-              </a:spcBef>
-              <a:spcAft>
-                <a:spcPct val="0"/>
-              </a:spcAft>
-              <a:buClr>
-                <a:srgbClr val="CC9900"/>
-              </a:buClr>
-              <a:buFont typeface="Arial" charset="0"/>
-              <a:buChar char="»"/>
-              <a:defRPr>
-                <a:solidFill>
-                  <a:schemeClr val="tx1"/>
-                </a:solidFill>
-                <a:latin typeface="+mn-lt"/>
-                <a:ea typeface="+mn-ea"/>
-              </a:defRPr>
-            </a:lvl9pPr>
-          </a:lstStyle>
-          <a:p>
-            <a:pPr algn="just">
-              <a:buNone/>
-            </a:pPr>
-            <a:endParaRPr lang="en-US" altLang="zh-CN" kern="0" dirty="0"/>
-          </a:p>
-          <a:p>
-            <a:pPr algn="just"/>
-            <a:endParaRPr lang="en-US" altLang="zh-CN" kern="0" dirty="0"/>
-          </a:p>
-          <a:p>
-            <a:pPr algn="just"/>
-            <a:r>
-              <a:rPr lang="en-US" altLang="zh-CN" kern="0" dirty="0"/>
+          <a:lstStyle/>
+          <a:p>
+            <a:r>
+              <a:rPr lang="zh-CN" altLang="zh-CN" dirty="0">
+                <a:latin typeface="微软雅黑" panose="020B0503020204020204" pitchFamily="34" charset="-122"/>
+                <a:ea typeface="微软雅黑" panose="020B0503020204020204" pitchFamily="34" charset="-122"/>
+              </a:rPr>
+              <a:t>碰撞运动车辆</a:t>
+            </a:r>
+            <a:r>
+              <a:rPr lang="en-US" altLang="zh-CN" dirty="0">
+                <a:latin typeface="微软雅黑" panose="020B0503020204020204" pitchFamily="34" charset="-122"/>
+                <a:ea typeface="微软雅黑" panose="020B0503020204020204" pitchFamily="34" charset="-122"/>
+              </a:rPr>
+              <a:t>  </a:t>
+            </a:r>
+            <a:r>
+              <a:rPr lang="zh-CN" altLang="en-US" dirty="0">
+                <a:latin typeface="微软雅黑" panose="020B0503020204020204" pitchFamily="34" charset="-122"/>
+                <a:ea typeface="微软雅黑" panose="020B0503020204020204" pitchFamily="34" charset="-122"/>
+              </a:rPr>
+              <a:t>、</a:t>
+            </a:r>
+            <a:r>
+              <a:rPr lang="zh-CN" altLang="zh-CN" dirty="0">
+                <a:latin typeface="微软雅黑" panose="020B0503020204020204" pitchFamily="34" charset="-122"/>
+                <a:ea typeface="微软雅黑" panose="020B0503020204020204" pitchFamily="34" charset="-122"/>
+              </a:rPr>
+              <a:t>刮撞行人</a:t>
+            </a:r>
+            <a:r>
+              <a:rPr lang="en-US" altLang="zh-CN" dirty="0">
+                <a:latin typeface="微软雅黑" panose="020B0503020204020204" pitchFamily="34" charset="-122"/>
+                <a:ea typeface="微软雅黑" panose="020B0503020204020204" pitchFamily="34" charset="-122"/>
+              </a:rPr>
               <a:t> </a:t>
             </a:r>
             <a:r>
-              <a:rPr lang="zh-CN" altLang="en-US" kern="0" dirty="0"/>
-              <a:t>死亡人数</a:t>
-            </a:r>
-            <a:endParaRPr lang="en-US" altLang="zh-CN" kern="0" dirty="0"/>
-          </a:p>
-          <a:p>
-            <a:pPr algn="just"/>
-            <a:endParaRPr lang="en-US" altLang="zh-CN" kern="0" dirty="0"/>
-          </a:p>
-          <a:p>
-            <a:pPr algn="just"/>
-            <a:r>
-              <a:rPr lang="en-US" altLang="zh-CN" kern="0" dirty="0"/>
+              <a:rPr lang="zh-CN" altLang="en-US" dirty="0">
+                <a:latin typeface="微软雅黑" panose="020B0503020204020204" pitchFamily="34" charset="-122"/>
+                <a:ea typeface="微软雅黑" panose="020B0503020204020204" pitchFamily="34" charset="-122"/>
+              </a:rPr>
+              <a:t>、</a:t>
+            </a:r>
+            <a:r>
+              <a:rPr lang="zh-CN" altLang="zh-CN" dirty="0">
+                <a:latin typeface="微软雅黑" panose="020B0503020204020204" pitchFamily="34" charset="-122"/>
+                <a:ea typeface="微软雅黑" panose="020B0503020204020204" pitchFamily="34" charset="-122"/>
+              </a:rPr>
+              <a:t>其他车辆间事故</a:t>
+            </a:r>
+            <a:r>
+              <a:rPr lang="en-US" altLang="zh-CN" dirty="0">
+                <a:latin typeface="微软雅黑" panose="020B0503020204020204" pitchFamily="34" charset="-122"/>
+                <a:ea typeface="微软雅黑" panose="020B0503020204020204" pitchFamily="34" charset="-122"/>
+              </a:rPr>
               <a:t> </a:t>
             </a:r>
             <a:r>
-              <a:rPr lang="zh-CN" altLang="en-US" kern="0" dirty="0"/>
-              <a:t>受伤人数</a:t>
-            </a:r>
-            <a:endParaRPr lang="en-US" altLang="zh-CN" kern="0" dirty="0"/>
-          </a:p>
-          <a:p>
-            <a:pPr algn="just"/>
-            <a:endParaRPr lang="en-US" altLang="zh-CN" kern="0" dirty="0"/>
+              <a:rPr lang="zh-CN" altLang="en-US" dirty="0">
+                <a:latin typeface="微软雅黑" panose="020B0503020204020204" pitchFamily="34" charset="-122"/>
+                <a:ea typeface="微软雅黑" panose="020B0503020204020204" pitchFamily="34" charset="-122"/>
+              </a:rPr>
+              <a:t>、</a:t>
+            </a:r>
+            <a:r>
+              <a:rPr lang="zh-CN" altLang="zh-CN" dirty="0">
+                <a:latin typeface="微软雅黑" panose="020B0503020204020204" pitchFamily="34" charset="-122"/>
+                <a:ea typeface="微软雅黑" panose="020B0503020204020204" pitchFamily="34" charset="-122"/>
+              </a:rPr>
+              <a:t>碰撞静止车辆</a:t>
+            </a:r>
+            <a:r>
+              <a:rPr lang="en-US" altLang="zh-CN" dirty="0">
+                <a:latin typeface="微软雅黑" panose="020B0503020204020204" pitchFamily="34" charset="-122"/>
+                <a:ea typeface="微软雅黑" panose="020B0503020204020204" pitchFamily="34" charset="-122"/>
+              </a:rPr>
+              <a:t> </a:t>
+            </a:r>
+            <a:r>
+              <a:rPr lang="zh-CN" altLang="en-US" dirty="0">
+                <a:latin typeface="微软雅黑" panose="020B0503020204020204" pitchFamily="34" charset="-122"/>
+                <a:ea typeface="微软雅黑" panose="020B0503020204020204" pitchFamily="34" charset="-122"/>
+              </a:rPr>
+              <a:t>、</a:t>
+            </a:r>
+            <a:r>
+              <a:rPr lang="zh-CN" altLang="zh-CN" dirty="0">
+                <a:latin typeface="微软雅黑" panose="020B0503020204020204" pitchFamily="34" charset="-122"/>
+                <a:ea typeface="微软雅黑" panose="020B0503020204020204" pitchFamily="34" charset="-122"/>
+              </a:rPr>
+              <a:t>撞固定物</a:t>
+            </a:r>
           </a:p>
         </p:txBody>
       </p:sp>
@@ -5949,15 +10266,7 @@
             </a:r>
             <a:r>
               <a:rPr lang="zh-CN" altLang="en-US" kern="0" dirty="0"/>
-              <a:t>晴天事故率、雨天死亡人数</a:t>
-            </a:r>
-            <a:r>
-              <a:rPr lang="en-US" altLang="zh-CN" kern="0" dirty="0"/>
-              <a:t>/</a:t>
-            </a:r>
-            <a:r>
-              <a:rPr lang="zh-CN" altLang="en-US" kern="0" dirty="0"/>
-              <a:t>晴天死亡人数</a:t>
+              <a:t>晴天事故率</a:t>
             </a:r>
             <a:endParaRPr lang="en-US" altLang="zh-CN" kern="0" dirty="0"/>
           </a:p>
@@ -5967,11 +10276,33 @@
             </a:pPr>
             <a:r>
               <a:rPr lang="en-US" altLang="zh-CN" kern="0" dirty="0"/>
-              <a:t>	Old</a:t>
+              <a:t>    </a:t>
             </a:r>
             <a:r>
               <a:rPr lang="zh-CN" altLang="en-US" kern="0" dirty="0"/>
-              <a:t>死亡率</a:t>
+              <a:t>雨天死亡人数</a:t>
+            </a:r>
+            <a:r>
+              <a:rPr lang="en-US" altLang="zh-CN" kern="0" dirty="0"/>
+              <a:t>/</a:t>
+            </a:r>
+            <a:r>
+              <a:rPr lang="zh-CN" altLang="en-US" kern="0" dirty="0"/>
+              <a:t>晴天死亡人数</a:t>
+            </a:r>
+            <a:endParaRPr lang="en-US" altLang="zh-CN" kern="0" dirty="0"/>
+          </a:p>
+          <a:p>
+            <a:pPr algn="just">
+              <a:buNone/>
+            </a:pPr>
+            <a:r>
+              <a:rPr lang="en-US" altLang="zh-CN" kern="0" dirty="0"/>
+              <a:t>    </a:t>
+            </a:r>
+            <a:r>
+              <a:rPr lang="zh-CN" altLang="en-US" kern="0" dirty="0"/>
+              <a:t>若死亡率</a:t>
             </a:r>
             <a:r>
               <a:rPr lang="en-US" altLang="zh-CN" kern="0" dirty="0"/>
@@ -6128,7 +10459,7 @@
                 <a:latin typeface="微软雅黑" pitchFamily="34" charset="-122"/>
                 <a:ea typeface="微软雅黑" pitchFamily="34" charset="-122"/>
               </a:rPr>
-              <a:t>相关性分析</a:t>
+              <a:t>散点图</a:t>
             </a:r>
           </a:p>
         </p:txBody>
@@ -6424,16 +10755,30 @@
             <a:endParaRPr lang="en-US" altLang="zh-CN" kern="0" dirty="0"/>
           </a:p>
           <a:p>
-            <a:pPr algn="just">
-              <a:buNone/>
-            </a:pPr>
-            <a:endParaRPr lang="en-US" altLang="zh-CN" kern="0" dirty="0"/>
-          </a:p>
-          <a:p>
             <a:pPr algn="just"/>
             <a:r>
+              <a:rPr lang="en-US" altLang="zh-CN" kern="0" dirty="0"/>
+              <a:t> </a:t>
+            </a:r>
+            <a:r>
               <a:rPr lang="zh-CN" altLang="en-US" kern="0" dirty="0"/>
-              <a:t> 死亡个数</a:t>
+              <a:t>相对死亡率 </a:t>
+            </a:r>
+            <a:r>
+              <a:rPr lang="en-US" altLang="zh-CN" kern="0" dirty="0"/>
+              <a:t>= </a:t>
+            </a:r>
+            <a:r>
+              <a:rPr lang="zh-CN" altLang="en-US" kern="0" dirty="0"/>
+              <a:t>死亡</a:t>
+            </a:r>
+            <a:r>
+              <a:rPr lang="en-US" altLang="zh-CN" kern="0" dirty="0"/>
+              <a:t>/</a:t>
+            </a:r>
+            <a:r>
+              <a:rPr lang="zh-CN" altLang="en-US" kern="0" dirty="0"/>
+              <a:t>受伤</a:t>
             </a:r>
             <a:endParaRPr lang="en-US" altLang="zh-CN" kern="0" dirty="0"/>
           </a:p>
@@ -6441,190 +10786,84 @@
             <a:pPr algn="just"/>
             <a:endParaRPr lang="en-US" altLang="zh-CN" kern="0" dirty="0"/>
           </a:p>
-          <a:p>
-            <a:pPr algn="just"/>
-            <a:r>
-              <a:rPr lang="en-US" altLang="zh-CN" kern="0" dirty="0"/>
-              <a:t> </a:t>
-            </a:r>
-            <a:r>
-              <a:rPr lang="zh-CN" altLang="en-US" kern="0" dirty="0"/>
-              <a:t>受伤个数</a:t>
-            </a:r>
-            <a:endParaRPr lang="en-US" altLang="zh-CN" kern="0" dirty="0"/>
-          </a:p>
-          <a:p>
-            <a:pPr algn="just"/>
-            <a:endParaRPr lang="en-US" altLang="zh-CN" kern="0" dirty="0"/>
-          </a:p>
-          <a:p>
-            <a:pPr algn="just"/>
-            <a:r>
-              <a:rPr lang="zh-CN" altLang="en-US" kern="0" dirty="0"/>
-              <a:t> 死亡率 </a:t>
-            </a:r>
-            <a:r>
-              <a:rPr lang="en-US" altLang="zh-CN" kern="0" dirty="0"/>
-              <a:t>= </a:t>
-            </a:r>
-            <a:r>
-              <a:rPr lang="zh-CN" altLang="en-US" kern="0" dirty="0"/>
-              <a:t>死亡</a:t>
-            </a:r>
-            <a:r>
-              <a:rPr lang="en-US" altLang="zh-CN" kern="0" dirty="0"/>
-              <a:t>/</a:t>
-            </a:r>
-            <a:r>
-              <a:rPr lang="zh-CN" altLang="en-US" kern="0" dirty="0"/>
-              <a:t>（死亡</a:t>
-            </a:r>
-            <a:r>
-              <a:rPr lang="en-US" altLang="zh-CN" kern="0" dirty="0"/>
-              <a:t>+</a:t>
-            </a:r>
-            <a:r>
-              <a:rPr lang="zh-CN" altLang="en-US" kern="0" dirty="0"/>
-              <a:t>受伤） （</a:t>
-            </a:r>
-            <a:r>
-              <a:rPr lang="en-US" altLang="zh-CN" kern="0" dirty="0"/>
-              <a:t>NAN</a:t>
-            </a:r>
-            <a:r>
-              <a:rPr lang="zh-CN" altLang="en-US" kern="0" dirty="0"/>
-              <a:t>按</a:t>
-            </a:r>
-            <a:r>
-              <a:rPr lang="en-US" altLang="zh-CN" kern="0" dirty="0"/>
-              <a:t>0</a:t>
-            </a:r>
-            <a:r>
-              <a:rPr lang="zh-CN" altLang="en-US" kern="0" dirty="0"/>
-              <a:t>处理）</a:t>
-            </a:r>
-            <a:endParaRPr lang="en-US" altLang="zh-CN" kern="0" dirty="0"/>
-          </a:p>
-          <a:p>
-            <a:pPr algn="just"/>
-            <a:endParaRPr lang="en-US" altLang="zh-CN" kern="0" dirty="0"/>
-          </a:p>
-          <a:p>
-            <a:pPr algn="just">
-              <a:buNone/>
-            </a:pPr>
-            <a:endParaRPr lang="en-US" altLang="zh-CN" kern="0" dirty="0"/>
-          </a:p>
-          <a:p>
-            <a:pPr algn="just"/>
-            <a:r>
-              <a:rPr lang="zh-CN" altLang="en-US" kern="0" dirty="0"/>
-              <a:t>相对死亡率 </a:t>
-            </a:r>
-            <a:r>
-              <a:rPr lang="en-US" altLang="zh-CN" kern="0" dirty="0"/>
-              <a:t>= </a:t>
-            </a:r>
-            <a:r>
-              <a:rPr lang="zh-CN" altLang="en-US" kern="0" dirty="0"/>
-              <a:t>死亡</a:t>
-            </a:r>
-            <a:r>
-              <a:rPr lang="en-US" altLang="zh-CN" kern="0" dirty="0"/>
-              <a:t>/</a:t>
-            </a:r>
-            <a:r>
-              <a:rPr lang="zh-CN" altLang="en-US" kern="0" dirty="0"/>
-              <a:t>受伤</a:t>
-            </a:r>
-            <a:r>
-              <a:rPr lang="en-US" altLang="zh-CN" kern="0" dirty="0"/>
-              <a:t>——</a:t>
-            </a:r>
-            <a:r>
-              <a:rPr lang="zh-CN" altLang="en-US" kern="0" dirty="0"/>
-              <a:t>不可 会出现</a:t>
-            </a:r>
-            <a:r>
-              <a:rPr lang="en-US" altLang="zh-CN" kern="0" dirty="0"/>
-              <a:t>inf</a:t>
-            </a:r>
-            <a:r>
-              <a:rPr lang="zh-CN" altLang="en-US" kern="0" dirty="0"/>
-              <a:t>（</a:t>
-            </a:r>
-            <a:r>
-              <a:rPr lang="en-US" altLang="zh-CN" kern="0" dirty="0"/>
-              <a:t>1/0</a:t>
-            </a:r>
-            <a:r>
-              <a:rPr lang="zh-CN" altLang="en-US" kern="0" dirty="0"/>
-              <a:t>）和</a:t>
-            </a:r>
-            <a:r>
-              <a:rPr lang="en-US" altLang="zh-CN" kern="0" dirty="0"/>
-              <a:t>nan</a:t>
-            </a:r>
-            <a:r>
-              <a:rPr lang="zh-CN" altLang="en-US" kern="0" dirty="0"/>
-              <a:t>（</a:t>
-            </a:r>
-            <a:r>
-              <a:rPr lang="en-US" altLang="zh-CN" kern="0" dirty="0"/>
-              <a:t>0/0</a:t>
-            </a:r>
-            <a:r>
-              <a:rPr lang="zh-CN" altLang="en-US" kern="0" dirty="0"/>
-              <a:t>）</a:t>
-            </a:r>
-            <a:endParaRPr lang="en-US" altLang="zh-CN" kern="0" dirty="0"/>
-          </a:p>
-          <a:p>
-            <a:pPr algn="just">
-              <a:buNone/>
-            </a:pPr>
-            <a:endParaRPr lang="en-US" altLang="zh-CN" kern="0" dirty="0"/>
-          </a:p>
-          <a:p>
-            <a:pPr algn="just"/>
-            <a:r>
-              <a:rPr lang="zh-CN" altLang="en-US" kern="0" dirty="0"/>
-              <a:t> 雨天事故率</a:t>
-            </a:r>
-            <a:r>
-              <a:rPr lang="en-US" altLang="zh-CN" kern="0" dirty="0"/>
-              <a:t>/</a:t>
-            </a:r>
-            <a:r>
-              <a:rPr lang="zh-CN" altLang="en-US" kern="0" dirty="0"/>
-              <a:t>晴天事故率、雨天死亡人数</a:t>
-            </a:r>
-            <a:r>
-              <a:rPr lang="en-US" altLang="zh-CN" kern="0" dirty="0"/>
-              <a:t>/</a:t>
-            </a:r>
-            <a:r>
-              <a:rPr lang="zh-CN" altLang="en-US" kern="0" dirty="0"/>
-              <a:t>晴天死亡人数</a:t>
-            </a:r>
-            <a:endParaRPr lang="en-US" altLang="zh-CN" kern="0" dirty="0"/>
-          </a:p>
-          <a:p>
-            <a:pPr algn="just">
-              <a:buNone/>
-            </a:pPr>
-            <a:r>
-              <a:rPr lang="zh-CN" altLang="en-US" kern="0" dirty="0"/>
-              <a:t>不可，无法比较</a:t>
-            </a:r>
-            <a:endParaRPr lang="en-US" altLang="zh-CN" kern="0" dirty="0"/>
-          </a:p>
-        </p:txBody>
-      </p:sp>
+        </p:txBody>
+      </p:sp>
+      <p:pic>
+        <p:nvPicPr>
+          <p:cNvPr id="10" name="图片 9">
+            <a:extLst>
+              <a:ext uri="{FF2B5EF4-FFF2-40B4-BE49-F238E27FC236}">
+                <a16:creationId xmlns:a16="http://schemas.microsoft.com/office/drawing/2014/main" id="{0A9516F5-88A5-470F-887B-0ABD81054421}"/>
+              </a:ext>
+            </a:extLst>
+          </p:cNvPr>
+          <p:cNvPicPr>
+            <a:picLocks noChangeAspect="1"/>
+          </p:cNvPicPr>
+          <p:nvPr/>
+        </p:nvPicPr>
+        <p:blipFill>
+          <a:blip r:embed="rId4">
+            <a:extLst>
+              <a:ext uri="{28A0092B-C50C-407E-A947-70E740481C1C}">
+                <a14:useLocalDpi xmlns:a14="http://schemas.microsoft.com/office/drawing/2010/main" val="0"/>
+              </a:ext>
+            </a:extLst>
+          </a:blip>
+          <a:stretch>
+            <a:fillRect/>
+          </a:stretch>
+        </p:blipFill>
+        <p:spPr>
+          <a:xfrm>
+            <a:off x="236907" y="2682068"/>
+            <a:ext cx="4332835" cy="3249626"/>
+          </a:xfrm>
+          <a:prstGeom prst="rect">
+            <a:avLst/>
+          </a:prstGeom>
+        </p:spPr>
+      </p:pic>
+      <p:pic>
+        <p:nvPicPr>
+          <p:cNvPr id="12" name="图片 11" descr="图片包含 文字&#10;&#10;已生成高可信度的说明">
+            <a:extLst>
+              <a:ext uri="{FF2B5EF4-FFF2-40B4-BE49-F238E27FC236}">
+                <a16:creationId xmlns:a16="http://schemas.microsoft.com/office/drawing/2014/main" id="{31220DE7-516B-427A-B021-C8407F3A99F4}"/>
+              </a:ext>
+            </a:extLst>
+          </p:cNvPr>
+          <p:cNvPicPr>
+            <a:picLocks noChangeAspect="1"/>
+          </p:cNvPicPr>
+          <p:nvPr/>
+        </p:nvPicPr>
+        <p:blipFill>
+          <a:blip r:embed="rId5">
+            <a:extLst>
+              <a:ext uri="{28A0092B-C50C-407E-A947-70E740481C1C}">
+                <a14:useLocalDpi xmlns:a14="http://schemas.microsoft.com/office/drawing/2010/main" val="0"/>
+              </a:ext>
+            </a:extLst>
+          </a:blip>
+          <a:stretch>
+            <a:fillRect/>
+          </a:stretch>
+        </p:blipFill>
+        <p:spPr>
+          <a:xfrm>
+            <a:off x="4572000" y="2659025"/>
+            <a:ext cx="4332835" cy="3249626"/>
+          </a:xfrm>
+          <a:prstGeom prst="rect">
+            <a:avLst/>
+          </a:prstGeom>
+        </p:spPr>
+      </p:pic>
     </p:spTree>
     <p:extLst>
       <p:ext uri="{BB962C8B-B14F-4D97-AF65-F5344CB8AC3E}">
-        <p14:creationId xmlns:p14="http://schemas.microsoft.com/office/powerpoint/2010/main" val="913857606"/>
+        <p14:creationId xmlns:p14="http://schemas.microsoft.com/office/powerpoint/2010/main" val="2039943334"/>
       </p:ext>
     </p:extLst>
   </p:cSld>
@@ -6752,7 +10991,7 @@
                 <a:latin typeface="微软雅黑" pitchFamily="34" charset="-122"/>
                 <a:ea typeface="微软雅黑" pitchFamily="34" charset="-122"/>
               </a:rPr>
-              <a:t>调和曲线</a:t>
+              <a:t>散点图</a:t>
             </a:r>
           </a:p>
         </p:txBody>
@@ -6836,8 +11075,8 @@
         </p:nvSpPr>
         <p:spPr bwMode="auto">
           <a:xfrm>
-            <a:off x="395535" y="828645"/>
-            <a:ext cx="7967069" cy="4124186"/>
+            <a:off x="262531" y="1008357"/>
+            <a:ext cx="7967069" cy="1530615"/>
           </a:xfrm>
           <a:prstGeom prst="rect">
             <a:avLst/>
@@ -7045,17 +11284,13 @@
           </a:p>
           <a:p>
             <a:pPr algn="just"/>
-            <a:endParaRPr lang="en-US" altLang="zh-CN" kern="0" dirty="0"/>
-          </a:p>
-          <a:p>
-            <a:pPr algn="just"/>
             <a:r>
               <a:rPr lang="en-US" altLang="zh-CN" kern="0" dirty="0"/>
               <a:t> </a:t>
             </a:r>
             <a:r>
               <a:rPr lang="zh-CN" altLang="en-US" kern="0" dirty="0"/>
-              <a:t>相对死亡率 </a:t>
+              <a:t>死亡率 </a:t>
             </a:r>
             <a:r>
               <a:rPr lang="en-US" altLang="zh-CN" kern="0" dirty="0"/>
@@ -7071,7 +11306,15 @@
             </a:r>
             <a:r>
               <a:rPr lang="zh-CN" altLang="en-US" kern="0" dirty="0"/>
-              <a:t>受伤</a:t>
+              <a:t>（死亡</a:t>
+            </a:r>
+            <a:r>
+              <a:rPr lang="en-US" altLang="zh-CN" kern="0" dirty="0"/>
+              <a:t>+</a:t>
+            </a:r>
+            <a:r>
+              <a:rPr lang="zh-CN" altLang="en-US" kern="0" dirty="0"/>
+              <a:t>受伤）</a:t>
             </a:r>
             <a:endParaRPr lang="en-US" altLang="zh-CN" kern="0" dirty="0"/>
           </a:p>
@@ -7079,124 +11322,84 @@
             <a:pPr algn="just"/>
             <a:endParaRPr lang="en-US" altLang="zh-CN" kern="0" dirty="0"/>
           </a:p>
-          <a:p>
-            <a:pPr algn="just"/>
-            <a:r>
-              <a:rPr lang="en-US" altLang="zh-CN" kern="0" dirty="0"/>
-              <a:t> </a:t>
-            </a:r>
-            <a:r>
-              <a:rPr lang="zh-CN" altLang="en-US" kern="0" dirty="0"/>
-              <a:t>死亡率 </a:t>
-            </a:r>
-            <a:r>
-              <a:rPr lang="en-US" altLang="zh-CN" kern="0" dirty="0"/>
-              <a:t>= </a:t>
-            </a:r>
-            <a:r>
-              <a:rPr lang="zh-CN" altLang="en-US" kern="0" dirty="0"/>
-              <a:t>死亡</a:t>
-            </a:r>
-            <a:r>
-              <a:rPr lang="en-US" altLang="zh-CN" kern="0" dirty="0"/>
-              <a:t>/</a:t>
-            </a:r>
-            <a:r>
-              <a:rPr lang="zh-CN" altLang="en-US" kern="0" dirty="0"/>
-              <a:t>（死亡</a:t>
-            </a:r>
-            <a:r>
-              <a:rPr lang="en-US" altLang="zh-CN" kern="0" dirty="0"/>
-              <a:t>+</a:t>
-            </a:r>
-            <a:r>
-              <a:rPr lang="zh-CN" altLang="en-US" kern="0" dirty="0"/>
-              <a:t>受伤）</a:t>
-            </a:r>
-            <a:endParaRPr lang="en-US" altLang="zh-CN" kern="0" dirty="0"/>
-          </a:p>
-          <a:p>
-            <a:pPr algn="just"/>
-            <a:endParaRPr lang="en-US" altLang="zh-CN" kern="0" dirty="0"/>
-          </a:p>
-          <a:p>
-            <a:pPr algn="just"/>
-            <a:r>
-              <a:rPr lang="zh-CN" altLang="en-US" kern="0" dirty="0"/>
-              <a:t> 死亡个数</a:t>
-            </a:r>
-            <a:endParaRPr lang="en-US" altLang="zh-CN" kern="0" dirty="0"/>
-          </a:p>
-          <a:p>
-            <a:pPr algn="just">
-              <a:buNone/>
-            </a:pPr>
-            <a:endParaRPr lang="en-US" altLang="zh-CN" kern="0" dirty="0"/>
-          </a:p>
-          <a:p>
-            <a:pPr algn="just"/>
-            <a:r>
-              <a:rPr lang="zh-CN" altLang="en-US" kern="0" dirty="0"/>
-              <a:t> 雨天事故率</a:t>
-            </a:r>
-            <a:r>
-              <a:rPr lang="en-US" altLang="zh-CN" kern="0" dirty="0"/>
-              <a:t>/</a:t>
-            </a:r>
-            <a:r>
-              <a:rPr lang="zh-CN" altLang="en-US" kern="0" dirty="0"/>
-              <a:t>晴天事故率、雨天死亡人数</a:t>
-            </a:r>
-            <a:r>
-              <a:rPr lang="en-US" altLang="zh-CN" kern="0" dirty="0"/>
-              <a:t>/</a:t>
-            </a:r>
-            <a:r>
-              <a:rPr lang="zh-CN" altLang="en-US" kern="0" dirty="0"/>
-              <a:t>晴天死亡人数</a:t>
-            </a:r>
-            <a:endParaRPr lang="en-US" altLang="zh-CN" kern="0" dirty="0"/>
-          </a:p>
-          <a:p>
-            <a:pPr algn="just">
-              <a:buNone/>
-            </a:pPr>
-            <a:r>
-              <a:rPr lang="en-US" altLang="zh-CN" kern="0" dirty="0"/>
-              <a:t>	Old</a:t>
-            </a:r>
-            <a:r>
-              <a:rPr lang="zh-CN" altLang="en-US" kern="0" dirty="0"/>
-              <a:t>死亡率</a:t>
-            </a:r>
-            <a:r>
-              <a:rPr lang="en-US" altLang="zh-CN" kern="0" dirty="0"/>
-              <a:t>0</a:t>
-            </a:r>
-            <a:r>
-              <a:rPr lang="zh-CN" altLang="en-US" kern="0" dirty="0"/>
-              <a:t>，用</a:t>
-            </a:r>
-            <a:r>
-              <a:rPr lang="en-US" altLang="zh-CN" kern="0" dirty="0"/>
-              <a:t>x</a:t>
-            </a:r>
-            <a:r>
-              <a:rPr lang="zh-CN" altLang="en-US" kern="0" dirty="0"/>
-              <a:t>代替</a:t>
-            </a:r>
-            <a:endParaRPr lang="en-US" altLang="zh-CN" kern="0" dirty="0"/>
-          </a:p>
-          <a:p>
-            <a:pPr algn="just"/>
-            <a:endParaRPr lang="en-US" altLang="zh-CN" kern="0" dirty="0"/>
-          </a:p>
-        </p:txBody>
-      </p:sp>
+        </p:txBody>
+      </p:sp>
+      <p:pic>
+        <p:nvPicPr>
+          <p:cNvPr id="5" name="图片 4" descr="图片包含 文字&#10;&#10;已生成高可信度的说明">
+            <a:extLst>
+              <a:ext uri="{FF2B5EF4-FFF2-40B4-BE49-F238E27FC236}">
+                <a16:creationId xmlns:a16="http://schemas.microsoft.com/office/drawing/2014/main" id="{68B6B732-F706-4DD4-9533-1EFE3521A044}"/>
+              </a:ext>
+            </a:extLst>
+          </p:cNvPr>
+          <p:cNvPicPr>
+            <a:picLocks noChangeAspect="1"/>
+          </p:cNvPicPr>
+          <p:nvPr/>
+        </p:nvPicPr>
+        <p:blipFill>
+          <a:blip r:embed="rId4">
+            <a:extLst>
+              <a:ext uri="{28A0092B-C50C-407E-A947-70E740481C1C}">
+                <a14:useLocalDpi xmlns:a14="http://schemas.microsoft.com/office/drawing/2010/main" val="0"/>
+              </a:ext>
+            </a:extLst>
+          </a:blip>
+          <a:stretch>
+            <a:fillRect/>
+          </a:stretch>
+        </p:blipFill>
+        <p:spPr>
+          <a:xfrm>
+            <a:off x="4719018" y="2538972"/>
+            <a:ext cx="4325231" cy="3243923"/>
+          </a:xfrm>
+          <a:prstGeom prst="rect">
+            <a:avLst/>
+          </a:prstGeom>
+        </p:spPr>
+      </p:pic>
+      <p:pic>
+        <p:nvPicPr>
+          <p:cNvPr id="8" name="图片 7">
+            <a:extLst>
+              <a:ext uri="{FF2B5EF4-FFF2-40B4-BE49-F238E27FC236}">
+                <a16:creationId xmlns:a16="http://schemas.microsoft.com/office/drawing/2014/main" id="{0DE0789C-71FF-4604-A170-C018E4DC7D40}"/>
+              </a:ext>
+            </a:extLst>
+          </p:cNvPr>
+          <p:cNvPicPr>
+            <a:picLocks noChangeAspect="1"/>
+          </p:cNvPicPr>
+          <p:nvPr/>
+        </p:nvPicPr>
+        <p:blipFill>
+          <a:blip r:embed="rId5">
+            <a:extLst>
+              <a:ext uri="{28A0092B-C50C-407E-A947-70E740481C1C}">
+                <a14:useLocalDpi xmlns:a14="http://schemas.microsoft.com/office/drawing/2010/main" val="0"/>
+              </a:ext>
+            </a:extLst>
+          </a:blip>
+          <a:stretch>
+            <a:fillRect/>
+          </a:stretch>
+        </p:blipFill>
+        <p:spPr>
+          <a:xfrm>
+            <a:off x="144760" y="2538972"/>
+            <a:ext cx="4325231" cy="3243923"/>
+          </a:xfrm>
+          <a:prstGeom prst="rect">
+            <a:avLst/>
+          </a:prstGeom>
+        </p:spPr>
+      </p:pic>
     </p:spTree>
     <p:extLst>
       <p:ext uri="{BB962C8B-B14F-4D97-AF65-F5344CB8AC3E}">
-        <p14:creationId xmlns:p14="http://schemas.microsoft.com/office/powerpoint/2010/main" val="1193446715"/>
+        <p14:creationId xmlns:p14="http://schemas.microsoft.com/office/powerpoint/2010/main" val="3208654726"/>
       </p:ext>
     </p:extLst>
   </p:cSld>
@@ -7310,7 +11513,7 @@
           <a:lstStyle/>
           <a:p>
             <a:r>
-              <a:rPr lang="zh-CN" altLang="en-US" sz="2000" b="1">
+              <a:rPr lang="zh-CN" altLang="en-US" sz="2000" b="1" dirty="0">
                 <a:solidFill>
                   <a:srgbClr val="FFFFFF"/>
                 </a:solidFill>
@@ -7324,22 +11527,8 @@
                 <a:latin typeface="微软雅黑" pitchFamily="34" charset="-122"/>
                 <a:ea typeface="微软雅黑" pitchFamily="34" charset="-122"/>
               </a:rPr>
-              <a:t>交互效应</a:t>
-            </a:r>
-            <a:endParaRPr lang="zh-CN" altLang="en-US" sz="2000" b="1" dirty="0">
-              <a:solidFill>
-                <a:srgbClr val="FFFFFF"/>
-              </a:solidFill>
-              <a:effectLst>
-                <a:outerShdw blurRad="38100" dist="38100" dir="2700000" algn="tl">
-                  <a:srgbClr val="000000">
-                    <a:alpha val="43137"/>
-                  </a:srgbClr>
-                </a:outerShdw>
-              </a:effectLst>
-              <a:latin typeface="微软雅黑" pitchFamily="34" charset="-122"/>
-              <a:ea typeface="微软雅黑" pitchFamily="34" charset="-122"/>
-            </a:endParaRPr>
+              <a:t>散点图</a:t>
+            </a:r>
           </a:p>
         </p:txBody>
       </p:sp>
@@ -7422,8 +11611,8 @@
         </p:nvSpPr>
         <p:spPr bwMode="auto">
           <a:xfrm>
-            <a:off x="395535" y="828645"/>
-            <a:ext cx="7967069" cy="4124186"/>
+            <a:off x="395535" y="542955"/>
+            <a:ext cx="7967069" cy="1563866"/>
           </a:xfrm>
           <a:prstGeom prst="rect">
             <a:avLst/>
@@ -7630,90 +11819,6 @@
             <a:endParaRPr lang="en-US" altLang="zh-CN" kern="0" dirty="0"/>
           </a:p>
           <a:p>
-            <a:pPr algn="just"/>
-            <a:endParaRPr lang="en-US" altLang="zh-CN" kern="0" dirty="0"/>
-          </a:p>
-          <a:p>
-            <a:pPr algn="just"/>
-            <a:r>
-              <a:rPr lang="en-US" altLang="zh-CN" kern="0" dirty="0"/>
-              <a:t> </a:t>
-            </a:r>
-            <a:r>
-              <a:rPr lang="zh-CN" altLang="en-US" kern="0" dirty="0"/>
-              <a:t>相对死亡率 </a:t>
-            </a:r>
-            <a:r>
-              <a:rPr lang="en-US" altLang="zh-CN" kern="0" dirty="0"/>
-              <a:t>= </a:t>
-            </a:r>
-            <a:r>
-              <a:rPr lang="zh-CN" altLang="en-US" kern="0" dirty="0"/>
-              <a:t>死亡</a:t>
-            </a:r>
-            <a:r>
-              <a:rPr lang="en-US" altLang="zh-CN" kern="0" dirty="0"/>
-              <a:t>/</a:t>
-            </a:r>
-            <a:r>
-              <a:rPr lang="zh-CN" altLang="en-US" kern="0" dirty="0"/>
-              <a:t>受伤</a:t>
-            </a:r>
-            <a:endParaRPr lang="en-US" altLang="zh-CN" kern="0" dirty="0"/>
-          </a:p>
-          <a:p>
-            <a:pPr algn="just"/>
-            <a:endParaRPr lang="en-US" altLang="zh-CN" kern="0" dirty="0"/>
-          </a:p>
-          <a:p>
-            <a:pPr algn="just"/>
-            <a:r>
-              <a:rPr lang="en-US" altLang="zh-CN" kern="0" dirty="0"/>
-              <a:t> </a:t>
-            </a:r>
-            <a:r>
-              <a:rPr lang="zh-CN" altLang="en-US" kern="0" dirty="0"/>
-              <a:t>死亡率 </a:t>
-            </a:r>
-            <a:r>
-              <a:rPr lang="en-US" altLang="zh-CN" kern="0" dirty="0"/>
-              <a:t>= </a:t>
-            </a:r>
-            <a:r>
-              <a:rPr lang="zh-CN" altLang="en-US" kern="0" dirty="0"/>
-              <a:t>死亡</a:t>
-            </a:r>
-            <a:r>
-              <a:rPr lang="en-US" altLang="zh-CN" kern="0" dirty="0"/>
-              <a:t>/</a:t>
-            </a:r>
-            <a:r>
-              <a:rPr lang="zh-CN" altLang="en-US" kern="0" dirty="0"/>
-              <a:t>（死亡</a:t>
-            </a:r>
-            <a:r>
-              <a:rPr lang="en-US" altLang="zh-CN" kern="0" dirty="0"/>
-              <a:t>+</a:t>
-            </a:r>
-            <a:r>
-              <a:rPr lang="zh-CN" altLang="en-US" kern="0" dirty="0"/>
-              <a:t>受伤）</a:t>
-            </a:r>
-            <a:endParaRPr lang="en-US" altLang="zh-CN" kern="0" dirty="0"/>
-          </a:p>
-          <a:p>
-            <a:pPr algn="just"/>
-            <a:endParaRPr lang="en-US" altLang="zh-CN" kern="0" dirty="0"/>
-          </a:p>
-          <a:p>
-            <a:pPr algn="just"/>
-            <a:r>
-              <a:rPr lang="zh-CN" altLang="en-US" kern="0" dirty="0"/>
-              <a:t> 死亡个数</a:t>
-            </a:r>
-            <a:endParaRPr lang="en-US" altLang="zh-CN" kern="0" dirty="0"/>
-          </a:p>
-          <a:p>
             <a:pPr algn="just">
               <a:buNone/>
             </a:pPr>
@@ -7723,23 +11828,7 @@
             <a:pPr algn="just"/>
             <a:r>
               <a:rPr lang="zh-CN" altLang="en-US" kern="0" dirty="0"/>
-              <a:t> 雨天事故率</a:t>
-            </a:r>
-            <a:r>
-              <a:rPr lang="en-US" altLang="zh-CN" kern="0" dirty="0"/>
-              <a:t>/</a:t>
-            </a:r>
-            <a:r>
-              <a:rPr lang="zh-CN" altLang="en-US" kern="0" dirty="0"/>
-              <a:t>晴天事故率、雨天死亡人数</a:t>
-            </a:r>
-            <a:r>
-              <a:rPr lang="en-US" altLang="zh-CN" kern="0" dirty="0"/>
-              <a:t>/</a:t>
-            </a:r>
-            <a:r>
-              <a:rPr lang="zh-CN" altLang="en-US" kern="0" dirty="0"/>
-              <a:t>晴天死亡人数</a:t>
+              <a:t> 死亡个数</a:t>
             </a:r>
             <a:endParaRPr lang="en-US" altLang="zh-CN" kern="0" dirty="0"/>
           </a:p>
@@ -7747,42 +11836,86 @@
             <a:pPr algn="just">
               <a:buNone/>
             </a:pPr>
-            <a:r>
-              <a:rPr lang="en-US" altLang="zh-CN" kern="0" dirty="0"/>
-              <a:t>	Old</a:t>
-            </a:r>
-            <a:r>
-              <a:rPr lang="zh-CN" altLang="en-US" kern="0" dirty="0"/>
-              <a:t>死亡率</a:t>
-            </a:r>
-            <a:r>
-              <a:rPr lang="en-US" altLang="zh-CN" kern="0" dirty="0"/>
-              <a:t>0</a:t>
-            </a:r>
-            <a:r>
-              <a:rPr lang="zh-CN" altLang="en-US" kern="0" dirty="0"/>
-              <a:t>，用</a:t>
-            </a:r>
-            <a:r>
-              <a:rPr lang="en-US" altLang="zh-CN" kern="0" dirty="0"/>
-              <a:t>x</a:t>
-            </a:r>
-            <a:r>
-              <a:rPr lang="zh-CN" altLang="en-US" kern="0" dirty="0"/>
-              <a:t>代替</a:t>
-            </a:r>
             <a:endParaRPr lang="en-US" altLang="zh-CN" kern="0" dirty="0"/>
           </a:p>
-          <a:p>
-            <a:pPr algn="just"/>
-            <a:endParaRPr lang="en-US" altLang="zh-CN" kern="0" dirty="0"/>
-          </a:p>
-        </p:txBody>
-      </p:sp>
+        </p:txBody>
+      </p:sp>
+      <p:pic>
+        <p:nvPicPr>
+          <p:cNvPr id="5" name="图片 4" descr="图片包含 文字, 地图&#10;&#10;已生成高可信度的说明">
+            <a:extLst>
+              <a:ext uri="{FF2B5EF4-FFF2-40B4-BE49-F238E27FC236}">
+                <a16:creationId xmlns:a16="http://schemas.microsoft.com/office/drawing/2014/main" id="{855A88C1-D55A-4318-9F37-9D7D28BDAA07}"/>
+              </a:ext>
+            </a:extLst>
+          </p:cNvPr>
+          <p:cNvPicPr>
+            <a:picLocks noChangeAspect="1"/>
+          </p:cNvPicPr>
+          <p:nvPr/>
+        </p:nvPicPr>
+        <p:blipFill>
+          <a:blip r:embed="rId4">
+            <a:extLst>
+              <a:ext uri="{28A0092B-C50C-407E-A947-70E740481C1C}">
+                <a14:useLocalDpi xmlns:a14="http://schemas.microsoft.com/office/drawing/2010/main" val="0"/>
+              </a:ext>
+            </a:extLst>
+          </a:blip>
+          <a:stretch>
+            <a:fillRect/>
+          </a:stretch>
+        </p:blipFill>
+        <p:spPr>
+          <a:xfrm>
+            <a:off x="4574258" y="2667197"/>
+            <a:ext cx="4353611" cy="3265209"/>
+          </a:xfrm>
+          <a:prstGeom prst="rect">
+            <a:avLst/>
+          </a:prstGeom>
+        </p:spPr>
+      </p:pic>
+      <p:pic>
+        <p:nvPicPr>
+          <p:cNvPr id="8" name="图片 7" descr="图片包含 文字, 地图&#10;&#10;已生成高可信度的说明">
+            <a:extLst>
+              <a:ext uri="{FF2B5EF4-FFF2-40B4-BE49-F238E27FC236}">
+                <a16:creationId xmlns:a16="http://schemas.microsoft.com/office/drawing/2014/main" id="{C8F395F8-8DA0-4539-8793-A1DF71769DFD}"/>
+              </a:ext>
+            </a:extLst>
+          </p:cNvPr>
+          <p:cNvPicPr>
+            <a:picLocks noChangeAspect="1"/>
+          </p:cNvPicPr>
+          <p:nvPr/>
+        </p:nvPicPr>
+        <p:blipFill>
+          <a:blip r:embed="rId5">
+            <a:extLst>
+              <a:ext uri="{28A0092B-C50C-407E-A947-70E740481C1C}">
+                <a14:useLocalDpi xmlns:a14="http://schemas.microsoft.com/office/drawing/2010/main" val="0"/>
+              </a:ext>
+            </a:extLst>
+          </a:blip>
+          <a:stretch>
+            <a:fillRect/>
+          </a:stretch>
+        </p:blipFill>
+        <p:spPr>
+          <a:xfrm>
+            <a:off x="216131" y="2667197"/>
+            <a:ext cx="4353611" cy="3265209"/>
+          </a:xfrm>
+          <a:prstGeom prst="rect">
+            <a:avLst/>
+          </a:prstGeom>
+        </p:spPr>
+      </p:pic>
     </p:spTree>
     <p:extLst>
       <p:ext uri="{BB962C8B-B14F-4D97-AF65-F5344CB8AC3E}">
-        <p14:creationId xmlns:p14="http://schemas.microsoft.com/office/powerpoint/2010/main" val="2688428930"/>
+        <p14:creationId xmlns:p14="http://schemas.microsoft.com/office/powerpoint/2010/main" val="708407885"/>
       </p:ext>
     </p:extLst>
   </p:cSld>
@@ -7811,50 +11944,126 @@
       </p:grpSpPr>
       <p:pic>
         <p:nvPicPr>
-          <p:cNvPr id="4" name="图片 3"/>
+          <p:cNvPr id="1030" name="Picture 6"/>
           <p:cNvPicPr>
-            <a:picLocks noChangeAspect="1"/>
+            <a:picLocks noChangeAspect="1" noChangeArrowheads="1"/>
           </p:cNvPicPr>
           <p:nvPr/>
         </p:nvPicPr>
         <p:blipFill>
-          <a:blip r:embed="rId2" cstate="print">
+          <a:blip r:embed="rId3">
             <a:extLst>
               <a:ext uri="{28A0092B-C50C-407E-A947-70E740481C1C}">
                 <a14:useLocalDpi xmlns:a14="http://schemas.microsoft.com/office/drawing/2010/main" val="0"/>
               </a:ext>
             </a:extLst>
           </a:blip>
+          <a:srcRect/>
           <a:stretch>
             <a:fillRect/>
           </a:stretch>
         </p:blipFill>
-        <p:spPr>
+        <p:spPr bwMode="auto">
           <a:xfrm>
-            <a:off x="-1" y="-1"/>
-            <a:ext cx="9144887" cy="5143999"/>
+            <a:off x="0" y="0"/>
+            <a:ext cx="9144000" cy="685800"/>
           </a:xfrm>
           <a:prstGeom prst="rect">
             <a:avLst/>
           </a:prstGeom>
+          <a:noFill/>
+          <a:ln>
+            <a:noFill/>
+          </a:ln>
+          <a:effectLst/>
+          <a:extLst>
+            <a:ext uri="{909E8E84-426E-40DD-AFC4-6F175D3DCCD1}">
+              <a14:hiddenFill xmlns:a14="http://schemas.microsoft.com/office/drawing/2010/main">
+                <a:solidFill>
+                  <a:schemeClr val="accent1"/>
+                </a:solidFill>
+              </a14:hiddenFill>
+            </a:ext>
+            <a:ext uri="{91240B29-F687-4F45-9708-019B960494DF}">
+              <a14:hiddenLine xmlns:a14="http://schemas.microsoft.com/office/drawing/2010/main" w="9525">
+                <a:solidFill>
+                  <a:schemeClr val="tx1"/>
+                </a:solidFill>
+                <a:miter lim="800000"/>
+                <a:headEnd/>
+                <a:tailEnd/>
+              </a14:hiddenLine>
+            </a:ext>
+            <a:ext uri="{AF507438-7753-43E0-B8FC-AC1667EBCBE1}">
+              <a14:hiddenEffects xmlns:a14="http://schemas.microsoft.com/office/drawing/2010/main">
+                <a:effectLst>
+                  <a:outerShdw dist="35921" dir="2700000" algn="ctr" rotWithShape="0">
+                    <a:schemeClr val="bg2"/>
+                  </a:outerShdw>
+                </a:effectLst>
+              </a14:hiddenEffects>
+            </a:ext>
+          </a:extLst>
         </p:spPr>
       </p:pic>
       <p:sp>
         <p:nvSpPr>
-          <p:cNvPr id="24" name="矩形 23"/>
+          <p:cNvPr id="2" name="TextBox 1"/>
+          <p:cNvSpPr txBox="1"/>
+          <p:nvPr/>
+        </p:nvSpPr>
+        <p:spPr>
+          <a:xfrm>
+            <a:off x="395535" y="142845"/>
+            <a:ext cx="8348415" cy="400110"/>
+          </a:xfrm>
+          <a:prstGeom prst="rect">
+            <a:avLst/>
+          </a:prstGeom>
+          <a:noFill/>
+        </p:spPr>
+        <p:txBody>
+          <a:bodyPr wrap="square" rtlCol="0">
+            <a:spAutoFit/>
+          </a:bodyPr>
+          <a:lstStyle/>
+          <a:p>
+            <a:r>
+              <a:rPr lang="zh-CN" altLang="en-US" sz="2000" b="1" dirty="0">
+                <a:solidFill>
+                  <a:srgbClr val="FFFFFF"/>
+                </a:solidFill>
+                <a:effectLst>
+                  <a:outerShdw blurRad="38100" dist="38100" dir="2700000" algn="tl">
+                    <a:srgbClr val="000000">
+                      <a:alpha val="43137"/>
+                    </a:srgbClr>
+                  </a:outerShdw>
+                </a:effectLst>
+                <a:latin typeface="微软雅黑" pitchFamily="34" charset="-122"/>
+                <a:ea typeface="微软雅黑" pitchFamily="34" charset="-122"/>
+              </a:rPr>
+              <a:t>散点图</a:t>
+            </a:r>
+          </a:p>
+        </p:txBody>
+      </p:sp>
+      <p:sp>
+        <p:nvSpPr>
+          <p:cNvPr id="7" name="矩形 6"/>
           <p:cNvSpPr/>
           <p:nvPr/>
         </p:nvSpPr>
         <p:spPr>
           <a:xfrm>
-            <a:off x="1331" y="5184351"/>
-            <a:ext cx="9143556" cy="1674000"/>
+            <a:off x="0" y="6789944"/>
+            <a:ext cx="9144000" cy="68056"/>
           </a:xfrm>
           <a:prstGeom prst="rect">
             <a:avLst/>
           </a:prstGeom>
           <a:solidFill>
-            <a:srgbClr val="A3A3A3"/>
+            <a:srgbClr val="415D7B"/>
           </a:solidFill>
           <a:ln>
             <a:noFill/>
@@ -7887,38 +12096,513 @@
       </p:sp>
       <p:sp>
         <p:nvSpPr>
-          <p:cNvPr id="19" name="矩形 18"/>
-          <p:cNvSpPr/>
+          <p:cNvPr id="3" name="灯片编号占位符 2"/>
+          <p:cNvSpPr>
+            <a:spLocks noGrp="1"/>
+          </p:cNvSpPr>
+          <p:nvPr>
+            <p:ph type="sldNum" sz="quarter" idx="12"/>
+          </p:nvPr>
+        </p:nvSpPr>
+        <p:spPr/>
+        <p:txBody>
+          <a:bodyPr/>
+          <a:lstStyle/>
+          <a:p>
+            <a:fld id="{0F003B9C-CE26-4D71-B59B-D3ECF06D57F0}" type="slidenum">
+              <a:rPr lang="zh-CN" altLang="en-US" smtClean="0"/>
+              <a:t>8</a:t>
+            </a:fld>
+            <a:endParaRPr lang="zh-CN" altLang="en-US"/>
+          </a:p>
+        </p:txBody>
+      </p:sp>
+      <p:sp>
+        <p:nvSpPr>
+          <p:cNvPr id="70" name="内容占位符 2"/>
+          <p:cNvSpPr txBox="1">
+            <a:spLocks/>
+          </p:cNvSpPr>
           <p:nvPr/>
         </p:nvSpPr>
-        <p:spPr>
+        <p:spPr bwMode="auto">
           <a:xfrm>
-            <a:off x="1331" y="0"/>
-            <a:ext cx="9143556" cy="5143998"/>
+            <a:off x="161739" y="157057"/>
+            <a:ext cx="7967069" cy="2017769"/>
           </a:xfrm>
           <a:prstGeom prst="rect">
             <a:avLst/>
           </a:prstGeom>
-          <a:gradFill>
-            <a:gsLst>
-              <a:gs pos="0">
-                <a:srgbClr val="405F7C">
-                  <a:alpha val="85000"/>
-                </a:srgbClr>
-              </a:gs>
-              <a:gs pos="50000">
-                <a:srgbClr val="4A698C">
-                  <a:alpha val="95000"/>
-                </a:srgbClr>
-              </a:gs>
-              <a:gs pos="100000">
-                <a:srgbClr val="415D7B">
-                  <a:alpha val="95000"/>
-                </a:srgbClr>
-              </a:gs>
-            </a:gsLst>
-            <a:lin ang="5400000" scaled="0"/>
-          </a:gradFill>
+          <a:noFill/>
+          <a:ln w="9525">
+            <a:noFill/>
+            <a:miter lim="800000"/>
+            <a:headEnd/>
+            <a:tailEnd/>
+          </a:ln>
+        </p:spPr>
+        <p:txBody>
+          <a:bodyPr vert="horz" wrap="square" lIns="91440" tIns="45720" rIns="91440" bIns="45720" numCol="1" anchor="t" anchorCtr="0" compatLnSpc="1">
+            <a:prstTxWarp prst="textNoShape">
+              <a:avLst/>
+            </a:prstTxWarp>
+          </a:bodyPr>
+          <a:lstStyle>
+            <a:lvl1pPr algn="l" rtl="0" eaLnBrk="0" fontAlgn="base" hangingPunct="0">
+              <a:spcBef>
+                <a:spcPct val="20000"/>
+              </a:spcBef>
+              <a:spcAft>
+                <a:spcPct val="0"/>
+              </a:spcAft>
+              <a:buClr>
+                <a:srgbClr val="CC9900"/>
+              </a:buClr>
+              <a:buFont typeface="Wingdings" pitchFamily="2" charset="2"/>
+              <a:buChar char="p"/>
+              <a:defRPr sz="2000" b="0">
+                <a:solidFill>
+                  <a:srgbClr val="4A6784"/>
+                </a:solidFill>
+                <a:latin typeface="微软雅黑" pitchFamily="34" charset="-122"/>
+                <a:ea typeface="微软雅黑" pitchFamily="34" charset="-122"/>
+                <a:cs typeface="+mn-cs"/>
+              </a:defRPr>
+            </a:lvl1pPr>
+            <a:lvl2pPr marL="441325" indent="15875" algn="l" rtl="0" eaLnBrk="0" fontAlgn="base" hangingPunct="0">
+              <a:spcBef>
+                <a:spcPct val="20000"/>
+              </a:spcBef>
+              <a:spcAft>
+                <a:spcPct val="0"/>
+              </a:spcAft>
+              <a:buClr>
+                <a:srgbClr val="CC9900"/>
+              </a:buClr>
+              <a:buFont typeface="Wingdings" pitchFamily="2" charset="2"/>
+              <a:buChar char="Ø"/>
+              <a:defRPr b="0">
+                <a:solidFill>
+                  <a:schemeClr val="tx1"/>
+                </a:solidFill>
+                <a:latin typeface="微软雅黑" pitchFamily="34" charset="-122"/>
+                <a:ea typeface="微软雅黑" pitchFamily="34" charset="-122"/>
+              </a:defRPr>
+            </a:lvl2pPr>
+            <a:lvl3pPr marL="898525" indent="15875" algn="l" rtl="0" eaLnBrk="0" fontAlgn="base" hangingPunct="0">
+              <a:spcBef>
+                <a:spcPct val="20000"/>
+              </a:spcBef>
+              <a:spcAft>
+                <a:spcPct val="0"/>
+              </a:spcAft>
+              <a:buClr>
+                <a:srgbClr val="CC9900"/>
+              </a:buClr>
+              <a:buChar char="•"/>
+              <a:defRPr sz="1600">
+                <a:solidFill>
+                  <a:schemeClr val="tx1"/>
+                </a:solidFill>
+                <a:latin typeface="微软雅黑" pitchFamily="34" charset="-122"/>
+                <a:ea typeface="微软雅黑" pitchFamily="34" charset="-122"/>
+              </a:defRPr>
+            </a:lvl3pPr>
+            <a:lvl4pPr marL="1260475" algn="l" rtl="0" eaLnBrk="0" fontAlgn="base" hangingPunct="0">
+              <a:spcBef>
+                <a:spcPct val="20000"/>
+              </a:spcBef>
+              <a:spcAft>
+                <a:spcPct val="0"/>
+              </a:spcAft>
+              <a:buClr>
+                <a:srgbClr val="CC9900"/>
+              </a:buClr>
+              <a:buChar char="•"/>
+              <a:defRPr sz="1600">
+                <a:solidFill>
+                  <a:schemeClr val="tx1"/>
+                </a:solidFill>
+                <a:latin typeface="微软雅黑" pitchFamily="34" charset="-122"/>
+                <a:ea typeface="微软雅黑" pitchFamily="34" charset="-122"/>
+              </a:defRPr>
+            </a:lvl4pPr>
+            <a:lvl5pPr marL="1703388" algn="l" rtl="0" eaLnBrk="0" fontAlgn="base" hangingPunct="0">
+              <a:spcBef>
+                <a:spcPct val="20000"/>
+              </a:spcBef>
+              <a:spcAft>
+                <a:spcPct val="0"/>
+              </a:spcAft>
+              <a:buClr>
+                <a:srgbClr val="CC9900"/>
+              </a:buClr>
+              <a:buFont typeface="Arial" charset="0"/>
+              <a:buChar char="»"/>
+              <a:defRPr sz="1600">
+                <a:solidFill>
+                  <a:schemeClr val="tx1"/>
+                </a:solidFill>
+                <a:latin typeface="微软雅黑" pitchFamily="34" charset="-122"/>
+                <a:ea typeface="微软雅黑" pitchFamily="34" charset="-122"/>
+              </a:defRPr>
+            </a:lvl5pPr>
+            <a:lvl6pPr marL="2160588" algn="l" rtl="0" fontAlgn="base">
+              <a:spcBef>
+                <a:spcPct val="20000"/>
+              </a:spcBef>
+              <a:spcAft>
+                <a:spcPct val="0"/>
+              </a:spcAft>
+              <a:buClr>
+                <a:srgbClr val="CC9900"/>
+              </a:buClr>
+              <a:buFont typeface="Arial" charset="0"/>
+              <a:buChar char="»"/>
+              <a:defRPr>
+                <a:solidFill>
+                  <a:schemeClr val="tx1"/>
+                </a:solidFill>
+                <a:latin typeface="+mn-lt"/>
+                <a:ea typeface="+mn-ea"/>
+              </a:defRPr>
+            </a:lvl6pPr>
+            <a:lvl7pPr marL="2617788" algn="l" rtl="0" fontAlgn="base">
+              <a:spcBef>
+                <a:spcPct val="20000"/>
+              </a:spcBef>
+              <a:spcAft>
+                <a:spcPct val="0"/>
+              </a:spcAft>
+              <a:buClr>
+                <a:srgbClr val="CC9900"/>
+              </a:buClr>
+              <a:buFont typeface="Arial" charset="0"/>
+              <a:buChar char="»"/>
+              <a:defRPr>
+                <a:solidFill>
+                  <a:schemeClr val="tx1"/>
+                </a:solidFill>
+                <a:latin typeface="+mn-lt"/>
+                <a:ea typeface="+mn-ea"/>
+              </a:defRPr>
+            </a:lvl7pPr>
+            <a:lvl8pPr marL="3074988" algn="l" rtl="0" fontAlgn="base">
+              <a:spcBef>
+                <a:spcPct val="20000"/>
+              </a:spcBef>
+              <a:spcAft>
+                <a:spcPct val="0"/>
+              </a:spcAft>
+              <a:buClr>
+                <a:srgbClr val="CC9900"/>
+              </a:buClr>
+              <a:buFont typeface="Arial" charset="0"/>
+              <a:buChar char="»"/>
+              <a:defRPr>
+                <a:solidFill>
+                  <a:schemeClr val="tx1"/>
+                </a:solidFill>
+                <a:latin typeface="+mn-lt"/>
+                <a:ea typeface="+mn-ea"/>
+              </a:defRPr>
+            </a:lvl8pPr>
+            <a:lvl9pPr marL="3532188" algn="l" rtl="0" fontAlgn="base">
+              <a:spcBef>
+                <a:spcPct val="20000"/>
+              </a:spcBef>
+              <a:spcAft>
+                <a:spcPct val="0"/>
+              </a:spcAft>
+              <a:buClr>
+                <a:srgbClr val="CC9900"/>
+              </a:buClr>
+              <a:buFont typeface="Arial" charset="0"/>
+              <a:buChar char="»"/>
+              <a:defRPr>
+                <a:solidFill>
+                  <a:schemeClr val="tx1"/>
+                </a:solidFill>
+                <a:latin typeface="+mn-lt"/>
+                <a:ea typeface="+mn-ea"/>
+              </a:defRPr>
+            </a:lvl9pPr>
+          </a:lstStyle>
+          <a:p>
+            <a:pPr algn="just">
+              <a:buNone/>
+            </a:pPr>
+            <a:endParaRPr lang="en-US" altLang="zh-CN" kern="0" dirty="0"/>
+          </a:p>
+          <a:p>
+            <a:pPr algn="just">
+              <a:buNone/>
+            </a:pPr>
+            <a:endParaRPr lang="en-US" altLang="zh-CN" kern="0" dirty="0"/>
+          </a:p>
+          <a:p>
+            <a:pPr algn="just"/>
+            <a:r>
+              <a:rPr lang="zh-CN" altLang="en-US" kern="0" dirty="0"/>
+              <a:t> 雨天事故率</a:t>
+            </a:r>
+            <a:r>
+              <a:rPr lang="en-US" altLang="zh-CN" kern="0" dirty="0"/>
+              <a:t>/</a:t>
+            </a:r>
+            <a:r>
+              <a:rPr lang="zh-CN" altLang="en-US" kern="0" dirty="0"/>
+              <a:t>晴天事故率</a:t>
+            </a:r>
+            <a:endParaRPr lang="en-US" altLang="zh-CN" kern="0" dirty="0"/>
+          </a:p>
+          <a:p>
+            <a:pPr algn="just">
+              <a:buNone/>
+            </a:pPr>
+            <a:r>
+              <a:rPr lang="en-US" altLang="zh-CN" kern="0" dirty="0"/>
+              <a:t>    </a:t>
+            </a:r>
+            <a:r>
+              <a:rPr lang="zh-CN" altLang="en-US" kern="0" dirty="0"/>
+              <a:t>雨天死亡人数</a:t>
+            </a:r>
+            <a:r>
+              <a:rPr lang="en-US" altLang="zh-CN" kern="0" dirty="0"/>
+              <a:t>/</a:t>
+            </a:r>
+            <a:r>
+              <a:rPr lang="zh-CN" altLang="en-US" kern="0" dirty="0"/>
+              <a:t>晴天死亡人数</a:t>
+            </a:r>
+            <a:endParaRPr lang="en-US" altLang="zh-CN" kern="0" dirty="0"/>
+          </a:p>
+          <a:p>
+            <a:pPr algn="just">
+              <a:buNone/>
+            </a:pPr>
+            <a:r>
+              <a:rPr lang="en-US" altLang="zh-CN" kern="0" dirty="0"/>
+              <a:t>    </a:t>
+            </a:r>
+            <a:r>
+              <a:rPr lang="zh-CN" altLang="en-US" kern="0" dirty="0"/>
+              <a:t>若死亡率</a:t>
+            </a:r>
+            <a:r>
+              <a:rPr lang="en-US" altLang="zh-CN" kern="0" dirty="0"/>
+              <a:t>0</a:t>
+            </a:r>
+            <a:r>
+              <a:rPr lang="zh-CN" altLang="en-US" kern="0" dirty="0"/>
+              <a:t>，用</a:t>
+            </a:r>
+            <a:r>
+              <a:rPr lang="en-US" altLang="zh-CN" kern="0" dirty="0"/>
+              <a:t>x</a:t>
+            </a:r>
+            <a:r>
+              <a:rPr lang="zh-CN" altLang="en-US" kern="0" dirty="0"/>
+              <a:t>代替</a:t>
+            </a:r>
+            <a:endParaRPr lang="en-US" altLang="zh-CN" kern="0" dirty="0"/>
+          </a:p>
+          <a:p>
+            <a:pPr algn="just"/>
+            <a:endParaRPr lang="en-US" altLang="zh-CN" kern="0" dirty="0"/>
+          </a:p>
+        </p:txBody>
+      </p:sp>
+      <p:pic>
+        <p:nvPicPr>
+          <p:cNvPr id="5" name="图片 4">
+            <a:extLst>
+              <a:ext uri="{FF2B5EF4-FFF2-40B4-BE49-F238E27FC236}">
+                <a16:creationId xmlns:a16="http://schemas.microsoft.com/office/drawing/2014/main" id="{18F20096-3085-4AB1-B78A-CBA4B3E235E5}"/>
+              </a:ext>
+            </a:extLst>
+          </p:cNvPr>
+          <p:cNvPicPr>
+            <a:picLocks noChangeAspect="1"/>
+          </p:cNvPicPr>
+          <p:nvPr/>
+        </p:nvPicPr>
+        <p:blipFill>
+          <a:blip r:embed="rId4">
+            <a:extLst>
+              <a:ext uri="{28A0092B-C50C-407E-A947-70E740481C1C}">
+                <a14:useLocalDpi xmlns:a14="http://schemas.microsoft.com/office/drawing/2010/main" val="0"/>
+              </a:ext>
+            </a:extLst>
+          </a:blip>
+          <a:stretch>
+            <a:fillRect/>
+          </a:stretch>
+        </p:blipFill>
+        <p:spPr>
+          <a:xfrm>
+            <a:off x="1916850" y="2331883"/>
+            <a:ext cx="5305784" cy="3979338"/>
+          </a:xfrm>
+          <a:prstGeom prst="rect">
+            <a:avLst/>
+          </a:prstGeom>
+        </p:spPr>
+      </p:pic>
+    </p:spTree>
+    <p:extLst>
+      <p:ext uri="{BB962C8B-B14F-4D97-AF65-F5344CB8AC3E}">
+        <p14:creationId xmlns:p14="http://schemas.microsoft.com/office/powerpoint/2010/main" val="3463188384"/>
+      </p:ext>
+    </p:extLst>
+  </p:cSld>
+  <p:clrMapOvr>
+    <a:masterClrMapping/>
+  </p:clrMapOvr>
+</p:sld>
+</file>
+
+<file path=ppt/slides/slide9.xml><?xml version="1.0" encoding="utf-8"?>
+<p:sld xmlns:a="http://schemas.openxmlformats.org/drawingml/2006/main" xmlns:r="http://schemas.openxmlformats.org/officeDocument/2006/relationships" xmlns:p="http://schemas.openxmlformats.org/presentationml/2006/main">
+  <p:cSld>
+    <p:spTree>
+      <p:nvGrpSpPr>
+        <p:cNvPr id="1" name=""/>
+        <p:cNvGrpSpPr/>
+        <p:nvPr/>
+      </p:nvGrpSpPr>
+      <p:grpSpPr>
+        <a:xfrm>
+          <a:off x="0" y="0"/>
+          <a:ext cx="0" cy="0"/>
+          <a:chOff x="0" y="0"/>
+          <a:chExt cx="0" cy="0"/>
+        </a:xfrm>
+      </p:grpSpPr>
+      <p:pic>
+        <p:nvPicPr>
+          <p:cNvPr id="1030" name="Picture 6"/>
+          <p:cNvPicPr>
+            <a:picLocks noChangeAspect="1" noChangeArrowheads="1"/>
+          </p:cNvPicPr>
+          <p:nvPr/>
+        </p:nvPicPr>
+        <p:blipFill>
+          <a:blip r:embed="rId3">
+            <a:extLst>
+              <a:ext uri="{28A0092B-C50C-407E-A947-70E740481C1C}">
+                <a14:useLocalDpi xmlns:a14="http://schemas.microsoft.com/office/drawing/2010/main" val="0"/>
+              </a:ext>
+            </a:extLst>
+          </a:blip>
+          <a:srcRect/>
+          <a:stretch>
+            <a:fillRect/>
+          </a:stretch>
+        </p:blipFill>
+        <p:spPr bwMode="auto">
+          <a:xfrm>
+            <a:off x="0" y="0"/>
+            <a:ext cx="9144000" cy="685800"/>
+          </a:xfrm>
+          <a:prstGeom prst="rect">
+            <a:avLst/>
+          </a:prstGeom>
+          <a:noFill/>
+          <a:ln>
+            <a:noFill/>
+          </a:ln>
+          <a:effectLst/>
+          <a:extLst>
+            <a:ext uri="{909E8E84-426E-40DD-AFC4-6F175D3DCCD1}">
+              <a14:hiddenFill xmlns:a14="http://schemas.microsoft.com/office/drawing/2010/main">
+                <a:solidFill>
+                  <a:schemeClr val="accent1"/>
+                </a:solidFill>
+              </a14:hiddenFill>
+            </a:ext>
+            <a:ext uri="{91240B29-F687-4F45-9708-019B960494DF}">
+              <a14:hiddenLine xmlns:a14="http://schemas.microsoft.com/office/drawing/2010/main" w="9525">
+                <a:solidFill>
+                  <a:schemeClr val="tx1"/>
+                </a:solidFill>
+                <a:miter lim="800000"/>
+                <a:headEnd/>
+                <a:tailEnd/>
+              </a14:hiddenLine>
+            </a:ext>
+            <a:ext uri="{AF507438-7753-43E0-B8FC-AC1667EBCBE1}">
+              <a14:hiddenEffects xmlns:a14="http://schemas.microsoft.com/office/drawing/2010/main">
+                <a:effectLst>
+                  <a:outerShdw dist="35921" dir="2700000" algn="ctr" rotWithShape="0">
+                    <a:schemeClr val="bg2"/>
+                  </a:outerShdw>
+                </a:effectLst>
+              </a14:hiddenEffects>
+            </a:ext>
+          </a:extLst>
+        </p:spPr>
+      </p:pic>
+      <p:sp>
+        <p:nvSpPr>
+          <p:cNvPr id="2" name="TextBox 1"/>
+          <p:cNvSpPr txBox="1"/>
+          <p:nvPr/>
+        </p:nvSpPr>
+        <p:spPr>
+          <a:xfrm>
+            <a:off x="395535" y="142845"/>
+            <a:ext cx="8348415" cy="400110"/>
+          </a:xfrm>
+          <a:prstGeom prst="rect">
+            <a:avLst/>
+          </a:prstGeom>
+          <a:noFill/>
+        </p:spPr>
+        <p:txBody>
+          <a:bodyPr wrap="square" rtlCol="0">
+            <a:spAutoFit/>
+          </a:bodyPr>
+          <a:lstStyle/>
+          <a:p>
+            <a:r>
+              <a:rPr lang="zh-CN" altLang="en-US" sz="2000" b="1" dirty="0">
+                <a:solidFill>
+                  <a:srgbClr val="FFFFFF"/>
+                </a:solidFill>
+                <a:effectLst>
+                  <a:outerShdw blurRad="38100" dist="38100" dir="2700000" algn="tl">
+                    <a:srgbClr val="000000">
+                      <a:alpha val="43137"/>
+                    </a:srgbClr>
+                  </a:outerShdw>
+                </a:effectLst>
+                <a:latin typeface="微软雅黑" pitchFamily="34" charset="-122"/>
+                <a:ea typeface="微软雅黑" pitchFamily="34" charset="-122"/>
+              </a:rPr>
+              <a:t>相关性分析</a:t>
+            </a:r>
+          </a:p>
+        </p:txBody>
+      </p:sp>
+      <p:sp>
+        <p:nvSpPr>
+          <p:cNvPr id="7" name="矩形 6"/>
+          <p:cNvSpPr/>
+          <p:nvPr/>
+        </p:nvSpPr>
+        <p:spPr>
+          <a:xfrm>
+            <a:off x="0" y="6789944"/>
+            <a:ext cx="9144000" cy="68056"/>
+          </a:xfrm>
+          <a:prstGeom prst="rect">
+            <a:avLst/>
+          </a:prstGeom>
+          <a:solidFill>
+            <a:srgbClr val="415D7B"/>
+          </a:solidFill>
           <a:ln>
             <a:noFill/>
           </a:ln>
@@ -7950,92 +12634,452 @@
       </p:sp>
       <p:sp>
         <p:nvSpPr>
-          <p:cNvPr id="20" name="TextBox 19"/>
-          <p:cNvSpPr txBox="1"/>
+          <p:cNvPr id="3" name="灯片编号占位符 2"/>
+          <p:cNvSpPr>
+            <a:spLocks noGrp="1"/>
+          </p:cNvSpPr>
+          <p:nvPr>
+            <p:ph type="sldNum" sz="quarter" idx="12"/>
+          </p:nvPr>
+        </p:nvSpPr>
+        <p:spPr/>
+        <p:txBody>
+          <a:bodyPr/>
+          <a:lstStyle/>
+          <a:p>
+            <a:fld id="{0F003B9C-CE26-4D71-B59B-D3ECF06D57F0}" type="slidenum">
+              <a:rPr lang="zh-CN" altLang="en-US" smtClean="0"/>
+              <a:t>9</a:t>
+            </a:fld>
+            <a:endParaRPr lang="zh-CN" altLang="en-US"/>
+          </a:p>
+        </p:txBody>
+      </p:sp>
+      <p:sp>
+        <p:nvSpPr>
+          <p:cNvPr id="70" name="内容占位符 2"/>
+          <p:cNvSpPr txBox="1">
+            <a:spLocks/>
+          </p:cNvSpPr>
           <p:nvPr/>
         </p:nvSpPr>
-        <p:spPr>
+        <p:spPr bwMode="auto">
           <a:xfrm>
-            <a:off x="3707904" y="2492896"/>
-            <a:ext cx="4392454" cy="707886"/>
+            <a:off x="395535" y="828645"/>
+            <a:ext cx="7967069" cy="5459238"/>
           </a:xfrm>
           <a:prstGeom prst="rect">
             <a:avLst/>
           </a:prstGeom>
           <a:noFill/>
+          <a:ln w="9525">
+            <a:noFill/>
+            <a:miter lim="800000"/>
+            <a:headEnd/>
+            <a:tailEnd/>
+          </a:ln>
         </p:spPr>
         <p:txBody>
-          <a:bodyPr wrap="square" rtlCol="0">
-            <a:spAutoFit/>
+          <a:bodyPr vert="horz" wrap="square" lIns="91440" tIns="45720" rIns="91440" bIns="45720" numCol="1" anchor="t" anchorCtr="0" compatLnSpc="1">
+            <a:prstTxWarp prst="textNoShape">
+              <a:avLst/>
+            </a:prstTxWarp>
           </a:bodyPr>
-          <a:lstStyle/>
-          <a:p>
-            <a:pPr algn="r"/>
-            <a:r>
-              <a:rPr lang="zh-CN" altLang="en-US" sz="4000" b="1" dirty="0">
-                <a:solidFill>
-                  <a:srgbClr val="FFFFFF"/>
-                </a:solidFill>
-                <a:effectLst>
-                  <a:outerShdw blurRad="38100" dist="38100" dir="2700000" algn="tl">
-                    <a:srgbClr val="000000">
-                      <a:alpha val="43137"/>
-                    </a:srgbClr>
-                  </a:outerShdw>
-                </a:effectLst>
-                <a:latin typeface="Arial Unicode MS" pitchFamily="34" charset="-122"/>
-                <a:ea typeface="Arial Unicode MS" pitchFamily="34" charset="-122"/>
-                <a:cs typeface="Arial Unicode MS" pitchFamily="34" charset="-122"/>
-              </a:rPr>
-              <a:t>谢谢</a:t>
-            </a:r>
-            <a:r>
-              <a:rPr lang="en-US" altLang="zh-CN" sz="4000" b="1" dirty="0">
-                <a:solidFill>
-                  <a:srgbClr val="FFFFFF"/>
-                </a:solidFill>
-                <a:effectLst>
-                  <a:outerShdw blurRad="38100" dist="38100" dir="2700000" algn="tl">
-                    <a:srgbClr val="000000">
-                      <a:alpha val="43137"/>
-                    </a:srgbClr>
-                  </a:outerShdw>
-                </a:effectLst>
-                <a:latin typeface="Arial Unicode MS" pitchFamily="34" charset="-122"/>
-                <a:ea typeface="Arial Unicode MS" pitchFamily="34" charset="-122"/>
-                <a:cs typeface="Arial Unicode MS" pitchFamily="34" charset="-122"/>
-              </a:rPr>
-              <a:t>!</a:t>
-            </a:r>
-            <a:endParaRPr lang="zh-CN" altLang="en-US" sz="4000" b="1" dirty="0">
-              <a:solidFill>
-                <a:srgbClr val="FFFFFF"/>
-              </a:solidFill>
-              <a:effectLst>
-                <a:outerShdw blurRad="38100" dist="38100" dir="2700000" algn="tl">
-                  <a:srgbClr val="000000">
-                    <a:alpha val="43137"/>
-                  </a:srgbClr>
-                </a:outerShdw>
-              </a:effectLst>
-              <a:latin typeface="Arial Unicode MS" pitchFamily="34" charset="-122"/>
-              <a:ea typeface="Arial Unicode MS" pitchFamily="34" charset="-122"/>
-              <a:cs typeface="Arial Unicode MS" pitchFamily="34" charset="-122"/>
-            </a:endParaRPr>
+          <a:lstStyle>
+            <a:lvl1pPr algn="l" rtl="0" eaLnBrk="0" fontAlgn="base" hangingPunct="0">
+              <a:spcBef>
+                <a:spcPct val="20000"/>
+              </a:spcBef>
+              <a:spcAft>
+                <a:spcPct val="0"/>
+              </a:spcAft>
+              <a:buClr>
+                <a:srgbClr val="CC9900"/>
+              </a:buClr>
+              <a:buFont typeface="Wingdings" pitchFamily="2" charset="2"/>
+              <a:buChar char="p"/>
+              <a:defRPr sz="2000" b="0">
+                <a:solidFill>
+                  <a:srgbClr val="4A6784"/>
+                </a:solidFill>
+                <a:latin typeface="微软雅黑" pitchFamily="34" charset="-122"/>
+                <a:ea typeface="微软雅黑" pitchFamily="34" charset="-122"/>
+                <a:cs typeface="+mn-cs"/>
+              </a:defRPr>
+            </a:lvl1pPr>
+            <a:lvl2pPr marL="441325" indent="15875" algn="l" rtl="0" eaLnBrk="0" fontAlgn="base" hangingPunct="0">
+              <a:spcBef>
+                <a:spcPct val="20000"/>
+              </a:spcBef>
+              <a:spcAft>
+                <a:spcPct val="0"/>
+              </a:spcAft>
+              <a:buClr>
+                <a:srgbClr val="CC9900"/>
+              </a:buClr>
+              <a:buFont typeface="Wingdings" pitchFamily="2" charset="2"/>
+              <a:buChar char="Ø"/>
+              <a:defRPr b="0">
+                <a:solidFill>
+                  <a:schemeClr val="tx1"/>
+                </a:solidFill>
+                <a:latin typeface="微软雅黑" pitchFamily="34" charset="-122"/>
+                <a:ea typeface="微软雅黑" pitchFamily="34" charset="-122"/>
+              </a:defRPr>
+            </a:lvl2pPr>
+            <a:lvl3pPr marL="898525" indent="15875" algn="l" rtl="0" eaLnBrk="0" fontAlgn="base" hangingPunct="0">
+              <a:spcBef>
+                <a:spcPct val="20000"/>
+              </a:spcBef>
+              <a:spcAft>
+                <a:spcPct val="0"/>
+              </a:spcAft>
+              <a:buClr>
+                <a:srgbClr val="CC9900"/>
+              </a:buClr>
+              <a:buChar char="•"/>
+              <a:defRPr sz="1600">
+                <a:solidFill>
+                  <a:schemeClr val="tx1"/>
+                </a:solidFill>
+                <a:latin typeface="微软雅黑" pitchFamily="34" charset="-122"/>
+                <a:ea typeface="微软雅黑" pitchFamily="34" charset="-122"/>
+              </a:defRPr>
+            </a:lvl3pPr>
+            <a:lvl4pPr marL="1260475" algn="l" rtl="0" eaLnBrk="0" fontAlgn="base" hangingPunct="0">
+              <a:spcBef>
+                <a:spcPct val="20000"/>
+              </a:spcBef>
+              <a:spcAft>
+                <a:spcPct val="0"/>
+              </a:spcAft>
+              <a:buClr>
+                <a:srgbClr val="CC9900"/>
+              </a:buClr>
+              <a:buChar char="•"/>
+              <a:defRPr sz="1600">
+                <a:solidFill>
+                  <a:schemeClr val="tx1"/>
+                </a:solidFill>
+                <a:latin typeface="微软雅黑" pitchFamily="34" charset="-122"/>
+                <a:ea typeface="微软雅黑" pitchFamily="34" charset="-122"/>
+              </a:defRPr>
+            </a:lvl4pPr>
+            <a:lvl5pPr marL="1703388" algn="l" rtl="0" eaLnBrk="0" fontAlgn="base" hangingPunct="0">
+              <a:spcBef>
+                <a:spcPct val="20000"/>
+              </a:spcBef>
+              <a:spcAft>
+                <a:spcPct val="0"/>
+              </a:spcAft>
+              <a:buClr>
+                <a:srgbClr val="CC9900"/>
+              </a:buClr>
+              <a:buFont typeface="Arial" charset="0"/>
+              <a:buChar char="»"/>
+              <a:defRPr sz="1600">
+                <a:solidFill>
+                  <a:schemeClr val="tx1"/>
+                </a:solidFill>
+                <a:latin typeface="微软雅黑" pitchFamily="34" charset="-122"/>
+                <a:ea typeface="微软雅黑" pitchFamily="34" charset="-122"/>
+              </a:defRPr>
+            </a:lvl5pPr>
+            <a:lvl6pPr marL="2160588" algn="l" rtl="0" fontAlgn="base">
+              <a:spcBef>
+                <a:spcPct val="20000"/>
+              </a:spcBef>
+              <a:spcAft>
+                <a:spcPct val="0"/>
+              </a:spcAft>
+              <a:buClr>
+                <a:srgbClr val="CC9900"/>
+              </a:buClr>
+              <a:buFont typeface="Arial" charset="0"/>
+              <a:buChar char="»"/>
+              <a:defRPr>
+                <a:solidFill>
+                  <a:schemeClr val="tx1"/>
+                </a:solidFill>
+                <a:latin typeface="+mn-lt"/>
+                <a:ea typeface="+mn-ea"/>
+              </a:defRPr>
+            </a:lvl6pPr>
+            <a:lvl7pPr marL="2617788" algn="l" rtl="0" fontAlgn="base">
+              <a:spcBef>
+                <a:spcPct val="20000"/>
+              </a:spcBef>
+              <a:spcAft>
+                <a:spcPct val="0"/>
+              </a:spcAft>
+              <a:buClr>
+                <a:srgbClr val="CC9900"/>
+              </a:buClr>
+              <a:buFont typeface="Arial" charset="0"/>
+              <a:buChar char="»"/>
+              <a:defRPr>
+                <a:solidFill>
+                  <a:schemeClr val="tx1"/>
+                </a:solidFill>
+                <a:latin typeface="+mn-lt"/>
+                <a:ea typeface="+mn-ea"/>
+              </a:defRPr>
+            </a:lvl7pPr>
+            <a:lvl8pPr marL="3074988" algn="l" rtl="0" fontAlgn="base">
+              <a:spcBef>
+                <a:spcPct val="20000"/>
+              </a:spcBef>
+              <a:spcAft>
+                <a:spcPct val="0"/>
+              </a:spcAft>
+              <a:buClr>
+                <a:srgbClr val="CC9900"/>
+              </a:buClr>
+              <a:buFont typeface="Arial" charset="0"/>
+              <a:buChar char="»"/>
+              <a:defRPr>
+                <a:solidFill>
+                  <a:schemeClr val="tx1"/>
+                </a:solidFill>
+                <a:latin typeface="+mn-lt"/>
+                <a:ea typeface="+mn-ea"/>
+              </a:defRPr>
+            </a:lvl8pPr>
+            <a:lvl9pPr marL="3532188" algn="l" rtl="0" fontAlgn="base">
+              <a:spcBef>
+                <a:spcPct val="20000"/>
+              </a:spcBef>
+              <a:spcAft>
+                <a:spcPct val="0"/>
+              </a:spcAft>
+              <a:buClr>
+                <a:srgbClr val="CC9900"/>
+              </a:buClr>
+              <a:buFont typeface="Arial" charset="0"/>
+              <a:buChar char="»"/>
+              <a:defRPr>
+                <a:solidFill>
+                  <a:schemeClr val="tx1"/>
+                </a:solidFill>
+                <a:latin typeface="+mn-lt"/>
+                <a:ea typeface="+mn-ea"/>
+              </a:defRPr>
+            </a:lvl9pPr>
+          </a:lstStyle>
+          <a:p>
+            <a:pPr algn="just">
+              <a:buNone/>
+            </a:pPr>
+            <a:endParaRPr lang="en-US" altLang="zh-CN" kern="0" dirty="0"/>
+          </a:p>
+          <a:p>
+            <a:pPr algn="just">
+              <a:buNone/>
+            </a:pPr>
+            <a:endParaRPr lang="en-US" altLang="zh-CN" kern="0" dirty="0"/>
+          </a:p>
+          <a:p>
+            <a:pPr algn="just"/>
+            <a:r>
+              <a:rPr lang="zh-CN" altLang="en-US" kern="0" dirty="0"/>
+              <a:t> 死亡个数</a:t>
+            </a:r>
+            <a:endParaRPr lang="en-US" altLang="zh-CN" kern="0" dirty="0"/>
+          </a:p>
+          <a:p>
+            <a:pPr algn="just"/>
+            <a:endParaRPr lang="en-US" altLang="zh-CN" kern="0" dirty="0"/>
+          </a:p>
+          <a:p>
+            <a:pPr algn="just"/>
+            <a:r>
+              <a:rPr lang="en-US" altLang="zh-CN" kern="0" dirty="0"/>
+              <a:t> </a:t>
+            </a:r>
+            <a:r>
+              <a:rPr lang="zh-CN" altLang="en-US" kern="0" dirty="0"/>
+              <a:t>受伤个数</a:t>
+            </a:r>
+            <a:endParaRPr lang="en-US" altLang="zh-CN" kern="0" dirty="0"/>
+          </a:p>
+          <a:p>
+            <a:pPr algn="just"/>
+            <a:endParaRPr lang="en-US" altLang="zh-CN" kern="0" dirty="0"/>
+          </a:p>
+          <a:p>
+            <a:pPr algn="just"/>
+            <a:r>
+              <a:rPr lang="zh-CN" altLang="en-US" kern="0" dirty="0"/>
+              <a:t> 死亡率 </a:t>
+            </a:r>
+            <a:r>
+              <a:rPr lang="en-US" altLang="zh-CN" kern="0" dirty="0"/>
+              <a:t>= </a:t>
+            </a:r>
+            <a:r>
+              <a:rPr lang="zh-CN" altLang="en-US" kern="0" dirty="0"/>
+              <a:t>死亡</a:t>
+            </a:r>
+            <a:r>
+              <a:rPr lang="en-US" altLang="zh-CN" kern="0" dirty="0"/>
+              <a:t>/</a:t>
+            </a:r>
+            <a:r>
+              <a:rPr lang="zh-CN" altLang="en-US" kern="0" dirty="0"/>
+              <a:t>（死亡</a:t>
+            </a:r>
+            <a:r>
+              <a:rPr lang="en-US" altLang="zh-CN" kern="0" dirty="0"/>
+              <a:t>+</a:t>
+            </a:r>
+            <a:r>
+              <a:rPr lang="zh-CN" altLang="en-US" kern="0" dirty="0"/>
+              <a:t>受伤） （</a:t>
+            </a:r>
+            <a:r>
+              <a:rPr lang="en-US" altLang="zh-CN" kern="0" dirty="0"/>
+              <a:t>NAN</a:t>
+            </a:r>
+            <a:r>
+              <a:rPr lang="zh-CN" altLang="en-US" kern="0" dirty="0"/>
+              <a:t>按</a:t>
+            </a:r>
+            <a:r>
+              <a:rPr lang="en-US" altLang="zh-CN" kern="0" dirty="0"/>
+              <a:t>0</a:t>
+            </a:r>
+            <a:r>
+              <a:rPr lang="zh-CN" altLang="en-US" kern="0" dirty="0"/>
+              <a:t>处理）</a:t>
+            </a:r>
+            <a:endParaRPr lang="en-US" altLang="zh-CN" kern="0" dirty="0"/>
+          </a:p>
+          <a:p>
+            <a:pPr algn="just"/>
+            <a:endParaRPr lang="en-US" altLang="zh-CN" kern="0" dirty="0"/>
+          </a:p>
+          <a:p>
+            <a:pPr algn="just">
+              <a:buNone/>
+            </a:pPr>
+            <a:endParaRPr lang="en-US" altLang="zh-CN" kern="0" dirty="0"/>
+          </a:p>
+          <a:p>
+            <a:pPr algn="just"/>
+            <a:r>
+              <a:rPr lang="zh-CN" altLang="en-US" kern="0" dirty="0"/>
+              <a:t> 相对死亡率 </a:t>
+            </a:r>
+            <a:r>
+              <a:rPr lang="en-US" altLang="zh-CN" kern="0" dirty="0"/>
+              <a:t>= </a:t>
+            </a:r>
+            <a:r>
+              <a:rPr lang="zh-CN" altLang="en-US" kern="0" dirty="0"/>
+              <a:t>死亡</a:t>
+            </a:r>
+            <a:r>
+              <a:rPr lang="en-US" altLang="zh-CN" kern="0" dirty="0"/>
+              <a:t>/</a:t>
+            </a:r>
+            <a:r>
+              <a:rPr lang="zh-CN" altLang="en-US" kern="0" dirty="0"/>
+              <a:t>受伤</a:t>
+            </a:r>
+            <a:r>
+              <a:rPr lang="en-US" altLang="zh-CN" kern="0" dirty="0"/>
+              <a:t>——</a:t>
+            </a:r>
+            <a:r>
+              <a:rPr lang="zh-CN" altLang="en-US" kern="0" dirty="0"/>
+              <a:t>不可 会出现</a:t>
+            </a:r>
+            <a:r>
+              <a:rPr lang="en-US" altLang="zh-CN" kern="0" dirty="0"/>
+              <a:t>inf</a:t>
+            </a:r>
+            <a:r>
+              <a:rPr lang="zh-CN" altLang="en-US" kern="0" dirty="0"/>
+              <a:t>（</a:t>
+            </a:r>
+            <a:r>
+              <a:rPr lang="en-US" altLang="zh-CN" kern="0" dirty="0"/>
+              <a:t>1/0</a:t>
+            </a:r>
+            <a:r>
+              <a:rPr lang="zh-CN" altLang="en-US" kern="0" dirty="0"/>
+              <a:t>）和</a:t>
+            </a:r>
+            <a:r>
+              <a:rPr lang="en-US" altLang="zh-CN" kern="0" dirty="0"/>
+              <a:t>nan</a:t>
+            </a:r>
+            <a:r>
+              <a:rPr lang="zh-CN" altLang="en-US" kern="0" dirty="0"/>
+              <a:t>（</a:t>
+            </a:r>
+            <a:r>
+              <a:rPr lang="en-US" altLang="zh-CN" kern="0" dirty="0"/>
+              <a:t>0/0</a:t>
+            </a:r>
+            <a:r>
+              <a:rPr lang="zh-CN" altLang="en-US" kern="0" dirty="0"/>
+              <a:t>）</a:t>
+            </a:r>
+            <a:endParaRPr lang="en-US" altLang="zh-CN" kern="0" dirty="0"/>
+          </a:p>
+          <a:p>
+            <a:pPr algn="just">
+              <a:buNone/>
+            </a:pPr>
+            <a:endParaRPr lang="en-US" altLang="zh-CN" kern="0" dirty="0"/>
+          </a:p>
+          <a:p>
+            <a:pPr algn="just"/>
+            <a:r>
+              <a:rPr lang="zh-CN" altLang="en-US" kern="0" dirty="0"/>
+              <a:t> 雨天事故率</a:t>
+            </a:r>
+            <a:r>
+              <a:rPr lang="en-US" altLang="zh-CN" kern="0" dirty="0"/>
+              <a:t>/</a:t>
+            </a:r>
+            <a:r>
+              <a:rPr lang="zh-CN" altLang="en-US" kern="0" dirty="0"/>
+              <a:t>晴天事故率、雨天死亡人数</a:t>
+            </a:r>
+            <a:r>
+              <a:rPr lang="en-US" altLang="zh-CN" kern="0" dirty="0"/>
+              <a:t>/</a:t>
+            </a:r>
+            <a:r>
+              <a:rPr lang="zh-CN" altLang="en-US" kern="0" dirty="0"/>
+              <a:t>晴天死亡人数</a:t>
+            </a:r>
+            <a:endParaRPr lang="en-US" altLang="zh-CN" kern="0" dirty="0"/>
+          </a:p>
+          <a:p>
+            <a:pPr algn="just">
+              <a:buNone/>
+            </a:pPr>
+            <a:r>
+              <a:rPr lang="zh-CN" altLang="en-US" kern="0" dirty="0"/>
+              <a:t>不可，无法比较</a:t>
+            </a:r>
+            <a:endParaRPr lang="en-US" altLang="zh-CN" kern="0" dirty="0"/>
           </a:p>
         </p:txBody>
       </p:sp>
     </p:spTree>
     <p:extLst>
       <p:ext uri="{BB962C8B-B14F-4D97-AF65-F5344CB8AC3E}">
-        <p14:creationId xmlns:p14="http://schemas.microsoft.com/office/powerpoint/2010/main" val="2580374432"/>
+        <p14:creationId xmlns:p14="http://schemas.microsoft.com/office/powerpoint/2010/main" val="2450510692"/>
       </p:ext>
     </p:extLst>
   </p:cSld>
   <p:clrMapOvr>
     <a:masterClrMapping/>
   </p:clrMapOvr>
-  <p:transition advTm="5508"/>
 </p:sld>
 </file>
 
